--- a/presentacion/presentacion.pptx
+++ b/presentacion/presentacion.pptx
@@ -5,16 +5,23 @@
     <p:sldMasterId id="2147483672" r:id="rId1"/>
   </p:sldMasterIdLst>
   <p:notesMasterIdLst>
-    <p:notesMasterId r:id="rId6"/>
+    <p:notesMasterId r:id="rId13"/>
   </p:notesMasterIdLst>
   <p:handoutMasterIdLst>
-    <p:handoutMasterId r:id="rId7"/>
+    <p:handoutMasterId r:id="rId14"/>
   </p:handoutMasterIdLst>
   <p:sldIdLst>
     <p:sldId id="256" r:id="rId2"/>
     <p:sldId id="262" r:id="rId3"/>
-    <p:sldId id="258" r:id="rId4"/>
-    <p:sldId id="260" r:id="rId5"/>
+    <p:sldId id="273" r:id="rId4"/>
+    <p:sldId id="258" r:id="rId5"/>
+    <p:sldId id="263" r:id="rId6"/>
+    <p:sldId id="274" r:id="rId7"/>
+    <p:sldId id="275" r:id="rId8"/>
+    <p:sldId id="264" r:id="rId9"/>
+    <p:sldId id="272" r:id="rId10"/>
+    <p:sldId id="265" r:id="rId11"/>
+    <p:sldId id="260" r:id="rId12"/>
   </p:sldIdLst>
   <p:sldSz cx="12192000" cy="6858000"/>
   <p:notesSz cx="6858000" cy="9144000"/>
@@ -220,7 +227,7 @@
             <a:pPr rtl="0"/>
             <a:fld id="{C62B80FE-187A-4085-BD71-F0873FF7BD68}" type="datetime1">
               <a:rPr lang="es-ES" smtClean="0"/>
-              <a:t>07/06/2025</a:t>
+              <a:t>10/06/2025</a:t>
             </a:fld>
             <a:endParaRPr lang="es-ES"/>
           </a:p>
@@ -402,7 +409,7 @@
             <a:pPr rtl="0"/>
             <a:fld id="{6D59A2BD-4571-4110-BB3E-5D004DE434FA}" type="datetime1">
               <a:rPr lang="es-ES" noProof="0" smtClean="0"/>
-              <a:t>07/06/2025</a:t>
+              <a:t>10/06/2025</a:t>
             </a:fld>
             <a:endParaRPr lang="es-ES" noProof="0"/>
           </a:p>
@@ -825,7 +832,7 @@
             <a:pPr rtl="0"/>
             <a:fld id="{C6B3AB32-59DF-41F1-9618-EDFBF5049629}" type="slidenum">
               <a:rPr lang="es-ES" smtClean="0"/>
-              <a:t>3</a:t>
+              <a:t>4</a:t>
             </a:fld>
             <a:endParaRPr lang="es-ES"/>
           </a:p>
@@ -911,7 +918,7 @@
             <a:pPr rtl="0"/>
             <a:fld id="{C6B3AB32-59DF-41F1-9618-EDFBF5049629}" type="slidenum">
               <a:rPr lang="es-ES" smtClean="0"/>
-              <a:t>4</a:t>
+              <a:t>11</a:t>
             </a:fld>
             <a:endParaRPr lang="es-ES"/>
           </a:p>
@@ -1176,7 +1183,7 @@
             <a:pPr rtl="0"/>
             <a:fld id="{F409C0D2-15DE-4FAC-845B-C48979FFAEB9}" type="datetime1">
               <a:rPr lang="es-ES" noProof="0" smtClean="0"/>
-              <a:t>07/06/2025</a:t>
+              <a:t>10/06/2025</a:t>
             </a:fld>
             <a:endParaRPr lang="es-ES" noProof="0"/>
           </a:p>
@@ -1441,7 +1448,7 @@
             <a:pPr rtl="0"/>
             <a:fld id="{8CF9F163-DD03-4353-882E-CE0F9A80F1C3}" type="datetime1">
               <a:rPr lang="es-ES" noProof="0" smtClean="0"/>
-              <a:t>07/06/2025</a:t>
+              <a:t>10/06/2025</a:t>
             </a:fld>
             <a:endParaRPr lang="es-ES" noProof="0"/>
           </a:p>
@@ -1679,7 +1686,7 @@
             <a:pPr rtl="0"/>
             <a:fld id="{8D2FF54C-EA2F-453C-857C-5C9ADB86CB43}" type="datetime1">
               <a:rPr lang="es-ES" noProof="0" smtClean="0"/>
-              <a:t>07/06/2025</a:t>
+              <a:t>10/06/2025</a:t>
             </a:fld>
             <a:endParaRPr lang="es-ES" noProof="0"/>
           </a:p>
@@ -1922,7 +1929,7 @@
             <a:pPr rtl="0"/>
             <a:fld id="{57670FF6-52DC-429F-9C56-6A1BF295232E}" type="datetime1">
               <a:rPr lang="es-ES" noProof="0" smtClean="0"/>
-              <a:t>07/06/2025</a:t>
+              <a:t>10/06/2025</a:t>
             </a:fld>
             <a:endParaRPr lang="es-ES" noProof="0"/>
           </a:p>
@@ -2233,7 +2240,7 @@
             <a:pPr rtl="0"/>
             <a:fld id="{85E27922-51B6-4B96-9C28-2CD2060AE75A}" type="datetime1">
               <a:rPr lang="es-ES" noProof="0" smtClean="0"/>
-              <a:t>07/06/2025</a:t>
+              <a:t>10/06/2025</a:t>
             </a:fld>
             <a:endParaRPr lang="es-ES" noProof="0"/>
           </a:p>
@@ -2537,7 +2544,7 @@
             <a:pPr rtl="0"/>
             <a:fld id="{F3ECF5D1-1C98-40FD-9D65-EED7644802B9}" type="datetime1">
               <a:rPr lang="es-ES" noProof="0" smtClean="0"/>
-              <a:t>07/06/2025</a:t>
+              <a:t>10/06/2025</a:t>
             </a:fld>
             <a:endParaRPr lang="es-ES" noProof="0"/>
           </a:p>
@@ -2961,7 +2968,7 @@
             <a:pPr rtl="0"/>
             <a:fld id="{8556C746-EB55-4634-AD93-A9FF2473885C}" type="datetime1">
               <a:rPr lang="es-ES" noProof="0" smtClean="0"/>
-              <a:t>07/06/2025</a:t>
+              <a:t>10/06/2025</a:t>
             </a:fld>
             <a:endParaRPr lang="es-ES" noProof="0"/>
           </a:p>
@@ -3060,7 +3067,7 @@
             <a:pPr rtl="0"/>
             <a:fld id="{C9051F13-F75A-440F-BED7-E2004746A95F}" type="datetime1">
               <a:rPr lang="es-ES" noProof="0" smtClean="0"/>
-              <a:t>07/06/2025</a:t>
+              <a:t>10/06/2025</a:t>
             </a:fld>
             <a:endParaRPr lang="es-ES" noProof="0"/>
           </a:p>
@@ -3226,7 +3233,7 @@
             <a:pPr rtl="0"/>
             <a:fld id="{3D7A2E7D-666A-420B-9042-959E1D47E21D}" type="datetime1">
               <a:rPr lang="es-ES" noProof="0" smtClean="0"/>
-              <a:t>07/06/2025</a:t>
+              <a:t>10/06/2025</a:t>
             </a:fld>
             <a:endParaRPr lang="es-ES" noProof="0"/>
           </a:p>
@@ -3607,7 +3614,7 @@
             <a:pPr rtl="0"/>
             <a:fld id="{0403F12F-0E67-4CAB-8DFD-26DCD4A99D59}" type="datetime1">
               <a:rPr lang="es-ES" noProof="0" smtClean="0"/>
-              <a:t>07/06/2025</a:t>
+              <a:t>10/06/2025</a:t>
             </a:fld>
             <a:endParaRPr lang="es-ES" noProof="0"/>
           </a:p>
@@ -3900,7 +3907,7 @@
             <a:pPr rtl="0"/>
             <a:fld id="{9709DA8C-1A59-4B91-B9EA-509377CD0E23}" type="datetime1">
               <a:rPr lang="es-ES" noProof="0" smtClean="0"/>
-              <a:t>07/06/2025</a:t>
+              <a:t>10/06/2025</a:t>
             </a:fld>
             <a:endParaRPr lang="es-ES" noProof="0"/>
           </a:p>
@@ -4114,7 +4121,7 @@
             <a:pPr rtl="0"/>
             <a:fld id="{A3DF7BF2-42BB-439B-88AA-F60334FF1291}" type="datetime1">
               <a:rPr lang="es-ES" noProof="0" smtClean="0"/>
-              <a:t>07/06/2025</a:t>
+              <a:t>10/06/2025</a:t>
             </a:fld>
             <a:endParaRPr lang="es-ES" noProof="0"/>
           </a:p>
@@ -4908,7 +4915,7 @@
             <a:bodyPr/>
             <a:lstStyle/>
             <a:p>
-              <a:endParaRPr lang="es-ES"/>
+              <a:endParaRPr lang="es-ES" dirty="0"/>
             </a:p>
           </p:txBody>
         </p:sp>
@@ -4967,7 +4974,7 @@
             <a:bodyPr/>
             <a:lstStyle/>
             <a:p>
-              <a:endParaRPr lang="es-ES"/>
+              <a:endParaRPr lang="es-ES" dirty="0"/>
             </a:p>
           </p:txBody>
         </p:sp>
@@ -5026,7 +5033,7 @@
             <a:bodyPr/>
             <a:lstStyle/>
             <a:p>
-              <a:endParaRPr lang="es-ES"/>
+              <a:endParaRPr lang="es-ES" dirty="0"/>
             </a:p>
           </p:txBody>
         </p:sp>
@@ -5090,7 +5097,7 @@
           <a:bodyPr/>
           <a:lstStyle/>
           <a:p>
-            <a:endParaRPr lang="es-ES"/>
+            <a:endParaRPr lang="es-ES" dirty="0"/>
           </a:p>
         </p:txBody>
       </p:sp>
@@ -5245,7 +5252,7 @@
 </p:sld>
 </file>
 
-<file path=ppt/slides/slide2.xml><?xml version="1.0" encoding="utf-8"?>
+<file path=ppt/slides/slide10.xml><?xml version="1.0" encoding="utf-8"?>
 <p:sld xmlns:a="http://schemas.openxmlformats.org/drawingml/2006/main" xmlns:r="http://schemas.openxmlformats.org/officeDocument/2006/relationships" xmlns:p="http://schemas.openxmlformats.org/presentationml/2006/main">
   <p:cSld>
     <p:spTree>
@@ -5267,7 +5274,7 @@
           <p:cNvPr id="2" name="Título 1">
             <a:extLst>
               <a:ext uri="{FF2B5EF4-FFF2-40B4-BE49-F238E27FC236}">
-                <a16:creationId xmlns:a16="http://schemas.microsoft.com/office/drawing/2014/main" id="{42D89D72-4F74-9D22-4A01-D1E4CF07C7B5}"/>
+                <a16:creationId xmlns:a16="http://schemas.microsoft.com/office/drawing/2014/main" id="{B5D6FAB0-E7FF-242F-4239-E6A95ABC0E02}"/>
               </a:ext>
             </a:extLst>
           </p:cNvPr>
@@ -5285,17 +5292,17 @@
           <a:p>
             <a:r>
               <a:rPr lang="es-ES" dirty="0"/>
-              <a:t>CONTENIDOS</a:t>
-            </a:r>
-          </a:p>
-        </p:txBody>
-      </p:sp>
-      <p:sp>
-        <p:nvSpPr>
-          <p:cNvPr id="6" name="Marcador de contenido 5">
+              <a:t>Conclusiones</a:t>
+            </a:r>
+          </a:p>
+        </p:txBody>
+      </p:sp>
+      <p:sp>
+        <p:nvSpPr>
+          <p:cNvPr id="3" name="Marcador de contenido 2">
             <a:extLst>
               <a:ext uri="{FF2B5EF4-FFF2-40B4-BE49-F238E27FC236}">
-                <a16:creationId xmlns:a16="http://schemas.microsoft.com/office/drawing/2014/main" id="{1836B161-6649-9E98-0E47-8CE22E6E6E9E}"/>
+                <a16:creationId xmlns:a16="http://schemas.microsoft.com/office/drawing/2014/main" id="{8B6E21AF-079D-5EB6-90C2-45CFB644EC8E}"/>
               </a:ext>
             </a:extLst>
           </p:cNvPr>
@@ -5312,90 +5319,145 @@
           <a:lstStyle/>
           <a:p>
             <a:r>
-              <a:rPr lang="es-ES" sz="2000" dirty="0"/>
-              <a:t>Introducción</a:t>
-            </a:r>
-          </a:p>
-          <a:p>
-            <a:r>
-              <a:rPr lang="es-ES" sz="2000" dirty="0"/>
-              <a:t>Tecnologías utilizadas</a:t>
-            </a:r>
-          </a:p>
-          <a:p>
-            <a:r>
-              <a:rPr lang="es-ES" sz="2000" dirty="0"/>
-              <a:t>Implementación</a:t>
-            </a:r>
-          </a:p>
-          <a:p>
-            <a:r>
-              <a:rPr lang="es-ES" sz="2000" dirty="0"/>
-              <a:t>Desarrollo del proyecto</a:t>
-            </a:r>
-          </a:p>
-          <a:p>
-            <a:r>
-              <a:rPr lang="es-ES" sz="2000" dirty="0"/>
-              <a:t>Conclusiones</a:t>
-            </a:r>
-          </a:p>
-          <a:p>
+              <a:rPr lang="es-ES" dirty="0"/>
+              <a:t>Objetivos </a:t>
+            </a:r>
+          </a:p>
+          <a:p>
+            <a:r>
+              <a:rPr lang="es-ES" dirty="0"/>
+              <a:t>Caja de herramientas</a:t>
+            </a:r>
+          </a:p>
+          <a:p>
+            <a:r>
+              <a:rPr lang="es-ES" dirty="0"/>
+              <a:t>Implementaciones </a:t>
+            </a:r>
+          </a:p>
+          <a:p>
+            <a:r>
+              <a:rPr lang="es-ES" dirty="0"/>
+              <a:t>Demos</a:t>
+            </a:r>
+          </a:p>
+          <a:p>
+            <a:pPr marL="0" indent="0">
+              <a:buNone/>
+            </a:pPr>
             <a:endParaRPr lang="es-ES" dirty="0"/>
+          </a:p>
+          <a:p>
+            <a:pPr marL="0" indent="0">
+              <a:buNone/>
+            </a:pPr>
+            <a:endParaRPr lang="es-ES" dirty="0"/>
+          </a:p>
+          <a:p>
+            <a:pPr marL="0" indent="0">
+              <a:buNone/>
+            </a:pPr>
+            <a:r>
+              <a:rPr lang="es-ES" dirty="0"/>
+              <a:t>Web: https://jujoarias.github.io/TFG/</a:t>
+            </a:r>
           </a:p>
         </p:txBody>
       </p:sp>
       <p:pic>
         <p:nvPicPr>
-          <p:cNvPr id="1026" name="Picture 2" descr="joven con gafas vr con panel virtual táctil holográfico en el fondo de  trabajo digital. ilustración vectorial de dibujos animados de estilo plano  5611315 Vector en Vecteezy">
+          <p:cNvPr id="5" name="Imagen 4" descr="Interfaz de usuario gráfica&#10;&#10;El contenido generado por IA puede ser incorrecto.">
             <a:extLst>
               <a:ext uri="{FF2B5EF4-FFF2-40B4-BE49-F238E27FC236}">
-                <a16:creationId xmlns:a16="http://schemas.microsoft.com/office/drawing/2014/main" id="{585826FF-5F1D-116A-7EDB-ECF2F6EA4329}"/>
+                <a16:creationId xmlns:a16="http://schemas.microsoft.com/office/drawing/2014/main" id="{B9882786-FBCE-7B81-BE0D-E13F95C69599}"/>
               </a:ext>
             </a:extLst>
           </p:cNvPr>
           <p:cNvPicPr>
-            <a:picLocks noChangeAspect="1" noChangeArrowheads="1"/>
+            <a:picLocks noChangeAspect="1"/>
           </p:cNvPicPr>
           <p:nvPr/>
         </p:nvPicPr>
         <p:blipFill>
-          <a:blip r:embed="rId2">
-            <a:extLst>
-              <a:ext uri="{28A0092B-C50C-407E-A947-70E740481C1C}">
-                <a14:useLocalDpi xmlns:a14="http://schemas.microsoft.com/office/drawing/2010/main" val="0"/>
-              </a:ext>
-            </a:extLst>
-          </a:blip>
-          <a:srcRect/>
+          <a:blip r:embed="rId2"/>
           <a:stretch>
             <a:fillRect/>
           </a:stretch>
         </p:blipFill>
-        <p:spPr bwMode="auto">
-          <a:xfrm>
-            <a:off x="4985426" y="1939864"/>
-            <a:ext cx="6625381" cy="4677504"/>
+        <p:spPr>
+          <a:xfrm>
+            <a:off x="6196261" y="2180495"/>
+            <a:ext cx="4096479" cy="1705411"/>
           </a:xfrm>
           <a:prstGeom prst="rect">
             <a:avLst/>
           </a:prstGeom>
-          <a:noFill/>
-          <a:extLst>
-            <a:ext uri="{909E8E84-426E-40DD-AFC4-6F175D3DCCD1}">
-              <a14:hiddenFill xmlns:a14="http://schemas.microsoft.com/office/drawing/2010/main">
-                <a:solidFill>
-                  <a:srgbClr val="FFFFFF"/>
-                </a:solidFill>
-              </a14:hiddenFill>
-            </a:ext>
-          </a:extLst>
+        </p:spPr>
+      </p:pic>
+      <p:pic>
+        <p:nvPicPr>
+          <p:cNvPr id="7" name="Imagen 6" descr="Imagen que contiene Forma&#10;&#10;El contenido generado por IA puede ser incorrecto.">
+            <a:extLst>
+              <a:ext uri="{FF2B5EF4-FFF2-40B4-BE49-F238E27FC236}">
+                <a16:creationId xmlns:a16="http://schemas.microsoft.com/office/drawing/2014/main" id="{81C01DDF-7911-6C65-5206-361204504157}"/>
+              </a:ext>
+            </a:extLst>
+          </p:cNvPr>
+          <p:cNvPicPr>
+            <a:picLocks noChangeAspect="1"/>
+          </p:cNvPicPr>
+          <p:nvPr/>
+        </p:nvPicPr>
+        <p:blipFill>
+          <a:blip r:embed="rId3"/>
+          <a:stretch>
+            <a:fillRect/>
+          </a:stretch>
+        </p:blipFill>
+        <p:spPr>
+          <a:xfrm>
+            <a:off x="4499809" y="4269584"/>
+            <a:ext cx="3392907" cy="1705411"/>
+          </a:xfrm>
+          <a:prstGeom prst="rect">
+            <a:avLst/>
+          </a:prstGeom>
+        </p:spPr>
+      </p:pic>
+      <p:pic>
+        <p:nvPicPr>
+          <p:cNvPr id="9" name="Imagen 8" descr="Imagen que contiene pastel, tabla, interior, taza&#10;&#10;El contenido generado por IA puede ser incorrecto.">
+            <a:extLst>
+              <a:ext uri="{FF2B5EF4-FFF2-40B4-BE49-F238E27FC236}">
+                <a16:creationId xmlns:a16="http://schemas.microsoft.com/office/drawing/2014/main" id="{CF7DF985-80D0-763D-3327-24D56F2FD698}"/>
+              </a:ext>
+            </a:extLst>
+          </p:cNvPr>
+          <p:cNvPicPr>
+            <a:picLocks noChangeAspect="1"/>
+          </p:cNvPicPr>
+          <p:nvPr/>
+        </p:nvPicPr>
+        <p:blipFill>
+          <a:blip r:embed="rId4"/>
+          <a:stretch>
+            <a:fillRect/>
+          </a:stretch>
+        </p:blipFill>
+        <p:spPr>
+          <a:xfrm>
+            <a:off x="8620626" y="4238495"/>
+            <a:ext cx="3326732" cy="1852574"/>
+          </a:xfrm>
+          <a:prstGeom prst="rect">
+            <a:avLst/>
+          </a:prstGeom>
         </p:spPr>
       </p:pic>
     </p:spTree>
     <p:extLst>
       <p:ext uri="{BB962C8B-B14F-4D97-AF65-F5344CB8AC3E}">
-        <p14:creationId xmlns:p14="http://schemas.microsoft.com/office/powerpoint/2010/main" val="4140969710"/>
+        <p14:creationId xmlns:p14="http://schemas.microsoft.com/office/powerpoint/2010/main" val="2693265597"/>
       </p:ext>
     </p:extLst>
   </p:cSld>
@@ -5405,636 +5467,7 @@
 </p:sld>
 </file>
 
-<file path=ppt/slides/slide3.xml><?xml version="1.0" encoding="utf-8"?>
-<p:sld xmlns:a="http://schemas.openxmlformats.org/drawingml/2006/main" xmlns:r="http://schemas.openxmlformats.org/officeDocument/2006/relationships" xmlns:p="http://schemas.openxmlformats.org/presentationml/2006/main">
-  <p:cSld>
-    <p:spTree>
-      <p:nvGrpSpPr>
-        <p:cNvPr id="1" name=""/>
-        <p:cNvGrpSpPr/>
-        <p:nvPr/>
-      </p:nvGrpSpPr>
-      <p:grpSpPr>
-        <a:xfrm>
-          <a:off x="0" y="0"/>
-          <a:ext cx="0" cy="0"/>
-          <a:chOff x="0" y="0"/>
-          <a:chExt cx="0" cy="0"/>
-        </a:xfrm>
-      </p:grpSpPr>
-      <p:sp>
-        <p:nvSpPr>
-          <p:cNvPr id="2" name="Título 1">
-            <a:extLst>
-              <a:ext uri="{FF2B5EF4-FFF2-40B4-BE49-F238E27FC236}">
-                <a16:creationId xmlns:a16="http://schemas.microsoft.com/office/drawing/2014/main" id="{921633EB-7DCB-4DDC-80AF-C885A3EE1245}"/>
-              </a:ext>
-            </a:extLst>
-          </p:cNvPr>
-          <p:cNvSpPr>
-            <a:spLocks noGrp="1"/>
-          </p:cNvSpPr>
-          <p:nvPr>
-            <p:ph type="title"/>
-          </p:nvPr>
-        </p:nvSpPr>
-        <p:spPr>
-          <a:xfrm>
-            <a:off x="456802" y="844698"/>
-            <a:ext cx="11154006" cy="871258"/>
-          </a:xfrm>
-        </p:spPr>
-        <p:txBody>
-          <a:bodyPr rtlCol="0" anchor="b">
-            <a:normAutofit/>
-          </a:bodyPr>
-          <a:lstStyle/>
-          <a:p>
-            <a:pPr rtl="0"/>
-            <a:r>
-              <a:rPr lang="es-ES" dirty="0"/>
-              <a:t>Tecnologías utilizadas</a:t>
-            </a:r>
-          </a:p>
-        </p:txBody>
-      </p:sp>
-      <p:sp>
-        <p:nvSpPr>
-          <p:cNvPr id="7" name="Content Placeholder 2">
-            <a:extLst>
-              <a:ext uri="{FF2B5EF4-FFF2-40B4-BE49-F238E27FC236}">
-                <a16:creationId xmlns:a16="http://schemas.microsoft.com/office/drawing/2014/main" id="{16121CA6-C686-5CAC-9508-F29A5357662A}"/>
-              </a:ext>
-            </a:extLst>
-          </p:cNvPr>
-          <p:cNvSpPr>
-            <a:spLocks noGrp="1"/>
-          </p:cNvSpPr>
-          <p:nvPr>
-            <p:ph idx="1"/>
-          </p:nvPr>
-        </p:nvSpPr>
-        <p:spPr>
-          <a:xfrm>
-            <a:off x="581192" y="2180496"/>
-            <a:ext cx="11029615" cy="3678303"/>
-          </a:xfrm>
-        </p:spPr>
-        <p:txBody>
-          <a:bodyPr>
-            <a:normAutofit fontScale="92500" lnSpcReduction="10000"/>
-          </a:bodyPr>
-          <a:lstStyle/>
-          <a:p>
-            <a:r>
-              <a:rPr lang="en-US" dirty="0"/>
-              <a:t>A-Frame</a:t>
-            </a:r>
-          </a:p>
-          <a:p>
-            <a:r>
-              <a:rPr lang="en-US" dirty="0"/>
-              <a:t>HTML</a:t>
-            </a:r>
-          </a:p>
-          <a:p>
-            <a:r>
-              <a:rPr lang="en-US" dirty="0"/>
-              <a:t>JavaScript</a:t>
-            </a:r>
-          </a:p>
-          <a:p>
-            <a:r>
-              <a:rPr lang="en-US" dirty="0"/>
-              <a:t>Three.js</a:t>
-            </a:r>
-          </a:p>
-          <a:p>
-            <a:r>
-              <a:rPr lang="en-US" dirty="0" err="1"/>
-              <a:t>WebXR</a:t>
-            </a:r>
-            <a:endParaRPr lang="en-US" dirty="0"/>
-          </a:p>
-          <a:p>
-            <a:r>
-              <a:rPr lang="en-US" dirty="0"/>
-              <a:t>WebGL</a:t>
-            </a:r>
-          </a:p>
-          <a:p>
-            <a:r>
-              <a:rPr lang="en-US" dirty="0" err="1"/>
-              <a:t>Vscode</a:t>
-            </a:r>
-            <a:endParaRPr lang="en-US" dirty="0"/>
-          </a:p>
-          <a:p>
-            <a:r>
-              <a:rPr lang="en-US" dirty="0" err="1"/>
-              <a:t>Github</a:t>
-            </a:r>
-            <a:endParaRPr lang="en-US" dirty="0"/>
-          </a:p>
-          <a:p>
-            <a:r>
-              <a:rPr lang="en-US" dirty="0"/>
-              <a:t>Meta Quest 3</a:t>
-            </a:r>
-          </a:p>
-          <a:p>
-            <a:r>
-              <a:rPr lang="en-US" dirty="0" err="1"/>
-              <a:t>LaTex</a:t>
-            </a:r>
-            <a:endParaRPr lang="en-US" dirty="0"/>
-          </a:p>
-        </p:txBody>
-      </p:sp>
-      <p:pic>
-        <p:nvPicPr>
-          <p:cNvPr id="2050" name="Picture 2">
-            <a:extLst>
-              <a:ext uri="{FF2B5EF4-FFF2-40B4-BE49-F238E27FC236}">
-                <a16:creationId xmlns:a16="http://schemas.microsoft.com/office/drawing/2014/main" id="{CBB3C702-702A-BE87-FE26-CC78B21E26BB}"/>
-              </a:ext>
-            </a:extLst>
-          </p:cNvPr>
-          <p:cNvPicPr>
-            <a:picLocks noChangeAspect="1" noChangeArrowheads="1"/>
-          </p:cNvPicPr>
-          <p:nvPr/>
-        </p:nvPicPr>
-        <p:blipFill>
-          <a:blip r:embed="rId3">
-            <a:extLst>
-              <a:ext uri="{28A0092B-C50C-407E-A947-70E740481C1C}">
-                <a14:useLocalDpi xmlns:a14="http://schemas.microsoft.com/office/drawing/2010/main" val="0"/>
-              </a:ext>
-            </a:extLst>
-          </a:blip>
-          <a:srcRect/>
-          <a:stretch>
-            <a:fillRect/>
-          </a:stretch>
-        </p:blipFill>
-        <p:spPr bwMode="auto">
-          <a:xfrm>
-            <a:off x="3610728" y="2711601"/>
-            <a:ext cx="1121694" cy="1308046"/>
-          </a:xfrm>
-          <a:prstGeom prst="rect">
-            <a:avLst/>
-          </a:prstGeom>
-          <a:noFill/>
-          <a:extLst>
-            <a:ext uri="{909E8E84-426E-40DD-AFC4-6F175D3DCCD1}">
-              <a14:hiddenFill xmlns:a14="http://schemas.microsoft.com/office/drawing/2010/main">
-                <a:solidFill>
-                  <a:srgbClr val="FFFFFF"/>
-                </a:solidFill>
-              </a14:hiddenFill>
-            </a:ext>
-          </a:extLst>
-        </p:spPr>
-      </p:pic>
-      <p:pic>
-        <p:nvPicPr>
-          <p:cNvPr id="2054" name="Picture 6">
-            <a:extLst>
-              <a:ext uri="{FF2B5EF4-FFF2-40B4-BE49-F238E27FC236}">
-                <a16:creationId xmlns:a16="http://schemas.microsoft.com/office/drawing/2014/main" id="{850466B1-9229-DA87-8B21-83105A81835E}"/>
-              </a:ext>
-            </a:extLst>
-          </p:cNvPr>
-          <p:cNvPicPr>
-            <a:picLocks noChangeAspect="1" noChangeArrowheads="1"/>
-          </p:cNvPicPr>
-          <p:nvPr/>
-        </p:nvPicPr>
-        <p:blipFill>
-          <a:blip r:embed="rId4">
-            <a:extLst>
-              <a:ext uri="{28A0092B-C50C-407E-A947-70E740481C1C}">
-                <a14:useLocalDpi xmlns:a14="http://schemas.microsoft.com/office/drawing/2010/main" val="0"/>
-              </a:ext>
-            </a:extLst>
-          </a:blip>
-          <a:srcRect/>
-          <a:stretch>
-            <a:fillRect/>
-          </a:stretch>
-        </p:blipFill>
-        <p:spPr bwMode="auto">
-          <a:xfrm>
-            <a:off x="5261367" y="2711601"/>
-            <a:ext cx="1308046" cy="1308046"/>
-          </a:xfrm>
-          <a:prstGeom prst="rect">
-            <a:avLst/>
-          </a:prstGeom>
-          <a:noFill/>
-          <a:extLst>
-            <a:ext uri="{909E8E84-426E-40DD-AFC4-6F175D3DCCD1}">
-              <a14:hiddenFill xmlns:a14="http://schemas.microsoft.com/office/drawing/2010/main">
-                <a:solidFill>
-                  <a:srgbClr val="FFFFFF"/>
-                </a:solidFill>
-              </a14:hiddenFill>
-            </a:ext>
-          </a:extLst>
-        </p:spPr>
-      </p:pic>
-      <p:pic>
-        <p:nvPicPr>
-          <p:cNvPr id="2056" name="Picture 8" descr="JavaScript Logo, symbol, meaning, history, PNG, brand">
-            <a:extLst>
-              <a:ext uri="{FF2B5EF4-FFF2-40B4-BE49-F238E27FC236}">
-                <a16:creationId xmlns:a16="http://schemas.microsoft.com/office/drawing/2014/main" id="{0AEDAC79-0779-1470-3487-6AB787026770}"/>
-              </a:ext>
-            </a:extLst>
-          </p:cNvPr>
-          <p:cNvPicPr>
-            <a:picLocks noChangeAspect="1" noChangeArrowheads="1"/>
-          </p:cNvPicPr>
-          <p:nvPr/>
-        </p:nvPicPr>
-        <p:blipFill>
-          <a:blip r:embed="rId5">
-            <a:extLst>
-              <a:ext uri="{28A0092B-C50C-407E-A947-70E740481C1C}">
-                <a14:useLocalDpi xmlns:a14="http://schemas.microsoft.com/office/drawing/2010/main" val="0"/>
-              </a:ext>
-            </a:extLst>
-          </a:blip>
-          <a:srcRect/>
-          <a:stretch>
-            <a:fillRect/>
-          </a:stretch>
-        </p:blipFill>
-        <p:spPr bwMode="auto">
-          <a:xfrm>
-            <a:off x="6551705" y="2711601"/>
-            <a:ext cx="1942761" cy="1320078"/>
-          </a:xfrm>
-          <a:prstGeom prst="rect">
-            <a:avLst/>
-          </a:prstGeom>
-          <a:noFill/>
-          <a:extLst>
-            <a:ext uri="{909E8E84-426E-40DD-AFC4-6F175D3DCCD1}">
-              <a14:hiddenFill xmlns:a14="http://schemas.microsoft.com/office/drawing/2010/main">
-                <a:solidFill>
-                  <a:srgbClr val="FFFFFF"/>
-                </a:solidFill>
-              </a14:hiddenFill>
-            </a:ext>
-          </a:extLst>
-        </p:spPr>
-      </p:pic>
-      <p:pic>
-        <p:nvPicPr>
-          <p:cNvPr id="2060" name="Picture 12" descr="Three.js SVG Logo - Questions - three.js forum">
-            <a:extLst>
-              <a:ext uri="{FF2B5EF4-FFF2-40B4-BE49-F238E27FC236}">
-                <a16:creationId xmlns:a16="http://schemas.microsoft.com/office/drawing/2014/main" id="{8C88ED66-83D8-CD4C-48FA-D3456DC779E9}"/>
-              </a:ext>
-            </a:extLst>
-          </p:cNvPr>
-          <p:cNvPicPr>
-            <a:picLocks noChangeAspect="1" noChangeArrowheads="1"/>
-          </p:cNvPicPr>
-          <p:nvPr/>
-        </p:nvPicPr>
-        <p:blipFill>
-          <a:blip r:embed="rId6">
-            <a:extLst>
-              <a:ext uri="{28A0092B-C50C-407E-A947-70E740481C1C}">
-                <a14:useLocalDpi xmlns:a14="http://schemas.microsoft.com/office/drawing/2010/main" val="0"/>
-              </a:ext>
-            </a:extLst>
-          </a:blip>
-          <a:srcRect/>
-          <a:stretch>
-            <a:fillRect/>
-          </a:stretch>
-        </p:blipFill>
-        <p:spPr bwMode="auto">
-          <a:xfrm>
-            <a:off x="8598273" y="2701225"/>
-            <a:ext cx="1308046" cy="1318422"/>
-          </a:xfrm>
-          <a:prstGeom prst="rect">
-            <a:avLst/>
-          </a:prstGeom>
-          <a:noFill/>
-          <a:extLst>
-            <a:ext uri="{909E8E84-426E-40DD-AFC4-6F175D3DCCD1}">
-              <a14:hiddenFill xmlns:a14="http://schemas.microsoft.com/office/drawing/2010/main">
-                <a:solidFill>
-                  <a:srgbClr val="FFFFFF"/>
-                </a:solidFill>
-              </a14:hiddenFill>
-            </a:ext>
-          </a:extLst>
-        </p:spPr>
-      </p:pic>
-      <p:pic>
-        <p:nvPicPr>
-          <p:cNvPr id="2062" name="Picture 14" descr="W3C llama a hacer uso de la API WebXR para dispositivos – W3C Hispano">
-            <a:extLst>
-              <a:ext uri="{FF2B5EF4-FFF2-40B4-BE49-F238E27FC236}">
-                <a16:creationId xmlns:a16="http://schemas.microsoft.com/office/drawing/2014/main" id="{3E095A71-DB8A-48CB-C3CE-1E12E5164AEB}"/>
-              </a:ext>
-            </a:extLst>
-          </p:cNvPr>
-          <p:cNvPicPr>
-            <a:picLocks noChangeAspect="1" noChangeArrowheads="1"/>
-          </p:cNvPicPr>
-          <p:nvPr/>
-        </p:nvPicPr>
-        <p:blipFill>
-          <a:blip r:embed="rId7">
-            <a:extLst>
-              <a:ext uri="{28A0092B-C50C-407E-A947-70E740481C1C}">
-                <a14:useLocalDpi xmlns:a14="http://schemas.microsoft.com/office/drawing/2010/main" val="0"/>
-              </a:ext>
-            </a:extLst>
-          </a:blip>
-          <a:srcRect/>
-          <a:stretch>
-            <a:fillRect/>
-          </a:stretch>
-        </p:blipFill>
-        <p:spPr bwMode="auto">
-          <a:xfrm>
-            <a:off x="10228392" y="2711601"/>
-            <a:ext cx="1308046" cy="1308046"/>
-          </a:xfrm>
-          <a:prstGeom prst="rect">
-            <a:avLst/>
-          </a:prstGeom>
-          <a:noFill/>
-          <a:extLst>
-            <a:ext uri="{909E8E84-426E-40DD-AFC4-6F175D3DCCD1}">
-              <a14:hiddenFill xmlns:a14="http://schemas.microsoft.com/office/drawing/2010/main">
-                <a:solidFill>
-                  <a:srgbClr val="FFFFFF"/>
-                </a:solidFill>
-              </a14:hiddenFill>
-            </a:ext>
-          </a:extLst>
-        </p:spPr>
-      </p:pic>
-      <p:pic>
-        <p:nvPicPr>
-          <p:cNvPr id="2064" name="Picture 16" descr="Webgl logo - Iconos Social Media y Logos">
-            <a:extLst>
-              <a:ext uri="{FF2B5EF4-FFF2-40B4-BE49-F238E27FC236}">
-                <a16:creationId xmlns:a16="http://schemas.microsoft.com/office/drawing/2014/main" id="{25ABF0AE-D2FB-B1FC-DA1B-7EE2FDDF6468}"/>
-              </a:ext>
-            </a:extLst>
-          </p:cNvPr>
-          <p:cNvPicPr>
-            <a:picLocks noChangeAspect="1" noChangeArrowheads="1"/>
-          </p:cNvPicPr>
-          <p:nvPr/>
-        </p:nvPicPr>
-        <p:blipFill>
-          <a:blip r:embed="rId8">
-            <a:extLst>
-              <a:ext uri="{28A0092B-C50C-407E-A947-70E740481C1C}">
-                <a14:useLocalDpi xmlns:a14="http://schemas.microsoft.com/office/drawing/2010/main" val="0"/>
-              </a:ext>
-            </a:extLst>
-          </a:blip>
-          <a:srcRect/>
-          <a:stretch>
-            <a:fillRect/>
-          </a:stretch>
-        </p:blipFill>
-        <p:spPr bwMode="auto">
-          <a:xfrm>
-            <a:off x="3610728" y="4254588"/>
-            <a:ext cx="1308046" cy="1308046"/>
-          </a:xfrm>
-          <a:prstGeom prst="rect">
-            <a:avLst/>
-          </a:prstGeom>
-          <a:noFill/>
-          <a:extLst>
-            <a:ext uri="{909E8E84-426E-40DD-AFC4-6F175D3DCCD1}">
-              <a14:hiddenFill xmlns:a14="http://schemas.microsoft.com/office/drawing/2010/main">
-                <a:solidFill>
-                  <a:srgbClr val="FFFFFF"/>
-                </a:solidFill>
-              </a14:hiddenFill>
-            </a:ext>
-          </a:extLst>
-        </p:spPr>
-      </p:pic>
-      <p:pic>
-        <p:nvPicPr>
-          <p:cNvPr id="2066" name="Picture 18">
-            <a:extLst>
-              <a:ext uri="{FF2B5EF4-FFF2-40B4-BE49-F238E27FC236}">
-                <a16:creationId xmlns:a16="http://schemas.microsoft.com/office/drawing/2014/main" id="{751243E1-CA56-D8C7-116A-DD3FD96201D3}"/>
-              </a:ext>
-            </a:extLst>
-          </p:cNvPr>
-          <p:cNvPicPr>
-            <a:picLocks noChangeAspect="1" noChangeArrowheads="1"/>
-          </p:cNvPicPr>
-          <p:nvPr/>
-        </p:nvPicPr>
-        <p:blipFill>
-          <a:blip r:embed="rId9">
-            <a:extLst>
-              <a:ext uri="{28A0092B-C50C-407E-A947-70E740481C1C}">
-                <a14:useLocalDpi xmlns:a14="http://schemas.microsoft.com/office/drawing/2010/main" val="0"/>
-              </a:ext>
-            </a:extLst>
-          </a:blip>
-          <a:srcRect/>
-          <a:stretch>
-            <a:fillRect/>
-          </a:stretch>
-        </p:blipFill>
-        <p:spPr bwMode="auto">
-          <a:xfrm>
-            <a:off x="5371673" y="4307405"/>
-            <a:ext cx="1087433" cy="1087433"/>
-          </a:xfrm>
-          <a:prstGeom prst="rect">
-            <a:avLst/>
-          </a:prstGeom>
-          <a:noFill/>
-          <a:extLst>
-            <a:ext uri="{909E8E84-426E-40DD-AFC4-6F175D3DCCD1}">
-              <a14:hiddenFill xmlns:a14="http://schemas.microsoft.com/office/drawing/2010/main">
-                <a:solidFill>
-                  <a:srgbClr val="FFFFFF"/>
-                </a:solidFill>
-              </a14:hiddenFill>
-            </a:ext>
-          </a:extLst>
-        </p:spPr>
-      </p:pic>
-      <p:pic>
-        <p:nvPicPr>
-          <p:cNvPr id="2068" name="Picture 20" descr="GitHub Logo, symbol, meaning, history, PNG, brand">
-            <a:extLst>
-              <a:ext uri="{FF2B5EF4-FFF2-40B4-BE49-F238E27FC236}">
-                <a16:creationId xmlns:a16="http://schemas.microsoft.com/office/drawing/2014/main" id="{CA2B6558-C937-7907-FCBD-3AF06D8DC096}"/>
-              </a:ext>
-            </a:extLst>
-          </p:cNvPr>
-          <p:cNvPicPr>
-            <a:picLocks noChangeAspect="1" noChangeArrowheads="1"/>
-          </p:cNvPicPr>
-          <p:nvPr/>
-        </p:nvPicPr>
-        <p:blipFill>
-          <a:blip r:embed="rId10">
-            <a:extLst>
-              <a:ext uri="{28A0092B-C50C-407E-A947-70E740481C1C}">
-                <a14:useLocalDpi xmlns:a14="http://schemas.microsoft.com/office/drawing/2010/main" val="0"/>
-              </a:ext>
-            </a:extLst>
-          </a:blip>
-          <a:srcRect/>
-          <a:stretch>
-            <a:fillRect/>
-          </a:stretch>
-        </p:blipFill>
-        <p:spPr bwMode="auto">
-          <a:xfrm>
-            <a:off x="6569412" y="4197099"/>
-            <a:ext cx="2028861" cy="1308046"/>
-          </a:xfrm>
-          <a:prstGeom prst="rect">
-            <a:avLst/>
-          </a:prstGeom>
-          <a:noFill/>
-          <a:extLst>
-            <a:ext uri="{909E8E84-426E-40DD-AFC4-6F175D3DCCD1}">
-              <a14:hiddenFill xmlns:a14="http://schemas.microsoft.com/office/drawing/2010/main">
-                <a:solidFill>
-                  <a:srgbClr val="FFFFFF"/>
-                </a:solidFill>
-              </a14:hiddenFill>
-            </a:ext>
-          </a:extLst>
-        </p:spPr>
-      </p:pic>
-      <p:pic>
-        <p:nvPicPr>
-          <p:cNvPr id="2070" name="Picture 22" descr="Meta: Contact Details, Revenue, Funding, Employees and Company Profile">
-            <a:extLst>
-              <a:ext uri="{FF2B5EF4-FFF2-40B4-BE49-F238E27FC236}">
-                <a16:creationId xmlns:a16="http://schemas.microsoft.com/office/drawing/2014/main" id="{A4C480C9-DC31-D1C3-8994-74A97E8A70AE}"/>
-              </a:ext>
-            </a:extLst>
-          </p:cNvPr>
-          <p:cNvPicPr>
-            <a:picLocks noChangeAspect="1" noChangeArrowheads="1"/>
-          </p:cNvPicPr>
-          <p:nvPr/>
-        </p:nvPicPr>
-        <p:blipFill>
-          <a:blip r:embed="rId11">
-            <a:extLst>
-              <a:ext uri="{28A0092B-C50C-407E-A947-70E740481C1C}">
-                <a14:useLocalDpi xmlns:a14="http://schemas.microsoft.com/office/drawing/2010/main" val="0"/>
-              </a:ext>
-            </a:extLst>
-          </a:blip>
-          <a:srcRect/>
-          <a:stretch>
-            <a:fillRect/>
-          </a:stretch>
-        </p:blipFill>
-        <p:spPr bwMode="auto">
-          <a:xfrm>
-            <a:off x="8328018" y="4197099"/>
-            <a:ext cx="1630119" cy="1630119"/>
-          </a:xfrm>
-          <a:prstGeom prst="rect">
-            <a:avLst/>
-          </a:prstGeom>
-          <a:noFill/>
-          <a:extLst>
-            <a:ext uri="{909E8E84-426E-40DD-AFC4-6F175D3DCCD1}">
-              <a14:hiddenFill xmlns:a14="http://schemas.microsoft.com/office/drawing/2010/main">
-                <a:solidFill>
-                  <a:srgbClr val="FFFFFF"/>
-                </a:solidFill>
-              </a14:hiddenFill>
-            </a:ext>
-          </a:extLst>
-        </p:spPr>
-      </p:pic>
-      <p:pic>
-        <p:nvPicPr>
-          <p:cNvPr id="2076" name="Picture 28">
-            <a:extLst>
-              <a:ext uri="{FF2B5EF4-FFF2-40B4-BE49-F238E27FC236}">
-                <a16:creationId xmlns:a16="http://schemas.microsoft.com/office/drawing/2014/main" id="{242C7161-15D1-6C48-A362-093D578E455A}"/>
-              </a:ext>
-            </a:extLst>
-          </p:cNvPr>
-          <p:cNvPicPr>
-            <a:picLocks noChangeAspect="1" noChangeArrowheads="1"/>
-          </p:cNvPicPr>
-          <p:nvPr/>
-        </p:nvPicPr>
-        <p:blipFill>
-          <a:blip r:embed="rId12">
-            <a:extLst>
-              <a:ext uri="{28A0092B-C50C-407E-A947-70E740481C1C}">
-                <a14:useLocalDpi xmlns:a14="http://schemas.microsoft.com/office/drawing/2010/main" val="0"/>
-              </a:ext>
-            </a:extLst>
-          </a:blip>
-          <a:srcRect/>
-          <a:stretch>
-            <a:fillRect/>
-          </a:stretch>
-        </p:blipFill>
-        <p:spPr bwMode="auto">
-          <a:xfrm>
-            <a:off x="9958137" y="4546769"/>
-            <a:ext cx="2028861" cy="930776"/>
-          </a:xfrm>
-          <a:prstGeom prst="rect">
-            <a:avLst/>
-          </a:prstGeom>
-          <a:noFill/>
-          <a:extLst>
-            <a:ext uri="{909E8E84-426E-40DD-AFC4-6F175D3DCCD1}">
-              <a14:hiddenFill xmlns:a14="http://schemas.microsoft.com/office/drawing/2010/main">
-                <a:solidFill>
-                  <a:srgbClr val="FFFFFF"/>
-                </a:solidFill>
-              </a14:hiddenFill>
-            </a:ext>
-          </a:extLst>
-        </p:spPr>
-      </p:pic>
-    </p:spTree>
-    <p:extLst>
-      <p:ext uri="{BB962C8B-B14F-4D97-AF65-F5344CB8AC3E}">
-        <p14:creationId xmlns:p14="http://schemas.microsoft.com/office/powerpoint/2010/main" val="497607547"/>
-      </p:ext>
-    </p:extLst>
-  </p:cSld>
-  <p:clrMapOvr>
-    <a:masterClrMapping/>
-  </p:clrMapOvr>
-</p:sld>
-</file>
-
-<file path=ppt/slides/slide4.xml><?xml version="1.0" encoding="utf-8"?>
+<file path=ppt/slides/slide11.xml><?xml version="1.0" encoding="utf-8"?>
 <p:sld xmlns:a="http://schemas.openxmlformats.org/drawingml/2006/main" xmlns:r="http://schemas.openxmlformats.org/officeDocument/2006/relationships" xmlns:p="http://schemas.openxmlformats.org/presentationml/2006/main">
   <p:cSld>
     <p:bg>
@@ -6407,19 +5840,19 @@
         </p:nvSpPr>
         <p:spPr>
           <a:xfrm>
-            <a:off x="8296275" y="1419226"/>
-            <a:ext cx="3081576" cy="1746762"/>
+            <a:off x="8973642" y="3127369"/>
+            <a:ext cx="1840330" cy="603262"/>
           </a:xfrm>
         </p:spPr>
         <p:txBody>
           <a:bodyPr rtlCol="0">
-            <a:normAutofit/>
+            <a:normAutofit fontScale="90000"/>
           </a:bodyPr>
           <a:lstStyle/>
           <a:p>
             <a:pPr rtl="0"/>
             <a:r>
-              <a:rPr lang="es-ES">
+              <a:rPr lang="es-ES" dirty="0">
                 <a:solidFill>
                   <a:srgbClr val="FFFFFF"/>
                 </a:solidFill>
@@ -6484,10 +5917,4737 @@
       </p:sp>
       <p:pic>
         <p:nvPicPr>
-          <p:cNvPr id="5" name="Imagen 4" descr="Números digitales">
+          <p:cNvPr id="1026" name="Picture 2" descr="Hombre de estilo plano con gafas de realidad virtual haciendo dibujos  animados de análisis de datos | Vector Premium">
             <a:extLst>
               <a:ext uri="{FF2B5EF4-FFF2-40B4-BE49-F238E27FC236}">
-                <a16:creationId xmlns:a16="http://schemas.microsoft.com/office/drawing/2014/main" id="{A21EA617-6D48-425F-97A8-7FEC82C8F401}"/>
+                <a16:creationId xmlns:a16="http://schemas.microsoft.com/office/drawing/2014/main" id="{378142A7-608D-90C7-3BB4-662ED696A4CA}"/>
+              </a:ext>
+            </a:extLst>
+          </p:cNvPr>
+          <p:cNvPicPr>
+            <a:picLocks noChangeAspect="1" noChangeArrowheads="1"/>
+          </p:cNvPicPr>
+          <p:nvPr/>
+        </p:nvPicPr>
+        <p:blipFill>
+          <a:blip r:embed="rId3">
+            <a:extLst>
+              <a:ext uri="{28A0092B-C50C-407E-A947-70E740481C1C}">
+                <a14:useLocalDpi xmlns:a14="http://schemas.microsoft.com/office/drawing/2010/main" val="0"/>
+              </a:ext>
+            </a:extLst>
+          </a:blip>
+          <a:srcRect/>
+          <a:stretch>
+            <a:fillRect/>
+          </a:stretch>
+        </p:blipFill>
+        <p:spPr bwMode="auto">
+          <a:xfrm>
+            <a:off x="536440" y="947998"/>
+            <a:ext cx="7226828" cy="5114193"/>
+          </a:xfrm>
+          <a:prstGeom prst="rect">
+            <a:avLst/>
+          </a:prstGeom>
+          <a:noFill/>
+          <a:extLst>
+            <a:ext uri="{909E8E84-426E-40DD-AFC4-6F175D3DCCD1}">
+              <a14:hiddenFill xmlns:a14="http://schemas.microsoft.com/office/drawing/2010/main">
+                <a:solidFill>
+                  <a:srgbClr val="FFFFFF"/>
+                </a:solidFill>
+              </a14:hiddenFill>
+            </a:ext>
+          </a:extLst>
+        </p:spPr>
+      </p:pic>
+    </p:spTree>
+    <p:extLst>
+      <p:ext uri="{BB962C8B-B14F-4D97-AF65-F5344CB8AC3E}">
+        <p14:creationId xmlns:p14="http://schemas.microsoft.com/office/powerpoint/2010/main" val="3501347425"/>
+      </p:ext>
+    </p:extLst>
+  </p:cSld>
+  <p:clrMapOvr>
+    <a:masterClrMapping/>
+  </p:clrMapOvr>
+</p:sld>
+</file>
+
+<file path=ppt/slides/slide2.xml><?xml version="1.0" encoding="utf-8"?>
+<p:sld xmlns:a="http://schemas.openxmlformats.org/drawingml/2006/main" xmlns:r="http://schemas.openxmlformats.org/officeDocument/2006/relationships" xmlns:p="http://schemas.openxmlformats.org/presentationml/2006/main">
+  <p:cSld>
+    <p:spTree>
+      <p:nvGrpSpPr>
+        <p:cNvPr id="1" name=""/>
+        <p:cNvGrpSpPr/>
+        <p:nvPr/>
+      </p:nvGrpSpPr>
+      <p:grpSpPr>
+        <a:xfrm>
+          <a:off x="0" y="0"/>
+          <a:ext cx="0" cy="0"/>
+          <a:chOff x="0" y="0"/>
+          <a:chExt cx="0" cy="0"/>
+        </a:xfrm>
+      </p:grpSpPr>
+      <p:sp>
+        <p:nvSpPr>
+          <p:cNvPr id="2" name="Título 1">
+            <a:extLst>
+              <a:ext uri="{FF2B5EF4-FFF2-40B4-BE49-F238E27FC236}">
+                <a16:creationId xmlns:a16="http://schemas.microsoft.com/office/drawing/2014/main" id="{42D89D72-4F74-9D22-4A01-D1E4CF07C7B5}"/>
+              </a:ext>
+            </a:extLst>
+          </p:cNvPr>
+          <p:cNvSpPr>
+            <a:spLocks noGrp="1"/>
+          </p:cNvSpPr>
+          <p:nvPr>
+            <p:ph type="title"/>
+          </p:nvPr>
+        </p:nvSpPr>
+        <p:spPr>
+          <a:xfrm>
+            <a:off x="581193" y="729658"/>
+            <a:ext cx="11029616" cy="988332"/>
+          </a:xfrm>
+        </p:spPr>
+        <p:txBody>
+          <a:bodyPr anchor="b">
+            <a:normAutofit/>
+          </a:bodyPr>
+          <a:lstStyle/>
+          <a:p>
+            <a:r>
+              <a:rPr lang="es-ES" dirty="0"/>
+              <a:t>CONTENIDOS</a:t>
+            </a:r>
+          </a:p>
+        </p:txBody>
+      </p:sp>
+      <p:sp>
+        <p:nvSpPr>
+          <p:cNvPr id="3" name="Rectángulo: esquinas redondeadas 2">
+            <a:extLst>
+              <a:ext uri="{FF2B5EF4-FFF2-40B4-BE49-F238E27FC236}">
+                <a16:creationId xmlns:a16="http://schemas.microsoft.com/office/drawing/2014/main" id="{323F560B-04DB-FED5-05E4-29BBA6275766}"/>
+              </a:ext>
+            </a:extLst>
+          </p:cNvPr>
+          <p:cNvSpPr/>
+          <p:nvPr/>
+        </p:nvSpPr>
+        <p:spPr>
+          <a:xfrm>
+            <a:off x="2072897" y="2847114"/>
+            <a:ext cx="2162013" cy="1061634"/>
+          </a:xfrm>
+          <a:prstGeom prst="roundRect">
+            <a:avLst/>
+          </a:prstGeom>
+          <a:ln>
+            <a:solidFill>
+              <a:schemeClr val="tx1"/>
+            </a:solidFill>
+          </a:ln>
+        </p:spPr>
+        <p:style>
+          <a:lnRef idx="2">
+            <a:schemeClr val="accent6"/>
+          </a:lnRef>
+          <a:fillRef idx="1">
+            <a:schemeClr val="lt1"/>
+          </a:fillRef>
+          <a:effectRef idx="0">
+            <a:schemeClr val="accent6"/>
+          </a:effectRef>
+          <a:fontRef idx="minor">
+            <a:schemeClr val="dk1"/>
+          </a:fontRef>
+        </p:style>
+        <p:txBody>
+          <a:bodyPr rtlCol="0" anchor="ctr"/>
+          <a:lstStyle/>
+          <a:p>
+            <a:pPr algn="ctr"/>
+            <a:endParaRPr lang="es-ES"/>
+          </a:p>
+        </p:txBody>
+      </p:sp>
+      <p:sp>
+        <p:nvSpPr>
+          <p:cNvPr id="4" name="Marcador de contenido 5">
+            <a:extLst>
+              <a:ext uri="{FF2B5EF4-FFF2-40B4-BE49-F238E27FC236}">
+                <a16:creationId xmlns:a16="http://schemas.microsoft.com/office/drawing/2014/main" id="{8054B03E-1430-DEC7-83CD-0AA08D0DA437}"/>
+              </a:ext>
+            </a:extLst>
+          </p:cNvPr>
+          <p:cNvSpPr txBox="1">
+            <a:spLocks/>
+          </p:cNvSpPr>
+          <p:nvPr/>
+        </p:nvSpPr>
+        <p:spPr>
+          <a:xfrm>
+            <a:off x="2434942" y="3273474"/>
+            <a:ext cx="1439330" cy="571520"/>
+          </a:xfrm>
+          <a:prstGeom prst="rect">
+            <a:avLst/>
+          </a:prstGeom>
+        </p:spPr>
+        <p:txBody>
+          <a:bodyPr vert="horz" lIns="91440" tIns="45720" rIns="91440" bIns="45720" rtlCol="0" anchor="ctr">
+            <a:normAutofit/>
+          </a:bodyPr>
+          <a:lstStyle>
+            <a:lvl1pPr marL="306000" indent="-306000" algn="l" defTabSz="457200" rtl="0" eaLnBrk="1" latinLnBrk="0" hangingPunct="1">
+              <a:spcBef>
+                <a:spcPct val="20000"/>
+              </a:spcBef>
+              <a:spcAft>
+                <a:spcPts val="600"/>
+              </a:spcAft>
+              <a:buClr>
+                <a:schemeClr val="accent2"/>
+              </a:buClr>
+              <a:buSzPct val="92000"/>
+              <a:buFont typeface="Wingdings 2" panose="05020102010507070707" pitchFamily="18" charset="2"/>
+              <a:buChar char=""/>
+              <a:defRPr sz="1800" kern="1200">
+                <a:solidFill>
+                  <a:schemeClr val="tx2"/>
+                </a:solidFill>
+                <a:latin typeface="+mn-lt"/>
+                <a:ea typeface="+mn-ea"/>
+                <a:cs typeface="+mn-cs"/>
+              </a:defRPr>
+            </a:lvl1pPr>
+            <a:lvl2pPr marL="630000" indent="-306000" algn="l" defTabSz="457200" rtl="0" eaLnBrk="1" latinLnBrk="0" hangingPunct="1">
+              <a:spcBef>
+                <a:spcPct val="20000"/>
+              </a:spcBef>
+              <a:spcAft>
+                <a:spcPts val="600"/>
+              </a:spcAft>
+              <a:buClr>
+                <a:schemeClr val="accent2"/>
+              </a:buClr>
+              <a:buSzPct val="92000"/>
+              <a:buFont typeface="Wingdings 2" panose="05020102010507070707" pitchFamily="18" charset="2"/>
+              <a:buChar char=""/>
+              <a:defRPr sz="1600" kern="1200">
+                <a:solidFill>
+                  <a:schemeClr val="tx2"/>
+                </a:solidFill>
+                <a:latin typeface="+mn-lt"/>
+                <a:ea typeface="+mn-ea"/>
+                <a:cs typeface="+mn-cs"/>
+              </a:defRPr>
+            </a:lvl2pPr>
+            <a:lvl3pPr marL="900000" indent="-270000" algn="l" defTabSz="457200" rtl="0" eaLnBrk="1" latinLnBrk="0" hangingPunct="1">
+              <a:spcBef>
+                <a:spcPct val="20000"/>
+              </a:spcBef>
+              <a:spcAft>
+                <a:spcPts val="600"/>
+              </a:spcAft>
+              <a:buClr>
+                <a:schemeClr val="accent2"/>
+              </a:buClr>
+              <a:buSzPct val="92000"/>
+              <a:buFont typeface="Wingdings 2" panose="05020102010507070707" pitchFamily="18" charset="2"/>
+              <a:buChar char=""/>
+              <a:defRPr sz="1400" kern="1200">
+                <a:solidFill>
+                  <a:schemeClr val="tx2"/>
+                </a:solidFill>
+                <a:latin typeface="+mn-lt"/>
+                <a:ea typeface="+mn-ea"/>
+                <a:cs typeface="+mn-cs"/>
+              </a:defRPr>
+            </a:lvl3pPr>
+            <a:lvl4pPr marL="1242000" indent="-234000" algn="l" defTabSz="457200" rtl="0" eaLnBrk="1" latinLnBrk="0" hangingPunct="1">
+              <a:spcBef>
+                <a:spcPct val="20000"/>
+              </a:spcBef>
+              <a:spcAft>
+                <a:spcPts val="600"/>
+              </a:spcAft>
+              <a:buClr>
+                <a:schemeClr val="accent2"/>
+              </a:buClr>
+              <a:buSzPct val="92000"/>
+              <a:buFont typeface="Wingdings 2" panose="05020102010507070707" pitchFamily="18" charset="2"/>
+              <a:buChar char=""/>
+              <a:defRPr sz="1200" kern="1200">
+                <a:solidFill>
+                  <a:schemeClr val="tx2"/>
+                </a:solidFill>
+                <a:latin typeface="+mn-lt"/>
+                <a:ea typeface="+mn-ea"/>
+                <a:cs typeface="+mn-cs"/>
+              </a:defRPr>
+            </a:lvl4pPr>
+            <a:lvl5pPr marL="1602000" indent="-234000" algn="l" defTabSz="457200" rtl="0" eaLnBrk="1" latinLnBrk="0" hangingPunct="1">
+              <a:spcBef>
+                <a:spcPct val="20000"/>
+              </a:spcBef>
+              <a:spcAft>
+                <a:spcPts val="600"/>
+              </a:spcAft>
+              <a:buClr>
+                <a:schemeClr val="accent2"/>
+              </a:buClr>
+              <a:buSzPct val="92000"/>
+              <a:buFont typeface="Wingdings 2" panose="05020102010507070707" pitchFamily="18" charset="2"/>
+              <a:buChar char=""/>
+              <a:defRPr sz="1200" kern="1200">
+                <a:solidFill>
+                  <a:schemeClr val="tx2"/>
+                </a:solidFill>
+                <a:latin typeface="+mn-lt"/>
+                <a:ea typeface="+mn-ea"/>
+                <a:cs typeface="+mn-cs"/>
+              </a:defRPr>
+            </a:lvl5pPr>
+            <a:lvl6pPr marL="1900000" indent="-228600" algn="l" defTabSz="457200" rtl="0" eaLnBrk="1" latinLnBrk="0" hangingPunct="1">
+              <a:spcBef>
+                <a:spcPct val="20000"/>
+              </a:spcBef>
+              <a:spcAft>
+                <a:spcPts val="600"/>
+              </a:spcAft>
+              <a:buClr>
+                <a:schemeClr val="accent2"/>
+              </a:buClr>
+              <a:buSzPct val="92000"/>
+              <a:buFont typeface="Wingdings 2" panose="05020102010507070707" pitchFamily="18" charset="2"/>
+              <a:buChar char=""/>
+              <a:defRPr sz="1200" kern="1200">
+                <a:solidFill>
+                  <a:schemeClr val="tx2"/>
+                </a:solidFill>
+                <a:latin typeface="+mn-lt"/>
+                <a:ea typeface="+mn-ea"/>
+                <a:cs typeface="+mn-cs"/>
+              </a:defRPr>
+            </a:lvl6pPr>
+            <a:lvl7pPr marL="2200000" indent="-228600" algn="l" defTabSz="457200" rtl="0" eaLnBrk="1" latinLnBrk="0" hangingPunct="1">
+              <a:spcBef>
+                <a:spcPct val="20000"/>
+              </a:spcBef>
+              <a:spcAft>
+                <a:spcPts val="600"/>
+              </a:spcAft>
+              <a:buClr>
+                <a:schemeClr val="accent2"/>
+              </a:buClr>
+              <a:buSzPct val="92000"/>
+              <a:buFont typeface="Wingdings 2" panose="05020102010507070707" pitchFamily="18" charset="2"/>
+              <a:buChar char=""/>
+              <a:defRPr sz="1200" kern="1200">
+                <a:solidFill>
+                  <a:schemeClr val="tx2"/>
+                </a:solidFill>
+                <a:latin typeface="+mn-lt"/>
+                <a:ea typeface="+mn-ea"/>
+                <a:cs typeface="+mn-cs"/>
+              </a:defRPr>
+            </a:lvl7pPr>
+            <a:lvl8pPr marL="2500000" indent="-228600" algn="l" defTabSz="457200" rtl="0" eaLnBrk="1" latinLnBrk="0" hangingPunct="1">
+              <a:spcBef>
+                <a:spcPct val="20000"/>
+              </a:spcBef>
+              <a:spcAft>
+                <a:spcPts val="600"/>
+              </a:spcAft>
+              <a:buClr>
+                <a:schemeClr val="accent2"/>
+              </a:buClr>
+              <a:buSzPct val="92000"/>
+              <a:buFont typeface="Wingdings 2" panose="05020102010507070707" pitchFamily="18" charset="2"/>
+              <a:buChar char=""/>
+              <a:defRPr sz="1200" kern="1200">
+                <a:solidFill>
+                  <a:schemeClr val="tx2"/>
+                </a:solidFill>
+                <a:latin typeface="+mn-lt"/>
+                <a:ea typeface="+mn-ea"/>
+                <a:cs typeface="+mn-cs"/>
+              </a:defRPr>
+            </a:lvl8pPr>
+            <a:lvl9pPr marL="2800000" indent="-228600" algn="l" defTabSz="457200" rtl="0" eaLnBrk="1" latinLnBrk="0" hangingPunct="1">
+              <a:spcBef>
+                <a:spcPct val="20000"/>
+              </a:spcBef>
+              <a:spcAft>
+                <a:spcPts val="600"/>
+              </a:spcAft>
+              <a:buClr>
+                <a:schemeClr val="accent2"/>
+              </a:buClr>
+              <a:buSzPct val="92000"/>
+              <a:buFont typeface="Wingdings 2" panose="05020102010507070707" pitchFamily="18" charset="2"/>
+              <a:buChar char=""/>
+              <a:defRPr sz="1200" kern="1200">
+                <a:solidFill>
+                  <a:schemeClr val="tx2"/>
+                </a:solidFill>
+                <a:latin typeface="+mn-lt"/>
+                <a:ea typeface="+mn-ea"/>
+                <a:cs typeface="+mn-cs"/>
+              </a:defRPr>
+            </a:lvl9pPr>
+          </a:lstStyle>
+          <a:p>
+            <a:pPr marL="0" indent="0" algn="ctr">
+              <a:buNone/>
+            </a:pPr>
+            <a:r>
+              <a:rPr lang="es-ES" dirty="0"/>
+              <a:t>Introducción</a:t>
+            </a:r>
+          </a:p>
+          <a:p>
+            <a:pPr marL="0" indent="0">
+              <a:buNone/>
+            </a:pPr>
+            <a:endParaRPr lang="es-ES" dirty="0"/>
+          </a:p>
+        </p:txBody>
+      </p:sp>
+      <p:sp>
+        <p:nvSpPr>
+          <p:cNvPr id="5" name="Diagrama de flujo: conector 4">
+            <a:extLst>
+              <a:ext uri="{FF2B5EF4-FFF2-40B4-BE49-F238E27FC236}">
+                <a16:creationId xmlns:a16="http://schemas.microsoft.com/office/drawing/2014/main" id="{22DB4D67-D4AB-83DC-029C-43023C3BCAE3}"/>
+              </a:ext>
+            </a:extLst>
+          </p:cNvPr>
+          <p:cNvSpPr/>
+          <p:nvPr/>
+        </p:nvSpPr>
+        <p:spPr>
+          <a:xfrm>
+            <a:off x="2890433" y="2439569"/>
+            <a:ext cx="526942" cy="573438"/>
+          </a:xfrm>
+          <a:prstGeom prst="flowChartConnector">
+            <a:avLst/>
+          </a:prstGeom>
+          <a:solidFill>
+            <a:schemeClr val="accent1">
+              <a:lumMod val="40000"/>
+              <a:lumOff val="60000"/>
+            </a:schemeClr>
+          </a:solidFill>
+          <a:ln>
+            <a:solidFill>
+              <a:schemeClr val="accent1">
+                <a:lumMod val="75000"/>
+              </a:schemeClr>
+            </a:solidFill>
+          </a:ln>
+        </p:spPr>
+        <p:style>
+          <a:lnRef idx="2">
+            <a:schemeClr val="accent1">
+              <a:shade val="15000"/>
+            </a:schemeClr>
+          </a:lnRef>
+          <a:fillRef idx="1">
+            <a:schemeClr val="accent1"/>
+          </a:fillRef>
+          <a:effectRef idx="0">
+            <a:schemeClr val="accent1"/>
+          </a:effectRef>
+          <a:fontRef idx="minor">
+            <a:schemeClr val="lt1"/>
+          </a:fontRef>
+        </p:style>
+        <p:txBody>
+          <a:bodyPr rtlCol="0" anchor="ctr"/>
+          <a:lstStyle/>
+          <a:p>
+            <a:pPr algn="ctr"/>
+            <a:endParaRPr lang="es-ES"/>
+          </a:p>
+        </p:txBody>
+      </p:sp>
+      <p:sp>
+        <p:nvSpPr>
+          <p:cNvPr id="7" name="Marcador de contenido 5">
+            <a:extLst>
+              <a:ext uri="{FF2B5EF4-FFF2-40B4-BE49-F238E27FC236}">
+                <a16:creationId xmlns:a16="http://schemas.microsoft.com/office/drawing/2014/main" id="{33F41D62-8E1A-A598-C8CC-3899B9081430}"/>
+              </a:ext>
+            </a:extLst>
+          </p:cNvPr>
+          <p:cNvSpPr txBox="1">
+            <a:spLocks/>
+          </p:cNvSpPr>
+          <p:nvPr/>
+        </p:nvSpPr>
+        <p:spPr>
+          <a:xfrm>
+            <a:off x="2999108" y="2567787"/>
+            <a:ext cx="309590" cy="317002"/>
+          </a:xfrm>
+          <a:prstGeom prst="rect">
+            <a:avLst/>
+          </a:prstGeom>
+        </p:spPr>
+        <p:txBody>
+          <a:bodyPr vert="horz" lIns="91440" tIns="45720" rIns="91440" bIns="45720" rtlCol="0" anchor="ctr">
+            <a:normAutofit fontScale="92500" lnSpcReduction="20000"/>
+          </a:bodyPr>
+          <a:lstStyle>
+            <a:lvl1pPr marL="306000" indent="-306000" algn="l" defTabSz="457200" rtl="0" eaLnBrk="1" latinLnBrk="0" hangingPunct="1">
+              <a:spcBef>
+                <a:spcPct val="20000"/>
+              </a:spcBef>
+              <a:spcAft>
+                <a:spcPts val="600"/>
+              </a:spcAft>
+              <a:buClr>
+                <a:schemeClr val="accent2"/>
+              </a:buClr>
+              <a:buSzPct val="92000"/>
+              <a:buFont typeface="Wingdings 2" panose="05020102010507070707" pitchFamily="18" charset="2"/>
+              <a:buChar char=""/>
+              <a:defRPr sz="1800" kern="1200">
+                <a:solidFill>
+                  <a:schemeClr val="tx2"/>
+                </a:solidFill>
+                <a:latin typeface="+mn-lt"/>
+                <a:ea typeface="+mn-ea"/>
+                <a:cs typeface="+mn-cs"/>
+              </a:defRPr>
+            </a:lvl1pPr>
+            <a:lvl2pPr marL="630000" indent="-306000" algn="l" defTabSz="457200" rtl="0" eaLnBrk="1" latinLnBrk="0" hangingPunct="1">
+              <a:spcBef>
+                <a:spcPct val="20000"/>
+              </a:spcBef>
+              <a:spcAft>
+                <a:spcPts val="600"/>
+              </a:spcAft>
+              <a:buClr>
+                <a:schemeClr val="accent2"/>
+              </a:buClr>
+              <a:buSzPct val="92000"/>
+              <a:buFont typeface="Wingdings 2" panose="05020102010507070707" pitchFamily="18" charset="2"/>
+              <a:buChar char=""/>
+              <a:defRPr sz="1600" kern="1200">
+                <a:solidFill>
+                  <a:schemeClr val="tx2"/>
+                </a:solidFill>
+                <a:latin typeface="+mn-lt"/>
+                <a:ea typeface="+mn-ea"/>
+                <a:cs typeface="+mn-cs"/>
+              </a:defRPr>
+            </a:lvl2pPr>
+            <a:lvl3pPr marL="900000" indent="-270000" algn="l" defTabSz="457200" rtl="0" eaLnBrk="1" latinLnBrk="0" hangingPunct="1">
+              <a:spcBef>
+                <a:spcPct val="20000"/>
+              </a:spcBef>
+              <a:spcAft>
+                <a:spcPts val="600"/>
+              </a:spcAft>
+              <a:buClr>
+                <a:schemeClr val="accent2"/>
+              </a:buClr>
+              <a:buSzPct val="92000"/>
+              <a:buFont typeface="Wingdings 2" panose="05020102010507070707" pitchFamily="18" charset="2"/>
+              <a:buChar char=""/>
+              <a:defRPr sz="1400" kern="1200">
+                <a:solidFill>
+                  <a:schemeClr val="tx2"/>
+                </a:solidFill>
+                <a:latin typeface="+mn-lt"/>
+                <a:ea typeface="+mn-ea"/>
+                <a:cs typeface="+mn-cs"/>
+              </a:defRPr>
+            </a:lvl3pPr>
+            <a:lvl4pPr marL="1242000" indent="-234000" algn="l" defTabSz="457200" rtl="0" eaLnBrk="1" latinLnBrk="0" hangingPunct="1">
+              <a:spcBef>
+                <a:spcPct val="20000"/>
+              </a:spcBef>
+              <a:spcAft>
+                <a:spcPts val="600"/>
+              </a:spcAft>
+              <a:buClr>
+                <a:schemeClr val="accent2"/>
+              </a:buClr>
+              <a:buSzPct val="92000"/>
+              <a:buFont typeface="Wingdings 2" panose="05020102010507070707" pitchFamily="18" charset="2"/>
+              <a:buChar char=""/>
+              <a:defRPr sz="1200" kern="1200">
+                <a:solidFill>
+                  <a:schemeClr val="tx2"/>
+                </a:solidFill>
+                <a:latin typeface="+mn-lt"/>
+                <a:ea typeface="+mn-ea"/>
+                <a:cs typeface="+mn-cs"/>
+              </a:defRPr>
+            </a:lvl4pPr>
+            <a:lvl5pPr marL="1602000" indent="-234000" algn="l" defTabSz="457200" rtl="0" eaLnBrk="1" latinLnBrk="0" hangingPunct="1">
+              <a:spcBef>
+                <a:spcPct val="20000"/>
+              </a:spcBef>
+              <a:spcAft>
+                <a:spcPts val="600"/>
+              </a:spcAft>
+              <a:buClr>
+                <a:schemeClr val="accent2"/>
+              </a:buClr>
+              <a:buSzPct val="92000"/>
+              <a:buFont typeface="Wingdings 2" panose="05020102010507070707" pitchFamily="18" charset="2"/>
+              <a:buChar char=""/>
+              <a:defRPr sz="1200" kern="1200">
+                <a:solidFill>
+                  <a:schemeClr val="tx2"/>
+                </a:solidFill>
+                <a:latin typeface="+mn-lt"/>
+                <a:ea typeface="+mn-ea"/>
+                <a:cs typeface="+mn-cs"/>
+              </a:defRPr>
+            </a:lvl5pPr>
+            <a:lvl6pPr marL="1900000" indent="-228600" algn="l" defTabSz="457200" rtl="0" eaLnBrk="1" latinLnBrk="0" hangingPunct="1">
+              <a:spcBef>
+                <a:spcPct val="20000"/>
+              </a:spcBef>
+              <a:spcAft>
+                <a:spcPts val="600"/>
+              </a:spcAft>
+              <a:buClr>
+                <a:schemeClr val="accent2"/>
+              </a:buClr>
+              <a:buSzPct val="92000"/>
+              <a:buFont typeface="Wingdings 2" panose="05020102010507070707" pitchFamily="18" charset="2"/>
+              <a:buChar char=""/>
+              <a:defRPr sz="1200" kern="1200">
+                <a:solidFill>
+                  <a:schemeClr val="tx2"/>
+                </a:solidFill>
+                <a:latin typeface="+mn-lt"/>
+                <a:ea typeface="+mn-ea"/>
+                <a:cs typeface="+mn-cs"/>
+              </a:defRPr>
+            </a:lvl6pPr>
+            <a:lvl7pPr marL="2200000" indent="-228600" algn="l" defTabSz="457200" rtl="0" eaLnBrk="1" latinLnBrk="0" hangingPunct="1">
+              <a:spcBef>
+                <a:spcPct val="20000"/>
+              </a:spcBef>
+              <a:spcAft>
+                <a:spcPts val="600"/>
+              </a:spcAft>
+              <a:buClr>
+                <a:schemeClr val="accent2"/>
+              </a:buClr>
+              <a:buSzPct val="92000"/>
+              <a:buFont typeface="Wingdings 2" panose="05020102010507070707" pitchFamily="18" charset="2"/>
+              <a:buChar char=""/>
+              <a:defRPr sz="1200" kern="1200">
+                <a:solidFill>
+                  <a:schemeClr val="tx2"/>
+                </a:solidFill>
+                <a:latin typeface="+mn-lt"/>
+                <a:ea typeface="+mn-ea"/>
+                <a:cs typeface="+mn-cs"/>
+              </a:defRPr>
+            </a:lvl7pPr>
+            <a:lvl8pPr marL="2500000" indent="-228600" algn="l" defTabSz="457200" rtl="0" eaLnBrk="1" latinLnBrk="0" hangingPunct="1">
+              <a:spcBef>
+                <a:spcPct val="20000"/>
+              </a:spcBef>
+              <a:spcAft>
+                <a:spcPts val="600"/>
+              </a:spcAft>
+              <a:buClr>
+                <a:schemeClr val="accent2"/>
+              </a:buClr>
+              <a:buSzPct val="92000"/>
+              <a:buFont typeface="Wingdings 2" panose="05020102010507070707" pitchFamily="18" charset="2"/>
+              <a:buChar char=""/>
+              <a:defRPr sz="1200" kern="1200">
+                <a:solidFill>
+                  <a:schemeClr val="tx2"/>
+                </a:solidFill>
+                <a:latin typeface="+mn-lt"/>
+                <a:ea typeface="+mn-ea"/>
+                <a:cs typeface="+mn-cs"/>
+              </a:defRPr>
+            </a:lvl8pPr>
+            <a:lvl9pPr marL="2800000" indent="-228600" algn="l" defTabSz="457200" rtl="0" eaLnBrk="1" latinLnBrk="0" hangingPunct="1">
+              <a:spcBef>
+                <a:spcPct val="20000"/>
+              </a:spcBef>
+              <a:spcAft>
+                <a:spcPts val="600"/>
+              </a:spcAft>
+              <a:buClr>
+                <a:schemeClr val="accent2"/>
+              </a:buClr>
+              <a:buSzPct val="92000"/>
+              <a:buFont typeface="Wingdings 2" panose="05020102010507070707" pitchFamily="18" charset="2"/>
+              <a:buChar char=""/>
+              <a:defRPr sz="1200" kern="1200">
+                <a:solidFill>
+                  <a:schemeClr val="tx2"/>
+                </a:solidFill>
+                <a:latin typeface="+mn-lt"/>
+                <a:ea typeface="+mn-ea"/>
+                <a:cs typeface="+mn-cs"/>
+              </a:defRPr>
+            </a:lvl9pPr>
+          </a:lstStyle>
+          <a:p>
+            <a:pPr marL="0" indent="0">
+              <a:buNone/>
+            </a:pPr>
+            <a:r>
+              <a:rPr lang="es-ES" dirty="0"/>
+              <a:t>1</a:t>
+            </a:r>
+          </a:p>
+        </p:txBody>
+      </p:sp>
+      <p:sp>
+        <p:nvSpPr>
+          <p:cNvPr id="8" name="Rectángulo: esquinas redondeadas 7">
+            <a:extLst>
+              <a:ext uri="{FF2B5EF4-FFF2-40B4-BE49-F238E27FC236}">
+                <a16:creationId xmlns:a16="http://schemas.microsoft.com/office/drawing/2014/main" id="{4C02DAA6-DCBA-FC49-B253-BBB491ED89AE}"/>
+              </a:ext>
+            </a:extLst>
+          </p:cNvPr>
+          <p:cNvSpPr/>
+          <p:nvPr/>
+        </p:nvSpPr>
+        <p:spPr>
+          <a:xfrm>
+            <a:off x="4922575" y="2898182"/>
+            <a:ext cx="2162013" cy="1061634"/>
+          </a:xfrm>
+          <a:prstGeom prst="roundRect">
+            <a:avLst/>
+          </a:prstGeom>
+          <a:ln>
+            <a:solidFill>
+              <a:schemeClr val="tx1"/>
+            </a:solidFill>
+          </a:ln>
+        </p:spPr>
+        <p:style>
+          <a:lnRef idx="2">
+            <a:schemeClr val="accent6"/>
+          </a:lnRef>
+          <a:fillRef idx="1">
+            <a:schemeClr val="lt1"/>
+          </a:fillRef>
+          <a:effectRef idx="0">
+            <a:schemeClr val="accent6"/>
+          </a:effectRef>
+          <a:fontRef idx="minor">
+            <a:schemeClr val="dk1"/>
+          </a:fontRef>
+        </p:style>
+        <p:txBody>
+          <a:bodyPr rtlCol="0" anchor="ctr"/>
+          <a:lstStyle/>
+          <a:p>
+            <a:pPr algn="ctr"/>
+            <a:endParaRPr lang="es-ES"/>
+          </a:p>
+        </p:txBody>
+      </p:sp>
+      <p:sp>
+        <p:nvSpPr>
+          <p:cNvPr id="9" name="Marcador de contenido 5">
+            <a:extLst>
+              <a:ext uri="{FF2B5EF4-FFF2-40B4-BE49-F238E27FC236}">
+                <a16:creationId xmlns:a16="http://schemas.microsoft.com/office/drawing/2014/main" id="{B5D7D714-FD2B-3E04-4137-22F228514CA6}"/>
+              </a:ext>
+            </a:extLst>
+          </p:cNvPr>
+          <p:cNvSpPr txBox="1">
+            <a:spLocks/>
+          </p:cNvSpPr>
+          <p:nvPr/>
+        </p:nvSpPr>
+        <p:spPr>
+          <a:xfrm>
+            <a:off x="5002705" y="3163066"/>
+            <a:ext cx="2001752" cy="932937"/>
+          </a:xfrm>
+          <a:prstGeom prst="rect">
+            <a:avLst/>
+          </a:prstGeom>
+        </p:spPr>
+        <p:txBody>
+          <a:bodyPr vert="horz" lIns="91440" tIns="45720" rIns="91440" bIns="45720" rtlCol="0" anchor="ctr">
+            <a:normAutofit/>
+          </a:bodyPr>
+          <a:lstStyle>
+            <a:lvl1pPr marL="306000" indent="-306000" algn="l" defTabSz="457200" rtl="0" eaLnBrk="1" latinLnBrk="0" hangingPunct="1">
+              <a:spcBef>
+                <a:spcPct val="20000"/>
+              </a:spcBef>
+              <a:spcAft>
+                <a:spcPts val="600"/>
+              </a:spcAft>
+              <a:buClr>
+                <a:schemeClr val="accent2"/>
+              </a:buClr>
+              <a:buSzPct val="92000"/>
+              <a:buFont typeface="Wingdings 2" panose="05020102010507070707" pitchFamily="18" charset="2"/>
+              <a:buChar char=""/>
+              <a:defRPr sz="1800" kern="1200">
+                <a:solidFill>
+                  <a:schemeClr val="tx2"/>
+                </a:solidFill>
+                <a:latin typeface="+mn-lt"/>
+                <a:ea typeface="+mn-ea"/>
+                <a:cs typeface="+mn-cs"/>
+              </a:defRPr>
+            </a:lvl1pPr>
+            <a:lvl2pPr marL="630000" indent="-306000" algn="l" defTabSz="457200" rtl="0" eaLnBrk="1" latinLnBrk="0" hangingPunct="1">
+              <a:spcBef>
+                <a:spcPct val="20000"/>
+              </a:spcBef>
+              <a:spcAft>
+                <a:spcPts val="600"/>
+              </a:spcAft>
+              <a:buClr>
+                <a:schemeClr val="accent2"/>
+              </a:buClr>
+              <a:buSzPct val="92000"/>
+              <a:buFont typeface="Wingdings 2" panose="05020102010507070707" pitchFamily="18" charset="2"/>
+              <a:buChar char=""/>
+              <a:defRPr sz="1600" kern="1200">
+                <a:solidFill>
+                  <a:schemeClr val="tx2"/>
+                </a:solidFill>
+                <a:latin typeface="+mn-lt"/>
+                <a:ea typeface="+mn-ea"/>
+                <a:cs typeface="+mn-cs"/>
+              </a:defRPr>
+            </a:lvl2pPr>
+            <a:lvl3pPr marL="900000" indent="-270000" algn="l" defTabSz="457200" rtl="0" eaLnBrk="1" latinLnBrk="0" hangingPunct="1">
+              <a:spcBef>
+                <a:spcPct val="20000"/>
+              </a:spcBef>
+              <a:spcAft>
+                <a:spcPts val="600"/>
+              </a:spcAft>
+              <a:buClr>
+                <a:schemeClr val="accent2"/>
+              </a:buClr>
+              <a:buSzPct val="92000"/>
+              <a:buFont typeface="Wingdings 2" panose="05020102010507070707" pitchFamily="18" charset="2"/>
+              <a:buChar char=""/>
+              <a:defRPr sz="1400" kern="1200">
+                <a:solidFill>
+                  <a:schemeClr val="tx2"/>
+                </a:solidFill>
+                <a:latin typeface="+mn-lt"/>
+                <a:ea typeface="+mn-ea"/>
+                <a:cs typeface="+mn-cs"/>
+              </a:defRPr>
+            </a:lvl3pPr>
+            <a:lvl4pPr marL="1242000" indent="-234000" algn="l" defTabSz="457200" rtl="0" eaLnBrk="1" latinLnBrk="0" hangingPunct="1">
+              <a:spcBef>
+                <a:spcPct val="20000"/>
+              </a:spcBef>
+              <a:spcAft>
+                <a:spcPts val="600"/>
+              </a:spcAft>
+              <a:buClr>
+                <a:schemeClr val="accent2"/>
+              </a:buClr>
+              <a:buSzPct val="92000"/>
+              <a:buFont typeface="Wingdings 2" panose="05020102010507070707" pitchFamily="18" charset="2"/>
+              <a:buChar char=""/>
+              <a:defRPr sz="1200" kern="1200">
+                <a:solidFill>
+                  <a:schemeClr val="tx2"/>
+                </a:solidFill>
+                <a:latin typeface="+mn-lt"/>
+                <a:ea typeface="+mn-ea"/>
+                <a:cs typeface="+mn-cs"/>
+              </a:defRPr>
+            </a:lvl4pPr>
+            <a:lvl5pPr marL="1602000" indent="-234000" algn="l" defTabSz="457200" rtl="0" eaLnBrk="1" latinLnBrk="0" hangingPunct="1">
+              <a:spcBef>
+                <a:spcPct val="20000"/>
+              </a:spcBef>
+              <a:spcAft>
+                <a:spcPts val="600"/>
+              </a:spcAft>
+              <a:buClr>
+                <a:schemeClr val="accent2"/>
+              </a:buClr>
+              <a:buSzPct val="92000"/>
+              <a:buFont typeface="Wingdings 2" panose="05020102010507070707" pitchFamily="18" charset="2"/>
+              <a:buChar char=""/>
+              <a:defRPr sz="1200" kern="1200">
+                <a:solidFill>
+                  <a:schemeClr val="tx2"/>
+                </a:solidFill>
+                <a:latin typeface="+mn-lt"/>
+                <a:ea typeface="+mn-ea"/>
+                <a:cs typeface="+mn-cs"/>
+              </a:defRPr>
+            </a:lvl5pPr>
+            <a:lvl6pPr marL="1900000" indent="-228600" algn="l" defTabSz="457200" rtl="0" eaLnBrk="1" latinLnBrk="0" hangingPunct="1">
+              <a:spcBef>
+                <a:spcPct val="20000"/>
+              </a:spcBef>
+              <a:spcAft>
+                <a:spcPts val="600"/>
+              </a:spcAft>
+              <a:buClr>
+                <a:schemeClr val="accent2"/>
+              </a:buClr>
+              <a:buSzPct val="92000"/>
+              <a:buFont typeface="Wingdings 2" panose="05020102010507070707" pitchFamily="18" charset="2"/>
+              <a:buChar char=""/>
+              <a:defRPr sz="1200" kern="1200">
+                <a:solidFill>
+                  <a:schemeClr val="tx2"/>
+                </a:solidFill>
+                <a:latin typeface="+mn-lt"/>
+                <a:ea typeface="+mn-ea"/>
+                <a:cs typeface="+mn-cs"/>
+              </a:defRPr>
+            </a:lvl6pPr>
+            <a:lvl7pPr marL="2200000" indent="-228600" algn="l" defTabSz="457200" rtl="0" eaLnBrk="1" latinLnBrk="0" hangingPunct="1">
+              <a:spcBef>
+                <a:spcPct val="20000"/>
+              </a:spcBef>
+              <a:spcAft>
+                <a:spcPts val="600"/>
+              </a:spcAft>
+              <a:buClr>
+                <a:schemeClr val="accent2"/>
+              </a:buClr>
+              <a:buSzPct val="92000"/>
+              <a:buFont typeface="Wingdings 2" panose="05020102010507070707" pitchFamily="18" charset="2"/>
+              <a:buChar char=""/>
+              <a:defRPr sz="1200" kern="1200">
+                <a:solidFill>
+                  <a:schemeClr val="tx2"/>
+                </a:solidFill>
+                <a:latin typeface="+mn-lt"/>
+                <a:ea typeface="+mn-ea"/>
+                <a:cs typeface="+mn-cs"/>
+              </a:defRPr>
+            </a:lvl7pPr>
+            <a:lvl8pPr marL="2500000" indent="-228600" algn="l" defTabSz="457200" rtl="0" eaLnBrk="1" latinLnBrk="0" hangingPunct="1">
+              <a:spcBef>
+                <a:spcPct val="20000"/>
+              </a:spcBef>
+              <a:spcAft>
+                <a:spcPts val="600"/>
+              </a:spcAft>
+              <a:buClr>
+                <a:schemeClr val="accent2"/>
+              </a:buClr>
+              <a:buSzPct val="92000"/>
+              <a:buFont typeface="Wingdings 2" panose="05020102010507070707" pitchFamily="18" charset="2"/>
+              <a:buChar char=""/>
+              <a:defRPr sz="1200" kern="1200">
+                <a:solidFill>
+                  <a:schemeClr val="tx2"/>
+                </a:solidFill>
+                <a:latin typeface="+mn-lt"/>
+                <a:ea typeface="+mn-ea"/>
+                <a:cs typeface="+mn-cs"/>
+              </a:defRPr>
+            </a:lvl8pPr>
+            <a:lvl9pPr marL="2800000" indent="-228600" algn="l" defTabSz="457200" rtl="0" eaLnBrk="1" latinLnBrk="0" hangingPunct="1">
+              <a:spcBef>
+                <a:spcPct val="20000"/>
+              </a:spcBef>
+              <a:spcAft>
+                <a:spcPts val="600"/>
+              </a:spcAft>
+              <a:buClr>
+                <a:schemeClr val="accent2"/>
+              </a:buClr>
+              <a:buSzPct val="92000"/>
+              <a:buFont typeface="Wingdings 2" panose="05020102010507070707" pitchFamily="18" charset="2"/>
+              <a:buChar char=""/>
+              <a:defRPr sz="1200" kern="1200">
+                <a:solidFill>
+                  <a:schemeClr val="tx2"/>
+                </a:solidFill>
+                <a:latin typeface="+mn-lt"/>
+                <a:ea typeface="+mn-ea"/>
+                <a:cs typeface="+mn-cs"/>
+              </a:defRPr>
+            </a:lvl9pPr>
+          </a:lstStyle>
+          <a:p>
+            <a:pPr marL="0" indent="0" algn="ctr">
+              <a:buNone/>
+            </a:pPr>
+            <a:r>
+              <a:rPr lang="es-ES" dirty="0"/>
+              <a:t>Tecnologías </a:t>
+            </a:r>
+          </a:p>
+          <a:p>
+            <a:pPr marL="0" indent="0" algn="ctr">
+              <a:buNone/>
+            </a:pPr>
+            <a:r>
+              <a:rPr lang="es-ES" dirty="0"/>
+              <a:t>utilizadas</a:t>
+            </a:r>
+          </a:p>
+          <a:p>
+            <a:pPr marL="0" indent="0">
+              <a:buNone/>
+            </a:pPr>
+            <a:endParaRPr lang="es-ES" dirty="0"/>
+          </a:p>
+        </p:txBody>
+      </p:sp>
+      <p:sp>
+        <p:nvSpPr>
+          <p:cNvPr id="10" name="Diagrama de flujo: conector 9">
+            <a:extLst>
+              <a:ext uri="{FF2B5EF4-FFF2-40B4-BE49-F238E27FC236}">
+                <a16:creationId xmlns:a16="http://schemas.microsoft.com/office/drawing/2014/main" id="{46C0425F-2C4B-BB67-D538-97B389FD96C4}"/>
+              </a:ext>
+            </a:extLst>
+          </p:cNvPr>
+          <p:cNvSpPr/>
+          <p:nvPr/>
+        </p:nvSpPr>
+        <p:spPr>
+          <a:xfrm>
+            <a:off x="5740112" y="2519137"/>
+            <a:ext cx="526942" cy="573438"/>
+          </a:xfrm>
+          <a:prstGeom prst="flowChartConnector">
+            <a:avLst/>
+          </a:prstGeom>
+          <a:solidFill>
+            <a:schemeClr val="accent1">
+              <a:lumMod val="40000"/>
+              <a:lumOff val="60000"/>
+            </a:schemeClr>
+          </a:solidFill>
+          <a:ln>
+            <a:solidFill>
+              <a:schemeClr val="accent1">
+                <a:lumMod val="75000"/>
+              </a:schemeClr>
+            </a:solidFill>
+          </a:ln>
+        </p:spPr>
+        <p:style>
+          <a:lnRef idx="2">
+            <a:schemeClr val="accent1">
+              <a:shade val="15000"/>
+            </a:schemeClr>
+          </a:lnRef>
+          <a:fillRef idx="1">
+            <a:schemeClr val="accent1"/>
+          </a:fillRef>
+          <a:effectRef idx="0">
+            <a:schemeClr val="accent1"/>
+          </a:effectRef>
+          <a:fontRef idx="minor">
+            <a:schemeClr val="lt1"/>
+          </a:fontRef>
+        </p:style>
+        <p:txBody>
+          <a:bodyPr rtlCol="0" anchor="ctr"/>
+          <a:lstStyle/>
+          <a:p>
+            <a:pPr algn="ctr"/>
+            <a:endParaRPr lang="es-ES"/>
+          </a:p>
+        </p:txBody>
+      </p:sp>
+      <p:sp>
+        <p:nvSpPr>
+          <p:cNvPr id="11" name="Marcador de contenido 5">
+            <a:extLst>
+              <a:ext uri="{FF2B5EF4-FFF2-40B4-BE49-F238E27FC236}">
+                <a16:creationId xmlns:a16="http://schemas.microsoft.com/office/drawing/2014/main" id="{64F1CCBC-D238-7CFA-B2DD-649082ABB022}"/>
+              </a:ext>
+            </a:extLst>
+          </p:cNvPr>
+          <p:cNvSpPr txBox="1">
+            <a:spLocks/>
+          </p:cNvSpPr>
+          <p:nvPr/>
+        </p:nvSpPr>
+        <p:spPr>
+          <a:xfrm>
+            <a:off x="5848787" y="2647355"/>
+            <a:ext cx="309590" cy="317002"/>
+          </a:xfrm>
+          <a:prstGeom prst="rect">
+            <a:avLst/>
+          </a:prstGeom>
+        </p:spPr>
+        <p:txBody>
+          <a:bodyPr vert="horz" lIns="91440" tIns="45720" rIns="91440" bIns="45720" rtlCol="0" anchor="ctr">
+            <a:normAutofit fontScale="92500" lnSpcReduction="20000"/>
+          </a:bodyPr>
+          <a:lstStyle>
+            <a:lvl1pPr marL="306000" indent="-306000" algn="l" defTabSz="457200" rtl="0" eaLnBrk="1" latinLnBrk="0" hangingPunct="1">
+              <a:spcBef>
+                <a:spcPct val="20000"/>
+              </a:spcBef>
+              <a:spcAft>
+                <a:spcPts val="600"/>
+              </a:spcAft>
+              <a:buClr>
+                <a:schemeClr val="accent2"/>
+              </a:buClr>
+              <a:buSzPct val="92000"/>
+              <a:buFont typeface="Wingdings 2" panose="05020102010507070707" pitchFamily="18" charset="2"/>
+              <a:buChar char=""/>
+              <a:defRPr sz="1800" kern="1200">
+                <a:solidFill>
+                  <a:schemeClr val="tx2"/>
+                </a:solidFill>
+                <a:latin typeface="+mn-lt"/>
+                <a:ea typeface="+mn-ea"/>
+                <a:cs typeface="+mn-cs"/>
+              </a:defRPr>
+            </a:lvl1pPr>
+            <a:lvl2pPr marL="630000" indent="-306000" algn="l" defTabSz="457200" rtl="0" eaLnBrk="1" latinLnBrk="0" hangingPunct="1">
+              <a:spcBef>
+                <a:spcPct val="20000"/>
+              </a:spcBef>
+              <a:spcAft>
+                <a:spcPts val="600"/>
+              </a:spcAft>
+              <a:buClr>
+                <a:schemeClr val="accent2"/>
+              </a:buClr>
+              <a:buSzPct val="92000"/>
+              <a:buFont typeface="Wingdings 2" panose="05020102010507070707" pitchFamily="18" charset="2"/>
+              <a:buChar char=""/>
+              <a:defRPr sz="1600" kern="1200">
+                <a:solidFill>
+                  <a:schemeClr val="tx2"/>
+                </a:solidFill>
+                <a:latin typeface="+mn-lt"/>
+                <a:ea typeface="+mn-ea"/>
+                <a:cs typeface="+mn-cs"/>
+              </a:defRPr>
+            </a:lvl2pPr>
+            <a:lvl3pPr marL="900000" indent="-270000" algn="l" defTabSz="457200" rtl="0" eaLnBrk="1" latinLnBrk="0" hangingPunct="1">
+              <a:spcBef>
+                <a:spcPct val="20000"/>
+              </a:spcBef>
+              <a:spcAft>
+                <a:spcPts val="600"/>
+              </a:spcAft>
+              <a:buClr>
+                <a:schemeClr val="accent2"/>
+              </a:buClr>
+              <a:buSzPct val="92000"/>
+              <a:buFont typeface="Wingdings 2" panose="05020102010507070707" pitchFamily="18" charset="2"/>
+              <a:buChar char=""/>
+              <a:defRPr sz="1400" kern="1200">
+                <a:solidFill>
+                  <a:schemeClr val="tx2"/>
+                </a:solidFill>
+                <a:latin typeface="+mn-lt"/>
+                <a:ea typeface="+mn-ea"/>
+                <a:cs typeface="+mn-cs"/>
+              </a:defRPr>
+            </a:lvl3pPr>
+            <a:lvl4pPr marL="1242000" indent="-234000" algn="l" defTabSz="457200" rtl="0" eaLnBrk="1" latinLnBrk="0" hangingPunct="1">
+              <a:spcBef>
+                <a:spcPct val="20000"/>
+              </a:spcBef>
+              <a:spcAft>
+                <a:spcPts val="600"/>
+              </a:spcAft>
+              <a:buClr>
+                <a:schemeClr val="accent2"/>
+              </a:buClr>
+              <a:buSzPct val="92000"/>
+              <a:buFont typeface="Wingdings 2" panose="05020102010507070707" pitchFamily="18" charset="2"/>
+              <a:buChar char=""/>
+              <a:defRPr sz="1200" kern="1200">
+                <a:solidFill>
+                  <a:schemeClr val="tx2"/>
+                </a:solidFill>
+                <a:latin typeface="+mn-lt"/>
+                <a:ea typeface="+mn-ea"/>
+                <a:cs typeface="+mn-cs"/>
+              </a:defRPr>
+            </a:lvl4pPr>
+            <a:lvl5pPr marL="1602000" indent="-234000" algn="l" defTabSz="457200" rtl="0" eaLnBrk="1" latinLnBrk="0" hangingPunct="1">
+              <a:spcBef>
+                <a:spcPct val="20000"/>
+              </a:spcBef>
+              <a:spcAft>
+                <a:spcPts val="600"/>
+              </a:spcAft>
+              <a:buClr>
+                <a:schemeClr val="accent2"/>
+              </a:buClr>
+              <a:buSzPct val="92000"/>
+              <a:buFont typeface="Wingdings 2" panose="05020102010507070707" pitchFamily="18" charset="2"/>
+              <a:buChar char=""/>
+              <a:defRPr sz="1200" kern="1200">
+                <a:solidFill>
+                  <a:schemeClr val="tx2"/>
+                </a:solidFill>
+                <a:latin typeface="+mn-lt"/>
+                <a:ea typeface="+mn-ea"/>
+                <a:cs typeface="+mn-cs"/>
+              </a:defRPr>
+            </a:lvl5pPr>
+            <a:lvl6pPr marL="1900000" indent="-228600" algn="l" defTabSz="457200" rtl="0" eaLnBrk="1" latinLnBrk="0" hangingPunct="1">
+              <a:spcBef>
+                <a:spcPct val="20000"/>
+              </a:spcBef>
+              <a:spcAft>
+                <a:spcPts val="600"/>
+              </a:spcAft>
+              <a:buClr>
+                <a:schemeClr val="accent2"/>
+              </a:buClr>
+              <a:buSzPct val="92000"/>
+              <a:buFont typeface="Wingdings 2" panose="05020102010507070707" pitchFamily="18" charset="2"/>
+              <a:buChar char=""/>
+              <a:defRPr sz="1200" kern="1200">
+                <a:solidFill>
+                  <a:schemeClr val="tx2"/>
+                </a:solidFill>
+                <a:latin typeface="+mn-lt"/>
+                <a:ea typeface="+mn-ea"/>
+                <a:cs typeface="+mn-cs"/>
+              </a:defRPr>
+            </a:lvl6pPr>
+            <a:lvl7pPr marL="2200000" indent="-228600" algn="l" defTabSz="457200" rtl="0" eaLnBrk="1" latinLnBrk="0" hangingPunct="1">
+              <a:spcBef>
+                <a:spcPct val="20000"/>
+              </a:spcBef>
+              <a:spcAft>
+                <a:spcPts val="600"/>
+              </a:spcAft>
+              <a:buClr>
+                <a:schemeClr val="accent2"/>
+              </a:buClr>
+              <a:buSzPct val="92000"/>
+              <a:buFont typeface="Wingdings 2" panose="05020102010507070707" pitchFamily="18" charset="2"/>
+              <a:buChar char=""/>
+              <a:defRPr sz="1200" kern="1200">
+                <a:solidFill>
+                  <a:schemeClr val="tx2"/>
+                </a:solidFill>
+                <a:latin typeface="+mn-lt"/>
+                <a:ea typeface="+mn-ea"/>
+                <a:cs typeface="+mn-cs"/>
+              </a:defRPr>
+            </a:lvl7pPr>
+            <a:lvl8pPr marL="2500000" indent="-228600" algn="l" defTabSz="457200" rtl="0" eaLnBrk="1" latinLnBrk="0" hangingPunct="1">
+              <a:spcBef>
+                <a:spcPct val="20000"/>
+              </a:spcBef>
+              <a:spcAft>
+                <a:spcPts val="600"/>
+              </a:spcAft>
+              <a:buClr>
+                <a:schemeClr val="accent2"/>
+              </a:buClr>
+              <a:buSzPct val="92000"/>
+              <a:buFont typeface="Wingdings 2" panose="05020102010507070707" pitchFamily="18" charset="2"/>
+              <a:buChar char=""/>
+              <a:defRPr sz="1200" kern="1200">
+                <a:solidFill>
+                  <a:schemeClr val="tx2"/>
+                </a:solidFill>
+                <a:latin typeface="+mn-lt"/>
+                <a:ea typeface="+mn-ea"/>
+                <a:cs typeface="+mn-cs"/>
+              </a:defRPr>
+            </a:lvl8pPr>
+            <a:lvl9pPr marL="2800000" indent="-228600" algn="l" defTabSz="457200" rtl="0" eaLnBrk="1" latinLnBrk="0" hangingPunct="1">
+              <a:spcBef>
+                <a:spcPct val="20000"/>
+              </a:spcBef>
+              <a:spcAft>
+                <a:spcPts val="600"/>
+              </a:spcAft>
+              <a:buClr>
+                <a:schemeClr val="accent2"/>
+              </a:buClr>
+              <a:buSzPct val="92000"/>
+              <a:buFont typeface="Wingdings 2" panose="05020102010507070707" pitchFamily="18" charset="2"/>
+              <a:buChar char=""/>
+              <a:defRPr sz="1200" kern="1200">
+                <a:solidFill>
+                  <a:schemeClr val="tx2"/>
+                </a:solidFill>
+                <a:latin typeface="+mn-lt"/>
+                <a:ea typeface="+mn-ea"/>
+                <a:cs typeface="+mn-cs"/>
+              </a:defRPr>
+            </a:lvl9pPr>
+          </a:lstStyle>
+          <a:p>
+            <a:pPr marL="0" indent="0">
+              <a:buNone/>
+            </a:pPr>
+            <a:r>
+              <a:rPr lang="es-ES" dirty="0"/>
+              <a:t>2</a:t>
+            </a:r>
+          </a:p>
+        </p:txBody>
+      </p:sp>
+      <p:sp>
+        <p:nvSpPr>
+          <p:cNvPr id="12" name="Rectángulo: esquinas redondeadas 11">
+            <a:extLst>
+              <a:ext uri="{FF2B5EF4-FFF2-40B4-BE49-F238E27FC236}">
+                <a16:creationId xmlns:a16="http://schemas.microsoft.com/office/drawing/2014/main" id="{C1D031D5-E12F-CAAD-681F-D1D1F9D01200}"/>
+              </a:ext>
+            </a:extLst>
+          </p:cNvPr>
+          <p:cNvSpPr/>
+          <p:nvPr/>
+        </p:nvSpPr>
+        <p:spPr>
+          <a:xfrm>
+            <a:off x="7902125" y="2898183"/>
+            <a:ext cx="2162013" cy="1061634"/>
+          </a:xfrm>
+          <a:prstGeom prst="roundRect">
+            <a:avLst/>
+          </a:prstGeom>
+          <a:ln>
+            <a:solidFill>
+              <a:schemeClr val="tx1"/>
+            </a:solidFill>
+          </a:ln>
+        </p:spPr>
+        <p:style>
+          <a:lnRef idx="2">
+            <a:schemeClr val="accent6"/>
+          </a:lnRef>
+          <a:fillRef idx="1">
+            <a:schemeClr val="lt1"/>
+          </a:fillRef>
+          <a:effectRef idx="0">
+            <a:schemeClr val="accent6"/>
+          </a:effectRef>
+          <a:fontRef idx="minor">
+            <a:schemeClr val="dk1"/>
+          </a:fontRef>
+        </p:style>
+        <p:txBody>
+          <a:bodyPr rtlCol="0" anchor="ctr"/>
+          <a:lstStyle/>
+          <a:p>
+            <a:pPr algn="ctr"/>
+            <a:endParaRPr lang="es-ES"/>
+          </a:p>
+        </p:txBody>
+      </p:sp>
+      <p:sp>
+        <p:nvSpPr>
+          <p:cNvPr id="13" name="Marcador de contenido 5">
+            <a:extLst>
+              <a:ext uri="{FF2B5EF4-FFF2-40B4-BE49-F238E27FC236}">
+                <a16:creationId xmlns:a16="http://schemas.microsoft.com/office/drawing/2014/main" id="{513633CA-1C25-E2D3-B110-62F4E6BF6429}"/>
+              </a:ext>
+            </a:extLst>
+          </p:cNvPr>
+          <p:cNvSpPr txBox="1">
+            <a:spLocks/>
+          </p:cNvSpPr>
+          <p:nvPr/>
+        </p:nvSpPr>
+        <p:spPr>
+          <a:xfrm>
+            <a:off x="8064340" y="3258732"/>
+            <a:ext cx="1837582" cy="694612"/>
+          </a:xfrm>
+          <a:prstGeom prst="rect">
+            <a:avLst/>
+          </a:prstGeom>
+        </p:spPr>
+        <p:txBody>
+          <a:bodyPr vert="horz" lIns="91440" tIns="45720" rIns="91440" bIns="45720" rtlCol="0" anchor="ctr">
+            <a:normAutofit/>
+          </a:bodyPr>
+          <a:lstStyle>
+            <a:lvl1pPr marL="306000" indent="-306000" algn="l" defTabSz="457200" rtl="0" eaLnBrk="1" latinLnBrk="0" hangingPunct="1">
+              <a:spcBef>
+                <a:spcPct val="20000"/>
+              </a:spcBef>
+              <a:spcAft>
+                <a:spcPts val="600"/>
+              </a:spcAft>
+              <a:buClr>
+                <a:schemeClr val="accent2"/>
+              </a:buClr>
+              <a:buSzPct val="92000"/>
+              <a:buFont typeface="Wingdings 2" panose="05020102010507070707" pitchFamily="18" charset="2"/>
+              <a:buChar char=""/>
+              <a:defRPr sz="1800" kern="1200">
+                <a:solidFill>
+                  <a:schemeClr val="tx2"/>
+                </a:solidFill>
+                <a:latin typeface="+mn-lt"/>
+                <a:ea typeface="+mn-ea"/>
+                <a:cs typeface="+mn-cs"/>
+              </a:defRPr>
+            </a:lvl1pPr>
+            <a:lvl2pPr marL="630000" indent="-306000" algn="l" defTabSz="457200" rtl="0" eaLnBrk="1" latinLnBrk="0" hangingPunct="1">
+              <a:spcBef>
+                <a:spcPct val="20000"/>
+              </a:spcBef>
+              <a:spcAft>
+                <a:spcPts val="600"/>
+              </a:spcAft>
+              <a:buClr>
+                <a:schemeClr val="accent2"/>
+              </a:buClr>
+              <a:buSzPct val="92000"/>
+              <a:buFont typeface="Wingdings 2" panose="05020102010507070707" pitchFamily="18" charset="2"/>
+              <a:buChar char=""/>
+              <a:defRPr sz="1600" kern="1200">
+                <a:solidFill>
+                  <a:schemeClr val="tx2"/>
+                </a:solidFill>
+                <a:latin typeface="+mn-lt"/>
+                <a:ea typeface="+mn-ea"/>
+                <a:cs typeface="+mn-cs"/>
+              </a:defRPr>
+            </a:lvl2pPr>
+            <a:lvl3pPr marL="900000" indent="-270000" algn="l" defTabSz="457200" rtl="0" eaLnBrk="1" latinLnBrk="0" hangingPunct="1">
+              <a:spcBef>
+                <a:spcPct val="20000"/>
+              </a:spcBef>
+              <a:spcAft>
+                <a:spcPts val="600"/>
+              </a:spcAft>
+              <a:buClr>
+                <a:schemeClr val="accent2"/>
+              </a:buClr>
+              <a:buSzPct val="92000"/>
+              <a:buFont typeface="Wingdings 2" panose="05020102010507070707" pitchFamily="18" charset="2"/>
+              <a:buChar char=""/>
+              <a:defRPr sz="1400" kern="1200">
+                <a:solidFill>
+                  <a:schemeClr val="tx2"/>
+                </a:solidFill>
+                <a:latin typeface="+mn-lt"/>
+                <a:ea typeface="+mn-ea"/>
+                <a:cs typeface="+mn-cs"/>
+              </a:defRPr>
+            </a:lvl3pPr>
+            <a:lvl4pPr marL="1242000" indent="-234000" algn="l" defTabSz="457200" rtl="0" eaLnBrk="1" latinLnBrk="0" hangingPunct="1">
+              <a:spcBef>
+                <a:spcPct val="20000"/>
+              </a:spcBef>
+              <a:spcAft>
+                <a:spcPts val="600"/>
+              </a:spcAft>
+              <a:buClr>
+                <a:schemeClr val="accent2"/>
+              </a:buClr>
+              <a:buSzPct val="92000"/>
+              <a:buFont typeface="Wingdings 2" panose="05020102010507070707" pitchFamily="18" charset="2"/>
+              <a:buChar char=""/>
+              <a:defRPr sz="1200" kern="1200">
+                <a:solidFill>
+                  <a:schemeClr val="tx2"/>
+                </a:solidFill>
+                <a:latin typeface="+mn-lt"/>
+                <a:ea typeface="+mn-ea"/>
+                <a:cs typeface="+mn-cs"/>
+              </a:defRPr>
+            </a:lvl4pPr>
+            <a:lvl5pPr marL="1602000" indent="-234000" algn="l" defTabSz="457200" rtl="0" eaLnBrk="1" latinLnBrk="0" hangingPunct="1">
+              <a:spcBef>
+                <a:spcPct val="20000"/>
+              </a:spcBef>
+              <a:spcAft>
+                <a:spcPts val="600"/>
+              </a:spcAft>
+              <a:buClr>
+                <a:schemeClr val="accent2"/>
+              </a:buClr>
+              <a:buSzPct val="92000"/>
+              <a:buFont typeface="Wingdings 2" panose="05020102010507070707" pitchFamily="18" charset="2"/>
+              <a:buChar char=""/>
+              <a:defRPr sz="1200" kern="1200">
+                <a:solidFill>
+                  <a:schemeClr val="tx2"/>
+                </a:solidFill>
+                <a:latin typeface="+mn-lt"/>
+                <a:ea typeface="+mn-ea"/>
+                <a:cs typeface="+mn-cs"/>
+              </a:defRPr>
+            </a:lvl5pPr>
+            <a:lvl6pPr marL="1900000" indent="-228600" algn="l" defTabSz="457200" rtl="0" eaLnBrk="1" latinLnBrk="0" hangingPunct="1">
+              <a:spcBef>
+                <a:spcPct val="20000"/>
+              </a:spcBef>
+              <a:spcAft>
+                <a:spcPts val="600"/>
+              </a:spcAft>
+              <a:buClr>
+                <a:schemeClr val="accent2"/>
+              </a:buClr>
+              <a:buSzPct val="92000"/>
+              <a:buFont typeface="Wingdings 2" panose="05020102010507070707" pitchFamily="18" charset="2"/>
+              <a:buChar char=""/>
+              <a:defRPr sz="1200" kern="1200">
+                <a:solidFill>
+                  <a:schemeClr val="tx2"/>
+                </a:solidFill>
+                <a:latin typeface="+mn-lt"/>
+                <a:ea typeface="+mn-ea"/>
+                <a:cs typeface="+mn-cs"/>
+              </a:defRPr>
+            </a:lvl6pPr>
+            <a:lvl7pPr marL="2200000" indent="-228600" algn="l" defTabSz="457200" rtl="0" eaLnBrk="1" latinLnBrk="0" hangingPunct="1">
+              <a:spcBef>
+                <a:spcPct val="20000"/>
+              </a:spcBef>
+              <a:spcAft>
+                <a:spcPts val="600"/>
+              </a:spcAft>
+              <a:buClr>
+                <a:schemeClr val="accent2"/>
+              </a:buClr>
+              <a:buSzPct val="92000"/>
+              <a:buFont typeface="Wingdings 2" panose="05020102010507070707" pitchFamily="18" charset="2"/>
+              <a:buChar char=""/>
+              <a:defRPr sz="1200" kern="1200">
+                <a:solidFill>
+                  <a:schemeClr val="tx2"/>
+                </a:solidFill>
+                <a:latin typeface="+mn-lt"/>
+                <a:ea typeface="+mn-ea"/>
+                <a:cs typeface="+mn-cs"/>
+              </a:defRPr>
+            </a:lvl7pPr>
+            <a:lvl8pPr marL="2500000" indent="-228600" algn="l" defTabSz="457200" rtl="0" eaLnBrk="1" latinLnBrk="0" hangingPunct="1">
+              <a:spcBef>
+                <a:spcPct val="20000"/>
+              </a:spcBef>
+              <a:spcAft>
+                <a:spcPts val="600"/>
+              </a:spcAft>
+              <a:buClr>
+                <a:schemeClr val="accent2"/>
+              </a:buClr>
+              <a:buSzPct val="92000"/>
+              <a:buFont typeface="Wingdings 2" panose="05020102010507070707" pitchFamily="18" charset="2"/>
+              <a:buChar char=""/>
+              <a:defRPr sz="1200" kern="1200">
+                <a:solidFill>
+                  <a:schemeClr val="tx2"/>
+                </a:solidFill>
+                <a:latin typeface="+mn-lt"/>
+                <a:ea typeface="+mn-ea"/>
+                <a:cs typeface="+mn-cs"/>
+              </a:defRPr>
+            </a:lvl8pPr>
+            <a:lvl9pPr marL="2800000" indent="-228600" algn="l" defTabSz="457200" rtl="0" eaLnBrk="1" latinLnBrk="0" hangingPunct="1">
+              <a:spcBef>
+                <a:spcPct val="20000"/>
+              </a:spcBef>
+              <a:spcAft>
+                <a:spcPts val="600"/>
+              </a:spcAft>
+              <a:buClr>
+                <a:schemeClr val="accent2"/>
+              </a:buClr>
+              <a:buSzPct val="92000"/>
+              <a:buFont typeface="Wingdings 2" panose="05020102010507070707" pitchFamily="18" charset="2"/>
+              <a:buChar char=""/>
+              <a:defRPr sz="1200" kern="1200">
+                <a:solidFill>
+                  <a:schemeClr val="tx2"/>
+                </a:solidFill>
+                <a:latin typeface="+mn-lt"/>
+                <a:ea typeface="+mn-ea"/>
+                <a:cs typeface="+mn-cs"/>
+              </a:defRPr>
+            </a:lvl9pPr>
+          </a:lstStyle>
+          <a:p>
+            <a:pPr marL="0" indent="0" algn="ctr">
+              <a:buNone/>
+            </a:pPr>
+            <a:r>
+              <a:rPr lang="es-ES" dirty="0"/>
+              <a:t>Implementación</a:t>
+            </a:r>
+          </a:p>
+          <a:p>
+            <a:pPr marL="0" indent="0">
+              <a:buNone/>
+            </a:pPr>
+            <a:endParaRPr lang="es-ES" dirty="0"/>
+          </a:p>
+        </p:txBody>
+      </p:sp>
+      <p:sp>
+        <p:nvSpPr>
+          <p:cNvPr id="14" name="Diagrama de flujo: conector 13">
+            <a:extLst>
+              <a:ext uri="{FF2B5EF4-FFF2-40B4-BE49-F238E27FC236}">
+                <a16:creationId xmlns:a16="http://schemas.microsoft.com/office/drawing/2014/main" id="{6DEED7F4-8C8E-9A72-779D-9067416D3373}"/>
+              </a:ext>
+            </a:extLst>
+          </p:cNvPr>
+          <p:cNvSpPr/>
+          <p:nvPr/>
+        </p:nvSpPr>
+        <p:spPr>
+          <a:xfrm>
+            <a:off x="8719661" y="2490638"/>
+            <a:ext cx="526942" cy="573438"/>
+          </a:xfrm>
+          <a:prstGeom prst="flowChartConnector">
+            <a:avLst/>
+          </a:prstGeom>
+          <a:solidFill>
+            <a:schemeClr val="accent1">
+              <a:lumMod val="40000"/>
+              <a:lumOff val="60000"/>
+            </a:schemeClr>
+          </a:solidFill>
+          <a:ln>
+            <a:solidFill>
+              <a:schemeClr val="accent1">
+                <a:lumMod val="75000"/>
+              </a:schemeClr>
+            </a:solidFill>
+          </a:ln>
+        </p:spPr>
+        <p:style>
+          <a:lnRef idx="2">
+            <a:schemeClr val="accent1">
+              <a:shade val="15000"/>
+            </a:schemeClr>
+          </a:lnRef>
+          <a:fillRef idx="1">
+            <a:schemeClr val="accent1"/>
+          </a:fillRef>
+          <a:effectRef idx="0">
+            <a:schemeClr val="accent1"/>
+          </a:effectRef>
+          <a:fontRef idx="minor">
+            <a:schemeClr val="lt1"/>
+          </a:fontRef>
+        </p:style>
+        <p:txBody>
+          <a:bodyPr rtlCol="0" anchor="ctr"/>
+          <a:lstStyle/>
+          <a:p>
+            <a:pPr algn="ctr"/>
+            <a:endParaRPr lang="es-ES"/>
+          </a:p>
+        </p:txBody>
+      </p:sp>
+      <p:sp>
+        <p:nvSpPr>
+          <p:cNvPr id="15" name="Marcador de contenido 5">
+            <a:extLst>
+              <a:ext uri="{FF2B5EF4-FFF2-40B4-BE49-F238E27FC236}">
+                <a16:creationId xmlns:a16="http://schemas.microsoft.com/office/drawing/2014/main" id="{902C97CD-F7EE-658E-A4E9-F1D88511AFCA}"/>
+              </a:ext>
+            </a:extLst>
+          </p:cNvPr>
+          <p:cNvSpPr txBox="1">
+            <a:spLocks/>
+          </p:cNvSpPr>
+          <p:nvPr/>
+        </p:nvSpPr>
+        <p:spPr>
+          <a:xfrm>
+            <a:off x="8828336" y="2618856"/>
+            <a:ext cx="309590" cy="317002"/>
+          </a:xfrm>
+          <a:prstGeom prst="rect">
+            <a:avLst/>
+          </a:prstGeom>
+        </p:spPr>
+        <p:txBody>
+          <a:bodyPr vert="horz" lIns="91440" tIns="45720" rIns="91440" bIns="45720" rtlCol="0" anchor="ctr">
+            <a:normAutofit fontScale="92500" lnSpcReduction="20000"/>
+          </a:bodyPr>
+          <a:lstStyle>
+            <a:lvl1pPr marL="306000" indent="-306000" algn="l" defTabSz="457200" rtl="0" eaLnBrk="1" latinLnBrk="0" hangingPunct="1">
+              <a:spcBef>
+                <a:spcPct val="20000"/>
+              </a:spcBef>
+              <a:spcAft>
+                <a:spcPts val="600"/>
+              </a:spcAft>
+              <a:buClr>
+                <a:schemeClr val="accent2"/>
+              </a:buClr>
+              <a:buSzPct val="92000"/>
+              <a:buFont typeface="Wingdings 2" panose="05020102010507070707" pitchFamily="18" charset="2"/>
+              <a:buChar char=""/>
+              <a:defRPr sz="1800" kern="1200">
+                <a:solidFill>
+                  <a:schemeClr val="tx2"/>
+                </a:solidFill>
+                <a:latin typeface="+mn-lt"/>
+                <a:ea typeface="+mn-ea"/>
+                <a:cs typeface="+mn-cs"/>
+              </a:defRPr>
+            </a:lvl1pPr>
+            <a:lvl2pPr marL="630000" indent="-306000" algn="l" defTabSz="457200" rtl="0" eaLnBrk="1" latinLnBrk="0" hangingPunct="1">
+              <a:spcBef>
+                <a:spcPct val="20000"/>
+              </a:spcBef>
+              <a:spcAft>
+                <a:spcPts val="600"/>
+              </a:spcAft>
+              <a:buClr>
+                <a:schemeClr val="accent2"/>
+              </a:buClr>
+              <a:buSzPct val="92000"/>
+              <a:buFont typeface="Wingdings 2" panose="05020102010507070707" pitchFamily="18" charset="2"/>
+              <a:buChar char=""/>
+              <a:defRPr sz="1600" kern="1200">
+                <a:solidFill>
+                  <a:schemeClr val="tx2"/>
+                </a:solidFill>
+                <a:latin typeface="+mn-lt"/>
+                <a:ea typeface="+mn-ea"/>
+                <a:cs typeface="+mn-cs"/>
+              </a:defRPr>
+            </a:lvl2pPr>
+            <a:lvl3pPr marL="900000" indent="-270000" algn="l" defTabSz="457200" rtl="0" eaLnBrk="1" latinLnBrk="0" hangingPunct="1">
+              <a:spcBef>
+                <a:spcPct val="20000"/>
+              </a:spcBef>
+              <a:spcAft>
+                <a:spcPts val="600"/>
+              </a:spcAft>
+              <a:buClr>
+                <a:schemeClr val="accent2"/>
+              </a:buClr>
+              <a:buSzPct val="92000"/>
+              <a:buFont typeface="Wingdings 2" panose="05020102010507070707" pitchFamily="18" charset="2"/>
+              <a:buChar char=""/>
+              <a:defRPr sz="1400" kern="1200">
+                <a:solidFill>
+                  <a:schemeClr val="tx2"/>
+                </a:solidFill>
+                <a:latin typeface="+mn-lt"/>
+                <a:ea typeface="+mn-ea"/>
+                <a:cs typeface="+mn-cs"/>
+              </a:defRPr>
+            </a:lvl3pPr>
+            <a:lvl4pPr marL="1242000" indent="-234000" algn="l" defTabSz="457200" rtl="0" eaLnBrk="1" latinLnBrk="0" hangingPunct="1">
+              <a:spcBef>
+                <a:spcPct val="20000"/>
+              </a:spcBef>
+              <a:spcAft>
+                <a:spcPts val="600"/>
+              </a:spcAft>
+              <a:buClr>
+                <a:schemeClr val="accent2"/>
+              </a:buClr>
+              <a:buSzPct val="92000"/>
+              <a:buFont typeface="Wingdings 2" panose="05020102010507070707" pitchFamily="18" charset="2"/>
+              <a:buChar char=""/>
+              <a:defRPr sz="1200" kern="1200">
+                <a:solidFill>
+                  <a:schemeClr val="tx2"/>
+                </a:solidFill>
+                <a:latin typeface="+mn-lt"/>
+                <a:ea typeface="+mn-ea"/>
+                <a:cs typeface="+mn-cs"/>
+              </a:defRPr>
+            </a:lvl4pPr>
+            <a:lvl5pPr marL="1602000" indent="-234000" algn="l" defTabSz="457200" rtl="0" eaLnBrk="1" latinLnBrk="0" hangingPunct="1">
+              <a:spcBef>
+                <a:spcPct val="20000"/>
+              </a:spcBef>
+              <a:spcAft>
+                <a:spcPts val="600"/>
+              </a:spcAft>
+              <a:buClr>
+                <a:schemeClr val="accent2"/>
+              </a:buClr>
+              <a:buSzPct val="92000"/>
+              <a:buFont typeface="Wingdings 2" panose="05020102010507070707" pitchFamily="18" charset="2"/>
+              <a:buChar char=""/>
+              <a:defRPr sz="1200" kern="1200">
+                <a:solidFill>
+                  <a:schemeClr val="tx2"/>
+                </a:solidFill>
+                <a:latin typeface="+mn-lt"/>
+                <a:ea typeface="+mn-ea"/>
+                <a:cs typeface="+mn-cs"/>
+              </a:defRPr>
+            </a:lvl5pPr>
+            <a:lvl6pPr marL="1900000" indent="-228600" algn="l" defTabSz="457200" rtl="0" eaLnBrk="1" latinLnBrk="0" hangingPunct="1">
+              <a:spcBef>
+                <a:spcPct val="20000"/>
+              </a:spcBef>
+              <a:spcAft>
+                <a:spcPts val="600"/>
+              </a:spcAft>
+              <a:buClr>
+                <a:schemeClr val="accent2"/>
+              </a:buClr>
+              <a:buSzPct val="92000"/>
+              <a:buFont typeface="Wingdings 2" panose="05020102010507070707" pitchFamily="18" charset="2"/>
+              <a:buChar char=""/>
+              <a:defRPr sz="1200" kern="1200">
+                <a:solidFill>
+                  <a:schemeClr val="tx2"/>
+                </a:solidFill>
+                <a:latin typeface="+mn-lt"/>
+                <a:ea typeface="+mn-ea"/>
+                <a:cs typeface="+mn-cs"/>
+              </a:defRPr>
+            </a:lvl6pPr>
+            <a:lvl7pPr marL="2200000" indent="-228600" algn="l" defTabSz="457200" rtl="0" eaLnBrk="1" latinLnBrk="0" hangingPunct="1">
+              <a:spcBef>
+                <a:spcPct val="20000"/>
+              </a:spcBef>
+              <a:spcAft>
+                <a:spcPts val="600"/>
+              </a:spcAft>
+              <a:buClr>
+                <a:schemeClr val="accent2"/>
+              </a:buClr>
+              <a:buSzPct val="92000"/>
+              <a:buFont typeface="Wingdings 2" panose="05020102010507070707" pitchFamily="18" charset="2"/>
+              <a:buChar char=""/>
+              <a:defRPr sz="1200" kern="1200">
+                <a:solidFill>
+                  <a:schemeClr val="tx2"/>
+                </a:solidFill>
+                <a:latin typeface="+mn-lt"/>
+                <a:ea typeface="+mn-ea"/>
+                <a:cs typeface="+mn-cs"/>
+              </a:defRPr>
+            </a:lvl7pPr>
+            <a:lvl8pPr marL="2500000" indent="-228600" algn="l" defTabSz="457200" rtl="0" eaLnBrk="1" latinLnBrk="0" hangingPunct="1">
+              <a:spcBef>
+                <a:spcPct val="20000"/>
+              </a:spcBef>
+              <a:spcAft>
+                <a:spcPts val="600"/>
+              </a:spcAft>
+              <a:buClr>
+                <a:schemeClr val="accent2"/>
+              </a:buClr>
+              <a:buSzPct val="92000"/>
+              <a:buFont typeface="Wingdings 2" panose="05020102010507070707" pitchFamily="18" charset="2"/>
+              <a:buChar char=""/>
+              <a:defRPr sz="1200" kern="1200">
+                <a:solidFill>
+                  <a:schemeClr val="tx2"/>
+                </a:solidFill>
+                <a:latin typeface="+mn-lt"/>
+                <a:ea typeface="+mn-ea"/>
+                <a:cs typeface="+mn-cs"/>
+              </a:defRPr>
+            </a:lvl8pPr>
+            <a:lvl9pPr marL="2800000" indent="-228600" algn="l" defTabSz="457200" rtl="0" eaLnBrk="1" latinLnBrk="0" hangingPunct="1">
+              <a:spcBef>
+                <a:spcPct val="20000"/>
+              </a:spcBef>
+              <a:spcAft>
+                <a:spcPts val="600"/>
+              </a:spcAft>
+              <a:buClr>
+                <a:schemeClr val="accent2"/>
+              </a:buClr>
+              <a:buSzPct val="92000"/>
+              <a:buFont typeface="Wingdings 2" panose="05020102010507070707" pitchFamily="18" charset="2"/>
+              <a:buChar char=""/>
+              <a:defRPr sz="1200" kern="1200">
+                <a:solidFill>
+                  <a:schemeClr val="tx2"/>
+                </a:solidFill>
+                <a:latin typeface="+mn-lt"/>
+                <a:ea typeface="+mn-ea"/>
+                <a:cs typeface="+mn-cs"/>
+              </a:defRPr>
+            </a:lvl9pPr>
+          </a:lstStyle>
+          <a:p>
+            <a:pPr marL="0" indent="0">
+              <a:buNone/>
+            </a:pPr>
+            <a:r>
+              <a:rPr lang="es-ES" dirty="0"/>
+              <a:t>3</a:t>
+            </a:r>
+          </a:p>
+        </p:txBody>
+      </p:sp>
+      <p:sp>
+        <p:nvSpPr>
+          <p:cNvPr id="16" name="Rectángulo: esquinas redondeadas 15">
+            <a:extLst>
+              <a:ext uri="{FF2B5EF4-FFF2-40B4-BE49-F238E27FC236}">
+                <a16:creationId xmlns:a16="http://schemas.microsoft.com/office/drawing/2014/main" id="{6B3CCCC1-2C37-8F4F-27B6-3989F9675790}"/>
+              </a:ext>
+            </a:extLst>
+          </p:cNvPr>
+          <p:cNvSpPr/>
+          <p:nvPr/>
+        </p:nvSpPr>
+        <p:spPr>
+          <a:xfrm>
+            <a:off x="2034645" y="4693782"/>
+            <a:ext cx="2162013" cy="1061634"/>
+          </a:xfrm>
+          <a:prstGeom prst="roundRect">
+            <a:avLst/>
+          </a:prstGeom>
+          <a:ln>
+            <a:solidFill>
+              <a:schemeClr val="tx1"/>
+            </a:solidFill>
+          </a:ln>
+        </p:spPr>
+        <p:style>
+          <a:lnRef idx="2">
+            <a:schemeClr val="accent6"/>
+          </a:lnRef>
+          <a:fillRef idx="1">
+            <a:schemeClr val="lt1"/>
+          </a:fillRef>
+          <a:effectRef idx="0">
+            <a:schemeClr val="accent6"/>
+          </a:effectRef>
+          <a:fontRef idx="minor">
+            <a:schemeClr val="dk1"/>
+          </a:fontRef>
+        </p:style>
+        <p:txBody>
+          <a:bodyPr rtlCol="0" anchor="ctr"/>
+          <a:lstStyle/>
+          <a:p>
+            <a:pPr algn="ctr"/>
+            <a:endParaRPr lang="es-ES"/>
+          </a:p>
+        </p:txBody>
+      </p:sp>
+      <p:sp>
+        <p:nvSpPr>
+          <p:cNvPr id="17" name="Marcador de contenido 5">
+            <a:extLst>
+              <a:ext uri="{FF2B5EF4-FFF2-40B4-BE49-F238E27FC236}">
+                <a16:creationId xmlns:a16="http://schemas.microsoft.com/office/drawing/2014/main" id="{52E69070-60BA-A7B6-43A1-1A97B299C10D}"/>
+              </a:ext>
+            </a:extLst>
+          </p:cNvPr>
+          <p:cNvSpPr txBox="1">
+            <a:spLocks/>
+          </p:cNvSpPr>
+          <p:nvPr/>
+        </p:nvSpPr>
+        <p:spPr>
+          <a:xfrm>
+            <a:off x="2247061" y="4991924"/>
+            <a:ext cx="1759674" cy="868657"/>
+          </a:xfrm>
+          <a:prstGeom prst="rect">
+            <a:avLst/>
+          </a:prstGeom>
+        </p:spPr>
+        <p:txBody>
+          <a:bodyPr vert="horz" lIns="91440" tIns="45720" rIns="91440" bIns="45720" rtlCol="0" anchor="ctr">
+            <a:normAutofit/>
+          </a:bodyPr>
+          <a:lstStyle>
+            <a:lvl1pPr marL="306000" indent="-306000" algn="l" defTabSz="457200" rtl="0" eaLnBrk="1" latinLnBrk="0" hangingPunct="1">
+              <a:spcBef>
+                <a:spcPct val="20000"/>
+              </a:spcBef>
+              <a:spcAft>
+                <a:spcPts val="600"/>
+              </a:spcAft>
+              <a:buClr>
+                <a:schemeClr val="accent2"/>
+              </a:buClr>
+              <a:buSzPct val="92000"/>
+              <a:buFont typeface="Wingdings 2" panose="05020102010507070707" pitchFamily="18" charset="2"/>
+              <a:buChar char=""/>
+              <a:defRPr sz="1800" kern="1200">
+                <a:solidFill>
+                  <a:schemeClr val="tx2"/>
+                </a:solidFill>
+                <a:latin typeface="+mn-lt"/>
+                <a:ea typeface="+mn-ea"/>
+                <a:cs typeface="+mn-cs"/>
+              </a:defRPr>
+            </a:lvl1pPr>
+            <a:lvl2pPr marL="630000" indent="-306000" algn="l" defTabSz="457200" rtl="0" eaLnBrk="1" latinLnBrk="0" hangingPunct="1">
+              <a:spcBef>
+                <a:spcPct val="20000"/>
+              </a:spcBef>
+              <a:spcAft>
+                <a:spcPts val="600"/>
+              </a:spcAft>
+              <a:buClr>
+                <a:schemeClr val="accent2"/>
+              </a:buClr>
+              <a:buSzPct val="92000"/>
+              <a:buFont typeface="Wingdings 2" panose="05020102010507070707" pitchFamily="18" charset="2"/>
+              <a:buChar char=""/>
+              <a:defRPr sz="1600" kern="1200">
+                <a:solidFill>
+                  <a:schemeClr val="tx2"/>
+                </a:solidFill>
+                <a:latin typeface="+mn-lt"/>
+                <a:ea typeface="+mn-ea"/>
+                <a:cs typeface="+mn-cs"/>
+              </a:defRPr>
+            </a:lvl2pPr>
+            <a:lvl3pPr marL="900000" indent="-270000" algn="l" defTabSz="457200" rtl="0" eaLnBrk="1" latinLnBrk="0" hangingPunct="1">
+              <a:spcBef>
+                <a:spcPct val="20000"/>
+              </a:spcBef>
+              <a:spcAft>
+                <a:spcPts val="600"/>
+              </a:spcAft>
+              <a:buClr>
+                <a:schemeClr val="accent2"/>
+              </a:buClr>
+              <a:buSzPct val="92000"/>
+              <a:buFont typeface="Wingdings 2" panose="05020102010507070707" pitchFamily="18" charset="2"/>
+              <a:buChar char=""/>
+              <a:defRPr sz="1400" kern="1200">
+                <a:solidFill>
+                  <a:schemeClr val="tx2"/>
+                </a:solidFill>
+                <a:latin typeface="+mn-lt"/>
+                <a:ea typeface="+mn-ea"/>
+                <a:cs typeface="+mn-cs"/>
+              </a:defRPr>
+            </a:lvl3pPr>
+            <a:lvl4pPr marL="1242000" indent="-234000" algn="l" defTabSz="457200" rtl="0" eaLnBrk="1" latinLnBrk="0" hangingPunct="1">
+              <a:spcBef>
+                <a:spcPct val="20000"/>
+              </a:spcBef>
+              <a:spcAft>
+                <a:spcPts val="600"/>
+              </a:spcAft>
+              <a:buClr>
+                <a:schemeClr val="accent2"/>
+              </a:buClr>
+              <a:buSzPct val="92000"/>
+              <a:buFont typeface="Wingdings 2" panose="05020102010507070707" pitchFamily="18" charset="2"/>
+              <a:buChar char=""/>
+              <a:defRPr sz="1200" kern="1200">
+                <a:solidFill>
+                  <a:schemeClr val="tx2"/>
+                </a:solidFill>
+                <a:latin typeface="+mn-lt"/>
+                <a:ea typeface="+mn-ea"/>
+                <a:cs typeface="+mn-cs"/>
+              </a:defRPr>
+            </a:lvl4pPr>
+            <a:lvl5pPr marL="1602000" indent="-234000" algn="l" defTabSz="457200" rtl="0" eaLnBrk="1" latinLnBrk="0" hangingPunct="1">
+              <a:spcBef>
+                <a:spcPct val="20000"/>
+              </a:spcBef>
+              <a:spcAft>
+                <a:spcPts val="600"/>
+              </a:spcAft>
+              <a:buClr>
+                <a:schemeClr val="accent2"/>
+              </a:buClr>
+              <a:buSzPct val="92000"/>
+              <a:buFont typeface="Wingdings 2" panose="05020102010507070707" pitchFamily="18" charset="2"/>
+              <a:buChar char=""/>
+              <a:defRPr sz="1200" kern="1200">
+                <a:solidFill>
+                  <a:schemeClr val="tx2"/>
+                </a:solidFill>
+                <a:latin typeface="+mn-lt"/>
+                <a:ea typeface="+mn-ea"/>
+                <a:cs typeface="+mn-cs"/>
+              </a:defRPr>
+            </a:lvl5pPr>
+            <a:lvl6pPr marL="1900000" indent="-228600" algn="l" defTabSz="457200" rtl="0" eaLnBrk="1" latinLnBrk="0" hangingPunct="1">
+              <a:spcBef>
+                <a:spcPct val="20000"/>
+              </a:spcBef>
+              <a:spcAft>
+                <a:spcPts val="600"/>
+              </a:spcAft>
+              <a:buClr>
+                <a:schemeClr val="accent2"/>
+              </a:buClr>
+              <a:buSzPct val="92000"/>
+              <a:buFont typeface="Wingdings 2" panose="05020102010507070707" pitchFamily="18" charset="2"/>
+              <a:buChar char=""/>
+              <a:defRPr sz="1200" kern="1200">
+                <a:solidFill>
+                  <a:schemeClr val="tx2"/>
+                </a:solidFill>
+                <a:latin typeface="+mn-lt"/>
+                <a:ea typeface="+mn-ea"/>
+                <a:cs typeface="+mn-cs"/>
+              </a:defRPr>
+            </a:lvl6pPr>
+            <a:lvl7pPr marL="2200000" indent="-228600" algn="l" defTabSz="457200" rtl="0" eaLnBrk="1" latinLnBrk="0" hangingPunct="1">
+              <a:spcBef>
+                <a:spcPct val="20000"/>
+              </a:spcBef>
+              <a:spcAft>
+                <a:spcPts val="600"/>
+              </a:spcAft>
+              <a:buClr>
+                <a:schemeClr val="accent2"/>
+              </a:buClr>
+              <a:buSzPct val="92000"/>
+              <a:buFont typeface="Wingdings 2" panose="05020102010507070707" pitchFamily="18" charset="2"/>
+              <a:buChar char=""/>
+              <a:defRPr sz="1200" kern="1200">
+                <a:solidFill>
+                  <a:schemeClr val="tx2"/>
+                </a:solidFill>
+                <a:latin typeface="+mn-lt"/>
+                <a:ea typeface="+mn-ea"/>
+                <a:cs typeface="+mn-cs"/>
+              </a:defRPr>
+            </a:lvl7pPr>
+            <a:lvl8pPr marL="2500000" indent="-228600" algn="l" defTabSz="457200" rtl="0" eaLnBrk="1" latinLnBrk="0" hangingPunct="1">
+              <a:spcBef>
+                <a:spcPct val="20000"/>
+              </a:spcBef>
+              <a:spcAft>
+                <a:spcPts val="600"/>
+              </a:spcAft>
+              <a:buClr>
+                <a:schemeClr val="accent2"/>
+              </a:buClr>
+              <a:buSzPct val="92000"/>
+              <a:buFont typeface="Wingdings 2" panose="05020102010507070707" pitchFamily="18" charset="2"/>
+              <a:buChar char=""/>
+              <a:defRPr sz="1200" kern="1200">
+                <a:solidFill>
+                  <a:schemeClr val="tx2"/>
+                </a:solidFill>
+                <a:latin typeface="+mn-lt"/>
+                <a:ea typeface="+mn-ea"/>
+                <a:cs typeface="+mn-cs"/>
+              </a:defRPr>
+            </a:lvl8pPr>
+            <a:lvl9pPr marL="2800000" indent="-228600" algn="l" defTabSz="457200" rtl="0" eaLnBrk="1" latinLnBrk="0" hangingPunct="1">
+              <a:spcBef>
+                <a:spcPct val="20000"/>
+              </a:spcBef>
+              <a:spcAft>
+                <a:spcPts val="600"/>
+              </a:spcAft>
+              <a:buClr>
+                <a:schemeClr val="accent2"/>
+              </a:buClr>
+              <a:buSzPct val="92000"/>
+              <a:buFont typeface="Wingdings 2" panose="05020102010507070707" pitchFamily="18" charset="2"/>
+              <a:buChar char=""/>
+              <a:defRPr sz="1200" kern="1200">
+                <a:solidFill>
+                  <a:schemeClr val="tx2"/>
+                </a:solidFill>
+                <a:latin typeface="+mn-lt"/>
+                <a:ea typeface="+mn-ea"/>
+                <a:cs typeface="+mn-cs"/>
+              </a:defRPr>
+            </a:lvl9pPr>
+          </a:lstStyle>
+          <a:p>
+            <a:pPr marL="0" indent="0" algn="ctr">
+              <a:buNone/>
+            </a:pPr>
+            <a:r>
+              <a:rPr lang="es-ES" dirty="0"/>
+              <a:t>Desarrollo del proyecto</a:t>
+            </a:r>
+          </a:p>
+          <a:p>
+            <a:pPr marL="0" indent="0">
+              <a:buNone/>
+            </a:pPr>
+            <a:endParaRPr lang="es-ES" dirty="0"/>
+          </a:p>
+        </p:txBody>
+      </p:sp>
+      <p:sp>
+        <p:nvSpPr>
+          <p:cNvPr id="18" name="Diagrama de flujo: conector 17">
+            <a:extLst>
+              <a:ext uri="{FF2B5EF4-FFF2-40B4-BE49-F238E27FC236}">
+                <a16:creationId xmlns:a16="http://schemas.microsoft.com/office/drawing/2014/main" id="{0D1BDC5D-1854-8D87-DEAB-72BC52E218B6}"/>
+              </a:ext>
+            </a:extLst>
+          </p:cNvPr>
+          <p:cNvSpPr/>
+          <p:nvPr/>
+        </p:nvSpPr>
+        <p:spPr>
+          <a:xfrm>
+            <a:off x="2852181" y="4286237"/>
+            <a:ext cx="526942" cy="573438"/>
+          </a:xfrm>
+          <a:prstGeom prst="flowChartConnector">
+            <a:avLst/>
+          </a:prstGeom>
+          <a:solidFill>
+            <a:schemeClr val="accent1">
+              <a:lumMod val="40000"/>
+              <a:lumOff val="60000"/>
+            </a:schemeClr>
+          </a:solidFill>
+          <a:ln>
+            <a:solidFill>
+              <a:schemeClr val="accent1">
+                <a:lumMod val="75000"/>
+              </a:schemeClr>
+            </a:solidFill>
+          </a:ln>
+        </p:spPr>
+        <p:style>
+          <a:lnRef idx="2">
+            <a:schemeClr val="accent1">
+              <a:shade val="15000"/>
+            </a:schemeClr>
+          </a:lnRef>
+          <a:fillRef idx="1">
+            <a:schemeClr val="accent1"/>
+          </a:fillRef>
+          <a:effectRef idx="0">
+            <a:schemeClr val="accent1"/>
+          </a:effectRef>
+          <a:fontRef idx="minor">
+            <a:schemeClr val="lt1"/>
+          </a:fontRef>
+        </p:style>
+        <p:txBody>
+          <a:bodyPr rtlCol="0" anchor="ctr"/>
+          <a:lstStyle/>
+          <a:p>
+            <a:pPr algn="ctr"/>
+            <a:endParaRPr lang="es-ES"/>
+          </a:p>
+        </p:txBody>
+      </p:sp>
+      <p:sp>
+        <p:nvSpPr>
+          <p:cNvPr id="19" name="Marcador de contenido 5">
+            <a:extLst>
+              <a:ext uri="{FF2B5EF4-FFF2-40B4-BE49-F238E27FC236}">
+                <a16:creationId xmlns:a16="http://schemas.microsoft.com/office/drawing/2014/main" id="{62C43ACD-C1BD-8544-C4E3-120BD35A29B8}"/>
+              </a:ext>
+            </a:extLst>
+          </p:cNvPr>
+          <p:cNvSpPr txBox="1">
+            <a:spLocks/>
+          </p:cNvSpPr>
+          <p:nvPr/>
+        </p:nvSpPr>
+        <p:spPr>
+          <a:xfrm>
+            <a:off x="2960856" y="4414455"/>
+            <a:ext cx="309590" cy="317002"/>
+          </a:xfrm>
+          <a:prstGeom prst="rect">
+            <a:avLst/>
+          </a:prstGeom>
+        </p:spPr>
+        <p:txBody>
+          <a:bodyPr vert="horz" lIns="91440" tIns="45720" rIns="91440" bIns="45720" rtlCol="0" anchor="ctr">
+            <a:normAutofit fontScale="92500" lnSpcReduction="20000"/>
+          </a:bodyPr>
+          <a:lstStyle>
+            <a:lvl1pPr marL="306000" indent="-306000" algn="l" defTabSz="457200" rtl="0" eaLnBrk="1" latinLnBrk="0" hangingPunct="1">
+              <a:spcBef>
+                <a:spcPct val="20000"/>
+              </a:spcBef>
+              <a:spcAft>
+                <a:spcPts val="600"/>
+              </a:spcAft>
+              <a:buClr>
+                <a:schemeClr val="accent2"/>
+              </a:buClr>
+              <a:buSzPct val="92000"/>
+              <a:buFont typeface="Wingdings 2" panose="05020102010507070707" pitchFamily="18" charset="2"/>
+              <a:buChar char=""/>
+              <a:defRPr sz="1800" kern="1200">
+                <a:solidFill>
+                  <a:schemeClr val="tx2"/>
+                </a:solidFill>
+                <a:latin typeface="+mn-lt"/>
+                <a:ea typeface="+mn-ea"/>
+                <a:cs typeface="+mn-cs"/>
+              </a:defRPr>
+            </a:lvl1pPr>
+            <a:lvl2pPr marL="630000" indent="-306000" algn="l" defTabSz="457200" rtl="0" eaLnBrk="1" latinLnBrk="0" hangingPunct="1">
+              <a:spcBef>
+                <a:spcPct val="20000"/>
+              </a:spcBef>
+              <a:spcAft>
+                <a:spcPts val="600"/>
+              </a:spcAft>
+              <a:buClr>
+                <a:schemeClr val="accent2"/>
+              </a:buClr>
+              <a:buSzPct val="92000"/>
+              <a:buFont typeface="Wingdings 2" panose="05020102010507070707" pitchFamily="18" charset="2"/>
+              <a:buChar char=""/>
+              <a:defRPr sz="1600" kern="1200">
+                <a:solidFill>
+                  <a:schemeClr val="tx2"/>
+                </a:solidFill>
+                <a:latin typeface="+mn-lt"/>
+                <a:ea typeface="+mn-ea"/>
+                <a:cs typeface="+mn-cs"/>
+              </a:defRPr>
+            </a:lvl2pPr>
+            <a:lvl3pPr marL="900000" indent="-270000" algn="l" defTabSz="457200" rtl="0" eaLnBrk="1" latinLnBrk="0" hangingPunct="1">
+              <a:spcBef>
+                <a:spcPct val="20000"/>
+              </a:spcBef>
+              <a:spcAft>
+                <a:spcPts val="600"/>
+              </a:spcAft>
+              <a:buClr>
+                <a:schemeClr val="accent2"/>
+              </a:buClr>
+              <a:buSzPct val="92000"/>
+              <a:buFont typeface="Wingdings 2" panose="05020102010507070707" pitchFamily="18" charset="2"/>
+              <a:buChar char=""/>
+              <a:defRPr sz="1400" kern="1200">
+                <a:solidFill>
+                  <a:schemeClr val="tx2"/>
+                </a:solidFill>
+                <a:latin typeface="+mn-lt"/>
+                <a:ea typeface="+mn-ea"/>
+                <a:cs typeface="+mn-cs"/>
+              </a:defRPr>
+            </a:lvl3pPr>
+            <a:lvl4pPr marL="1242000" indent="-234000" algn="l" defTabSz="457200" rtl="0" eaLnBrk="1" latinLnBrk="0" hangingPunct="1">
+              <a:spcBef>
+                <a:spcPct val="20000"/>
+              </a:spcBef>
+              <a:spcAft>
+                <a:spcPts val="600"/>
+              </a:spcAft>
+              <a:buClr>
+                <a:schemeClr val="accent2"/>
+              </a:buClr>
+              <a:buSzPct val="92000"/>
+              <a:buFont typeface="Wingdings 2" panose="05020102010507070707" pitchFamily="18" charset="2"/>
+              <a:buChar char=""/>
+              <a:defRPr sz="1200" kern="1200">
+                <a:solidFill>
+                  <a:schemeClr val="tx2"/>
+                </a:solidFill>
+                <a:latin typeface="+mn-lt"/>
+                <a:ea typeface="+mn-ea"/>
+                <a:cs typeface="+mn-cs"/>
+              </a:defRPr>
+            </a:lvl4pPr>
+            <a:lvl5pPr marL="1602000" indent="-234000" algn="l" defTabSz="457200" rtl="0" eaLnBrk="1" latinLnBrk="0" hangingPunct="1">
+              <a:spcBef>
+                <a:spcPct val="20000"/>
+              </a:spcBef>
+              <a:spcAft>
+                <a:spcPts val="600"/>
+              </a:spcAft>
+              <a:buClr>
+                <a:schemeClr val="accent2"/>
+              </a:buClr>
+              <a:buSzPct val="92000"/>
+              <a:buFont typeface="Wingdings 2" panose="05020102010507070707" pitchFamily="18" charset="2"/>
+              <a:buChar char=""/>
+              <a:defRPr sz="1200" kern="1200">
+                <a:solidFill>
+                  <a:schemeClr val="tx2"/>
+                </a:solidFill>
+                <a:latin typeface="+mn-lt"/>
+                <a:ea typeface="+mn-ea"/>
+                <a:cs typeface="+mn-cs"/>
+              </a:defRPr>
+            </a:lvl5pPr>
+            <a:lvl6pPr marL="1900000" indent="-228600" algn="l" defTabSz="457200" rtl="0" eaLnBrk="1" latinLnBrk="0" hangingPunct="1">
+              <a:spcBef>
+                <a:spcPct val="20000"/>
+              </a:spcBef>
+              <a:spcAft>
+                <a:spcPts val="600"/>
+              </a:spcAft>
+              <a:buClr>
+                <a:schemeClr val="accent2"/>
+              </a:buClr>
+              <a:buSzPct val="92000"/>
+              <a:buFont typeface="Wingdings 2" panose="05020102010507070707" pitchFamily="18" charset="2"/>
+              <a:buChar char=""/>
+              <a:defRPr sz="1200" kern="1200">
+                <a:solidFill>
+                  <a:schemeClr val="tx2"/>
+                </a:solidFill>
+                <a:latin typeface="+mn-lt"/>
+                <a:ea typeface="+mn-ea"/>
+                <a:cs typeface="+mn-cs"/>
+              </a:defRPr>
+            </a:lvl6pPr>
+            <a:lvl7pPr marL="2200000" indent="-228600" algn="l" defTabSz="457200" rtl="0" eaLnBrk="1" latinLnBrk="0" hangingPunct="1">
+              <a:spcBef>
+                <a:spcPct val="20000"/>
+              </a:spcBef>
+              <a:spcAft>
+                <a:spcPts val="600"/>
+              </a:spcAft>
+              <a:buClr>
+                <a:schemeClr val="accent2"/>
+              </a:buClr>
+              <a:buSzPct val="92000"/>
+              <a:buFont typeface="Wingdings 2" panose="05020102010507070707" pitchFamily="18" charset="2"/>
+              <a:buChar char=""/>
+              <a:defRPr sz="1200" kern="1200">
+                <a:solidFill>
+                  <a:schemeClr val="tx2"/>
+                </a:solidFill>
+                <a:latin typeface="+mn-lt"/>
+                <a:ea typeface="+mn-ea"/>
+                <a:cs typeface="+mn-cs"/>
+              </a:defRPr>
+            </a:lvl7pPr>
+            <a:lvl8pPr marL="2500000" indent="-228600" algn="l" defTabSz="457200" rtl="0" eaLnBrk="1" latinLnBrk="0" hangingPunct="1">
+              <a:spcBef>
+                <a:spcPct val="20000"/>
+              </a:spcBef>
+              <a:spcAft>
+                <a:spcPts val="600"/>
+              </a:spcAft>
+              <a:buClr>
+                <a:schemeClr val="accent2"/>
+              </a:buClr>
+              <a:buSzPct val="92000"/>
+              <a:buFont typeface="Wingdings 2" panose="05020102010507070707" pitchFamily="18" charset="2"/>
+              <a:buChar char=""/>
+              <a:defRPr sz="1200" kern="1200">
+                <a:solidFill>
+                  <a:schemeClr val="tx2"/>
+                </a:solidFill>
+                <a:latin typeface="+mn-lt"/>
+                <a:ea typeface="+mn-ea"/>
+                <a:cs typeface="+mn-cs"/>
+              </a:defRPr>
+            </a:lvl8pPr>
+            <a:lvl9pPr marL="2800000" indent="-228600" algn="l" defTabSz="457200" rtl="0" eaLnBrk="1" latinLnBrk="0" hangingPunct="1">
+              <a:spcBef>
+                <a:spcPct val="20000"/>
+              </a:spcBef>
+              <a:spcAft>
+                <a:spcPts val="600"/>
+              </a:spcAft>
+              <a:buClr>
+                <a:schemeClr val="accent2"/>
+              </a:buClr>
+              <a:buSzPct val="92000"/>
+              <a:buFont typeface="Wingdings 2" panose="05020102010507070707" pitchFamily="18" charset="2"/>
+              <a:buChar char=""/>
+              <a:defRPr sz="1200" kern="1200">
+                <a:solidFill>
+                  <a:schemeClr val="tx2"/>
+                </a:solidFill>
+                <a:latin typeface="+mn-lt"/>
+                <a:ea typeface="+mn-ea"/>
+                <a:cs typeface="+mn-cs"/>
+              </a:defRPr>
+            </a:lvl9pPr>
+          </a:lstStyle>
+          <a:p>
+            <a:pPr marL="0" indent="0">
+              <a:buNone/>
+            </a:pPr>
+            <a:r>
+              <a:rPr lang="es-ES" dirty="0"/>
+              <a:t>4</a:t>
+            </a:r>
+          </a:p>
+        </p:txBody>
+      </p:sp>
+      <p:sp>
+        <p:nvSpPr>
+          <p:cNvPr id="23" name="Rectángulo: esquinas redondeadas 22">
+            <a:extLst>
+              <a:ext uri="{FF2B5EF4-FFF2-40B4-BE49-F238E27FC236}">
+                <a16:creationId xmlns:a16="http://schemas.microsoft.com/office/drawing/2014/main" id="{4E34D35E-9FF3-F9FB-47DA-30E455AD0470}"/>
+              </a:ext>
+            </a:extLst>
+          </p:cNvPr>
+          <p:cNvSpPr/>
+          <p:nvPr/>
+        </p:nvSpPr>
+        <p:spPr>
+          <a:xfrm>
+            <a:off x="4922575" y="4693782"/>
+            <a:ext cx="2162013" cy="1061634"/>
+          </a:xfrm>
+          <a:prstGeom prst="roundRect">
+            <a:avLst/>
+          </a:prstGeom>
+          <a:ln>
+            <a:solidFill>
+              <a:schemeClr val="tx1"/>
+            </a:solidFill>
+          </a:ln>
+        </p:spPr>
+        <p:style>
+          <a:lnRef idx="2">
+            <a:schemeClr val="accent6"/>
+          </a:lnRef>
+          <a:fillRef idx="1">
+            <a:schemeClr val="lt1"/>
+          </a:fillRef>
+          <a:effectRef idx="0">
+            <a:schemeClr val="accent6"/>
+          </a:effectRef>
+          <a:fontRef idx="minor">
+            <a:schemeClr val="dk1"/>
+          </a:fontRef>
+        </p:style>
+        <p:txBody>
+          <a:bodyPr rtlCol="0" anchor="ctr"/>
+          <a:lstStyle/>
+          <a:p>
+            <a:pPr algn="ctr"/>
+            <a:endParaRPr lang="es-ES"/>
+          </a:p>
+        </p:txBody>
+      </p:sp>
+      <p:sp>
+        <p:nvSpPr>
+          <p:cNvPr id="24" name="Marcador de contenido 5">
+            <a:extLst>
+              <a:ext uri="{FF2B5EF4-FFF2-40B4-BE49-F238E27FC236}">
+                <a16:creationId xmlns:a16="http://schemas.microsoft.com/office/drawing/2014/main" id="{EB68F8B7-C529-E260-AAFF-9013DDC3F566}"/>
+              </a:ext>
+            </a:extLst>
+          </p:cNvPr>
+          <p:cNvSpPr txBox="1">
+            <a:spLocks/>
+          </p:cNvSpPr>
+          <p:nvPr/>
+        </p:nvSpPr>
+        <p:spPr>
+          <a:xfrm>
+            <a:off x="5249668" y="5108615"/>
+            <a:ext cx="1587235" cy="635274"/>
+          </a:xfrm>
+          <a:prstGeom prst="rect">
+            <a:avLst/>
+          </a:prstGeom>
+        </p:spPr>
+        <p:txBody>
+          <a:bodyPr vert="horz" lIns="91440" tIns="45720" rIns="91440" bIns="45720" rtlCol="0" anchor="ctr">
+            <a:normAutofit/>
+          </a:bodyPr>
+          <a:lstStyle>
+            <a:lvl1pPr marL="306000" indent="-306000" algn="l" defTabSz="457200" rtl="0" eaLnBrk="1" latinLnBrk="0" hangingPunct="1">
+              <a:spcBef>
+                <a:spcPct val="20000"/>
+              </a:spcBef>
+              <a:spcAft>
+                <a:spcPts val="600"/>
+              </a:spcAft>
+              <a:buClr>
+                <a:schemeClr val="accent2"/>
+              </a:buClr>
+              <a:buSzPct val="92000"/>
+              <a:buFont typeface="Wingdings 2" panose="05020102010507070707" pitchFamily="18" charset="2"/>
+              <a:buChar char=""/>
+              <a:defRPr sz="1800" kern="1200">
+                <a:solidFill>
+                  <a:schemeClr val="tx2"/>
+                </a:solidFill>
+                <a:latin typeface="+mn-lt"/>
+                <a:ea typeface="+mn-ea"/>
+                <a:cs typeface="+mn-cs"/>
+              </a:defRPr>
+            </a:lvl1pPr>
+            <a:lvl2pPr marL="630000" indent="-306000" algn="l" defTabSz="457200" rtl="0" eaLnBrk="1" latinLnBrk="0" hangingPunct="1">
+              <a:spcBef>
+                <a:spcPct val="20000"/>
+              </a:spcBef>
+              <a:spcAft>
+                <a:spcPts val="600"/>
+              </a:spcAft>
+              <a:buClr>
+                <a:schemeClr val="accent2"/>
+              </a:buClr>
+              <a:buSzPct val="92000"/>
+              <a:buFont typeface="Wingdings 2" panose="05020102010507070707" pitchFamily="18" charset="2"/>
+              <a:buChar char=""/>
+              <a:defRPr sz="1600" kern="1200">
+                <a:solidFill>
+                  <a:schemeClr val="tx2"/>
+                </a:solidFill>
+                <a:latin typeface="+mn-lt"/>
+                <a:ea typeface="+mn-ea"/>
+                <a:cs typeface="+mn-cs"/>
+              </a:defRPr>
+            </a:lvl2pPr>
+            <a:lvl3pPr marL="900000" indent="-270000" algn="l" defTabSz="457200" rtl="0" eaLnBrk="1" latinLnBrk="0" hangingPunct="1">
+              <a:spcBef>
+                <a:spcPct val="20000"/>
+              </a:spcBef>
+              <a:spcAft>
+                <a:spcPts val="600"/>
+              </a:spcAft>
+              <a:buClr>
+                <a:schemeClr val="accent2"/>
+              </a:buClr>
+              <a:buSzPct val="92000"/>
+              <a:buFont typeface="Wingdings 2" panose="05020102010507070707" pitchFamily="18" charset="2"/>
+              <a:buChar char=""/>
+              <a:defRPr sz="1400" kern="1200">
+                <a:solidFill>
+                  <a:schemeClr val="tx2"/>
+                </a:solidFill>
+                <a:latin typeface="+mn-lt"/>
+                <a:ea typeface="+mn-ea"/>
+                <a:cs typeface="+mn-cs"/>
+              </a:defRPr>
+            </a:lvl3pPr>
+            <a:lvl4pPr marL="1242000" indent="-234000" algn="l" defTabSz="457200" rtl="0" eaLnBrk="1" latinLnBrk="0" hangingPunct="1">
+              <a:spcBef>
+                <a:spcPct val="20000"/>
+              </a:spcBef>
+              <a:spcAft>
+                <a:spcPts val="600"/>
+              </a:spcAft>
+              <a:buClr>
+                <a:schemeClr val="accent2"/>
+              </a:buClr>
+              <a:buSzPct val="92000"/>
+              <a:buFont typeface="Wingdings 2" panose="05020102010507070707" pitchFamily="18" charset="2"/>
+              <a:buChar char=""/>
+              <a:defRPr sz="1200" kern="1200">
+                <a:solidFill>
+                  <a:schemeClr val="tx2"/>
+                </a:solidFill>
+                <a:latin typeface="+mn-lt"/>
+                <a:ea typeface="+mn-ea"/>
+                <a:cs typeface="+mn-cs"/>
+              </a:defRPr>
+            </a:lvl4pPr>
+            <a:lvl5pPr marL="1602000" indent="-234000" algn="l" defTabSz="457200" rtl="0" eaLnBrk="1" latinLnBrk="0" hangingPunct="1">
+              <a:spcBef>
+                <a:spcPct val="20000"/>
+              </a:spcBef>
+              <a:spcAft>
+                <a:spcPts val="600"/>
+              </a:spcAft>
+              <a:buClr>
+                <a:schemeClr val="accent2"/>
+              </a:buClr>
+              <a:buSzPct val="92000"/>
+              <a:buFont typeface="Wingdings 2" panose="05020102010507070707" pitchFamily="18" charset="2"/>
+              <a:buChar char=""/>
+              <a:defRPr sz="1200" kern="1200">
+                <a:solidFill>
+                  <a:schemeClr val="tx2"/>
+                </a:solidFill>
+                <a:latin typeface="+mn-lt"/>
+                <a:ea typeface="+mn-ea"/>
+                <a:cs typeface="+mn-cs"/>
+              </a:defRPr>
+            </a:lvl5pPr>
+            <a:lvl6pPr marL="1900000" indent="-228600" algn="l" defTabSz="457200" rtl="0" eaLnBrk="1" latinLnBrk="0" hangingPunct="1">
+              <a:spcBef>
+                <a:spcPct val="20000"/>
+              </a:spcBef>
+              <a:spcAft>
+                <a:spcPts val="600"/>
+              </a:spcAft>
+              <a:buClr>
+                <a:schemeClr val="accent2"/>
+              </a:buClr>
+              <a:buSzPct val="92000"/>
+              <a:buFont typeface="Wingdings 2" panose="05020102010507070707" pitchFamily="18" charset="2"/>
+              <a:buChar char=""/>
+              <a:defRPr sz="1200" kern="1200">
+                <a:solidFill>
+                  <a:schemeClr val="tx2"/>
+                </a:solidFill>
+                <a:latin typeface="+mn-lt"/>
+                <a:ea typeface="+mn-ea"/>
+                <a:cs typeface="+mn-cs"/>
+              </a:defRPr>
+            </a:lvl6pPr>
+            <a:lvl7pPr marL="2200000" indent="-228600" algn="l" defTabSz="457200" rtl="0" eaLnBrk="1" latinLnBrk="0" hangingPunct="1">
+              <a:spcBef>
+                <a:spcPct val="20000"/>
+              </a:spcBef>
+              <a:spcAft>
+                <a:spcPts val="600"/>
+              </a:spcAft>
+              <a:buClr>
+                <a:schemeClr val="accent2"/>
+              </a:buClr>
+              <a:buSzPct val="92000"/>
+              <a:buFont typeface="Wingdings 2" panose="05020102010507070707" pitchFamily="18" charset="2"/>
+              <a:buChar char=""/>
+              <a:defRPr sz="1200" kern="1200">
+                <a:solidFill>
+                  <a:schemeClr val="tx2"/>
+                </a:solidFill>
+                <a:latin typeface="+mn-lt"/>
+                <a:ea typeface="+mn-ea"/>
+                <a:cs typeface="+mn-cs"/>
+              </a:defRPr>
+            </a:lvl7pPr>
+            <a:lvl8pPr marL="2500000" indent="-228600" algn="l" defTabSz="457200" rtl="0" eaLnBrk="1" latinLnBrk="0" hangingPunct="1">
+              <a:spcBef>
+                <a:spcPct val="20000"/>
+              </a:spcBef>
+              <a:spcAft>
+                <a:spcPts val="600"/>
+              </a:spcAft>
+              <a:buClr>
+                <a:schemeClr val="accent2"/>
+              </a:buClr>
+              <a:buSzPct val="92000"/>
+              <a:buFont typeface="Wingdings 2" panose="05020102010507070707" pitchFamily="18" charset="2"/>
+              <a:buChar char=""/>
+              <a:defRPr sz="1200" kern="1200">
+                <a:solidFill>
+                  <a:schemeClr val="tx2"/>
+                </a:solidFill>
+                <a:latin typeface="+mn-lt"/>
+                <a:ea typeface="+mn-ea"/>
+                <a:cs typeface="+mn-cs"/>
+              </a:defRPr>
+            </a:lvl8pPr>
+            <a:lvl9pPr marL="2800000" indent="-228600" algn="l" defTabSz="457200" rtl="0" eaLnBrk="1" latinLnBrk="0" hangingPunct="1">
+              <a:spcBef>
+                <a:spcPct val="20000"/>
+              </a:spcBef>
+              <a:spcAft>
+                <a:spcPts val="600"/>
+              </a:spcAft>
+              <a:buClr>
+                <a:schemeClr val="accent2"/>
+              </a:buClr>
+              <a:buSzPct val="92000"/>
+              <a:buFont typeface="Wingdings 2" panose="05020102010507070707" pitchFamily="18" charset="2"/>
+              <a:buChar char=""/>
+              <a:defRPr sz="1200" kern="1200">
+                <a:solidFill>
+                  <a:schemeClr val="tx2"/>
+                </a:solidFill>
+                <a:latin typeface="+mn-lt"/>
+                <a:ea typeface="+mn-ea"/>
+                <a:cs typeface="+mn-cs"/>
+              </a:defRPr>
+            </a:lvl9pPr>
+          </a:lstStyle>
+          <a:p>
+            <a:pPr marL="0" indent="0" algn="ctr">
+              <a:buNone/>
+            </a:pPr>
+            <a:r>
+              <a:rPr lang="es-ES" dirty="0"/>
+              <a:t>Experimentos</a:t>
+            </a:r>
+          </a:p>
+          <a:p>
+            <a:pPr marL="0" indent="0">
+              <a:buNone/>
+            </a:pPr>
+            <a:endParaRPr lang="es-ES" dirty="0"/>
+          </a:p>
+        </p:txBody>
+      </p:sp>
+      <p:sp>
+        <p:nvSpPr>
+          <p:cNvPr id="25" name="Diagrama de flujo: conector 24">
+            <a:extLst>
+              <a:ext uri="{FF2B5EF4-FFF2-40B4-BE49-F238E27FC236}">
+                <a16:creationId xmlns:a16="http://schemas.microsoft.com/office/drawing/2014/main" id="{B23CAD62-A55A-AFCA-F451-DE42EE53B081}"/>
+              </a:ext>
+            </a:extLst>
+          </p:cNvPr>
+          <p:cNvSpPr/>
+          <p:nvPr/>
+        </p:nvSpPr>
+        <p:spPr>
+          <a:xfrm>
+            <a:off x="5740111" y="4286237"/>
+            <a:ext cx="526942" cy="573438"/>
+          </a:xfrm>
+          <a:prstGeom prst="flowChartConnector">
+            <a:avLst/>
+          </a:prstGeom>
+          <a:solidFill>
+            <a:schemeClr val="accent1">
+              <a:lumMod val="40000"/>
+              <a:lumOff val="60000"/>
+            </a:schemeClr>
+          </a:solidFill>
+          <a:ln>
+            <a:solidFill>
+              <a:schemeClr val="accent1">
+                <a:lumMod val="75000"/>
+              </a:schemeClr>
+            </a:solidFill>
+          </a:ln>
+        </p:spPr>
+        <p:style>
+          <a:lnRef idx="2">
+            <a:schemeClr val="accent1">
+              <a:shade val="15000"/>
+            </a:schemeClr>
+          </a:lnRef>
+          <a:fillRef idx="1">
+            <a:schemeClr val="accent1"/>
+          </a:fillRef>
+          <a:effectRef idx="0">
+            <a:schemeClr val="accent1"/>
+          </a:effectRef>
+          <a:fontRef idx="minor">
+            <a:schemeClr val="lt1"/>
+          </a:fontRef>
+        </p:style>
+        <p:txBody>
+          <a:bodyPr rtlCol="0" anchor="ctr"/>
+          <a:lstStyle/>
+          <a:p>
+            <a:pPr algn="ctr"/>
+            <a:endParaRPr lang="es-ES"/>
+          </a:p>
+        </p:txBody>
+      </p:sp>
+      <p:sp>
+        <p:nvSpPr>
+          <p:cNvPr id="26" name="Marcador de contenido 5">
+            <a:extLst>
+              <a:ext uri="{FF2B5EF4-FFF2-40B4-BE49-F238E27FC236}">
+                <a16:creationId xmlns:a16="http://schemas.microsoft.com/office/drawing/2014/main" id="{E7353DA2-1D33-06C3-FECB-BA0A9E9AB8E6}"/>
+              </a:ext>
+            </a:extLst>
+          </p:cNvPr>
+          <p:cNvSpPr txBox="1">
+            <a:spLocks/>
+          </p:cNvSpPr>
+          <p:nvPr/>
+        </p:nvSpPr>
+        <p:spPr>
+          <a:xfrm>
+            <a:off x="5848786" y="4414455"/>
+            <a:ext cx="309590" cy="317002"/>
+          </a:xfrm>
+          <a:prstGeom prst="rect">
+            <a:avLst/>
+          </a:prstGeom>
+        </p:spPr>
+        <p:txBody>
+          <a:bodyPr vert="horz" lIns="91440" tIns="45720" rIns="91440" bIns="45720" rtlCol="0" anchor="ctr">
+            <a:normAutofit fontScale="92500" lnSpcReduction="20000"/>
+          </a:bodyPr>
+          <a:lstStyle>
+            <a:lvl1pPr marL="306000" indent="-306000" algn="l" defTabSz="457200" rtl="0" eaLnBrk="1" latinLnBrk="0" hangingPunct="1">
+              <a:spcBef>
+                <a:spcPct val="20000"/>
+              </a:spcBef>
+              <a:spcAft>
+                <a:spcPts val="600"/>
+              </a:spcAft>
+              <a:buClr>
+                <a:schemeClr val="accent2"/>
+              </a:buClr>
+              <a:buSzPct val="92000"/>
+              <a:buFont typeface="Wingdings 2" panose="05020102010507070707" pitchFamily="18" charset="2"/>
+              <a:buChar char=""/>
+              <a:defRPr sz="1800" kern="1200">
+                <a:solidFill>
+                  <a:schemeClr val="tx2"/>
+                </a:solidFill>
+                <a:latin typeface="+mn-lt"/>
+                <a:ea typeface="+mn-ea"/>
+                <a:cs typeface="+mn-cs"/>
+              </a:defRPr>
+            </a:lvl1pPr>
+            <a:lvl2pPr marL="630000" indent="-306000" algn="l" defTabSz="457200" rtl="0" eaLnBrk="1" latinLnBrk="0" hangingPunct="1">
+              <a:spcBef>
+                <a:spcPct val="20000"/>
+              </a:spcBef>
+              <a:spcAft>
+                <a:spcPts val="600"/>
+              </a:spcAft>
+              <a:buClr>
+                <a:schemeClr val="accent2"/>
+              </a:buClr>
+              <a:buSzPct val="92000"/>
+              <a:buFont typeface="Wingdings 2" panose="05020102010507070707" pitchFamily="18" charset="2"/>
+              <a:buChar char=""/>
+              <a:defRPr sz="1600" kern="1200">
+                <a:solidFill>
+                  <a:schemeClr val="tx2"/>
+                </a:solidFill>
+                <a:latin typeface="+mn-lt"/>
+                <a:ea typeface="+mn-ea"/>
+                <a:cs typeface="+mn-cs"/>
+              </a:defRPr>
+            </a:lvl2pPr>
+            <a:lvl3pPr marL="900000" indent="-270000" algn="l" defTabSz="457200" rtl="0" eaLnBrk="1" latinLnBrk="0" hangingPunct="1">
+              <a:spcBef>
+                <a:spcPct val="20000"/>
+              </a:spcBef>
+              <a:spcAft>
+                <a:spcPts val="600"/>
+              </a:spcAft>
+              <a:buClr>
+                <a:schemeClr val="accent2"/>
+              </a:buClr>
+              <a:buSzPct val="92000"/>
+              <a:buFont typeface="Wingdings 2" panose="05020102010507070707" pitchFamily="18" charset="2"/>
+              <a:buChar char=""/>
+              <a:defRPr sz="1400" kern="1200">
+                <a:solidFill>
+                  <a:schemeClr val="tx2"/>
+                </a:solidFill>
+                <a:latin typeface="+mn-lt"/>
+                <a:ea typeface="+mn-ea"/>
+                <a:cs typeface="+mn-cs"/>
+              </a:defRPr>
+            </a:lvl3pPr>
+            <a:lvl4pPr marL="1242000" indent="-234000" algn="l" defTabSz="457200" rtl="0" eaLnBrk="1" latinLnBrk="0" hangingPunct="1">
+              <a:spcBef>
+                <a:spcPct val="20000"/>
+              </a:spcBef>
+              <a:spcAft>
+                <a:spcPts val="600"/>
+              </a:spcAft>
+              <a:buClr>
+                <a:schemeClr val="accent2"/>
+              </a:buClr>
+              <a:buSzPct val="92000"/>
+              <a:buFont typeface="Wingdings 2" panose="05020102010507070707" pitchFamily="18" charset="2"/>
+              <a:buChar char=""/>
+              <a:defRPr sz="1200" kern="1200">
+                <a:solidFill>
+                  <a:schemeClr val="tx2"/>
+                </a:solidFill>
+                <a:latin typeface="+mn-lt"/>
+                <a:ea typeface="+mn-ea"/>
+                <a:cs typeface="+mn-cs"/>
+              </a:defRPr>
+            </a:lvl4pPr>
+            <a:lvl5pPr marL="1602000" indent="-234000" algn="l" defTabSz="457200" rtl="0" eaLnBrk="1" latinLnBrk="0" hangingPunct="1">
+              <a:spcBef>
+                <a:spcPct val="20000"/>
+              </a:spcBef>
+              <a:spcAft>
+                <a:spcPts val="600"/>
+              </a:spcAft>
+              <a:buClr>
+                <a:schemeClr val="accent2"/>
+              </a:buClr>
+              <a:buSzPct val="92000"/>
+              <a:buFont typeface="Wingdings 2" panose="05020102010507070707" pitchFamily="18" charset="2"/>
+              <a:buChar char=""/>
+              <a:defRPr sz="1200" kern="1200">
+                <a:solidFill>
+                  <a:schemeClr val="tx2"/>
+                </a:solidFill>
+                <a:latin typeface="+mn-lt"/>
+                <a:ea typeface="+mn-ea"/>
+                <a:cs typeface="+mn-cs"/>
+              </a:defRPr>
+            </a:lvl5pPr>
+            <a:lvl6pPr marL="1900000" indent="-228600" algn="l" defTabSz="457200" rtl="0" eaLnBrk="1" latinLnBrk="0" hangingPunct="1">
+              <a:spcBef>
+                <a:spcPct val="20000"/>
+              </a:spcBef>
+              <a:spcAft>
+                <a:spcPts val="600"/>
+              </a:spcAft>
+              <a:buClr>
+                <a:schemeClr val="accent2"/>
+              </a:buClr>
+              <a:buSzPct val="92000"/>
+              <a:buFont typeface="Wingdings 2" panose="05020102010507070707" pitchFamily="18" charset="2"/>
+              <a:buChar char=""/>
+              <a:defRPr sz="1200" kern="1200">
+                <a:solidFill>
+                  <a:schemeClr val="tx2"/>
+                </a:solidFill>
+                <a:latin typeface="+mn-lt"/>
+                <a:ea typeface="+mn-ea"/>
+                <a:cs typeface="+mn-cs"/>
+              </a:defRPr>
+            </a:lvl6pPr>
+            <a:lvl7pPr marL="2200000" indent="-228600" algn="l" defTabSz="457200" rtl="0" eaLnBrk="1" latinLnBrk="0" hangingPunct="1">
+              <a:spcBef>
+                <a:spcPct val="20000"/>
+              </a:spcBef>
+              <a:spcAft>
+                <a:spcPts val="600"/>
+              </a:spcAft>
+              <a:buClr>
+                <a:schemeClr val="accent2"/>
+              </a:buClr>
+              <a:buSzPct val="92000"/>
+              <a:buFont typeface="Wingdings 2" panose="05020102010507070707" pitchFamily="18" charset="2"/>
+              <a:buChar char=""/>
+              <a:defRPr sz="1200" kern="1200">
+                <a:solidFill>
+                  <a:schemeClr val="tx2"/>
+                </a:solidFill>
+                <a:latin typeface="+mn-lt"/>
+                <a:ea typeface="+mn-ea"/>
+                <a:cs typeface="+mn-cs"/>
+              </a:defRPr>
+            </a:lvl7pPr>
+            <a:lvl8pPr marL="2500000" indent="-228600" algn="l" defTabSz="457200" rtl="0" eaLnBrk="1" latinLnBrk="0" hangingPunct="1">
+              <a:spcBef>
+                <a:spcPct val="20000"/>
+              </a:spcBef>
+              <a:spcAft>
+                <a:spcPts val="600"/>
+              </a:spcAft>
+              <a:buClr>
+                <a:schemeClr val="accent2"/>
+              </a:buClr>
+              <a:buSzPct val="92000"/>
+              <a:buFont typeface="Wingdings 2" panose="05020102010507070707" pitchFamily="18" charset="2"/>
+              <a:buChar char=""/>
+              <a:defRPr sz="1200" kern="1200">
+                <a:solidFill>
+                  <a:schemeClr val="tx2"/>
+                </a:solidFill>
+                <a:latin typeface="+mn-lt"/>
+                <a:ea typeface="+mn-ea"/>
+                <a:cs typeface="+mn-cs"/>
+              </a:defRPr>
+            </a:lvl8pPr>
+            <a:lvl9pPr marL="2800000" indent="-228600" algn="l" defTabSz="457200" rtl="0" eaLnBrk="1" latinLnBrk="0" hangingPunct="1">
+              <a:spcBef>
+                <a:spcPct val="20000"/>
+              </a:spcBef>
+              <a:spcAft>
+                <a:spcPts val="600"/>
+              </a:spcAft>
+              <a:buClr>
+                <a:schemeClr val="accent2"/>
+              </a:buClr>
+              <a:buSzPct val="92000"/>
+              <a:buFont typeface="Wingdings 2" panose="05020102010507070707" pitchFamily="18" charset="2"/>
+              <a:buChar char=""/>
+              <a:defRPr sz="1200" kern="1200">
+                <a:solidFill>
+                  <a:schemeClr val="tx2"/>
+                </a:solidFill>
+                <a:latin typeface="+mn-lt"/>
+                <a:ea typeface="+mn-ea"/>
+                <a:cs typeface="+mn-cs"/>
+              </a:defRPr>
+            </a:lvl9pPr>
+          </a:lstStyle>
+          <a:p>
+            <a:pPr marL="0" indent="0">
+              <a:buNone/>
+            </a:pPr>
+            <a:r>
+              <a:rPr lang="es-ES" dirty="0"/>
+              <a:t>5</a:t>
+            </a:r>
+          </a:p>
+        </p:txBody>
+      </p:sp>
+      <p:sp>
+        <p:nvSpPr>
+          <p:cNvPr id="27" name="Rectángulo: esquinas redondeadas 26">
+            <a:extLst>
+              <a:ext uri="{FF2B5EF4-FFF2-40B4-BE49-F238E27FC236}">
+                <a16:creationId xmlns:a16="http://schemas.microsoft.com/office/drawing/2014/main" id="{0F6D126D-B5B3-A077-BBFA-B4B2F4A6F7EC}"/>
+              </a:ext>
+            </a:extLst>
+          </p:cNvPr>
+          <p:cNvSpPr/>
+          <p:nvPr/>
+        </p:nvSpPr>
+        <p:spPr>
+          <a:xfrm>
+            <a:off x="8022617" y="4714895"/>
+            <a:ext cx="2162013" cy="1061634"/>
+          </a:xfrm>
+          <a:prstGeom prst="roundRect">
+            <a:avLst/>
+          </a:prstGeom>
+          <a:ln>
+            <a:solidFill>
+              <a:schemeClr val="tx1"/>
+            </a:solidFill>
+          </a:ln>
+        </p:spPr>
+        <p:style>
+          <a:lnRef idx="2">
+            <a:schemeClr val="accent6"/>
+          </a:lnRef>
+          <a:fillRef idx="1">
+            <a:schemeClr val="lt1"/>
+          </a:fillRef>
+          <a:effectRef idx="0">
+            <a:schemeClr val="accent6"/>
+          </a:effectRef>
+          <a:fontRef idx="minor">
+            <a:schemeClr val="dk1"/>
+          </a:fontRef>
+        </p:style>
+        <p:txBody>
+          <a:bodyPr rtlCol="0" anchor="ctr"/>
+          <a:lstStyle/>
+          <a:p>
+            <a:pPr algn="ctr"/>
+            <a:endParaRPr lang="es-ES"/>
+          </a:p>
+        </p:txBody>
+      </p:sp>
+      <p:sp>
+        <p:nvSpPr>
+          <p:cNvPr id="28" name="Marcador de contenido 5">
+            <a:extLst>
+              <a:ext uri="{FF2B5EF4-FFF2-40B4-BE49-F238E27FC236}">
+                <a16:creationId xmlns:a16="http://schemas.microsoft.com/office/drawing/2014/main" id="{287ABC08-BCAD-03AE-8541-FC7EE10A70AF}"/>
+              </a:ext>
+            </a:extLst>
+          </p:cNvPr>
+          <p:cNvSpPr txBox="1">
+            <a:spLocks/>
+          </p:cNvSpPr>
+          <p:nvPr/>
+        </p:nvSpPr>
+        <p:spPr>
+          <a:xfrm>
+            <a:off x="8384662" y="5141255"/>
+            <a:ext cx="1439330" cy="571520"/>
+          </a:xfrm>
+          <a:prstGeom prst="rect">
+            <a:avLst/>
+          </a:prstGeom>
+        </p:spPr>
+        <p:txBody>
+          <a:bodyPr vert="horz" lIns="91440" tIns="45720" rIns="91440" bIns="45720" rtlCol="0" anchor="ctr">
+            <a:normAutofit/>
+          </a:bodyPr>
+          <a:lstStyle>
+            <a:lvl1pPr marL="306000" indent="-306000" algn="l" defTabSz="457200" rtl="0" eaLnBrk="1" latinLnBrk="0" hangingPunct="1">
+              <a:spcBef>
+                <a:spcPct val="20000"/>
+              </a:spcBef>
+              <a:spcAft>
+                <a:spcPts val="600"/>
+              </a:spcAft>
+              <a:buClr>
+                <a:schemeClr val="accent2"/>
+              </a:buClr>
+              <a:buSzPct val="92000"/>
+              <a:buFont typeface="Wingdings 2" panose="05020102010507070707" pitchFamily="18" charset="2"/>
+              <a:buChar char=""/>
+              <a:defRPr sz="1800" kern="1200">
+                <a:solidFill>
+                  <a:schemeClr val="tx2"/>
+                </a:solidFill>
+                <a:latin typeface="+mn-lt"/>
+                <a:ea typeface="+mn-ea"/>
+                <a:cs typeface="+mn-cs"/>
+              </a:defRPr>
+            </a:lvl1pPr>
+            <a:lvl2pPr marL="630000" indent="-306000" algn="l" defTabSz="457200" rtl="0" eaLnBrk="1" latinLnBrk="0" hangingPunct="1">
+              <a:spcBef>
+                <a:spcPct val="20000"/>
+              </a:spcBef>
+              <a:spcAft>
+                <a:spcPts val="600"/>
+              </a:spcAft>
+              <a:buClr>
+                <a:schemeClr val="accent2"/>
+              </a:buClr>
+              <a:buSzPct val="92000"/>
+              <a:buFont typeface="Wingdings 2" panose="05020102010507070707" pitchFamily="18" charset="2"/>
+              <a:buChar char=""/>
+              <a:defRPr sz="1600" kern="1200">
+                <a:solidFill>
+                  <a:schemeClr val="tx2"/>
+                </a:solidFill>
+                <a:latin typeface="+mn-lt"/>
+                <a:ea typeface="+mn-ea"/>
+                <a:cs typeface="+mn-cs"/>
+              </a:defRPr>
+            </a:lvl2pPr>
+            <a:lvl3pPr marL="900000" indent="-270000" algn="l" defTabSz="457200" rtl="0" eaLnBrk="1" latinLnBrk="0" hangingPunct="1">
+              <a:spcBef>
+                <a:spcPct val="20000"/>
+              </a:spcBef>
+              <a:spcAft>
+                <a:spcPts val="600"/>
+              </a:spcAft>
+              <a:buClr>
+                <a:schemeClr val="accent2"/>
+              </a:buClr>
+              <a:buSzPct val="92000"/>
+              <a:buFont typeface="Wingdings 2" panose="05020102010507070707" pitchFamily="18" charset="2"/>
+              <a:buChar char=""/>
+              <a:defRPr sz="1400" kern="1200">
+                <a:solidFill>
+                  <a:schemeClr val="tx2"/>
+                </a:solidFill>
+                <a:latin typeface="+mn-lt"/>
+                <a:ea typeface="+mn-ea"/>
+                <a:cs typeface="+mn-cs"/>
+              </a:defRPr>
+            </a:lvl3pPr>
+            <a:lvl4pPr marL="1242000" indent="-234000" algn="l" defTabSz="457200" rtl="0" eaLnBrk="1" latinLnBrk="0" hangingPunct="1">
+              <a:spcBef>
+                <a:spcPct val="20000"/>
+              </a:spcBef>
+              <a:spcAft>
+                <a:spcPts val="600"/>
+              </a:spcAft>
+              <a:buClr>
+                <a:schemeClr val="accent2"/>
+              </a:buClr>
+              <a:buSzPct val="92000"/>
+              <a:buFont typeface="Wingdings 2" panose="05020102010507070707" pitchFamily="18" charset="2"/>
+              <a:buChar char=""/>
+              <a:defRPr sz="1200" kern="1200">
+                <a:solidFill>
+                  <a:schemeClr val="tx2"/>
+                </a:solidFill>
+                <a:latin typeface="+mn-lt"/>
+                <a:ea typeface="+mn-ea"/>
+                <a:cs typeface="+mn-cs"/>
+              </a:defRPr>
+            </a:lvl4pPr>
+            <a:lvl5pPr marL="1602000" indent="-234000" algn="l" defTabSz="457200" rtl="0" eaLnBrk="1" latinLnBrk="0" hangingPunct="1">
+              <a:spcBef>
+                <a:spcPct val="20000"/>
+              </a:spcBef>
+              <a:spcAft>
+                <a:spcPts val="600"/>
+              </a:spcAft>
+              <a:buClr>
+                <a:schemeClr val="accent2"/>
+              </a:buClr>
+              <a:buSzPct val="92000"/>
+              <a:buFont typeface="Wingdings 2" panose="05020102010507070707" pitchFamily="18" charset="2"/>
+              <a:buChar char=""/>
+              <a:defRPr sz="1200" kern="1200">
+                <a:solidFill>
+                  <a:schemeClr val="tx2"/>
+                </a:solidFill>
+                <a:latin typeface="+mn-lt"/>
+                <a:ea typeface="+mn-ea"/>
+                <a:cs typeface="+mn-cs"/>
+              </a:defRPr>
+            </a:lvl5pPr>
+            <a:lvl6pPr marL="1900000" indent="-228600" algn="l" defTabSz="457200" rtl="0" eaLnBrk="1" latinLnBrk="0" hangingPunct="1">
+              <a:spcBef>
+                <a:spcPct val="20000"/>
+              </a:spcBef>
+              <a:spcAft>
+                <a:spcPts val="600"/>
+              </a:spcAft>
+              <a:buClr>
+                <a:schemeClr val="accent2"/>
+              </a:buClr>
+              <a:buSzPct val="92000"/>
+              <a:buFont typeface="Wingdings 2" panose="05020102010507070707" pitchFamily="18" charset="2"/>
+              <a:buChar char=""/>
+              <a:defRPr sz="1200" kern="1200">
+                <a:solidFill>
+                  <a:schemeClr val="tx2"/>
+                </a:solidFill>
+                <a:latin typeface="+mn-lt"/>
+                <a:ea typeface="+mn-ea"/>
+                <a:cs typeface="+mn-cs"/>
+              </a:defRPr>
+            </a:lvl6pPr>
+            <a:lvl7pPr marL="2200000" indent="-228600" algn="l" defTabSz="457200" rtl="0" eaLnBrk="1" latinLnBrk="0" hangingPunct="1">
+              <a:spcBef>
+                <a:spcPct val="20000"/>
+              </a:spcBef>
+              <a:spcAft>
+                <a:spcPts val="600"/>
+              </a:spcAft>
+              <a:buClr>
+                <a:schemeClr val="accent2"/>
+              </a:buClr>
+              <a:buSzPct val="92000"/>
+              <a:buFont typeface="Wingdings 2" panose="05020102010507070707" pitchFamily="18" charset="2"/>
+              <a:buChar char=""/>
+              <a:defRPr sz="1200" kern="1200">
+                <a:solidFill>
+                  <a:schemeClr val="tx2"/>
+                </a:solidFill>
+                <a:latin typeface="+mn-lt"/>
+                <a:ea typeface="+mn-ea"/>
+                <a:cs typeface="+mn-cs"/>
+              </a:defRPr>
+            </a:lvl7pPr>
+            <a:lvl8pPr marL="2500000" indent="-228600" algn="l" defTabSz="457200" rtl="0" eaLnBrk="1" latinLnBrk="0" hangingPunct="1">
+              <a:spcBef>
+                <a:spcPct val="20000"/>
+              </a:spcBef>
+              <a:spcAft>
+                <a:spcPts val="600"/>
+              </a:spcAft>
+              <a:buClr>
+                <a:schemeClr val="accent2"/>
+              </a:buClr>
+              <a:buSzPct val="92000"/>
+              <a:buFont typeface="Wingdings 2" panose="05020102010507070707" pitchFamily="18" charset="2"/>
+              <a:buChar char=""/>
+              <a:defRPr sz="1200" kern="1200">
+                <a:solidFill>
+                  <a:schemeClr val="tx2"/>
+                </a:solidFill>
+                <a:latin typeface="+mn-lt"/>
+                <a:ea typeface="+mn-ea"/>
+                <a:cs typeface="+mn-cs"/>
+              </a:defRPr>
+            </a:lvl8pPr>
+            <a:lvl9pPr marL="2800000" indent="-228600" algn="l" defTabSz="457200" rtl="0" eaLnBrk="1" latinLnBrk="0" hangingPunct="1">
+              <a:spcBef>
+                <a:spcPct val="20000"/>
+              </a:spcBef>
+              <a:spcAft>
+                <a:spcPts val="600"/>
+              </a:spcAft>
+              <a:buClr>
+                <a:schemeClr val="accent2"/>
+              </a:buClr>
+              <a:buSzPct val="92000"/>
+              <a:buFont typeface="Wingdings 2" panose="05020102010507070707" pitchFamily="18" charset="2"/>
+              <a:buChar char=""/>
+              <a:defRPr sz="1200" kern="1200">
+                <a:solidFill>
+                  <a:schemeClr val="tx2"/>
+                </a:solidFill>
+                <a:latin typeface="+mn-lt"/>
+                <a:ea typeface="+mn-ea"/>
+                <a:cs typeface="+mn-cs"/>
+              </a:defRPr>
+            </a:lvl9pPr>
+          </a:lstStyle>
+          <a:p>
+            <a:pPr marL="0" indent="0" algn="ctr">
+              <a:buNone/>
+            </a:pPr>
+            <a:r>
+              <a:rPr lang="es-ES" dirty="0"/>
+              <a:t>Conclusiones</a:t>
+            </a:r>
+          </a:p>
+          <a:p>
+            <a:pPr marL="0" indent="0">
+              <a:buNone/>
+            </a:pPr>
+            <a:endParaRPr lang="es-ES" dirty="0"/>
+          </a:p>
+        </p:txBody>
+      </p:sp>
+      <p:sp>
+        <p:nvSpPr>
+          <p:cNvPr id="29" name="Diagrama de flujo: conector 28">
+            <a:extLst>
+              <a:ext uri="{FF2B5EF4-FFF2-40B4-BE49-F238E27FC236}">
+                <a16:creationId xmlns:a16="http://schemas.microsoft.com/office/drawing/2014/main" id="{A28C6BC5-6627-13B7-48F4-F2CB4309C28E}"/>
+              </a:ext>
+            </a:extLst>
+          </p:cNvPr>
+          <p:cNvSpPr/>
+          <p:nvPr/>
+        </p:nvSpPr>
+        <p:spPr>
+          <a:xfrm>
+            <a:off x="8840153" y="4307350"/>
+            <a:ext cx="526942" cy="573438"/>
+          </a:xfrm>
+          <a:prstGeom prst="flowChartConnector">
+            <a:avLst/>
+          </a:prstGeom>
+          <a:solidFill>
+            <a:schemeClr val="accent1">
+              <a:lumMod val="40000"/>
+              <a:lumOff val="60000"/>
+            </a:schemeClr>
+          </a:solidFill>
+          <a:ln>
+            <a:solidFill>
+              <a:schemeClr val="accent1">
+                <a:lumMod val="75000"/>
+              </a:schemeClr>
+            </a:solidFill>
+          </a:ln>
+        </p:spPr>
+        <p:style>
+          <a:lnRef idx="2">
+            <a:schemeClr val="accent1">
+              <a:shade val="15000"/>
+            </a:schemeClr>
+          </a:lnRef>
+          <a:fillRef idx="1">
+            <a:schemeClr val="accent1"/>
+          </a:fillRef>
+          <a:effectRef idx="0">
+            <a:schemeClr val="accent1"/>
+          </a:effectRef>
+          <a:fontRef idx="minor">
+            <a:schemeClr val="lt1"/>
+          </a:fontRef>
+        </p:style>
+        <p:txBody>
+          <a:bodyPr rtlCol="0" anchor="ctr"/>
+          <a:lstStyle/>
+          <a:p>
+            <a:pPr algn="ctr"/>
+            <a:endParaRPr lang="es-ES"/>
+          </a:p>
+        </p:txBody>
+      </p:sp>
+      <p:sp>
+        <p:nvSpPr>
+          <p:cNvPr id="30" name="Marcador de contenido 5">
+            <a:extLst>
+              <a:ext uri="{FF2B5EF4-FFF2-40B4-BE49-F238E27FC236}">
+                <a16:creationId xmlns:a16="http://schemas.microsoft.com/office/drawing/2014/main" id="{2B94EA60-6236-D661-586F-C87ABC442DF8}"/>
+              </a:ext>
+            </a:extLst>
+          </p:cNvPr>
+          <p:cNvSpPr txBox="1">
+            <a:spLocks/>
+          </p:cNvSpPr>
+          <p:nvPr/>
+        </p:nvSpPr>
+        <p:spPr>
+          <a:xfrm>
+            <a:off x="8948828" y="4435568"/>
+            <a:ext cx="309590" cy="317002"/>
+          </a:xfrm>
+          <a:prstGeom prst="rect">
+            <a:avLst/>
+          </a:prstGeom>
+        </p:spPr>
+        <p:txBody>
+          <a:bodyPr vert="horz" lIns="91440" tIns="45720" rIns="91440" bIns="45720" rtlCol="0" anchor="ctr">
+            <a:normAutofit fontScale="92500" lnSpcReduction="20000"/>
+          </a:bodyPr>
+          <a:lstStyle>
+            <a:lvl1pPr marL="306000" indent="-306000" algn="l" defTabSz="457200" rtl="0" eaLnBrk="1" latinLnBrk="0" hangingPunct="1">
+              <a:spcBef>
+                <a:spcPct val="20000"/>
+              </a:spcBef>
+              <a:spcAft>
+                <a:spcPts val="600"/>
+              </a:spcAft>
+              <a:buClr>
+                <a:schemeClr val="accent2"/>
+              </a:buClr>
+              <a:buSzPct val="92000"/>
+              <a:buFont typeface="Wingdings 2" panose="05020102010507070707" pitchFamily="18" charset="2"/>
+              <a:buChar char=""/>
+              <a:defRPr sz="1800" kern="1200">
+                <a:solidFill>
+                  <a:schemeClr val="tx2"/>
+                </a:solidFill>
+                <a:latin typeface="+mn-lt"/>
+                <a:ea typeface="+mn-ea"/>
+                <a:cs typeface="+mn-cs"/>
+              </a:defRPr>
+            </a:lvl1pPr>
+            <a:lvl2pPr marL="630000" indent="-306000" algn="l" defTabSz="457200" rtl="0" eaLnBrk="1" latinLnBrk="0" hangingPunct="1">
+              <a:spcBef>
+                <a:spcPct val="20000"/>
+              </a:spcBef>
+              <a:spcAft>
+                <a:spcPts val="600"/>
+              </a:spcAft>
+              <a:buClr>
+                <a:schemeClr val="accent2"/>
+              </a:buClr>
+              <a:buSzPct val="92000"/>
+              <a:buFont typeface="Wingdings 2" panose="05020102010507070707" pitchFamily="18" charset="2"/>
+              <a:buChar char=""/>
+              <a:defRPr sz="1600" kern="1200">
+                <a:solidFill>
+                  <a:schemeClr val="tx2"/>
+                </a:solidFill>
+                <a:latin typeface="+mn-lt"/>
+                <a:ea typeface="+mn-ea"/>
+                <a:cs typeface="+mn-cs"/>
+              </a:defRPr>
+            </a:lvl2pPr>
+            <a:lvl3pPr marL="900000" indent="-270000" algn="l" defTabSz="457200" rtl="0" eaLnBrk="1" latinLnBrk="0" hangingPunct="1">
+              <a:spcBef>
+                <a:spcPct val="20000"/>
+              </a:spcBef>
+              <a:spcAft>
+                <a:spcPts val="600"/>
+              </a:spcAft>
+              <a:buClr>
+                <a:schemeClr val="accent2"/>
+              </a:buClr>
+              <a:buSzPct val="92000"/>
+              <a:buFont typeface="Wingdings 2" panose="05020102010507070707" pitchFamily="18" charset="2"/>
+              <a:buChar char=""/>
+              <a:defRPr sz="1400" kern="1200">
+                <a:solidFill>
+                  <a:schemeClr val="tx2"/>
+                </a:solidFill>
+                <a:latin typeface="+mn-lt"/>
+                <a:ea typeface="+mn-ea"/>
+                <a:cs typeface="+mn-cs"/>
+              </a:defRPr>
+            </a:lvl3pPr>
+            <a:lvl4pPr marL="1242000" indent="-234000" algn="l" defTabSz="457200" rtl="0" eaLnBrk="1" latinLnBrk="0" hangingPunct="1">
+              <a:spcBef>
+                <a:spcPct val="20000"/>
+              </a:spcBef>
+              <a:spcAft>
+                <a:spcPts val="600"/>
+              </a:spcAft>
+              <a:buClr>
+                <a:schemeClr val="accent2"/>
+              </a:buClr>
+              <a:buSzPct val="92000"/>
+              <a:buFont typeface="Wingdings 2" panose="05020102010507070707" pitchFamily="18" charset="2"/>
+              <a:buChar char=""/>
+              <a:defRPr sz="1200" kern="1200">
+                <a:solidFill>
+                  <a:schemeClr val="tx2"/>
+                </a:solidFill>
+                <a:latin typeface="+mn-lt"/>
+                <a:ea typeface="+mn-ea"/>
+                <a:cs typeface="+mn-cs"/>
+              </a:defRPr>
+            </a:lvl4pPr>
+            <a:lvl5pPr marL="1602000" indent="-234000" algn="l" defTabSz="457200" rtl="0" eaLnBrk="1" latinLnBrk="0" hangingPunct="1">
+              <a:spcBef>
+                <a:spcPct val="20000"/>
+              </a:spcBef>
+              <a:spcAft>
+                <a:spcPts val="600"/>
+              </a:spcAft>
+              <a:buClr>
+                <a:schemeClr val="accent2"/>
+              </a:buClr>
+              <a:buSzPct val="92000"/>
+              <a:buFont typeface="Wingdings 2" panose="05020102010507070707" pitchFamily="18" charset="2"/>
+              <a:buChar char=""/>
+              <a:defRPr sz="1200" kern="1200">
+                <a:solidFill>
+                  <a:schemeClr val="tx2"/>
+                </a:solidFill>
+                <a:latin typeface="+mn-lt"/>
+                <a:ea typeface="+mn-ea"/>
+                <a:cs typeface="+mn-cs"/>
+              </a:defRPr>
+            </a:lvl5pPr>
+            <a:lvl6pPr marL="1900000" indent="-228600" algn="l" defTabSz="457200" rtl="0" eaLnBrk="1" latinLnBrk="0" hangingPunct="1">
+              <a:spcBef>
+                <a:spcPct val="20000"/>
+              </a:spcBef>
+              <a:spcAft>
+                <a:spcPts val="600"/>
+              </a:spcAft>
+              <a:buClr>
+                <a:schemeClr val="accent2"/>
+              </a:buClr>
+              <a:buSzPct val="92000"/>
+              <a:buFont typeface="Wingdings 2" panose="05020102010507070707" pitchFamily="18" charset="2"/>
+              <a:buChar char=""/>
+              <a:defRPr sz="1200" kern="1200">
+                <a:solidFill>
+                  <a:schemeClr val="tx2"/>
+                </a:solidFill>
+                <a:latin typeface="+mn-lt"/>
+                <a:ea typeface="+mn-ea"/>
+                <a:cs typeface="+mn-cs"/>
+              </a:defRPr>
+            </a:lvl6pPr>
+            <a:lvl7pPr marL="2200000" indent="-228600" algn="l" defTabSz="457200" rtl="0" eaLnBrk="1" latinLnBrk="0" hangingPunct="1">
+              <a:spcBef>
+                <a:spcPct val="20000"/>
+              </a:spcBef>
+              <a:spcAft>
+                <a:spcPts val="600"/>
+              </a:spcAft>
+              <a:buClr>
+                <a:schemeClr val="accent2"/>
+              </a:buClr>
+              <a:buSzPct val="92000"/>
+              <a:buFont typeface="Wingdings 2" panose="05020102010507070707" pitchFamily="18" charset="2"/>
+              <a:buChar char=""/>
+              <a:defRPr sz="1200" kern="1200">
+                <a:solidFill>
+                  <a:schemeClr val="tx2"/>
+                </a:solidFill>
+                <a:latin typeface="+mn-lt"/>
+                <a:ea typeface="+mn-ea"/>
+                <a:cs typeface="+mn-cs"/>
+              </a:defRPr>
+            </a:lvl7pPr>
+            <a:lvl8pPr marL="2500000" indent="-228600" algn="l" defTabSz="457200" rtl="0" eaLnBrk="1" latinLnBrk="0" hangingPunct="1">
+              <a:spcBef>
+                <a:spcPct val="20000"/>
+              </a:spcBef>
+              <a:spcAft>
+                <a:spcPts val="600"/>
+              </a:spcAft>
+              <a:buClr>
+                <a:schemeClr val="accent2"/>
+              </a:buClr>
+              <a:buSzPct val="92000"/>
+              <a:buFont typeface="Wingdings 2" panose="05020102010507070707" pitchFamily="18" charset="2"/>
+              <a:buChar char=""/>
+              <a:defRPr sz="1200" kern="1200">
+                <a:solidFill>
+                  <a:schemeClr val="tx2"/>
+                </a:solidFill>
+                <a:latin typeface="+mn-lt"/>
+                <a:ea typeface="+mn-ea"/>
+                <a:cs typeface="+mn-cs"/>
+              </a:defRPr>
+            </a:lvl8pPr>
+            <a:lvl9pPr marL="2800000" indent="-228600" algn="l" defTabSz="457200" rtl="0" eaLnBrk="1" latinLnBrk="0" hangingPunct="1">
+              <a:spcBef>
+                <a:spcPct val="20000"/>
+              </a:spcBef>
+              <a:spcAft>
+                <a:spcPts val="600"/>
+              </a:spcAft>
+              <a:buClr>
+                <a:schemeClr val="accent2"/>
+              </a:buClr>
+              <a:buSzPct val="92000"/>
+              <a:buFont typeface="Wingdings 2" panose="05020102010507070707" pitchFamily="18" charset="2"/>
+              <a:buChar char=""/>
+              <a:defRPr sz="1200" kern="1200">
+                <a:solidFill>
+                  <a:schemeClr val="tx2"/>
+                </a:solidFill>
+                <a:latin typeface="+mn-lt"/>
+                <a:ea typeface="+mn-ea"/>
+                <a:cs typeface="+mn-cs"/>
+              </a:defRPr>
+            </a:lvl9pPr>
+          </a:lstStyle>
+          <a:p>
+            <a:pPr marL="0" indent="0">
+              <a:buNone/>
+            </a:pPr>
+            <a:r>
+              <a:rPr lang="es-ES" dirty="0"/>
+              <a:t>6</a:t>
+            </a:r>
+          </a:p>
+        </p:txBody>
+      </p:sp>
+    </p:spTree>
+    <p:extLst>
+      <p:ext uri="{BB962C8B-B14F-4D97-AF65-F5344CB8AC3E}">
+        <p14:creationId xmlns:p14="http://schemas.microsoft.com/office/powerpoint/2010/main" val="4140969710"/>
+      </p:ext>
+    </p:extLst>
+  </p:cSld>
+  <p:clrMapOvr>
+    <a:masterClrMapping/>
+  </p:clrMapOvr>
+</p:sld>
+</file>
+
+<file path=ppt/slides/slide3.xml><?xml version="1.0" encoding="utf-8"?>
+<p:sld xmlns:a="http://schemas.openxmlformats.org/drawingml/2006/main" xmlns:r="http://schemas.openxmlformats.org/officeDocument/2006/relationships" xmlns:p="http://schemas.openxmlformats.org/presentationml/2006/main">
+  <p:cSld>
+    <p:spTree>
+      <p:nvGrpSpPr>
+        <p:cNvPr id="1" name=""/>
+        <p:cNvGrpSpPr/>
+        <p:nvPr/>
+      </p:nvGrpSpPr>
+      <p:grpSpPr>
+        <a:xfrm>
+          <a:off x="0" y="0"/>
+          <a:ext cx="0" cy="0"/>
+          <a:chOff x="0" y="0"/>
+          <a:chExt cx="0" cy="0"/>
+        </a:xfrm>
+      </p:grpSpPr>
+      <p:sp>
+        <p:nvSpPr>
+          <p:cNvPr id="2" name="Título 1"/>
+          <p:cNvSpPr>
+            <a:spLocks noGrp="1"/>
+          </p:cNvSpPr>
+          <p:nvPr>
+            <p:ph type="title"/>
+          </p:nvPr>
+        </p:nvSpPr>
+        <p:spPr>
+          <a:xfrm>
+            <a:off x="581193" y="729658"/>
+            <a:ext cx="11029616" cy="988332"/>
+          </a:xfrm>
+        </p:spPr>
+        <p:txBody>
+          <a:bodyPr anchor="b">
+            <a:normAutofit/>
+          </a:bodyPr>
+          <a:lstStyle/>
+          <a:p>
+            <a:r>
+              <a:rPr lang="es-ES"/>
+              <a:t>Introducción</a:t>
+            </a:r>
+          </a:p>
+        </p:txBody>
+      </p:sp>
+      <p:sp>
+        <p:nvSpPr>
+          <p:cNvPr id="4" name="Marcador de contenido 3"/>
+          <p:cNvSpPr>
+            <a:spLocks noGrp="1"/>
+          </p:cNvSpPr>
+          <p:nvPr>
+            <p:ph sz="half" idx="1"/>
+          </p:nvPr>
+        </p:nvSpPr>
+        <p:spPr>
+          <a:xfrm>
+            <a:off x="581193" y="2228003"/>
+            <a:ext cx="5422390" cy="3633047"/>
+          </a:xfrm>
+        </p:spPr>
+        <p:txBody>
+          <a:bodyPr anchor="ctr">
+            <a:normAutofit/>
+          </a:bodyPr>
+          <a:lstStyle/>
+          <a:p>
+            <a:r>
+              <a:rPr lang="es-ES" sz="2000" dirty="0"/>
+              <a:t>Realidad Virtual</a:t>
+            </a:r>
+          </a:p>
+          <a:p>
+            <a:r>
+              <a:rPr lang="es-ES" sz="2000" dirty="0"/>
+              <a:t>Seguimiento de manos</a:t>
+            </a:r>
+          </a:p>
+          <a:p>
+            <a:r>
+              <a:rPr lang="es-ES" sz="2000" dirty="0"/>
+              <a:t>Objetivos</a:t>
+            </a:r>
+          </a:p>
+        </p:txBody>
+      </p:sp>
+      <p:pic>
+        <p:nvPicPr>
+          <p:cNvPr id="5" name="Picture 2" descr="joven con gafas vr con panel virtual táctil holográfico en el fondo de  trabajo digital. ilustración vectorial de dibujos animados de estilo plano  5611315 Vector en Vecteezy">
+            <a:extLst>
+              <a:ext uri="{FF2B5EF4-FFF2-40B4-BE49-F238E27FC236}">
+                <a16:creationId xmlns:a16="http://schemas.microsoft.com/office/drawing/2014/main" id="{585826FF-5F1D-116A-7EDB-ECF2F6EA4329}"/>
+              </a:ext>
+            </a:extLst>
+          </p:cNvPr>
+          <p:cNvPicPr>
+            <a:picLocks noGrp="1" noChangeAspect="1" noChangeArrowheads="1"/>
+          </p:cNvPicPr>
+          <p:nvPr>
+            <p:ph sz="half" idx="2"/>
+          </p:nvPr>
+        </p:nvPicPr>
+        <p:blipFill>
+          <a:blip r:embed="rId2">
+            <a:extLst>
+              <a:ext uri="{28A0092B-C50C-407E-A947-70E740481C1C}">
+                <a14:useLocalDpi xmlns:a14="http://schemas.microsoft.com/office/drawing/2010/main" val="0"/>
+              </a:ext>
+            </a:extLst>
+          </a:blip>
+          <a:srcRect t="4963"/>
+          <a:stretch>
+            <a:fillRect/>
+          </a:stretch>
+        </p:blipFill>
+        <p:spPr bwMode="auto">
+          <a:xfrm>
+            <a:off x="4882342" y="2017222"/>
+            <a:ext cx="6872554" cy="4328159"/>
+          </a:xfrm>
+          <a:prstGeom prst="rect">
+            <a:avLst/>
+          </a:prstGeom>
+          <a:noFill/>
+        </p:spPr>
+      </p:pic>
+    </p:spTree>
+    <p:extLst>
+      <p:ext uri="{BB962C8B-B14F-4D97-AF65-F5344CB8AC3E}">
+        <p14:creationId xmlns:p14="http://schemas.microsoft.com/office/powerpoint/2010/main" val="3053726636"/>
+      </p:ext>
+    </p:extLst>
+  </p:cSld>
+  <p:clrMapOvr>
+    <a:masterClrMapping/>
+  </p:clrMapOvr>
+</p:sld>
+</file>
+
+<file path=ppt/slides/slide4.xml><?xml version="1.0" encoding="utf-8"?>
+<p:sld xmlns:a="http://schemas.openxmlformats.org/drawingml/2006/main" xmlns:r="http://schemas.openxmlformats.org/officeDocument/2006/relationships" xmlns:p="http://schemas.openxmlformats.org/presentationml/2006/main">
+  <p:cSld>
+    <p:spTree>
+      <p:nvGrpSpPr>
+        <p:cNvPr id="1" name=""/>
+        <p:cNvGrpSpPr/>
+        <p:nvPr/>
+      </p:nvGrpSpPr>
+      <p:grpSpPr>
+        <a:xfrm>
+          <a:off x="0" y="0"/>
+          <a:ext cx="0" cy="0"/>
+          <a:chOff x="0" y="0"/>
+          <a:chExt cx="0" cy="0"/>
+        </a:xfrm>
+      </p:grpSpPr>
+      <p:sp>
+        <p:nvSpPr>
+          <p:cNvPr id="2" name="Título 1">
+            <a:extLst>
+              <a:ext uri="{FF2B5EF4-FFF2-40B4-BE49-F238E27FC236}">
+                <a16:creationId xmlns:a16="http://schemas.microsoft.com/office/drawing/2014/main" id="{921633EB-7DCB-4DDC-80AF-C885A3EE1245}"/>
+              </a:ext>
+            </a:extLst>
+          </p:cNvPr>
+          <p:cNvSpPr>
+            <a:spLocks noGrp="1"/>
+          </p:cNvSpPr>
+          <p:nvPr>
+            <p:ph type="title"/>
+          </p:nvPr>
+        </p:nvSpPr>
+        <p:spPr>
+          <a:xfrm>
+            <a:off x="456802" y="844698"/>
+            <a:ext cx="11154006" cy="871258"/>
+          </a:xfrm>
+        </p:spPr>
+        <p:txBody>
+          <a:bodyPr rtlCol="0" anchor="b">
+            <a:normAutofit/>
+          </a:bodyPr>
+          <a:lstStyle/>
+          <a:p>
+            <a:pPr rtl="0"/>
+            <a:r>
+              <a:rPr lang="es-ES" dirty="0"/>
+              <a:t>Tecnologías utilizadas</a:t>
+            </a:r>
+          </a:p>
+        </p:txBody>
+      </p:sp>
+      <p:pic>
+        <p:nvPicPr>
+          <p:cNvPr id="2050" name="Picture 2">
+            <a:extLst>
+              <a:ext uri="{FF2B5EF4-FFF2-40B4-BE49-F238E27FC236}">
+                <a16:creationId xmlns:a16="http://schemas.microsoft.com/office/drawing/2014/main" id="{CBB3C702-702A-BE87-FE26-CC78B21E26BB}"/>
+              </a:ext>
+            </a:extLst>
+          </p:cNvPr>
+          <p:cNvPicPr>
+            <a:picLocks noChangeAspect="1" noChangeArrowheads="1"/>
+          </p:cNvPicPr>
+          <p:nvPr/>
+        </p:nvPicPr>
+        <p:blipFill>
+          <a:blip r:embed="rId3">
+            <a:extLst>
+              <a:ext uri="{28A0092B-C50C-407E-A947-70E740481C1C}">
+                <a14:useLocalDpi xmlns:a14="http://schemas.microsoft.com/office/drawing/2010/main" val="0"/>
+              </a:ext>
+            </a:extLst>
+          </a:blip>
+          <a:srcRect/>
+          <a:stretch>
+            <a:fillRect/>
+          </a:stretch>
+        </p:blipFill>
+        <p:spPr bwMode="auto">
+          <a:xfrm>
+            <a:off x="1914785" y="2552987"/>
+            <a:ext cx="1273864" cy="1485496"/>
+          </a:xfrm>
+          <a:prstGeom prst="rect">
+            <a:avLst/>
+          </a:prstGeom>
+          <a:noFill/>
+          <a:extLst>
+            <a:ext uri="{909E8E84-426E-40DD-AFC4-6F175D3DCCD1}">
+              <a14:hiddenFill xmlns:a14="http://schemas.microsoft.com/office/drawing/2010/main">
+                <a:solidFill>
+                  <a:srgbClr val="FFFFFF"/>
+                </a:solidFill>
+              </a14:hiddenFill>
+            </a:ext>
+          </a:extLst>
+        </p:spPr>
+      </p:pic>
+      <p:pic>
+        <p:nvPicPr>
+          <p:cNvPr id="2054" name="Picture 6">
+            <a:extLst>
+              <a:ext uri="{FF2B5EF4-FFF2-40B4-BE49-F238E27FC236}">
+                <a16:creationId xmlns:a16="http://schemas.microsoft.com/office/drawing/2014/main" id="{850466B1-9229-DA87-8B21-83105A81835E}"/>
+              </a:ext>
+            </a:extLst>
+          </p:cNvPr>
+          <p:cNvPicPr>
+            <a:picLocks noChangeAspect="1" noChangeArrowheads="1"/>
+          </p:cNvPicPr>
+          <p:nvPr/>
+        </p:nvPicPr>
+        <p:blipFill>
+          <a:blip r:embed="rId4">
+            <a:extLst>
+              <a:ext uri="{28A0092B-C50C-407E-A947-70E740481C1C}">
+                <a14:useLocalDpi xmlns:a14="http://schemas.microsoft.com/office/drawing/2010/main" val="0"/>
+              </a:ext>
+            </a:extLst>
+          </a:blip>
+          <a:srcRect/>
+          <a:stretch>
+            <a:fillRect/>
+          </a:stretch>
+        </p:blipFill>
+        <p:spPr bwMode="auto">
+          <a:xfrm>
+            <a:off x="3565424" y="2552987"/>
+            <a:ext cx="1485498" cy="1485498"/>
+          </a:xfrm>
+          <a:prstGeom prst="rect">
+            <a:avLst/>
+          </a:prstGeom>
+          <a:noFill/>
+          <a:extLst>
+            <a:ext uri="{909E8E84-426E-40DD-AFC4-6F175D3DCCD1}">
+              <a14:hiddenFill xmlns:a14="http://schemas.microsoft.com/office/drawing/2010/main">
+                <a:solidFill>
+                  <a:srgbClr val="FFFFFF"/>
+                </a:solidFill>
+              </a14:hiddenFill>
+            </a:ext>
+          </a:extLst>
+        </p:spPr>
+      </p:pic>
+      <p:pic>
+        <p:nvPicPr>
+          <p:cNvPr id="2056" name="Picture 8" descr="JavaScript Logo, symbol, meaning, history, PNG, brand">
+            <a:extLst>
+              <a:ext uri="{FF2B5EF4-FFF2-40B4-BE49-F238E27FC236}">
+                <a16:creationId xmlns:a16="http://schemas.microsoft.com/office/drawing/2014/main" id="{0AEDAC79-0779-1470-3487-6AB787026770}"/>
+              </a:ext>
+            </a:extLst>
+          </p:cNvPr>
+          <p:cNvPicPr>
+            <a:picLocks noChangeAspect="1" noChangeArrowheads="1"/>
+          </p:cNvPicPr>
+          <p:nvPr/>
+        </p:nvPicPr>
+        <p:blipFill>
+          <a:blip r:embed="rId5">
+            <a:extLst>
+              <a:ext uri="{28A0092B-C50C-407E-A947-70E740481C1C}">
+                <a14:useLocalDpi xmlns:a14="http://schemas.microsoft.com/office/drawing/2010/main" val="0"/>
+              </a:ext>
+            </a:extLst>
+          </a:blip>
+          <a:srcRect/>
+          <a:stretch>
+            <a:fillRect/>
+          </a:stretch>
+        </p:blipFill>
+        <p:spPr bwMode="auto">
+          <a:xfrm>
+            <a:off x="4855762" y="2552987"/>
+            <a:ext cx="2186210" cy="1485498"/>
+          </a:xfrm>
+          <a:prstGeom prst="rect">
+            <a:avLst/>
+          </a:prstGeom>
+          <a:noFill/>
+          <a:extLst>
+            <a:ext uri="{909E8E84-426E-40DD-AFC4-6F175D3DCCD1}">
+              <a14:hiddenFill xmlns:a14="http://schemas.microsoft.com/office/drawing/2010/main">
+                <a:solidFill>
+                  <a:srgbClr val="FFFFFF"/>
+                </a:solidFill>
+              </a14:hiddenFill>
+            </a:ext>
+          </a:extLst>
+        </p:spPr>
+      </p:pic>
+      <p:pic>
+        <p:nvPicPr>
+          <p:cNvPr id="2060" name="Picture 12" descr="Three.js SVG Logo - Questions - three.js forum">
+            <a:extLst>
+              <a:ext uri="{FF2B5EF4-FFF2-40B4-BE49-F238E27FC236}">
+                <a16:creationId xmlns:a16="http://schemas.microsoft.com/office/drawing/2014/main" id="{8C88ED66-83D8-CD4C-48FA-D3456DC779E9}"/>
+              </a:ext>
+            </a:extLst>
+          </p:cNvPr>
+          <p:cNvPicPr>
+            <a:picLocks noChangeAspect="1" noChangeArrowheads="1"/>
+          </p:cNvPicPr>
+          <p:nvPr/>
+        </p:nvPicPr>
+        <p:blipFill>
+          <a:blip r:embed="rId6">
+            <a:extLst>
+              <a:ext uri="{28A0092B-C50C-407E-A947-70E740481C1C}">
+                <a14:useLocalDpi xmlns:a14="http://schemas.microsoft.com/office/drawing/2010/main" val="0"/>
+              </a:ext>
+            </a:extLst>
+          </a:blip>
+          <a:srcRect/>
+          <a:stretch>
+            <a:fillRect/>
+          </a:stretch>
+        </p:blipFill>
+        <p:spPr bwMode="auto">
+          <a:xfrm>
+            <a:off x="6902329" y="2542610"/>
+            <a:ext cx="1485497" cy="1497281"/>
+          </a:xfrm>
+          <a:prstGeom prst="rect">
+            <a:avLst/>
+          </a:prstGeom>
+          <a:noFill/>
+          <a:extLst>
+            <a:ext uri="{909E8E84-426E-40DD-AFC4-6F175D3DCCD1}">
+              <a14:hiddenFill xmlns:a14="http://schemas.microsoft.com/office/drawing/2010/main">
+                <a:solidFill>
+                  <a:srgbClr val="FFFFFF"/>
+                </a:solidFill>
+              </a14:hiddenFill>
+            </a:ext>
+          </a:extLst>
+        </p:spPr>
+      </p:pic>
+      <p:pic>
+        <p:nvPicPr>
+          <p:cNvPr id="2062" name="Picture 14" descr="W3C llama a hacer uso de la API WebXR para dispositivos – W3C Hispano">
+            <a:extLst>
+              <a:ext uri="{FF2B5EF4-FFF2-40B4-BE49-F238E27FC236}">
+                <a16:creationId xmlns:a16="http://schemas.microsoft.com/office/drawing/2014/main" id="{3E095A71-DB8A-48CB-C3CE-1E12E5164AEB}"/>
+              </a:ext>
+            </a:extLst>
+          </p:cNvPr>
+          <p:cNvPicPr>
+            <a:picLocks noChangeAspect="1" noChangeArrowheads="1"/>
+          </p:cNvPicPr>
+          <p:nvPr/>
+        </p:nvPicPr>
+        <p:blipFill>
+          <a:blip r:embed="rId7">
+            <a:extLst>
+              <a:ext uri="{28A0092B-C50C-407E-A947-70E740481C1C}">
+                <a14:useLocalDpi xmlns:a14="http://schemas.microsoft.com/office/drawing/2010/main" val="0"/>
+              </a:ext>
+            </a:extLst>
+          </a:blip>
+          <a:srcRect/>
+          <a:stretch>
+            <a:fillRect/>
+          </a:stretch>
+        </p:blipFill>
+        <p:spPr bwMode="auto">
+          <a:xfrm>
+            <a:off x="8532448" y="2552986"/>
+            <a:ext cx="1485497" cy="1485497"/>
+          </a:xfrm>
+          <a:prstGeom prst="rect">
+            <a:avLst/>
+          </a:prstGeom>
+          <a:noFill/>
+          <a:extLst>
+            <a:ext uri="{909E8E84-426E-40DD-AFC4-6F175D3DCCD1}">
+              <a14:hiddenFill xmlns:a14="http://schemas.microsoft.com/office/drawing/2010/main">
+                <a:solidFill>
+                  <a:srgbClr val="FFFFFF"/>
+                </a:solidFill>
+              </a14:hiddenFill>
+            </a:ext>
+          </a:extLst>
+        </p:spPr>
+      </p:pic>
+      <p:pic>
+        <p:nvPicPr>
+          <p:cNvPr id="2064" name="Picture 16" descr="Webgl logo - Iconos Social Media y Logos">
+            <a:extLst>
+              <a:ext uri="{FF2B5EF4-FFF2-40B4-BE49-F238E27FC236}">
+                <a16:creationId xmlns:a16="http://schemas.microsoft.com/office/drawing/2014/main" id="{25ABF0AE-D2FB-B1FC-DA1B-7EE2FDDF6468}"/>
+              </a:ext>
+            </a:extLst>
+          </p:cNvPr>
+          <p:cNvPicPr>
+            <a:picLocks noChangeAspect="1" noChangeArrowheads="1"/>
+          </p:cNvPicPr>
+          <p:nvPr/>
+        </p:nvPicPr>
+        <p:blipFill>
+          <a:blip r:embed="rId8">
+            <a:extLst>
+              <a:ext uri="{28A0092B-C50C-407E-A947-70E740481C1C}">
+                <a14:useLocalDpi xmlns:a14="http://schemas.microsoft.com/office/drawing/2010/main" val="0"/>
+              </a:ext>
+            </a:extLst>
+          </a:blip>
+          <a:srcRect/>
+          <a:stretch>
+            <a:fillRect/>
+          </a:stretch>
+        </p:blipFill>
+        <p:spPr bwMode="auto">
+          <a:xfrm>
+            <a:off x="1914785" y="4268473"/>
+            <a:ext cx="1273864" cy="1170140"/>
+          </a:xfrm>
+          <a:prstGeom prst="rect">
+            <a:avLst/>
+          </a:prstGeom>
+          <a:noFill/>
+          <a:extLst>
+            <a:ext uri="{909E8E84-426E-40DD-AFC4-6F175D3DCCD1}">
+              <a14:hiddenFill xmlns:a14="http://schemas.microsoft.com/office/drawing/2010/main">
+                <a:solidFill>
+                  <a:srgbClr val="FFFFFF"/>
+                </a:solidFill>
+              </a14:hiddenFill>
+            </a:ext>
+          </a:extLst>
+        </p:spPr>
+      </p:pic>
+      <p:pic>
+        <p:nvPicPr>
+          <p:cNvPr id="2066" name="Picture 18">
+            <a:extLst>
+              <a:ext uri="{FF2B5EF4-FFF2-40B4-BE49-F238E27FC236}">
+                <a16:creationId xmlns:a16="http://schemas.microsoft.com/office/drawing/2014/main" id="{751243E1-CA56-D8C7-116A-DD3FD96201D3}"/>
+              </a:ext>
+            </a:extLst>
+          </p:cNvPr>
+          <p:cNvPicPr>
+            <a:picLocks noChangeAspect="1" noChangeArrowheads="1"/>
+          </p:cNvPicPr>
+          <p:nvPr/>
+        </p:nvPicPr>
+        <p:blipFill>
+          <a:blip r:embed="rId9">
+            <a:extLst>
+              <a:ext uri="{28A0092B-C50C-407E-A947-70E740481C1C}">
+                <a14:useLocalDpi xmlns:a14="http://schemas.microsoft.com/office/drawing/2010/main" val="0"/>
+              </a:ext>
+            </a:extLst>
+          </a:blip>
+          <a:srcRect/>
+          <a:stretch>
+            <a:fillRect/>
+          </a:stretch>
+        </p:blipFill>
+        <p:spPr bwMode="auto">
+          <a:xfrm>
+            <a:off x="3581898" y="4268473"/>
+            <a:ext cx="1273864" cy="1170140"/>
+          </a:xfrm>
+          <a:prstGeom prst="rect">
+            <a:avLst/>
+          </a:prstGeom>
+          <a:noFill/>
+          <a:extLst>
+            <a:ext uri="{909E8E84-426E-40DD-AFC4-6F175D3DCCD1}">
+              <a14:hiddenFill xmlns:a14="http://schemas.microsoft.com/office/drawing/2010/main">
+                <a:solidFill>
+                  <a:srgbClr val="FFFFFF"/>
+                </a:solidFill>
+              </a14:hiddenFill>
+            </a:ext>
+          </a:extLst>
+        </p:spPr>
+      </p:pic>
+      <p:pic>
+        <p:nvPicPr>
+          <p:cNvPr id="2068" name="Picture 20" descr="GitHub Logo, symbol, meaning, history, PNG, brand">
+            <a:extLst>
+              <a:ext uri="{FF2B5EF4-FFF2-40B4-BE49-F238E27FC236}">
+                <a16:creationId xmlns:a16="http://schemas.microsoft.com/office/drawing/2014/main" id="{CA2B6558-C937-7907-FCBD-3AF06D8DC096}"/>
+              </a:ext>
+            </a:extLst>
+          </p:cNvPr>
+          <p:cNvPicPr>
+            <a:picLocks noChangeAspect="1" noChangeArrowheads="1"/>
+          </p:cNvPicPr>
+          <p:nvPr/>
+        </p:nvPicPr>
+        <p:blipFill>
+          <a:blip r:embed="rId10">
+            <a:extLst>
+              <a:ext uri="{28A0092B-C50C-407E-A947-70E740481C1C}">
+                <a14:useLocalDpi xmlns:a14="http://schemas.microsoft.com/office/drawing/2010/main" val="0"/>
+              </a:ext>
+            </a:extLst>
+          </a:blip>
+          <a:srcRect/>
+          <a:stretch>
+            <a:fillRect/>
+          </a:stretch>
+        </p:blipFill>
+        <p:spPr bwMode="auto">
+          <a:xfrm>
+            <a:off x="4873468" y="4199520"/>
+            <a:ext cx="2028861" cy="1308046"/>
+          </a:xfrm>
+          <a:prstGeom prst="rect">
+            <a:avLst/>
+          </a:prstGeom>
+          <a:noFill/>
+          <a:extLst>
+            <a:ext uri="{909E8E84-426E-40DD-AFC4-6F175D3DCCD1}">
+              <a14:hiddenFill xmlns:a14="http://schemas.microsoft.com/office/drawing/2010/main">
+                <a:solidFill>
+                  <a:srgbClr val="FFFFFF"/>
+                </a:solidFill>
+              </a14:hiddenFill>
+            </a:ext>
+          </a:extLst>
+        </p:spPr>
+      </p:pic>
+      <p:pic>
+        <p:nvPicPr>
+          <p:cNvPr id="2070" name="Picture 22" descr="Meta: Contact Details, Revenue, Funding, Employees and Company Profile">
+            <a:extLst>
+              <a:ext uri="{FF2B5EF4-FFF2-40B4-BE49-F238E27FC236}">
+                <a16:creationId xmlns:a16="http://schemas.microsoft.com/office/drawing/2014/main" id="{A4C480C9-DC31-D1C3-8994-74A97E8A70AE}"/>
+              </a:ext>
+            </a:extLst>
+          </p:cNvPr>
+          <p:cNvPicPr>
+            <a:picLocks noChangeAspect="1" noChangeArrowheads="1"/>
+          </p:cNvPicPr>
+          <p:nvPr/>
+        </p:nvPicPr>
+        <p:blipFill>
+          <a:blip r:embed="rId11">
+            <a:extLst>
+              <a:ext uri="{28A0092B-C50C-407E-A947-70E740481C1C}">
+                <a14:useLocalDpi xmlns:a14="http://schemas.microsoft.com/office/drawing/2010/main" val="0"/>
+              </a:ext>
+            </a:extLst>
+          </a:blip>
+          <a:srcRect/>
+          <a:stretch>
+            <a:fillRect/>
+          </a:stretch>
+        </p:blipFill>
+        <p:spPr bwMode="auto">
+          <a:xfrm>
+            <a:off x="6632075" y="4075481"/>
+            <a:ext cx="1630119" cy="1630119"/>
+          </a:xfrm>
+          <a:prstGeom prst="rect">
+            <a:avLst/>
+          </a:prstGeom>
+          <a:noFill/>
+          <a:extLst>
+            <a:ext uri="{909E8E84-426E-40DD-AFC4-6F175D3DCCD1}">
+              <a14:hiddenFill xmlns:a14="http://schemas.microsoft.com/office/drawing/2010/main">
+                <a:solidFill>
+                  <a:srgbClr val="FFFFFF"/>
+                </a:solidFill>
+              </a14:hiddenFill>
+            </a:ext>
+          </a:extLst>
+        </p:spPr>
+      </p:pic>
+      <p:pic>
+        <p:nvPicPr>
+          <p:cNvPr id="2076" name="Picture 28">
+            <a:extLst>
+              <a:ext uri="{FF2B5EF4-FFF2-40B4-BE49-F238E27FC236}">
+                <a16:creationId xmlns:a16="http://schemas.microsoft.com/office/drawing/2014/main" id="{242C7161-15D1-6C48-A362-093D578E455A}"/>
+              </a:ext>
+            </a:extLst>
+          </p:cNvPr>
+          <p:cNvPicPr>
+            <a:picLocks noChangeAspect="1" noChangeArrowheads="1"/>
+          </p:cNvPicPr>
+          <p:nvPr/>
+        </p:nvPicPr>
+        <p:blipFill>
+          <a:blip r:embed="rId12">
+            <a:extLst>
+              <a:ext uri="{28A0092B-C50C-407E-A947-70E740481C1C}">
+                <a14:useLocalDpi xmlns:a14="http://schemas.microsoft.com/office/drawing/2010/main" val="0"/>
+              </a:ext>
+            </a:extLst>
+          </a:blip>
+          <a:srcRect/>
+          <a:stretch>
+            <a:fillRect/>
+          </a:stretch>
+        </p:blipFill>
+        <p:spPr bwMode="auto">
+          <a:xfrm>
+            <a:off x="8387826" y="4576790"/>
+            <a:ext cx="2028861" cy="930776"/>
+          </a:xfrm>
+          <a:prstGeom prst="rect">
+            <a:avLst/>
+          </a:prstGeom>
+          <a:noFill/>
+          <a:extLst>
+            <a:ext uri="{909E8E84-426E-40DD-AFC4-6F175D3DCCD1}">
+              <a14:hiddenFill xmlns:a14="http://schemas.microsoft.com/office/drawing/2010/main">
+                <a:solidFill>
+                  <a:srgbClr val="FFFFFF"/>
+                </a:solidFill>
+              </a14:hiddenFill>
+            </a:ext>
+          </a:extLst>
+        </p:spPr>
+      </p:pic>
+    </p:spTree>
+    <p:extLst>
+      <p:ext uri="{BB962C8B-B14F-4D97-AF65-F5344CB8AC3E}">
+        <p14:creationId xmlns:p14="http://schemas.microsoft.com/office/powerpoint/2010/main" val="497607547"/>
+      </p:ext>
+    </p:extLst>
+  </p:cSld>
+  <p:clrMapOvr>
+    <a:masterClrMapping/>
+  </p:clrMapOvr>
+</p:sld>
+</file>
+
+<file path=ppt/slides/slide5.xml><?xml version="1.0" encoding="utf-8"?>
+<p:sld xmlns:a="http://schemas.openxmlformats.org/drawingml/2006/main" xmlns:r="http://schemas.openxmlformats.org/officeDocument/2006/relationships" xmlns:p="http://schemas.openxmlformats.org/presentationml/2006/main">
+  <p:cSld>
+    <p:spTree>
+      <p:nvGrpSpPr>
+        <p:cNvPr id="1" name=""/>
+        <p:cNvGrpSpPr/>
+        <p:nvPr/>
+      </p:nvGrpSpPr>
+      <p:grpSpPr>
+        <a:xfrm>
+          <a:off x="0" y="0"/>
+          <a:ext cx="0" cy="0"/>
+          <a:chOff x="0" y="0"/>
+          <a:chExt cx="0" cy="0"/>
+        </a:xfrm>
+      </p:grpSpPr>
+      <p:sp>
+        <p:nvSpPr>
+          <p:cNvPr id="2" name="Título 1">
+            <a:extLst>
+              <a:ext uri="{FF2B5EF4-FFF2-40B4-BE49-F238E27FC236}">
+                <a16:creationId xmlns:a16="http://schemas.microsoft.com/office/drawing/2014/main" id="{6EE0696A-EC59-AEEC-926E-52105E388E70}"/>
+              </a:ext>
+            </a:extLst>
+          </p:cNvPr>
+          <p:cNvSpPr>
+            <a:spLocks noGrp="1"/>
+          </p:cNvSpPr>
+          <p:nvPr>
+            <p:ph type="title"/>
+          </p:nvPr>
+        </p:nvSpPr>
+        <p:spPr>
+          <a:xfrm>
+            <a:off x="581193" y="729658"/>
+            <a:ext cx="11029616" cy="988332"/>
+          </a:xfrm>
+        </p:spPr>
+        <p:txBody>
+          <a:bodyPr anchor="b">
+            <a:normAutofit/>
+          </a:bodyPr>
+          <a:lstStyle/>
+          <a:p>
+            <a:r>
+              <a:rPr lang="es-ES" noProof="0" dirty="0"/>
+              <a:t>implementación</a:t>
+            </a:r>
+          </a:p>
+        </p:txBody>
+      </p:sp>
+      <p:pic>
+        <p:nvPicPr>
+          <p:cNvPr id="5" name="Marcador de contenido 4" descr="Diagrama&#10;&#10;El contenido generado por IA puede ser incorrecto.">
+            <a:extLst>
+              <a:ext uri="{FF2B5EF4-FFF2-40B4-BE49-F238E27FC236}">
+                <a16:creationId xmlns:a16="http://schemas.microsoft.com/office/drawing/2014/main" id="{721A3A4B-E5FF-B1E1-B571-5150480FE290}"/>
+              </a:ext>
+            </a:extLst>
+          </p:cNvPr>
+          <p:cNvPicPr>
+            <a:picLocks noGrp="1" noChangeAspect="1"/>
+          </p:cNvPicPr>
+          <p:nvPr>
+            <p:ph sz="half" idx="1"/>
+          </p:nvPr>
+        </p:nvPicPr>
+        <p:blipFill>
+          <a:blip r:embed="rId2"/>
+          <a:stretch>
+            <a:fillRect/>
+          </a:stretch>
+        </p:blipFill>
+        <p:spPr>
+          <a:xfrm>
+            <a:off x="1857334" y="2228003"/>
+            <a:ext cx="2870107" cy="3633047"/>
+          </a:xfrm>
+          <a:noFill/>
+        </p:spPr>
+      </p:pic>
+      <p:sp>
+        <p:nvSpPr>
+          <p:cNvPr id="10" name="Content Placeholder 2">
+            <a:extLst>
+              <a:ext uri="{FF2B5EF4-FFF2-40B4-BE49-F238E27FC236}">
+                <a16:creationId xmlns:a16="http://schemas.microsoft.com/office/drawing/2014/main" id="{F1254407-A1D7-ACDB-29EA-008B1B0421D3}"/>
+              </a:ext>
+            </a:extLst>
+          </p:cNvPr>
+          <p:cNvSpPr>
+            <a:spLocks noGrp="1"/>
+          </p:cNvSpPr>
+          <p:nvPr>
+            <p:ph sz="half" idx="2"/>
+          </p:nvPr>
+        </p:nvSpPr>
+        <p:spPr>
+          <a:xfrm>
+            <a:off x="6188417" y="2228003"/>
+            <a:ext cx="5422392" cy="3633047"/>
+          </a:xfrm>
+        </p:spPr>
+        <p:txBody>
+          <a:bodyPr anchor="ctr">
+            <a:normAutofit/>
+          </a:bodyPr>
+          <a:lstStyle/>
+          <a:p>
+            <a:r>
+              <a:rPr lang="es-ES" noProof="0" dirty="0" err="1"/>
+              <a:t>WebXR</a:t>
+            </a:r>
+            <a:endParaRPr lang="es-ES" noProof="0" dirty="0"/>
+          </a:p>
+          <a:p>
+            <a:r>
+              <a:rPr lang="es-ES" noProof="0" dirty="0"/>
+              <a:t>Articulaciones</a:t>
+            </a:r>
+          </a:p>
+          <a:p>
+            <a:r>
+              <a:rPr lang="es-ES" noProof="0" dirty="0"/>
+              <a:t>Dibujo en la escena</a:t>
+            </a:r>
+          </a:p>
+          <a:p>
+            <a:r>
+              <a:rPr lang="es-ES" noProof="0" dirty="0"/>
+              <a:t>Detección de gestos</a:t>
+            </a:r>
+          </a:p>
+        </p:txBody>
+      </p:sp>
+    </p:spTree>
+    <p:extLst>
+      <p:ext uri="{BB962C8B-B14F-4D97-AF65-F5344CB8AC3E}">
+        <p14:creationId xmlns:p14="http://schemas.microsoft.com/office/powerpoint/2010/main" val="3544766638"/>
+      </p:ext>
+    </p:extLst>
+  </p:cSld>
+  <p:clrMapOvr>
+    <a:masterClrMapping/>
+  </p:clrMapOvr>
+</p:sld>
+</file>
+
+<file path=ppt/slides/slide6.xml><?xml version="1.0" encoding="utf-8"?>
+<p:sld xmlns:a="http://schemas.openxmlformats.org/drawingml/2006/main" xmlns:r="http://schemas.openxmlformats.org/officeDocument/2006/relationships" xmlns:p="http://schemas.openxmlformats.org/presentationml/2006/main">
+  <p:cSld>
+    <p:spTree>
+      <p:nvGrpSpPr>
+        <p:cNvPr id="1" name=""/>
+        <p:cNvGrpSpPr/>
+        <p:nvPr/>
+      </p:nvGrpSpPr>
+      <p:grpSpPr>
+        <a:xfrm>
+          <a:off x="0" y="0"/>
+          <a:ext cx="0" cy="0"/>
+          <a:chOff x="0" y="0"/>
+          <a:chExt cx="0" cy="0"/>
+        </a:xfrm>
+      </p:grpSpPr>
+      <p:sp>
+        <p:nvSpPr>
+          <p:cNvPr id="2" name="Título 1">
+            <a:extLst>
+              <a:ext uri="{FF2B5EF4-FFF2-40B4-BE49-F238E27FC236}">
+                <a16:creationId xmlns:a16="http://schemas.microsoft.com/office/drawing/2014/main" id="{6CE80B81-BF7A-61AD-1FEA-D23301C94B85}"/>
+              </a:ext>
+            </a:extLst>
+          </p:cNvPr>
+          <p:cNvSpPr>
+            <a:spLocks noGrp="1"/>
+          </p:cNvSpPr>
+          <p:nvPr>
+            <p:ph type="title"/>
+          </p:nvPr>
+        </p:nvSpPr>
+        <p:spPr/>
+        <p:txBody>
+          <a:bodyPr/>
+          <a:lstStyle/>
+          <a:p>
+            <a:r>
+              <a:rPr lang="es-ES" dirty="0"/>
+              <a:t>implementación</a:t>
+            </a:r>
+          </a:p>
+        </p:txBody>
+      </p:sp>
+      <p:pic>
+        <p:nvPicPr>
+          <p:cNvPr id="7" name="Marcador de contenido 6" descr="Imagen de la pantalla de un celular&#10;&#10;El contenido generado por IA puede ser incorrecto.">
+            <a:extLst>
+              <a:ext uri="{FF2B5EF4-FFF2-40B4-BE49-F238E27FC236}">
+                <a16:creationId xmlns:a16="http://schemas.microsoft.com/office/drawing/2014/main" id="{363A8432-8183-77A3-5F54-0182D6E74A66}"/>
+              </a:ext>
+            </a:extLst>
+          </p:cNvPr>
+          <p:cNvPicPr>
+            <a:picLocks noGrp="1" noChangeAspect="1"/>
+          </p:cNvPicPr>
+          <p:nvPr>
+            <p:ph sz="half" idx="2"/>
+          </p:nvPr>
+        </p:nvPicPr>
+        <p:blipFill>
+          <a:blip r:embed="rId2"/>
+          <a:stretch>
+            <a:fillRect/>
+          </a:stretch>
+        </p:blipFill>
+        <p:spPr>
+          <a:xfrm>
+            <a:off x="6188075" y="2518966"/>
+            <a:ext cx="5422900" cy="3050381"/>
+          </a:xfrm>
+        </p:spPr>
+      </p:pic>
+      <p:pic>
+        <p:nvPicPr>
+          <p:cNvPr id="5" name="Marcador de contenido 4" descr="Diagrama&#10;&#10;El contenido generado por IA puede ser incorrecto.">
+            <a:extLst>
+              <a:ext uri="{FF2B5EF4-FFF2-40B4-BE49-F238E27FC236}">
+                <a16:creationId xmlns:a16="http://schemas.microsoft.com/office/drawing/2014/main" id="{B74ADE4E-93BD-BBA7-BA74-0FC00156711B}"/>
+              </a:ext>
+            </a:extLst>
+          </p:cNvPr>
+          <p:cNvPicPr>
+            <a:picLocks noGrp="1" noChangeAspect="1"/>
+          </p:cNvPicPr>
+          <p:nvPr>
+            <p:ph sz="half" idx="1"/>
+          </p:nvPr>
+        </p:nvPicPr>
+        <p:blipFill>
+          <a:blip r:embed="rId3"/>
+          <a:stretch>
+            <a:fillRect/>
+          </a:stretch>
+        </p:blipFill>
+        <p:spPr>
+          <a:xfrm>
+            <a:off x="581025" y="2518966"/>
+            <a:ext cx="5422900" cy="3050381"/>
+          </a:xfrm>
+          <a:prstGeom prst="rect">
+            <a:avLst/>
+          </a:prstGeom>
+        </p:spPr>
+      </p:pic>
+    </p:spTree>
+    <p:extLst>
+      <p:ext uri="{BB962C8B-B14F-4D97-AF65-F5344CB8AC3E}">
+        <p14:creationId xmlns:p14="http://schemas.microsoft.com/office/powerpoint/2010/main" val="2926664268"/>
+      </p:ext>
+    </p:extLst>
+  </p:cSld>
+  <p:clrMapOvr>
+    <a:masterClrMapping/>
+  </p:clrMapOvr>
+</p:sld>
+</file>
+
+<file path=ppt/slides/slide7.xml><?xml version="1.0" encoding="utf-8"?>
+<p:sld xmlns:a="http://schemas.openxmlformats.org/drawingml/2006/main" xmlns:r="http://schemas.openxmlformats.org/officeDocument/2006/relationships" xmlns:p="http://schemas.openxmlformats.org/presentationml/2006/main">
+  <p:cSld>
+    <p:spTree>
+      <p:nvGrpSpPr>
+        <p:cNvPr id="1" name="">
+          <a:extLst>
+            <a:ext uri="{FF2B5EF4-FFF2-40B4-BE49-F238E27FC236}">
+              <a16:creationId xmlns:a16="http://schemas.microsoft.com/office/drawing/2014/main" id="{6AD13276-D651-31DB-39AC-D9CE767348AE}"/>
+            </a:ext>
+          </a:extLst>
+        </p:cNvPr>
+        <p:cNvGrpSpPr/>
+        <p:nvPr/>
+      </p:nvGrpSpPr>
+      <p:grpSpPr>
+        <a:xfrm>
+          <a:off x="0" y="0"/>
+          <a:ext cx="0" cy="0"/>
+          <a:chOff x="0" y="0"/>
+          <a:chExt cx="0" cy="0"/>
+        </a:xfrm>
+      </p:grpSpPr>
+      <p:sp>
+        <p:nvSpPr>
+          <p:cNvPr id="2" name="Título 1">
+            <a:extLst>
+              <a:ext uri="{FF2B5EF4-FFF2-40B4-BE49-F238E27FC236}">
+                <a16:creationId xmlns:a16="http://schemas.microsoft.com/office/drawing/2014/main" id="{E4E63F76-7E1A-BB2C-1632-9EF50B6C979C}"/>
+              </a:ext>
+            </a:extLst>
+          </p:cNvPr>
+          <p:cNvSpPr>
+            <a:spLocks noGrp="1"/>
+          </p:cNvSpPr>
+          <p:nvPr>
+            <p:ph type="title"/>
+          </p:nvPr>
+        </p:nvSpPr>
+        <p:spPr/>
+        <p:txBody>
+          <a:bodyPr/>
+          <a:lstStyle/>
+          <a:p>
+            <a:r>
+              <a:rPr lang="es-ES" dirty="0"/>
+              <a:t>implementación</a:t>
+            </a:r>
+          </a:p>
+        </p:txBody>
+      </p:sp>
+      <p:pic>
+        <p:nvPicPr>
+          <p:cNvPr id="10" name="Marcador de contenido 9" descr="Flecha&#10;&#10;El contenido generado por IA puede ser incorrecto.">
+            <a:extLst>
+              <a:ext uri="{FF2B5EF4-FFF2-40B4-BE49-F238E27FC236}">
+                <a16:creationId xmlns:a16="http://schemas.microsoft.com/office/drawing/2014/main" id="{2F188675-DD19-2E42-3D3C-49654877B9BE}"/>
+              </a:ext>
+            </a:extLst>
+          </p:cNvPr>
+          <p:cNvPicPr>
+            <a:picLocks noGrp="1" noChangeAspect="1"/>
+          </p:cNvPicPr>
+          <p:nvPr>
+            <p:ph sz="half" idx="1"/>
+          </p:nvPr>
+        </p:nvPicPr>
+        <p:blipFill>
+          <a:blip r:embed="rId2"/>
+          <a:stretch>
+            <a:fillRect/>
+          </a:stretch>
+        </p:blipFill>
+        <p:spPr>
+          <a:xfrm>
+            <a:off x="1921683" y="2128878"/>
+            <a:ext cx="3545807" cy="1994516"/>
+          </a:xfrm>
+        </p:spPr>
+      </p:pic>
+      <p:pic>
+        <p:nvPicPr>
+          <p:cNvPr id="12" name="Marcador de contenido 11" descr="Imagen que contiene Gráfico&#10;&#10;El contenido generado por IA puede ser incorrecto.">
+            <a:extLst>
+              <a:ext uri="{FF2B5EF4-FFF2-40B4-BE49-F238E27FC236}">
+                <a16:creationId xmlns:a16="http://schemas.microsoft.com/office/drawing/2014/main" id="{B906A027-E11C-3167-21A3-147F33772B51}"/>
+              </a:ext>
+            </a:extLst>
+          </p:cNvPr>
+          <p:cNvPicPr>
+            <a:picLocks noGrp="1" noChangeAspect="1"/>
+          </p:cNvPicPr>
+          <p:nvPr>
+            <p:ph sz="half" idx="2"/>
+          </p:nvPr>
+        </p:nvPicPr>
+        <p:blipFill>
+          <a:blip r:embed="rId3"/>
+          <a:stretch>
+            <a:fillRect/>
+          </a:stretch>
+        </p:blipFill>
+        <p:spPr>
+          <a:xfrm>
+            <a:off x="6724509" y="2128878"/>
+            <a:ext cx="3545808" cy="1994517"/>
+          </a:xfrm>
+        </p:spPr>
+      </p:pic>
+      <p:pic>
+        <p:nvPicPr>
+          <p:cNvPr id="15" name="Imagen 14" descr="Imagen que contiene tabla, teléfono&#10;&#10;El contenido generado por IA puede ser incorrecto.">
+            <a:extLst>
+              <a:ext uri="{FF2B5EF4-FFF2-40B4-BE49-F238E27FC236}">
+                <a16:creationId xmlns:a16="http://schemas.microsoft.com/office/drawing/2014/main" id="{E8A0FCCF-ED4F-434B-41DC-4E557A95CB90}"/>
               </a:ext>
             </a:extLst>
           </p:cNvPr>
@@ -6496,21 +10656,46 @@
           </p:cNvPicPr>
           <p:nvPr/>
         </p:nvPicPr>
-        <p:blipFill rotWithShape="1">
-          <a:blip r:embed="rId3" cstate="screen">
+        <p:blipFill>
+          <a:blip r:embed="rId4"/>
+          <a:stretch>
+            <a:fillRect/>
+          </a:stretch>
+        </p:blipFill>
+        <p:spPr>
+          <a:xfrm>
+            <a:off x="1921683" y="4534282"/>
+            <a:ext cx="3545805" cy="1994516"/>
+          </a:xfrm>
+          <a:prstGeom prst="rect">
+            <a:avLst/>
+          </a:prstGeom>
+        </p:spPr>
+      </p:pic>
+      <p:pic>
+        <p:nvPicPr>
+          <p:cNvPr id="17" name="Imagen 16" descr="Imagen que contiene computadora&#10;&#10;El contenido generado por IA puede ser incorrecto.">
             <a:extLst>
-              <a:ext uri="{28A0092B-C50C-407E-A947-70E740481C1C}">
-                <a14:useLocalDpi xmlns:a14="http://schemas.microsoft.com/office/drawing/2010/main"/>
+              <a:ext uri="{FF2B5EF4-FFF2-40B4-BE49-F238E27FC236}">
+                <a16:creationId xmlns:a16="http://schemas.microsoft.com/office/drawing/2014/main" id="{283209BE-81D2-5CF8-0A7C-39689412FEAC}"/>
               </a:ext>
             </a:extLst>
-          </a:blip>
-          <a:srcRect l="2189" r="9642" b="1"/>
-          <a:stretch/>
+          </p:cNvPr>
+          <p:cNvPicPr>
+            <a:picLocks noChangeAspect="1"/>
+          </p:cNvPicPr>
+          <p:nvPr/>
+        </p:nvPicPr>
+        <p:blipFill>
+          <a:blip r:embed="rId5"/>
+          <a:stretch>
+            <a:fillRect/>
+          </a:stretch>
         </p:blipFill>
         <p:spPr>
           <a:xfrm>
-            <a:off x="446534" y="723899"/>
-            <a:ext cx="7498616" cy="5676901"/>
+            <a:off x="6724510" y="4534281"/>
+            <a:ext cx="3545807" cy="1994517"/>
           </a:xfrm>
           <a:prstGeom prst="rect">
             <a:avLst/>
@@ -6520,7 +10705,842 @@
     </p:spTree>
     <p:extLst>
       <p:ext uri="{BB962C8B-B14F-4D97-AF65-F5344CB8AC3E}">
-        <p14:creationId xmlns:p14="http://schemas.microsoft.com/office/powerpoint/2010/main" val="3501347425"/>
+        <p14:creationId xmlns:p14="http://schemas.microsoft.com/office/powerpoint/2010/main" val="787033899"/>
+      </p:ext>
+    </p:extLst>
+  </p:cSld>
+  <p:clrMapOvr>
+    <a:masterClrMapping/>
+  </p:clrMapOvr>
+</p:sld>
+</file>
+
+<file path=ppt/slides/slide8.xml><?xml version="1.0" encoding="utf-8"?>
+<p:sld xmlns:a="http://schemas.openxmlformats.org/drawingml/2006/main" xmlns:r="http://schemas.openxmlformats.org/officeDocument/2006/relationships" xmlns:p="http://schemas.openxmlformats.org/presentationml/2006/main">
+  <p:cSld>
+    <p:spTree>
+      <p:nvGrpSpPr>
+        <p:cNvPr id="1" name=""/>
+        <p:cNvGrpSpPr/>
+        <p:nvPr/>
+      </p:nvGrpSpPr>
+      <p:grpSpPr>
+        <a:xfrm>
+          <a:off x="0" y="0"/>
+          <a:ext cx="0" cy="0"/>
+          <a:chOff x="0" y="0"/>
+          <a:chExt cx="0" cy="0"/>
+        </a:xfrm>
+      </p:grpSpPr>
+      <p:sp>
+        <p:nvSpPr>
+          <p:cNvPr id="2" name="Título 1">
+            <a:extLst>
+              <a:ext uri="{FF2B5EF4-FFF2-40B4-BE49-F238E27FC236}">
+                <a16:creationId xmlns:a16="http://schemas.microsoft.com/office/drawing/2014/main" id="{19E835AF-BF43-22A2-B6ED-4C2D80FF8DCD}"/>
+              </a:ext>
+            </a:extLst>
+          </p:cNvPr>
+          <p:cNvSpPr>
+            <a:spLocks noGrp="1"/>
+          </p:cNvSpPr>
+          <p:nvPr>
+            <p:ph type="title"/>
+          </p:nvPr>
+        </p:nvSpPr>
+        <p:spPr/>
+        <p:txBody>
+          <a:bodyPr/>
+          <a:lstStyle/>
+          <a:p>
+            <a:r>
+              <a:rPr lang="es-ES" dirty="0"/>
+              <a:t>Desarrollo del proyecto</a:t>
+            </a:r>
+          </a:p>
+        </p:txBody>
+      </p:sp>
+      <p:graphicFrame>
+        <p:nvGraphicFramePr>
+          <p:cNvPr id="6" name="Marcador de contenido 5">
+            <a:extLst>
+              <a:ext uri="{FF2B5EF4-FFF2-40B4-BE49-F238E27FC236}">
+                <a16:creationId xmlns:a16="http://schemas.microsoft.com/office/drawing/2014/main" id="{6D475090-73A0-F59A-CCE1-CCD9E831D5D0}"/>
+              </a:ext>
+            </a:extLst>
+          </p:cNvPr>
+          <p:cNvGraphicFramePr>
+            <a:graphicFrameLocks noGrp="1"/>
+          </p:cNvGraphicFramePr>
+          <p:nvPr>
+            <p:ph idx="1"/>
+            <p:extLst>
+              <p:ext uri="{D42A27DB-BD31-4B8C-83A1-F6EECF244321}">
+                <p14:modId xmlns:p14="http://schemas.microsoft.com/office/powerpoint/2010/main" val="3261886965"/>
+              </p:ext>
+            </p:extLst>
+          </p:nvPr>
+        </p:nvGraphicFramePr>
+        <p:xfrm>
+          <a:off x="581192" y="2469983"/>
+          <a:ext cx="11018000" cy="2966720"/>
+        </p:xfrm>
+        <a:graphic>
+          <a:graphicData uri="http://schemas.openxmlformats.org/drawingml/2006/table">
+            <a:tbl>
+              <a:tblPr firstRow="1" bandRow="1">
+                <a:tableStyleId>{5C22544A-7EE6-4342-B048-85BDC9FD1C3A}</a:tableStyleId>
+              </a:tblPr>
+              <a:tblGrid>
+                <a:gridCol w="3664700">
+                  <a:extLst>
+                    <a:ext uri="{9D8B030D-6E8A-4147-A177-3AD203B41FA5}">
+                      <a16:colId xmlns:a16="http://schemas.microsoft.com/office/drawing/2014/main" val="1237714882"/>
+                    </a:ext>
+                  </a:extLst>
+                </a:gridCol>
+                <a:gridCol w="3676650">
+                  <a:extLst>
+                    <a:ext uri="{9D8B030D-6E8A-4147-A177-3AD203B41FA5}">
+                      <a16:colId xmlns:a16="http://schemas.microsoft.com/office/drawing/2014/main" val="2152919591"/>
+                    </a:ext>
+                  </a:extLst>
+                </a:gridCol>
+                <a:gridCol w="3676650">
+                  <a:extLst>
+                    <a:ext uri="{9D8B030D-6E8A-4147-A177-3AD203B41FA5}">
+                      <a16:colId xmlns:a16="http://schemas.microsoft.com/office/drawing/2014/main" val="3690353977"/>
+                    </a:ext>
+                  </a:extLst>
+                </a:gridCol>
+              </a:tblGrid>
+              <a:tr h="370840">
+                <a:tc>
+                  <a:txBody>
+                    <a:bodyPr/>
+                    <a:lstStyle/>
+                    <a:p>
+                      <a:pPr algn="ctr"/>
+                      <a:r>
+                        <a:rPr lang="es-ES" dirty="0" err="1"/>
+                        <a:t>Sprints</a:t>
+                      </a:r>
+                      <a:endParaRPr lang="es-ES" dirty="0"/>
+                    </a:p>
+                  </a:txBody>
+                  <a:tcPr/>
+                </a:tc>
+                <a:tc>
+                  <a:txBody>
+                    <a:bodyPr/>
+                    <a:lstStyle/>
+                    <a:p>
+                      <a:pPr algn="ctr"/>
+                      <a:r>
+                        <a:rPr lang="es-ES" dirty="0"/>
+                        <a:t>Duración </a:t>
+                      </a:r>
+                    </a:p>
+                  </a:txBody>
+                  <a:tcPr/>
+                </a:tc>
+                <a:tc>
+                  <a:txBody>
+                    <a:bodyPr/>
+                    <a:lstStyle/>
+                    <a:p>
+                      <a:pPr algn="ctr"/>
+                      <a:r>
+                        <a:rPr lang="es-ES" dirty="0"/>
+                        <a:t>Esfuerzo </a:t>
+                      </a:r>
+                    </a:p>
+                  </a:txBody>
+                  <a:tcPr/>
+                </a:tc>
+                <a:extLst>
+                  <a:ext uri="{0D108BD9-81ED-4DB2-BD59-A6C34878D82A}">
+                    <a16:rowId xmlns:a16="http://schemas.microsoft.com/office/drawing/2014/main" val="1231240131"/>
+                  </a:ext>
+                </a:extLst>
+              </a:tr>
+              <a:tr h="370840">
+                <a:tc>
+                  <a:txBody>
+                    <a:bodyPr/>
+                    <a:lstStyle/>
+                    <a:p>
+                      <a:r>
+                        <a:rPr lang="es-ES" dirty="0"/>
+                        <a:t>Sprint 0</a:t>
+                      </a:r>
+                    </a:p>
+                  </a:txBody>
+                  <a:tcPr/>
+                </a:tc>
+                <a:tc>
+                  <a:txBody>
+                    <a:bodyPr/>
+                    <a:lstStyle/>
+                    <a:p>
+                      <a:r>
+                        <a:rPr lang="es-ES" dirty="0"/>
+                        <a:t>2 semanas</a:t>
+                      </a:r>
+                    </a:p>
+                  </a:txBody>
+                  <a:tcPr/>
+                </a:tc>
+                <a:tc>
+                  <a:txBody>
+                    <a:bodyPr/>
+                    <a:lstStyle/>
+                    <a:p>
+                      <a:r>
+                        <a:rPr lang="es-ES" dirty="0"/>
+                        <a:t>18 horas</a:t>
+                      </a:r>
+                    </a:p>
+                  </a:txBody>
+                  <a:tcPr/>
+                </a:tc>
+                <a:extLst>
+                  <a:ext uri="{0D108BD9-81ED-4DB2-BD59-A6C34878D82A}">
+                    <a16:rowId xmlns:a16="http://schemas.microsoft.com/office/drawing/2014/main" val="1652713779"/>
+                  </a:ext>
+                </a:extLst>
+              </a:tr>
+              <a:tr h="370840">
+                <a:tc>
+                  <a:txBody>
+                    <a:bodyPr/>
+                    <a:lstStyle/>
+                    <a:p>
+                      <a:r>
+                        <a:rPr lang="es-ES" dirty="0"/>
+                        <a:t>Sprint 1</a:t>
+                      </a:r>
+                    </a:p>
+                  </a:txBody>
+                  <a:tcPr/>
+                </a:tc>
+                <a:tc>
+                  <a:txBody>
+                    <a:bodyPr/>
+                    <a:lstStyle/>
+                    <a:p>
+                      <a:r>
+                        <a:rPr lang="es-ES" dirty="0"/>
+                        <a:t>2 meses</a:t>
+                      </a:r>
+                    </a:p>
+                  </a:txBody>
+                  <a:tcPr/>
+                </a:tc>
+                <a:tc>
+                  <a:txBody>
+                    <a:bodyPr/>
+                    <a:lstStyle/>
+                    <a:p>
+                      <a:r>
+                        <a:rPr lang="es-ES" dirty="0"/>
+                        <a:t>80 horas</a:t>
+                      </a:r>
+                    </a:p>
+                  </a:txBody>
+                  <a:tcPr/>
+                </a:tc>
+                <a:extLst>
+                  <a:ext uri="{0D108BD9-81ED-4DB2-BD59-A6C34878D82A}">
+                    <a16:rowId xmlns:a16="http://schemas.microsoft.com/office/drawing/2014/main" val="3925492534"/>
+                  </a:ext>
+                </a:extLst>
+              </a:tr>
+              <a:tr h="370840">
+                <a:tc>
+                  <a:txBody>
+                    <a:bodyPr/>
+                    <a:lstStyle/>
+                    <a:p>
+                      <a:r>
+                        <a:rPr lang="es-ES" dirty="0"/>
+                        <a:t>Sprint 2</a:t>
+                      </a:r>
+                    </a:p>
+                  </a:txBody>
+                  <a:tcPr/>
+                </a:tc>
+                <a:tc>
+                  <a:txBody>
+                    <a:bodyPr/>
+                    <a:lstStyle/>
+                    <a:p>
+                      <a:r>
+                        <a:rPr lang="es-ES" dirty="0"/>
+                        <a:t>2 semanas</a:t>
+                      </a:r>
+                    </a:p>
+                  </a:txBody>
+                  <a:tcPr/>
+                </a:tc>
+                <a:tc>
+                  <a:txBody>
+                    <a:bodyPr/>
+                    <a:lstStyle/>
+                    <a:p>
+                      <a:r>
+                        <a:rPr lang="es-ES" dirty="0"/>
+                        <a:t>15 horas</a:t>
+                      </a:r>
+                    </a:p>
+                  </a:txBody>
+                  <a:tcPr/>
+                </a:tc>
+                <a:extLst>
+                  <a:ext uri="{0D108BD9-81ED-4DB2-BD59-A6C34878D82A}">
+                    <a16:rowId xmlns:a16="http://schemas.microsoft.com/office/drawing/2014/main" val="2242572653"/>
+                  </a:ext>
+                </a:extLst>
+              </a:tr>
+              <a:tr h="370840">
+                <a:tc>
+                  <a:txBody>
+                    <a:bodyPr/>
+                    <a:lstStyle/>
+                    <a:p>
+                      <a:pPr marL="0" marR="0" lvl="0" indent="0" algn="l" defTabSz="457200" rtl="0" eaLnBrk="1" fontAlgn="auto" latinLnBrk="0" hangingPunct="1">
+                        <a:lnSpc>
+                          <a:spcPct val="100000"/>
+                        </a:lnSpc>
+                        <a:spcBef>
+                          <a:spcPts val="0"/>
+                        </a:spcBef>
+                        <a:spcAft>
+                          <a:spcPts val="0"/>
+                        </a:spcAft>
+                        <a:buClrTx/>
+                        <a:buSzTx/>
+                        <a:buFontTx/>
+                        <a:buNone/>
+                        <a:tabLst/>
+                        <a:defRPr/>
+                      </a:pPr>
+                      <a:r>
+                        <a:rPr lang="es-ES" dirty="0"/>
+                        <a:t>Sprint 3</a:t>
+                      </a:r>
+                    </a:p>
+                  </a:txBody>
+                  <a:tcPr/>
+                </a:tc>
+                <a:tc>
+                  <a:txBody>
+                    <a:bodyPr/>
+                    <a:lstStyle/>
+                    <a:p>
+                      <a:r>
+                        <a:rPr lang="es-ES" dirty="0"/>
+                        <a:t>2 semanas</a:t>
+                      </a:r>
+                    </a:p>
+                  </a:txBody>
+                  <a:tcPr/>
+                </a:tc>
+                <a:tc>
+                  <a:txBody>
+                    <a:bodyPr/>
+                    <a:lstStyle/>
+                    <a:p>
+                      <a:r>
+                        <a:rPr lang="es-ES" dirty="0"/>
+                        <a:t>20 horas</a:t>
+                      </a:r>
+                    </a:p>
+                  </a:txBody>
+                  <a:tcPr/>
+                </a:tc>
+                <a:extLst>
+                  <a:ext uri="{0D108BD9-81ED-4DB2-BD59-A6C34878D82A}">
+                    <a16:rowId xmlns:a16="http://schemas.microsoft.com/office/drawing/2014/main" val="1998520040"/>
+                  </a:ext>
+                </a:extLst>
+              </a:tr>
+              <a:tr h="370840">
+                <a:tc>
+                  <a:txBody>
+                    <a:bodyPr/>
+                    <a:lstStyle/>
+                    <a:p>
+                      <a:pPr marL="0" marR="0" lvl="0" indent="0" algn="l" defTabSz="457200" rtl="0" eaLnBrk="1" fontAlgn="auto" latinLnBrk="0" hangingPunct="1">
+                        <a:lnSpc>
+                          <a:spcPct val="100000"/>
+                        </a:lnSpc>
+                        <a:spcBef>
+                          <a:spcPts val="0"/>
+                        </a:spcBef>
+                        <a:spcAft>
+                          <a:spcPts val="0"/>
+                        </a:spcAft>
+                        <a:buClrTx/>
+                        <a:buSzTx/>
+                        <a:buFontTx/>
+                        <a:buNone/>
+                        <a:tabLst/>
+                        <a:defRPr/>
+                      </a:pPr>
+                      <a:r>
+                        <a:rPr lang="es-ES" dirty="0"/>
+                        <a:t>Sprint 4</a:t>
+                      </a:r>
+                    </a:p>
+                  </a:txBody>
+                  <a:tcPr/>
+                </a:tc>
+                <a:tc>
+                  <a:txBody>
+                    <a:bodyPr/>
+                    <a:lstStyle/>
+                    <a:p>
+                      <a:r>
+                        <a:rPr lang="es-ES" dirty="0"/>
+                        <a:t>1 semana</a:t>
+                      </a:r>
+                    </a:p>
+                  </a:txBody>
+                  <a:tcPr/>
+                </a:tc>
+                <a:tc>
+                  <a:txBody>
+                    <a:bodyPr/>
+                    <a:lstStyle/>
+                    <a:p>
+                      <a:r>
+                        <a:rPr lang="es-ES" dirty="0"/>
+                        <a:t>12 horas</a:t>
+                      </a:r>
+                    </a:p>
+                  </a:txBody>
+                  <a:tcPr/>
+                </a:tc>
+                <a:extLst>
+                  <a:ext uri="{0D108BD9-81ED-4DB2-BD59-A6C34878D82A}">
+                    <a16:rowId xmlns:a16="http://schemas.microsoft.com/office/drawing/2014/main" val="4195270764"/>
+                  </a:ext>
+                </a:extLst>
+              </a:tr>
+              <a:tr h="370840">
+                <a:tc>
+                  <a:txBody>
+                    <a:bodyPr/>
+                    <a:lstStyle/>
+                    <a:p>
+                      <a:pPr marL="0" marR="0" lvl="0" indent="0" algn="l" defTabSz="457200" rtl="0" eaLnBrk="1" fontAlgn="auto" latinLnBrk="0" hangingPunct="1">
+                        <a:lnSpc>
+                          <a:spcPct val="100000"/>
+                        </a:lnSpc>
+                        <a:spcBef>
+                          <a:spcPts val="0"/>
+                        </a:spcBef>
+                        <a:spcAft>
+                          <a:spcPts val="0"/>
+                        </a:spcAft>
+                        <a:buClrTx/>
+                        <a:buSzTx/>
+                        <a:buFontTx/>
+                        <a:buNone/>
+                        <a:tabLst/>
+                        <a:defRPr/>
+                      </a:pPr>
+                      <a:r>
+                        <a:rPr lang="es-ES" dirty="0"/>
+                        <a:t>Sprint 5</a:t>
+                      </a:r>
+                    </a:p>
+                  </a:txBody>
+                  <a:tcPr/>
+                </a:tc>
+                <a:tc>
+                  <a:txBody>
+                    <a:bodyPr/>
+                    <a:lstStyle/>
+                    <a:p>
+                      <a:r>
+                        <a:rPr lang="es-ES" dirty="0"/>
+                        <a:t>2 semanas</a:t>
+                      </a:r>
+                    </a:p>
+                  </a:txBody>
+                  <a:tcPr/>
+                </a:tc>
+                <a:tc>
+                  <a:txBody>
+                    <a:bodyPr/>
+                    <a:lstStyle/>
+                    <a:p>
+                      <a:r>
+                        <a:rPr lang="es-ES" dirty="0"/>
+                        <a:t>22 horas</a:t>
+                      </a:r>
+                    </a:p>
+                  </a:txBody>
+                  <a:tcPr/>
+                </a:tc>
+                <a:extLst>
+                  <a:ext uri="{0D108BD9-81ED-4DB2-BD59-A6C34878D82A}">
+                    <a16:rowId xmlns:a16="http://schemas.microsoft.com/office/drawing/2014/main" val="4179743263"/>
+                  </a:ext>
+                </a:extLst>
+              </a:tr>
+              <a:tr h="370840">
+                <a:tc>
+                  <a:txBody>
+                    <a:bodyPr/>
+                    <a:lstStyle/>
+                    <a:p>
+                      <a:pPr marL="0" marR="0" lvl="0" indent="0" algn="l" defTabSz="457200" rtl="0" eaLnBrk="1" fontAlgn="auto" latinLnBrk="0" hangingPunct="1">
+                        <a:lnSpc>
+                          <a:spcPct val="100000"/>
+                        </a:lnSpc>
+                        <a:spcBef>
+                          <a:spcPts val="0"/>
+                        </a:spcBef>
+                        <a:spcAft>
+                          <a:spcPts val="0"/>
+                        </a:spcAft>
+                        <a:buClrTx/>
+                        <a:buSzTx/>
+                        <a:buFontTx/>
+                        <a:buNone/>
+                        <a:tabLst/>
+                        <a:defRPr/>
+                      </a:pPr>
+                      <a:r>
+                        <a:rPr lang="es-ES" dirty="0"/>
+                        <a:t>Sprint 6</a:t>
+                      </a:r>
+                    </a:p>
+                  </a:txBody>
+                  <a:tcPr/>
+                </a:tc>
+                <a:tc>
+                  <a:txBody>
+                    <a:bodyPr/>
+                    <a:lstStyle/>
+                    <a:p>
+                      <a:r>
+                        <a:rPr lang="es-ES" dirty="0"/>
+                        <a:t>1 mes</a:t>
+                      </a:r>
+                    </a:p>
+                  </a:txBody>
+                  <a:tcPr/>
+                </a:tc>
+                <a:tc>
+                  <a:txBody>
+                    <a:bodyPr/>
+                    <a:lstStyle/>
+                    <a:p>
+                      <a:r>
+                        <a:rPr lang="es-ES" dirty="0"/>
+                        <a:t>44 horas</a:t>
+                      </a:r>
+                    </a:p>
+                  </a:txBody>
+                  <a:tcPr/>
+                </a:tc>
+                <a:extLst>
+                  <a:ext uri="{0D108BD9-81ED-4DB2-BD59-A6C34878D82A}">
+                    <a16:rowId xmlns:a16="http://schemas.microsoft.com/office/drawing/2014/main" val="1001260874"/>
+                  </a:ext>
+                </a:extLst>
+              </a:tr>
+            </a:tbl>
+          </a:graphicData>
+        </a:graphic>
+      </p:graphicFrame>
+    </p:spTree>
+    <p:extLst>
+      <p:ext uri="{BB962C8B-B14F-4D97-AF65-F5344CB8AC3E}">
+        <p14:creationId xmlns:p14="http://schemas.microsoft.com/office/powerpoint/2010/main" val="2435485248"/>
+      </p:ext>
+    </p:extLst>
+  </p:cSld>
+  <p:clrMapOvr>
+    <a:masterClrMapping/>
+  </p:clrMapOvr>
+</p:sld>
+</file>
+
+<file path=ppt/slides/slide9.xml><?xml version="1.0" encoding="utf-8"?>
+<p:sld xmlns:a="http://schemas.openxmlformats.org/drawingml/2006/main" xmlns:r="http://schemas.openxmlformats.org/officeDocument/2006/relationships" xmlns:p="http://schemas.openxmlformats.org/presentationml/2006/main">
+  <p:cSld>
+    <p:spTree>
+      <p:nvGrpSpPr>
+        <p:cNvPr id="1" name=""/>
+        <p:cNvGrpSpPr/>
+        <p:nvPr/>
+      </p:nvGrpSpPr>
+      <p:grpSpPr>
+        <a:xfrm>
+          <a:off x="0" y="0"/>
+          <a:ext cx="0" cy="0"/>
+          <a:chOff x="0" y="0"/>
+          <a:chExt cx="0" cy="0"/>
+        </a:xfrm>
+      </p:grpSpPr>
+      <p:sp>
+        <p:nvSpPr>
+          <p:cNvPr id="2" name="Título 1">
+            <a:extLst>
+              <a:ext uri="{FF2B5EF4-FFF2-40B4-BE49-F238E27FC236}">
+                <a16:creationId xmlns:a16="http://schemas.microsoft.com/office/drawing/2014/main" id="{CFB5BFCC-2107-0DFB-A068-2BBD102A902A}"/>
+              </a:ext>
+            </a:extLst>
+          </p:cNvPr>
+          <p:cNvSpPr>
+            <a:spLocks noGrp="1"/>
+          </p:cNvSpPr>
+          <p:nvPr>
+            <p:ph type="title"/>
+          </p:nvPr>
+        </p:nvSpPr>
+        <p:spPr>
+          <a:xfrm>
+            <a:off x="581193" y="729658"/>
+            <a:ext cx="11029616" cy="988332"/>
+          </a:xfrm>
+        </p:spPr>
+        <p:txBody>
+          <a:bodyPr anchor="b">
+            <a:normAutofit/>
+          </a:bodyPr>
+          <a:lstStyle/>
+          <a:p>
+            <a:r>
+              <a:rPr lang="es-ES" dirty="0"/>
+              <a:t>Experimentos</a:t>
+            </a:r>
+          </a:p>
+        </p:txBody>
+      </p:sp>
+      <p:sp>
+        <p:nvSpPr>
+          <p:cNvPr id="15" name="Text Placeholder 2">
+            <a:extLst>
+              <a:ext uri="{FF2B5EF4-FFF2-40B4-BE49-F238E27FC236}">
+                <a16:creationId xmlns:a16="http://schemas.microsoft.com/office/drawing/2014/main" id="{6B8E4937-A71A-F6D8-48A1-84038C893128}"/>
+              </a:ext>
+            </a:extLst>
+          </p:cNvPr>
+          <p:cNvSpPr>
+            <a:spLocks noGrp="1"/>
+          </p:cNvSpPr>
+          <p:nvPr>
+            <p:ph type="body" idx="1"/>
+          </p:nvPr>
+        </p:nvSpPr>
+        <p:spPr>
+          <a:xfrm>
+            <a:off x="887219" y="2250892"/>
+            <a:ext cx="5087075" cy="536005"/>
+          </a:xfrm>
+        </p:spPr>
+        <p:txBody>
+          <a:bodyPr/>
+          <a:lstStyle/>
+          <a:p>
+            <a:r>
+              <a:rPr lang="en-US" dirty="0" err="1"/>
+              <a:t>Condiciones</a:t>
+            </a:r>
+            <a:endParaRPr lang="en-US" dirty="0"/>
+          </a:p>
+        </p:txBody>
+      </p:sp>
+      <p:sp>
+        <p:nvSpPr>
+          <p:cNvPr id="17" name="Content Placeholder 3">
+            <a:extLst>
+              <a:ext uri="{FF2B5EF4-FFF2-40B4-BE49-F238E27FC236}">
+                <a16:creationId xmlns:a16="http://schemas.microsoft.com/office/drawing/2014/main" id="{D0846E20-7171-924A-3312-27610FC73870}"/>
+              </a:ext>
+            </a:extLst>
+          </p:cNvPr>
+          <p:cNvSpPr>
+            <a:spLocks noGrp="1"/>
+          </p:cNvSpPr>
+          <p:nvPr>
+            <p:ph sz="half" idx="2"/>
+          </p:nvPr>
+        </p:nvSpPr>
+        <p:spPr>
+          <a:xfrm>
+            <a:off x="581194" y="2926052"/>
+            <a:ext cx="5393100" cy="2934999"/>
+          </a:xfrm>
+        </p:spPr>
+        <p:txBody>
+          <a:bodyPr/>
+          <a:lstStyle/>
+          <a:p>
+            <a:r>
+              <a:rPr lang="en-US" dirty="0"/>
+              <a:t>Quest 3</a:t>
+            </a:r>
+          </a:p>
+          <a:p>
+            <a:r>
+              <a:rPr lang="en-US" dirty="0"/>
+              <a:t>Espacio </a:t>
+            </a:r>
+            <a:r>
+              <a:rPr lang="en-US" dirty="0" err="1"/>
+              <a:t>amplio</a:t>
+            </a:r>
+            <a:endParaRPr lang="en-US" dirty="0"/>
+          </a:p>
+          <a:p>
+            <a:r>
+              <a:rPr lang="en-US" dirty="0" err="1"/>
+              <a:t>Introducidos</a:t>
+            </a:r>
+            <a:r>
+              <a:rPr lang="en-US" dirty="0"/>
+              <a:t> </a:t>
+            </a:r>
+            <a:r>
+              <a:rPr lang="en-US" dirty="0" err="1"/>
+              <a:t>directa</a:t>
+            </a:r>
+            <a:r>
+              <a:rPr lang="en-US" dirty="0"/>
+              <a:t> a la </a:t>
+            </a:r>
+            <a:r>
+              <a:rPr lang="en-US" dirty="0" err="1"/>
+              <a:t>escena</a:t>
+            </a:r>
+            <a:endParaRPr lang="en-US" dirty="0"/>
+          </a:p>
+          <a:p>
+            <a:r>
+              <a:rPr lang="en-US" dirty="0" err="1"/>
+              <a:t>Instrucciones</a:t>
+            </a:r>
+            <a:endParaRPr lang="en-US" dirty="0"/>
+          </a:p>
+          <a:p>
+            <a:pPr lvl="1"/>
+            <a:r>
+              <a:rPr lang="en-US" dirty="0"/>
+              <a:t>Manos</a:t>
+            </a:r>
+          </a:p>
+          <a:p>
+            <a:pPr lvl="1"/>
+            <a:r>
+              <a:rPr lang="en-US" dirty="0" err="1"/>
+              <a:t>Gestos</a:t>
+            </a:r>
+            <a:endParaRPr lang="en-US" dirty="0"/>
+          </a:p>
+          <a:p>
+            <a:pPr lvl="1"/>
+            <a:r>
+              <a:rPr lang="en-US" dirty="0" err="1"/>
+              <a:t>Alrededores</a:t>
+            </a:r>
+            <a:endParaRPr lang="en-US" dirty="0"/>
+          </a:p>
+        </p:txBody>
+      </p:sp>
+      <p:sp>
+        <p:nvSpPr>
+          <p:cNvPr id="19" name="Text Placeholder 4">
+            <a:extLst>
+              <a:ext uri="{FF2B5EF4-FFF2-40B4-BE49-F238E27FC236}">
+                <a16:creationId xmlns:a16="http://schemas.microsoft.com/office/drawing/2014/main" id="{4316A3DF-C36E-8EA9-2D3B-6723E8F0840F}"/>
+              </a:ext>
+            </a:extLst>
+          </p:cNvPr>
+          <p:cNvSpPr>
+            <a:spLocks noGrp="1"/>
+          </p:cNvSpPr>
+          <p:nvPr>
+            <p:ph type="body" sz="quarter" idx="3"/>
+          </p:nvPr>
+        </p:nvSpPr>
+        <p:spPr>
+          <a:xfrm>
+            <a:off x="6523735" y="2250892"/>
+            <a:ext cx="5087073" cy="553373"/>
+          </a:xfrm>
+        </p:spPr>
+        <p:txBody>
+          <a:bodyPr/>
+          <a:lstStyle/>
+          <a:p>
+            <a:r>
+              <a:rPr lang="en-US" dirty="0"/>
+              <a:t>Feedback</a:t>
+            </a:r>
+          </a:p>
+        </p:txBody>
+      </p:sp>
+      <p:sp>
+        <p:nvSpPr>
+          <p:cNvPr id="21" name="Content Placeholder 5">
+            <a:extLst>
+              <a:ext uri="{FF2B5EF4-FFF2-40B4-BE49-F238E27FC236}">
+                <a16:creationId xmlns:a16="http://schemas.microsoft.com/office/drawing/2014/main" id="{EF6F9626-C8AD-34B6-CAAE-F187DF00F1A3}"/>
+              </a:ext>
+            </a:extLst>
+          </p:cNvPr>
+          <p:cNvSpPr>
+            <a:spLocks noGrp="1"/>
+          </p:cNvSpPr>
+          <p:nvPr>
+            <p:ph sz="quarter" idx="4"/>
+          </p:nvPr>
+        </p:nvSpPr>
+        <p:spPr>
+          <a:xfrm>
+            <a:off x="6217709" y="2926052"/>
+            <a:ext cx="5393100" cy="2934999"/>
+          </a:xfrm>
+        </p:spPr>
+        <p:txBody>
+          <a:bodyPr/>
+          <a:lstStyle/>
+          <a:p>
+            <a:r>
+              <a:rPr lang="en-US" dirty="0"/>
+              <a:t>Manos</a:t>
+            </a:r>
+          </a:p>
+          <a:p>
+            <a:r>
+              <a:rPr lang="en-US" dirty="0" err="1"/>
+              <a:t>Gestos</a:t>
+            </a:r>
+            <a:endParaRPr lang="en-US" dirty="0"/>
+          </a:p>
+          <a:p>
+            <a:r>
+              <a:rPr lang="en-US" dirty="0" err="1"/>
+              <a:t>Interacciones</a:t>
+            </a:r>
+            <a:endParaRPr lang="en-US" dirty="0"/>
+          </a:p>
+          <a:p>
+            <a:endParaRPr lang="en-US" dirty="0"/>
+          </a:p>
+        </p:txBody>
+      </p:sp>
+    </p:spTree>
+    <p:extLst>
+      <p:ext uri="{BB962C8B-B14F-4D97-AF65-F5344CB8AC3E}">
+        <p14:creationId xmlns:p14="http://schemas.microsoft.com/office/powerpoint/2010/main" val="2504055335"/>
       </p:ext>
     </p:extLst>
   </p:cSld>

--- a/presentacion/presentacion.pptx
+++ b/presentacion/presentacion.pptx
@@ -158,7 +158,7 @@
           <p:cNvPr id="2" name="Marcador de encabezado 1">
             <a:extLst>
               <a:ext uri="{FF2B5EF4-FFF2-40B4-BE49-F238E27FC236}">
-                <a16:creationId xmlns:a16="http://schemas.microsoft.com/office/drawing/2014/main" id="{FF81CEA5-62FD-4C83-BDE3-91DFB9827D8F}"/>
+                <a16:creationId xmlns:a16="http://schemas.microsoft.com/office/drawing/2014/main" xmlns="" id="{FF81CEA5-62FD-4C83-BDE3-91DFB9827D8F}"/>
               </a:ext>
             </a:extLst>
           </p:cNvPr>
@@ -196,7 +196,7 @@
           <p:cNvPr id="3" name="Marcador de fecha 2">
             <a:extLst>
               <a:ext uri="{FF2B5EF4-FFF2-40B4-BE49-F238E27FC236}">
-                <a16:creationId xmlns:a16="http://schemas.microsoft.com/office/drawing/2014/main" id="{3FA1CBFD-6AD0-48C4-B91B-58830F6F4C3E}"/>
+                <a16:creationId xmlns:a16="http://schemas.microsoft.com/office/drawing/2014/main" xmlns="" id="{3FA1CBFD-6AD0-48C4-B91B-58830F6F4C3E}"/>
               </a:ext>
             </a:extLst>
           </p:cNvPr>
@@ -227,7 +227,7 @@
             <a:pPr rtl="0"/>
             <a:fld id="{C62B80FE-187A-4085-BD71-F0873FF7BD68}" type="datetime1">
               <a:rPr lang="es-ES" smtClean="0"/>
-              <a:t>10/06/2025</a:t>
+              <a:t>11/06/2025</a:t>
             </a:fld>
             <a:endParaRPr lang="es-ES"/>
           </a:p>
@@ -238,7 +238,7 @@
           <p:cNvPr id="4" name="Marcador de pie de página 3">
             <a:extLst>
               <a:ext uri="{FF2B5EF4-FFF2-40B4-BE49-F238E27FC236}">
-                <a16:creationId xmlns:a16="http://schemas.microsoft.com/office/drawing/2014/main" id="{A9E55D22-46A3-4B8C-AD40-252FE7896C36}"/>
+                <a16:creationId xmlns:a16="http://schemas.microsoft.com/office/drawing/2014/main" xmlns="" id="{A9E55D22-46A3-4B8C-AD40-252FE7896C36}"/>
               </a:ext>
             </a:extLst>
           </p:cNvPr>
@@ -276,7 +276,7 @@
           <p:cNvPr id="5" name="Marcador de número de diapositiva 4">
             <a:extLst>
               <a:ext uri="{FF2B5EF4-FFF2-40B4-BE49-F238E27FC236}">
-                <a16:creationId xmlns:a16="http://schemas.microsoft.com/office/drawing/2014/main" id="{8E70DCEF-9071-4B17-801B-37B4465C8E15}"/>
+                <a16:creationId xmlns:a16="http://schemas.microsoft.com/office/drawing/2014/main" xmlns="" id="{8E70DCEF-9071-4B17-801B-37B4465C8E15}"/>
               </a:ext>
             </a:extLst>
           </p:cNvPr>
@@ -409,7 +409,7 @@
             <a:pPr rtl="0"/>
             <a:fld id="{6D59A2BD-4571-4110-BB3E-5D004DE434FA}" type="datetime1">
               <a:rPr lang="es-ES" noProof="0" smtClean="0"/>
-              <a:t>10/06/2025</a:t>
+              <a:t>11/06/2025</a:t>
             </a:fld>
             <a:endParaRPr lang="es-ES" noProof="0"/>
           </a:p>
@@ -1183,7 +1183,7 @@
             <a:pPr rtl="0"/>
             <a:fld id="{F409C0D2-15DE-4FAC-845B-C48979FFAEB9}" type="datetime1">
               <a:rPr lang="es-ES" noProof="0" smtClean="0"/>
-              <a:t>10/06/2025</a:t>
+              <a:t>11/06/2025</a:t>
             </a:fld>
             <a:endParaRPr lang="es-ES" noProof="0"/>
           </a:p>
@@ -1448,7 +1448,7 @@
             <a:pPr rtl="0"/>
             <a:fld id="{8CF9F163-DD03-4353-882E-CE0F9A80F1C3}" type="datetime1">
               <a:rPr lang="es-ES" noProof="0" smtClean="0"/>
-              <a:t>10/06/2025</a:t>
+              <a:t>11/06/2025</a:t>
             </a:fld>
             <a:endParaRPr lang="es-ES" noProof="0"/>
           </a:p>
@@ -1686,7 +1686,7 @@
             <a:pPr rtl="0"/>
             <a:fld id="{8D2FF54C-EA2F-453C-857C-5C9ADB86CB43}" type="datetime1">
               <a:rPr lang="es-ES" noProof="0" smtClean="0"/>
-              <a:t>10/06/2025</a:t>
+              <a:t>11/06/2025</a:t>
             </a:fld>
             <a:endParaRPr lang="es-ES" noProof="0"/>
           </a:p>
@@ -1929,7 +1929,7 @@
             <a:pPr rtl="0"/>
             <a:fld id="{57670FF6-52DC-429F-9C56-6A1BF295232E}" type="datetime1">
               <a:rPr lang="es-ES" noProof="0" smtClean="0"/>
-              <a:t>10/06/2025</a:t>
+              <a:t>11/06/2025</a:t>
             </a:fld>
             <a:endParaRPr lang="es-ES" noProof="0"/>
           </a:p>
@@ -2240,7 +2240,7 @@
             <a:pPr rtl="0"/>
             <a:fld id="{85E27922-51B6-4B96-9C28-2CD2060AE75A}" type="datetime1">
               <a:rPr lang="es-ES" noProof="0" smtClean="0"/>
-              <a:t>10/06/2025</a:t>
+              <a:t>11/06/2025</a:t>
             </a:fld>
             <a:endParaRPr lang="es-ES" noProof="0"/>
           </a:p>
@@ -2544,7 +2544,7 @@
             <a:pPr rtl="0"/>
             <a:fld id="{F3ECF5D1-1C98-40FD-9D65-EED7644802B9}" type="datetime1">
               <a:rPr lang="es-ES" noProof="0" smtClean="0"/>
-              <a:t>10/06/2025</a:t>
+              <a:t>11/06/2025</a:t>
             </a:fld>
             <a:endParaRPr lang="es-ES" noProof="0"/>
           </a:p>
@@ -2968,7 +2968,7 @@
             <a:pPr rtl="0"/>
             <a:fld id="{8556C746-EB55-4634-AD93-A9FF2473885C}" type="datetime1">
               <a:rPr lang="es-ES" noProof="0" smtClean="0"/>
-              <a:t>10/06/2025</a:t>
+              <a:t>11/06/2025</a:t>
             </a:fld>
             <a:endParaRPr lang="es-ES" noProof="0"/>
           </a:p>
@@ -3067,7 +3067,7 @@
             <a:pPr rtl="0"/>
             <a:fld id="{C9051F13-F75A-440F-BED7-E2004746A95F}" type="datetime1">
               <a:rPr lang="es-ES" noProof="0" smtClean="0"/>
-              <a:t>10/06/2025</a:t>
+              <a:t>11/06/2025</a:t>
             </a:fld>
             <a:endParaRPr lang="es-ES" noProof="0"/>
           </a:p>
@@ -3233,7 +3233,7 @@
             <a:pPr rtl="0"/>
             <a:fld id="{3D7A2E7D-666A-420B-9042-959E1D47E21D}" type="datetime1">
               <a:rPr lang="es-ES" noProof="0" smtClean="0"/>
-              <a:t>10/06/2025</a:t>
+              <a:t>11/06/2025</a:t>
             </a:fld>
             <a:endParaRPr lang="es-ES" noProof="0"/>
           </a:p>
@@ -3614,7 +3614,7 @@
             <a:pPr rtl="0"/>
             <a:fld id="{0403F12F-0E67-4CAB-8DFD-26DCD4A99D59}" type="datetime1">
               <a:rPr lang="es-ES" noProof="0" smtClean="0"/>
-              <a:t>10/06/2025</a:t>
+              <a:t>11/06/2025</a:t>
             </a:fld>
             <a:endParaRPr lang="es-ES" noProof="0"/>
           </a:p>
@@ -3907,7 +3907,7 @@
             <a:pPr rtl="0"/>
             <a:fld id="{9709DA8C-1A59-4B91-B9EA-509377CD0E23}" type="datetime1">
               <a:rPr lang="es-ES" noProof="0" smtClean="0"/>
-              <a:t>10/06/2025</a:t>
+              <a:t>11/06/2025</a:t>
             </a:fld>
             <a:endParaRPr lang="es-ES" noProof="0"/>
           </a:p>
@@ -4121,7 +4121,7 @@
             <a:pPr rtl="0"/>
             <a:fld id="{A3DF7BF2-42BB-439B-88AA-F60334FF1291}" type="datetime1">
               <a:rPr lang="es-ES" noProof="0" smtClean="0"/>
-              <a:t>10/06/2025</a:t>
+              <a:t>11/06/2025</a:t>
             </a:fld>
             <a:endParaRPr lang="es-ES" noProof="0"/>
           </a:p>
@@ -4739,10 +4739,10 @@
           <p:cNvPr id="15" name="Rectángulo 14">
             <a:extLst>
               <a:ext uri="{FF2B5EF4-FFF2-40B4-BE49-F238E27FC236}">
-                <a16:creationId xmlns:a16="http://schemas.microsoft.com/office/drawing/2014/main" id="{493D4EDA-58E0-40CC-B3CA-14CDEB349D24}"/>
+                <a16:creationId xmlns:a16="http://schemas.microsoft.com/office/drawing/2014/main" xmlns="" id="{493D4EDA-58E0-40CC-B3CA-14CDEB349D24}"/>
               </a:ext>
               <a:ext uri="{C183D7F6-B498-43B3-948B-1728B52AA6E4}">
-                <adec:decorative xmlns:adec="http://schemas.microsoft.com/office/drawing/2017/decorative" val="1"/>
+                <adec:decorative xmlns:adec="http://schemas.microsoft.com/office/drawing/2017/decorative" xmlns="" val="1"/>
               </a:ext>
             </a:extLst>
           </p:cNvPr>
@@ -4752,7 +4752,7 @@
           <p:nvPr>
             <p:extLst>
               <p:ext uri="{386F3935-93C4-4BCD-93E2-E3B085C9AB24}">
-                <p16:designElem xmlns:p16="http://schemas.microsoft.com/office/powerpoint/2015/main" val="1"/>
+                <p16:designElem xmlns:p16="http://schemas.microsoft.com/office/powerpoint/2015/main" xmlns="" val="1"/>
               </p:ext>
             </p:extLst>
           </p:nvPr>
@@ -4799,7 +4799,7 @@
           <p:cNvPr id="7" name="Imagen 6" descr="Conexiones digitales">
             <a:extLst>
               <a:ext uri="{FF2B5EF4-FFF2-40B4-BE49-F238E27FC236}">
-                <a16:creationId xmlns:a16="http://schemas.microsoft.com/office/drawing/2014/main" id="{3840F91C-EDD0-4D4E-A4AB-E6C77856C88C}"/>
+                <a16:creationId xmlns:a16="http://schemas.microsoft.com/office/drawing/2014/main" xmlns="" id="{3840F91C-EDD0-4D4E-A4AB-E6C77856C88C}"/>
               </a:ext>
             </a:extLst>
           </p:cNvPr>
@@ -4834,10 +4834,10 @@
           <p:cNvPr id="17" name="Grupo 16">
             <a:extLst>
               <a:ext uri="{FF2B5EF4-FFF2-40B4-BE49-F238E27FC236}">
-                <a16:creationId xmlns:a16="http://schemas.microsoft.com/office/drawing/2014/main" id="{AA9EB0BC-A85E-4C26-B355-5DFCEF6CCB49}"/>
+                <a16:creationId xmlns:a16="http://schemas.microsoft.com/office/drawing/2014/main" xmlns="" id="{AA9EB0BC-A85E-4C26-B355-5DFCEF6CCB49}"/>
               </a:ext>
               <a:ext uri="{C183D7F6-B498-43B3-948B-1728B52AA6E4}">
-                <adec:decorative xmlns:adec="http://schemas.microsoft.com/office/drawing/2017/decorative" val="1"/>
+                <adec:decorative xmlns:adec="http://schemas.microsoft.com/office/drawing/2017/decorative" xmlns="" val="1"/>
               </a:ext>
             </a:extLst>
           </p:cNvPr>
@@ -4847,7 +4847,7 @@
           <p:nvPr>
             <p:extLst>
               <p:ext uri="{386F3935-93C4-4BCD-93E2-E3B085C9AB24}">
-                <p16:designElem xmlns:p16="http://schemas.microsoft.com/office/powerpoint/2015/main" val="1"/>
+                <p16:designElem xmlns:p16="http://schemas.microsoft.com/office/powerpoint/2015/main" xmlns="" val="1"/>
               </p:ext>
             </p:extLst>
           </p:nvPr>
@@ -4865,10 +4865,10 @@
             <p:cNvPr id="18" name="Rectángulo 17">
               <a:extLst>
                 <a:ext uri="{FF2B5EF4-FFF2-40B4-BE49-F238E27FC236}">
-                  <a16:creationId xmlns:a16="http://schemas.microsoft.com/office/drawing/2014/main" id="{3643E56B-BD42-413D-B17D-7958270F5DE4}"/>
+                  <a16:creationId xmlns:a16="http://schemas.microsoft.com/office/drawing/2014/main" xmlns="" id="{3643E56B-BD42-413D-B17D-7958270F5DE4}"/>
                 </a:ext>
                 <a:ext uri="{C183D7F6-B498-43B3-948B-1728B52AA6E4}">
-                  <adec:decorative xmlns:adec="http://schemas.microsoft.com/office/drawing/2017/decorative" val="1"/>
+                  <adec:decorative xmlns:adec="http://schemas.microsoft.com/office/drawing/2017/decorative" xmlns="" val="1"/>
                 </a:ext>
               </a:extLst>
             </p:cNvPr>
@@ -4876,7 +4876,7 @@
             <p:nvPr>
               <p:extLst>
                 <p:ext uri="{386F3935-93C4-4BCD-93E2-E3B085C9AB24}">
-                  <p16:designElem xmlns:p16="http://schemas.microsoft.com/office/powerpoint/2015/main" val="1"/>
+                  <p16:designElem xmlns:p16="http://schemas.microsoft.com/office/powerpoint/2015/main" xmlns="" val="1"/>
                 </p:ext>
               </p:extLst>
             </p:nvPr>
@@ -4924,10 +4924,10 @@
             <p:cNvPr id="19" name="Rectángulo 18">
               <a:extLst>
                 <a:ext uri="{FF2B5EF4-FFF2-40B4-BE49-F238E27FC236}">
-                  <a16:creationId xmlns:a16="http://schemas.microsoft.com/office/drawing/2014/main" id="{96C04F74-9467-4FA5-95DC-8D481A29740E}"/>
+                  <a16:creationId xmlns:a16="http://schemas.microsoft.com/office/drawing/2014/main" xmlns="" id="{96C04F74-9467-4FA5-95DC-8D481A29740E}"/>
                 </a:ext>
                 <a:ext uri="{C183D7F6-B498-43B3-948B-1728B52AA6E4}">
-                  <adec:decorative xmlns:adec="http://schemas.microsoft.com/office/drawing/2017/decorative" val="1"/>
+                  <adec:decorative xmlns:adec="http://schemas.microsoft.com/office/drawing/2017/decorative" xmlns="" val="1"/>
                 </a:ext>
               </a:extLst>
             </p:cNvPr>
@@ -4935,7 +4935,7 @@
             <p:nvPr>
               <p:extLst>
                 <p:ext uri="{386F3935-93C4-4BCD-93E2-E3B085C9AB24}">
-                  <p16:designElem xmlns:p16="http://schemas.microsoft.com/office/powerpoint/2015/main" val="1"/>
+                  <p16:designElem xmlns:p16="http://schemas.microsoft.com/office/powerpoint/2015/main" xmlns="" val="1"/>
                 </p:ext>
               </p:extLst>
             </p:nvPr>
@@ -4983,10 +4983,10 @@
             <p:cNvPr id="20" name="Rectángulo 19">
               <a:extLst>
                 <a:ext uri="{FF2B5EF4-FFF2-40B4-BE49-F238E27FC236}">
-                  <a16:creationId xmlns:a16="http://schemas.microsoft.com/office/drawing/2014/main" id="{D73DE1C3-5C37-42E9-A3F0-256F1938327C}"/>
+                  <a16:creationId xmlns:a16="http://schemas.microsoft.com/office/drawing/2014/main" xmlns="" id="{D73DE1C3-5C37-42E9-A3F0-256F1938327C}"/>
                 </a:ext>
                 <a:ext uri="{C183D7F6-B498-43B3-948B-1728B52AA6E4}">
-                  <adec:decorative xmlns:adec="http://schemas.microsoft.com/office/drawing/2017/decorative" val="1"/>
+                  <adec:decorative xmlns:adec="http://schemas.microsoft.com/office/drawing/2017/decorative" xmlns="" val="1"/>
                 </a:ext>
               </a:extLst>
             </p:cNvPr>
@@ -4994,7 +4994,7 @@
             <p:nvPr>
               <p:extLst>
                 <p:ext uri="{386F3935-93C4-4BCD-93E2-E3B085C9AB24}">
-                  <p16:designElem xmlns:p16="http://schemas.microsoft.com/office/powerpoint/2015/main" val="1"/>
+                  <p16:designElem xmlns:p16="http://schemas.microsoft.com/office/powerpoint/2015/main" xmlns="" val="1"/>
                 </p:ext>
               </p:extLst>
             </p:nvPr>
@@ -5043,10 +5043,10 @@
           <p:cNvPr id="22" name="Rectángulo 21">
             <a:extLst>
               <a:ext uri="{FF2B5EF4-FFF2-40B4-BE49-F238E27FC236}">
-                <a16:creationId xmlns:a16="http://schemas.microsoft.com/office/drawing/2014/main" id="{4A2E7EC3-E07C-46CE-9B25-41865A50681C}"/>
+                <a16:creationId xmlns:a16="http://schemas.microsoft.com/office/drawing/2014/main" xmlns="" id="{4A2E7EC3-E07C-46CE-9B25-41865A50681C}"/>
               </a:ext>
               <a:ext uri="{C183D7F6-B498-43B3-948B-1728B52AA6E4}">
-                <adec:decorative xmlns:adec="http://schemas.microsoft.com/office/drawing/2017/decorative" val="1"/>
+                <adec:decorative xmlns:adec="http://schemas.microsoft.com/office/drawing/2017/decorative" xmlns="" val="1"/>
               </a:ext>
             </a:extLst>
           </p:cNvPr>
@@ -5056,7 +5056,7 @@
           <p:nvPr>
             <p:extLst>
               <p:ext uri="{386F3935-93C4-4BCD-93E2-E3B085C9AB24}">
-                <p16:designElem xmlns:p16="http://schemas.microsoft.com/office/powerpoint/2015/main" val="1"/>
+                <p16:designElem xmlns:p16="http://schemas.microsoft.com/office/powerpoint/2015/main" xmlns="" val="1"/>
               </p:ext>
             </p:extLst>
           </p:nvPr>
@@ -5106,7 +5106,7 @@
           <p:cNvPr id="2" name="Título 1">
             <a:extLst>
               <a:ext uri="{FF2B5EF4-FFF2-40B4-BE49-F238E27FC236}">
-                <a16:creationId xmlns:a16="http://schemas.microsoft.com/office/drawing/2014/main" id="{C02C5318-1A1E-49D0-B2E2-A4B0FA9E8A40}"/>
+                <a16:creationId xmlns:a16="http://schemas.microsoft.com/office/drawing/2014/main" xmlns="" id="{C02C5318-1A1E-49D0-B2E2-A4B0FA9E8A40}"/>
               </a:ext>
             </a:extLst>
           </p:cNvPr>
@@ -5146,7 +5146,7 @@
           <p:cNvPr id="3" name="Subtítulo 2">
             <a:extLst>
               <a:ext uri="{FF2B5EF4-FFF2-40B4-BE49-F238E27FC236}">
-                <a16:creationId xmlns:a16="http://schemas.microsoft.com/office/drawing/2014/main" id="{48B6CF59-4E5B-494D-A2F7-97ADD01E6497}"/>
+                <a16:creationId xmlns:a16="http://schemas.microsoft.com/office/drawing/2014/main" xmlns="" id="{48B6CF59-4E5B-494D-A2F7-97ADD01E6497}"/>
               </a:ext>
             </a:extLst>
           </p:cNvPr>
@@ -5274,7 +5274,7 @@
           <p:cNvPr id="2" name="Título 1">
             <a:extLst>
               <a:ext uri="{FF2B5EF4-FFF2-40B4-BE49-F238E27FC236}">
-                <a16:creationId xmlns:a16="http://schemas.microsoft.com/office/drawing/2014/main" id="{B5D6FAB0-E7FF-242F-4239-E6A95ABC0E02}"/>
+                <a16:creationId xmlns:a16="http://schemas.microsoft.com/office/drawing/2014/main" xmlns="" id="{B5D6FAB0-E7FF-242F-4239-E6A95ABC0E02}"/>
               </a:ext>
             </a:extLst>
           </p:cNvPr>
@@ -5302,7 +5302,7 @@
           <p:cNvPr id="3" name="Marcador de contenido 2">
             <a:extLst>
               <a:ext uri="{FF2B5EF4-FFF2-40B4-BE49-F238E27FC236}">
-                <a16:creationId xmlns:a16="http://schemas.microsoft.com/office/drawing/2014/main" id="{8B6E21AF-079D-5EB6-90C2-45CFB644EC8E}"/>
+                <a16:creationId xmlns:a16="http://schemas.microsoft.com/office/drawing/2014/main" xmlns="" id="{8B6E21AF-079D-5EB6-90C2-45CFB644EC8E}"/>
               </a:ext>
             </a:extLst>
           </p:cNvPr>
@@ -5369,7 +5369,7 @@
           <p:cNvPr id="5" name="Imagen 4" descr="Interfaz de usuario gráfica&#10;&#10;El contenido generado por IA puede ser incorrecto.">
             <a:extLst>
               <a:ext uri="{FF2B5EF4-FFF2-40B4-BE49-F238E27FC236}">
-                <a16:creationId xmlns:a16="http://schemas.microsoft.com/office/drawing/2014/main" id="{B9882786-FBCE-7B81-BE0D-E13F95C69599}"/>
+                <a16:creationId xmlns:a16="http://schemas.microsoft.com/office/drawing/2014/main" xmlns="" id="{B9882786-FBCE-7B81-BE0D-E13F95C69599}"/>
               </a:ext>
             </a:extLst>
           </p:cNvPr>
@@ -5399,7 +5399,7 @@
           <p:cNvPr id="7" name="Imagen 6" descr="Imagen que contiene Forma&#10;&#10;El contenido generado por IA puede ser incorrecto.">
             <a:extLst>
               <a:ext uri="{FF2B5EF4-FFF2-40B4-BE49-F238E27FC236}">
-                <a16:creationId xmlns:a16="http://schemas.microsoft.com/office/drawing/2014/main" id="{81C01DDF-7911-6C65-5206-361204504157}"/>
+                <a16:creationId xmlns:a16="http://schemas.microsoft.com/office/drawing/2014/main" xmlns="" id="{81C01DDF-7911-6C65-5206-361204504157}"/>
               </a:ext>
             </a:extLst>
           </p:cNvPr>
@@ -5429,7 +5429,7 @@
           <p:cNvPr id="9" name="Imagen 8" descr="Imagen que contiene pastel, tabla, interior, taza&#10;&#10;El contenido generado por IA puede ser incorrecto.">
             <a:extLst>
               <a:ext uri="{FF2B5EF4-FFF2-40B4-BE49-F238E27FC236}">
-                <a16:creationId xmlns:a16="http://schemas.microsoft.com/office/drawing/2014/main" id="{CF7DF985-80D0-763D-3327-24D56F2FD698}"/>
+                <a16:creationId xmlns:a16="http://schemas.microsoft.com/office/drawing/2014/main" xmlns="" id="{CF7DF985-80D0-763D-3327-24D56F2FD698}"/>
               </a:ext>
             </a:extLst>
           </p:cNvPr>
@@ -5497,10 +5497,10 @@
           <p:cNvPr id="10" name="Rectángulo 9">
             <a:extLst>
               <a:ext uri="{FF2B5EF4-FFF2-40B4-BE49-F238E27FC236}">
-                <a16:creationId xmlns:a16="http://schemas.microsoft.com/office/drawing/2014/main" id="{379F11E2-8BA5-4C5C-AE7C-361E5EA011FF}"/>
+                <a16:creationId xmlns:a16="http://schemas.microsoft.com/office/drawing/2014/main" xmlns="" id="{379F11E2-8BA5-4C5C-AE7C-361E5EA011FF}"/>
               </a:ext>
               <a:ext uri="{C183D7F6-B498-43B3-948B-1728B52AA6E4}">
-                <adec:decorative xmlns:adec="http://schemas.microsoft.com/office/drawing/2017/decorative" val="1"/>
+                <adec:decorative xmlns:adec="http://schemas.microsoft.com/office/drawing/2017/decorative" xmlns="" val="1"/>
               </a:ext>
             </a:extLst>
           </p:cNvPr>
@@ -5510,7 +5510,7 @@
           <p:nvPr>
             <p:extLst>
               <p:ext uri="{386F3935-93C4-4BCD-93E2-E3B085C9AB24}">
-                <p16:designElem xmlns:p16="http://schemas.microsoft.com/office/powerpoint/2015/main" val="1"/>
+                <p16:designElem xmlns:p16="http://schemas.microsoft.com/office/powerpoint/2015/main" xmlns="" val="1"/>
               </p:ext>
             </p:extLst>
           </p:nvPr>
@@ -5557,10 +5557,10 @@
           <p:cNvPr id="12" name="Rectángulo 11">
             <a:extLst>
               <a:ext uri="{FF2B5EF4-FFF2-40B4-BE49-F238E27FC236}">
-                <a16:creationId xmlns:a16="http://schemas.microsoft.com/office/drawing/2014/main" id="{7C00E1DA-EC7C-40FC-95E3-11FDCD2E4291}"/>
+                <a16:creationId xmlns:a16="http://schemas.microsoft.com/office/drawing/2014/main" xmlns="" id="{7C00E1DA-EC7C-40FC-95E3-11FDCD2E4291}"/>
               </a:ext>
               <a:ext uri="{C183D7F6-B498-43B3-948B-1728B52AA6E4}">
-                <adec:decorative xmlns:adec="http://schemas.microsoft.com/office/drawing/2017/decorative" val="1"/>
+                <adec:decorative xmlns:adec="http://schemas.microsoft.com/office/drawing/2017/decorative" xmlns="" val="1"/>
               </a:ext>
             </a:extLst>
           </p:cNvPr>
@@ -5570,7 +5570,7 @@
           <p:nvPr>
             <p:extLst>
               <p:ext uri="{386F3935-93C4-4BCD-93E2-E3B085C9AB24}">
-                <p16:designElem xmlns:p16="http://schemas.microsoft.com/office/powerpoint/2015/main" val="1"/>
+                <p16:designElem xmlns:p16="http://schemas.microsoft.com/office/powerpoint/2015/main" xmlns="" val="1"/>
               </p:ext>
             </p:extLst>
           </p:nvPr>
@@ -5618,10 +5618,10 @@
           <p:cNvPr id="14" name="Grupo 13">
             <a:extLst>
               <a:ext uri="{FF2B5EF4-FFF2-40B4-BE49-F238E27FC236}">
-                <a16:creationId xmlns:a16="http://schemas.microsoft.com/office/drawing/2014/main" id="{9A421166-2996-41A7-B094-AE5316F347DD}"/>
+                <a16:creationId xmlns:a16="http://schemas.microsoft.com/office/drawing/2014/main" xmlns="" id="{9A421166-2996-41A7-B094-AE5316F347DD}"/>
               </a:ext>
               <a:ext uri="{C183D7F6-B498-43B3-948B-1728B52AA6E4}">
-                <adec:decorative xmlns:adec="http://schemas.microsoft.com/office/drawing/2017/decorative" val="1"/>
+                <adec:decorative xmlns:adec="http://schemas.microsoft.com/office/drawing/2017/decorative" xmlns="" val="1"/>
               </a:ext>
             </a:extLst>
           </p:cNvPr>
@@ -5631,7 +5631,7 @@
           <p:nvPr>
             <p:extLst>
               <p:ext uri="{386F3935-93C4-4BCD-93E2-E3B085C9AB24}">
-                <p16:designElem xmlns:p16="http://schemas.microsoft.com/office/powerpoint/2015/main" val="1"/>
+                <p16:designElem xmlns:p16="http://schemas.microsoft.com/office/powerpoint/2015/main" xmlns="" val="1"/>
               </p:ext>
             </p:extLst>
           </p:nvPr>
@@ -5649,10 +5649,10 @@
             <p:cNvPr id="15" name="Rectángulo 14">
               <a:extLst>
                 <a:ext uri="{FF2B5EF4-FFF2-40B4-BE49-F238E27FC236}">
-                  <a16:creationId xmlns:a16="http://schemas.microsoft.com/office/drawing/2014/main" id="{FDBB1B92-A3EB-43E4-8FAB-D20E8ED14CEF}"/>
+                  <a16:creationId xmlns:a16="http://schemas.microsoft.com/office/drawing/2014/main" xmlns="" id="{FDBB1B92-A3EB-43E4-8FAB-D20E8ED14CEF}"/>
                 </a:ext>
                 <a:ext uri="{C183D7F6-B498-43B3-948B-1728B52AA6E4}">
-                  <adec:decorative xmlns:adec="http://schemas.microsoft.com/office/drawing/2017/decorative" val="1"/>
+                  <adec:decorative xmlns:adec="http://schemas.microsoft.com/office/drawing/2017/decorative" xmlns="" val="1"/>
                 </a:ext>
               </a:extLst>
             </p:cNvPr>
@@ -5660,7 +5660,7 @@
             <p:nvPr>
               <p:extLst>
                 <p:ext uri="{386F3935-93C4-4BCD-93E2-E3B085C9AB24}">
-                  <p16:designElem xmlns:p16="http://schemas.microsoft.com/office/powerpoint/2015/main" val="1"/>
+                  <p16:designElem xmlns:p16="http://schemas.microsoft.com/office/powerpoint/2015/main" xmlns="" val="1"/>
                 </p:ext>
               </p:extLst>
             </p:nvPr>
@@ -5708,10 +5708,10 @@
             <p:cNvPr id="16" name="Rectángulo 15">
               <a:extLst>
                 <a:ext uri="{FF2B5EF4-FFF2-40B4-BE49-F238E27FC236}">
-                  <a16:creationId xmlns:a16="http://schemas.microsoft.com/office/drawing/2014/main" id="{3F3972F4-FE7E-48EA-AAD8-9BE5750A6672}"/>
+                  <a16:creationId xmlns:a16="http://schemas.microsoft.com/office/drawing/2014/main" xmlns="" id="{3F3972F4-FE7E-48EA-AAD8-9BE5750A6672}"/>
                 </a:ext>
                 <a:ext uri="{C183D7F6-B498-43B3-948B-1728B52AA6E4}">
-                  <adec:decorative xmlns:adec="http://schemas.microsoft.com/office/drawing/2017/decorative" val="1"/>
+                  <adec:decorative xmlns:adec="http://schemas.microsoft.com/office/drawing/2017/decorative" xmlns="" val="1"/>
                 </a:ext>
               </a:extLst>
             </p:cNvPr>
@@ -5719,7 +5719,7 @@
             <p:nvPr>
               <p:extLst>
                 <p:ext uri="{386F3935-93C4-4BCD-93E2-E3B085C9AB24}">
-                  <p16:designElem xmlns:p16="http://schemas.microsoft.com/office/powerpoint/2015/main" val="1"/>
+                  <p16:designElem xmlns:p16="http://schemas.microsoft.com/office/powerpoint/2015/main" xmlns="" val="1"/>
                 </p:ext>
               </p:extLst>
             </p:nvPr>
@@ -5767,10 +5767,10 @@
             <p:cNvPr id="17" name="Rectángulo 16">
               <a:extLst>
                 <a:ext uri="{FF2B5EF4-FFF2-40B4-BE49-F238E27FC236}">
-                  <a16:creationId xmlns:a16="http://schemas.microsoft.com/office/drawing/2014/main" id="{221614E5-870B-4D5E-A43B-8FF7E5323484}"/>
+                  <a16:creationId xmlns:a16="http://schemas.microsoft.com/office/drawing/2014/main" xmlns="" id="{221614E5-870B-4D5E-A43B-8FF7E5323484}"/>
                 </a:ext>
                 <a:ext uri="{C183D7F6-B498-43B3-948B-1728B52AA6E4}">
-                  <adec:decorative xmlns:adec="http://schemas.microsoft.com/office/drawing/2017/decorative" val="1"/>
+                  <adec:decorative xmlns:adec="http://schemas.microsoft.com/office/drawing/2017/decorative" xmlns="" val="1"/>
                 </a:ext>
               </a:extLst>
             </p:cNvPr>
@@ -5778,7 +5778,7 @@
             <p:nvPr>
               <p:extLst>
                 <p:ext uri="{386F3935-93C4-4BCD-93E2-E3B085C9AB24}">
-                  <p16:designElem xmlns:p16="http://schemas.microsoft.com/office/powerpoint/2015/main" val="1"/>
+                  <p16:designElem xmlns:p16="http://schemas.microsoft.com/office/powerpoint/2015/main" xmlns="" val="1"/>
                 </p:ext>
               </p:extLst>
             </p:nvPr>
@@ -5827,7 +5827,7 @@
           <p:cNvPr id="2" name="Título 1">
             <a:extLst>
               <a:ext uri="{FF2B5EF4-FFF2-40B4-BE49-F238E27FC236}">
-                <a16:creationId xmlns:a16="http://schemas.microsoft.com/office/drawing/2014/main" id="{0F87E73C-2B1A-4602-BFBE-CFE1E55D9B38}"/>
+                <a16:creationId xmlns:a16="http://schemas.microsoft.com/office/drawing/2014/main" xmlns="" id="{0F87E73C-2B1A-4602-BFBE-CFE1E55D9B38}"/>
               </a:ext>
             </a:extLst>
           </p:cNvPr>
@@ -5867,7 +5867,7 @@
           <p:cNvPr id="3" name="Subtítulo 2">
             <a:extLst>
               <a:ext uri="{FF2B5EF4-FFF2-40B4-BE49-F238E27FC236}">
-                <a16:creationId xmlns:a16="http://schemas.microsoft.com/office/drawing/2014/main" id="{A9CB511D-EA45-4336-847C-1252667143B5}"/>
+                <a16:creationId xmlns:a16="http://schemas.microsoft.com/office/drawing/2014/main" xmlns="" id="{A9CB511D-EA45-4336-847C-1252667143B5}"/>
               </a:ext>
             </a:extLst>
           </p:cNvPr>
@@ -5920,7 +5920,7 @@
           <p:cNvPr id="1026" name="Picture 2" descr="Hombre de estilo plano con gafas de realidad virtual haciendo dibujos  animados de análisis de datos | Vector Premium">
             <a:extLst>
               <a:ext uri="{FF2B5EF4-FFF2-40B4-BE49-F238E27FC236}">
-                <a16:creationId xmlns:a16="http://schemas.microsoft.com/office/drawing/2014/main" id="{378142A7-608D-90C7-3BB4-662ED696A4CA}"/>
+                <a16:creationId xmlns:a16="http://schemas.microsoft.com/office/drawing/2014/main" xmlns="" id="{378142A7-608D-90C7-3BB4-662ED696A4CA}"/>
               </a:ext>
             </a:extLst>
           </p:cNvPr>
@@ -5997,7 +5997,7 @@
           <p:cNvPr id="2" name="Título 1">
             <a:extLst>
               <a:ext uri="{FF2B5EF4-FFF2-40B4-BE49-F238E27FC236}">
-                <a16:creationId xmlns:a16="http://schemas.microsoft.com/office/drawing/2014/main" id="{42D89D72-4F74-9D22-4A01-D1E4CF07C7B5}"/>
+                <a16:creationId xmlns:a16="http://schemas.microsoft.com/office/drawing/2014/main" xmlns="" id="{42D89D72-4F74-9D22-4A01-D1E4CF07C7B5}"/>
               </a:ext>
             </a:extLst>
           </p:cNvPr>
@@ -6032,7 +6032,7 @@
           <p:cNvPr id="3" name="Rectángulo: esquinas redondeadas 2">
             <a:extLst>
               <a:ext uri="{FF2B5EF4-FFF2-40B4-BE49-F238E27FC236}">
-                <a16:creationId xmlns:a16="http://schemas.microsoft.com/office/drawing/2014/main" id="{323F560B-04DB-FED5-05E4-29BBA6275766}"/>
+                <a16:creationId xmlns:a16="http://schemas.microsoft.com/office/drawing/2014/main" xmlns="" id="{323F560B-04DB-FED5-05E4-29BBA6275766}"/>
               </a:ext>
             </a:extLst>
           </p:cNvPr>
@@ -6081,7 +6081,7 @@
           <p:cNvPr id="4" name="Marcador de contenido 5">
             <a:extLst>
               <a:ext uri="{FF2B5EF4-FFF2-40B4-BE49-F238E27FC236}">
-                <a16:creationId xmlns:a16="http://schemas.microsoft.com/office/drawing/2014/main" id="{8054B03E-1430-DEC7-83CD-0AA08D0DA437}"/>
+                <a16:creationId xmlns:a16="http://schemas.microsoft.com/office/drawing/2014/main" xmlns="" id="{8054B03E-1430-DEC7-83CD-0AA08D0DA437}"/>
               </a:ext>
             </a:extLst>
           </p:cNvPr>
@@ -6325,7 +6325,7 @@
           <p:cNvPr id="5" name="Diagrama de flujo: conector 4">
             <a:extLst>
               <a:ext uri="{FF2B5EF4-FFF2-40B4-BE49-F238E27FC236}">
-                <a16:creationId xmlns:a16="http://schemas.microsoft.com/office/drawing/2014/main" id="{22DB4D67-D4AB-83DC-029C-43023C3BCAE3}"/>
+                <a16:creationId xmlns:a16="http://schemas.microsoft.com/office/drawing/2014/main" xmlns="" id="{22DB4D67-D4AB-83DC-029C-43023C3BCAE3}"/>
               </a:ext>
             </a:extLst>
           </p:cNvPr>
@@ -6384,7 +6384,7 @@
           <p:cNvPr id="7" name="Marcador de contenido 5">
             <a:extLst>
               <a:ext uri="{FF2B5EF4-FFF2-40B4-BE49-F238E27FC236}">
-                <a16:creationId xmlns:a16="http://schemas.microsoft.com/office/drawing/2014/main" id="{33F41D62-8E1A-A598-C8CC-3899B9081430}"/>
+                <a16:creationId xmlns:a16="http://schemas.microsoft.com/office/drawing/2014/main" xmlns="" id="{33F41D62-8E1A-A598-C8CC-3899B9081430}"/>
               </a:ext>
             </a:extLst>
           </p:cNvPr>
@@ -6622,7 +6622,7 @@
           <p:cNvPr id="8" name="Rectángulo: esquinas redondeadas 7">
             <a:extLst>
               <a:ext uri="{FF2B5EF4-FFF2-40B4-BE49-F238E27FC236}">
-                <a16:creationId xmlns:a16="http://schemas.microsoft.com/office/drawing/2014/main" id="{4C02DAA6-DCBA-FC49-B253-BBB491ED89AE}"/>
+                <a16:creationId xmlns:a16="http://schemas.microsoft.com/office/drawing/2014/main" xmlns="" id="{4C02DAA6-DCBA-FC49-B253-BBB491ED89AE}"/>
               </a:ext>
             </a:extLst>
           </p:cNvPr>
@@ -6671,7 +6671,7 @@
           <p:cNvPr id="9" name="Marcador de contenido 5">
             <a:extLst>
               <a:ext uri="{FF2B5EF4-FFF2-40B4-BE49-F238E27FC236}">
-                <a16:creationId xmlns:a16="http://schemas.microsoft.com/office/drawing/2014/main" id="{B5D7D714-FD2B-3E04-4137-22F228514CA6}"/>
+                <a16:creationId xmlns:a16="http://schemas.microsoft.com/office/drawing/2014/main" xmlns="" id="{B5D7D714-FD2B-3E04-4137-22F228514CA6}"/>
               </a:ext>
             </a:extLst>
           </p:cNvPr>
@@ -6924,7 +6924,7 @@
           <p:cNvPr id="10" name="Diagrama de flujo: conector 9">
             <a:extLst>
               <a:ext uri="{FF2B5EF4-FFF2-40B4-BE49-F238E27FC236}">
-                <a16:creationId xmlns:a16="http://schemas.microsoft.com/office/drawing/2014/main" id="{46C0425F-2C4B-BB67-D538-97B389FD96C4}"/>
+                <a16:creationId xmlns:a16="http://schemas.microsoft.com/office/drawing/2014/main" xmlns="" id="{46C0425F-2C4B-BB67-D538-97B389FD96C4}"/>
               </a:ext>
             </a:extLst>
           </p:cNvPr>
@@ -6983,7 +6983,7 @@
           <p:cNvPr id="11" name="Marcador de contenido 5">
             <a:extLst>
               <a:ext uri="{FF2B5EF4-FFF2-40B4-BE49-F238E27FC236}">
-                <a16:creationId xmlns:a16="http://schemas.microsoft.com/office/drawing/2014/main" id="{64F1CCBC-D238-7CFA-B2DD-649082ABB022}"/>
+                <a16:creationId xmlns:a16="http://schemas.microsoft.com/office/drawing/2014/main" xmlns="" id="{64F1CCBC-D238-7CFA-B2DD-649082ABB022}"/>
               </a:ext>
             </a:extLst>
           </p:cNvPr>
@@ -7221,7 +7221,7 @@
           <p:cNvPr id="12" name="Rectángulo: esquinas redondeadas 11">
             <a:extLst>
               <a:ext uri="{FF2B5EF4-FFF2-40B4-BE49-F238E27FC236}">
-                <a16:creationId xmlns:a16="http://schemas.microsoft.com/office/drawing/2014/main" id="{C1D031D5-E12F-CAAD-681F-D1D1F9D01200}"/>
+                <a16:creationId xmlns:a16="http://schemas.microsoft.com/office/drawing/2014/main" xmlns="" id="{C1D031D5-E12F-CAAD-681F-D1D1F9D01200}"/>
               </a:ext>
             </a:extLst>
           </p:cNvPr>
@@ -7270,7 +7270,7 @@
           <p:cNvPr id="13" name="Marcador de contenido 5">
             <a:extLst>
               <a:ext uri="{FF2B5EF4-FFF2-40B4-BE49-F238E27FC236}">
-                <a16:creationId xmlns:a16="http://schemas.microsoft.com/office/drawing/2014/main" id="{513633CA-1C25-E2D3-B110-62F4E6BF6429}"/>
+                <a16:creationId xmlns:a16="http://schemas.microsoft.com/office/drawing/2014/main" xmlns="" id="{513633CA-1C25-E2D3-B110-62F4E6BF6429}"/>
               </a:ext>
             </a:extLst>
           </p:cNvPr>
@@ -7514,7 +7514,7 @@
           <p:cNvPr id="14" name="Diagrama de flujo: conector 13">
             <a:extLst>
               <a:ext uri="{FF2B5EF4-FFF2-40B4-BE49-F238E27FC236}">
-                <a16:creationId xmlns:a16="http://schemas.microsoft.com/office/drawing/2014/main" id="{6DEED7F4-8C8E-9A72-779D-9067416D3373}"/>
+                <a16:creationId xmlns:a16="http://schemas.microsoft.com/office/drawing/2014/main" xmlns="" id="{6DEED7F4-8C8E-9A72-779D-9067416D3373}"/>
               </a:ext>
             </a:extLst>
           </p:cNvPr>
@@ -7573,7 +7573,7 @@
           <p:cNvPr id="15" name="Marcador de contenido 5">
             <a:extLst>
               <a:ext uri="{FF2B5EF4-FFF2-40B4-BE49-F238E27FC236}">
-                <a16:creationId xmlns:a16="http://schemas.microsoft.com/office/drawing/2014/main" id="{902C97CD-F7EE-658E-A4E9-F1D88511AFCA}"/>
+                <a16:creationId xmlns:a16="http://schemas.microsoft.com/office/drawing/2014/main" xmlns="" id="{902C97CD-F7EE-658E-A4E9-F1D88511AFCA}"/>
               </a:ext>
             </a:extLst>
           </p:cNvPr>
@@ -7811,7 +7811,7 @@
           <p:cNvPr id="16" name="Rectángulo: esquinas redondeadas 15">
             <a:extLst>
               <a:ext uri="{FF2B5EF4-FFF2-40B4-BE49-F238E27FC236}">
-                <a16:creationId xmlns:a16="http://schemas.microsoft.com/office/drawing/2014/main" id="{6B3CCCC1-2C37-8F4F-27B6-3989F9675790}"/>
+                <a16:creationId xmlns:a16="http://schemas.microsoft.com/office/drawing/2014/main" xmlns="" id="{6B3CCCC1-2C37-8F4F-27B6-3989F9675790}"/>
               </a:ext>
             </a:extLst>
           </p:cNvPr>
@@ -7860,7 +7860,7 @@
           <p:cNvPr id="17" name="Marcador de contenido 5">
             <a:extLst>
               <a:ext uri="{FF2B5EF4-FFF2-40B4-BE49-F238E27FC236}">
-                <a16:creationId xmlns:a16="http://schemas.microsoft.com/office/drawing/2014/main" id="{52E69070-60BA-A7B6-43A1-1A97B299C10D}"/>
+                <a16:creationId xmlns:a16="http://schemas.microsoft.com/office/drawing/2014/main" xmlns="" id="{52E69070-60BA-A7B6-43A1-1A97B299C10D}"/>
               </a:ext>
             </a:extLst>
           </p:cNvPr>
@@ -8104,7 +8104,7 @@
           <p:cNvPr id="18" name="Diagrama de flujo: conector 17">
             <a:extLst>
               <a:ext uri="{FF2B5EF4-FFF2-40B4-BE49-F238E27FC236}">
-                <a16:creationId xmlns:a16="http://schemas.microsoft.com/office/drawing/2014/main" id="{0D1BDC5D-1854-8D87-DEAB-72BC52E218B6}"/>
+                <a16:creationId xmlns:a16="http://schemas.microsoft.com/office/drawing/2014/main" xmlns="" id="{0D1BDC5D-1854-8D87-DEAB-72BC52E218B6}"/>
               </a:ext>
             </a:extLst>
           </p:cNvPr>
@@ -8163,7 +8163,7 @@
           <p:cNvPr id="19" name="Marcador de contenido 5">
             <a:extLst>
               <a:ext uri="{FF2B5EF4-FFF2-40B4-BE49-F238E27FC236}">
-                <a16:creationId xmlns:a16="http://schemas.microsoft.com/office/drawing/2014/main" id="{62C43ACD-C1BD-8544-C4E3-120BD35A29B8}"/>
+                <a16:creationId xmlns:a16="http://schemas.microsoft.com/office/drawing/2014/main" xmlns="" id="{62C43ACD-C1BD-8544-C4E3-120BD35A29B8}"/>
               </a:ext>
             </a:extLst>
           </p:cNvPr>
@@ -8401,7 +8401,7 @@
           <p:cNvPr id="23" name="Rectángulo: esquinas redondeadas 22">
             <a:extLst>
               <a:ext uri="{FF2B5EF4-FFF2-40B4-BE49-F238E27FC236}">
-                <a16:creationId xmlns:a16="http://schemas.microsoft.com/office/drawing/2014/main" id="{4E34D35E-9FF3-F9FB-47DA-30E455AD0470}"/>
+                <a16:creationId xmlns:a16="http://schemas.microsoft.com/office/drawing/2014/main" xmlns="" id="{4E34D35E-9FF3-F9FB-47DA-30E455AD0470}"/>
               </a:ext>
             </a:extLst>
           </p:cNvPr>
@@ -8450,7 +8450,7 @@
           <p:cNvPr id="24" name="Marcador de contenido 5">
             <a:extLst>
               <a:ext uri="{FF2B5EF4-FFF2-40B4-BE49-F238E27FC236}">
-                <a16:creationId xmlns:a16="http://schemas.microsoft.com/office/drawing/2014/main" id="{EB68F8B7-C529-E260-AAFF-9013DDC3F566}"/>
+                <a16:creationId xmlns:a16="http://schemas.microsoft.com/office/drawing/2014/main" xmlns="" id="{EB68F8B7-C529-E260-AAFF-9013DDC3F566}"/>
               </a:ext>
             </a:extLst>
           </p:cNvPr>
@@ -8694,7 +8694,7 @@
           <p:cNvPr id="25" name="Diagrama de flujo: conector 24">
             <a:extLst>
               <a:ext uri="{FF2B5EF4-FFF2-40B4-BE49-F238E27FC236}">
-                <a16:creationId xmlns:a16="http://schemas.microsoft.com/office/drawing/2014/main" id="{B23CAD62-A55A-AFCA-F451-DE42EE53B081}"/>
+                <a16:creationId xmlns:a16="http://schemas.microsoft.com/office/drawing/2014/main" xmlns="" id="{B23CAD62-A55A-AFCA-F451-DE42EE53B081}"/>
               </a:ext>
             </a:extLst>
           </p:cNvPr>
@@ -8753,7 +8753,7 @@
           <p:cNvPr id="26" name="Marcador de contenido 5">
             <a:extLst>
               <a:ext uri="{FF2B5EF4-FFF2-40B4-BE49-F238E27FC236}">
-                <a16:creationId xmlns:a16="http://schemas.microsoft.com/office/drawing/2014/main" id="{E7353DA2-1D33-06C3-FECB-BA0A9E9AB8E6}"/>
+                <a16:creationId xmlns:a16="http://schemas.microsoft.com/office/drawing/2014/main" xmlns="" id="{E7353DA2-1D33-06C3-FECB-BA0A9E9AB8E6}"/>
               </a:ext>
             </a:extLst>
           </p:cNvPr>
@@ -8991,7 +8991,7 @@
           <p:cNvPr id="27" name="Rectángulo: esquinas redondeadas 26">
             <a:extLst>
               <a:ext uri="{FF2B5EF4-FFF2-40B4-BE49-F238E27FC236}">
-                <a16:creationId xmlns:a16="http://schemas.microsoft.com/office/drawing/2014/main" id="{0F6D126D-B5B3-A077-BBFA-B4B2F4A6F7EC}"/>
+                <a16:creationId xmlns:a16="http://schemas.microsoft.com/office/drawing/2014/main" xmlns="" id="{0F6D126D-B5B3-A077-BBFA-B4B2F4A6F7EC}"/>
               </a:ext>
             </a:extLst>
           </p:cNvPr>
@@ -9040,7 +9040,7 @@
           <p:cNvPr id="28" name="Marcador de contenido 5">
             <a:extLst>
               <a:ext uri="{FF2B5EF4-FFF2-40B4-BE49-F238E27FC236}">
-                <a16:creationId xmlns:a16="http://schemas.microsoft.com/office/drawing/2014/main" id="{287ABC08-BCAD-03AE-8541-FC7EE10A70AF}"/>
+                <a16:creationId xmlns:a16="http://schemas.microsoft.com/office/drawing/2014/main" xmlns="" id="{287ABC08-BCAD-03AE-8541-FC7EE10A70AF}"/>
               </a:ext>
             </a:extLst>
           </p:cNvPr>
@@ -9284,7 +9284,7 @@
           <p:cNvPr id="29" name="Diagrama de flujo: conector 28">
             <a:extLst>
               <a:ext uri="{FF2B5EF4-FFF2-40B4-BE49-F238E27FC236}">
-                <a16:creationId xmlns:a16="http://schemas.microsoft.com/office/drawing/2014/main" id="{A28C6BC5-6627-13B7-48F4-F2CB4309C28E}"/>
+                <a16:creationId xmlns:a16="http://schemas.microsoft.com/office/drawing/2014/main" xmlns="" id="{A28C6BC5-6627-13B7-48F4-F2CB4309C28E}"/>
               </a:ext>
             </a:extLst>
           </p:cNvPr>
@@ -9343,7 +9343,7 @@
           <p:cNvPr id="30" name="Marcador de contenido 5">
             <a:extLst>
               <a:ext uri="{FF2B5EF4-FFF2-40B4-BE49-F238E27FC236}">
-                <a16:creationId xmlns:a16="http://schemas.microsoft.com/office/drawing/2014/main" id="{2B94EA60-6236-D661-586F-C87ABC442DF8}"/>
+                <a16:creationId xmlns:a16="http://schemas.microsoft.com/office/drawing/2014/main" xmlns="" id="{2B94EA60-6236-D661-586F-C87ABC442DF8}"/>
               </a:ext>
             </a:extLst>
           </p:cNvPr>
@@ -9681,7 +9681,7 @@
           <p:cNvPr id="5" name="Picture 2" descr="joven con gafas vr con panel virtual táctil holográfico en el fondo de  trabajo digital. ilustración vectorial de dibujos animados de estilo plano  5611315 Vector en Vecteezy">
             <a:extLst>
               <a:ext uri="{FF2B5EF4-FFF2-40B4-BE49-F238E27FC236}">
-                <a16:creationId xmlns:a16="http://schemas.microsoft.com/office/drawing/2014/main" id="{585826FF-5F1D-116A-7EDB-ECF2F6EA4329}"/>
+                <a16:creationId xmlns:a16="http://schemas.microsoft.com/office/drawing/2014/main" xmlns="" id="{585826FF-5F1D-116A-7EDB-ECF2F6EA4329}"/>
               </a:ext>
             </a:extLst>
           </p:cNvPr>
@@ -9751,7 +9751,7 @@
           <p:cNvPr id="2" name="Título 1">
             <a:extLst>
               <a:ext uri="{FF2B5EF4-FFF2-40B4-BE49-F238E27FC236}">
-                <a16:creationId xmlns:a16="http://schemas.microsoft.com/office/drawing/2014/main" id="{921633EB-7DCB-4DDC-80AF-C885A3EE1245}"/>
+                <a16:creationId xmlns:a16="http://schemas.microsoft.com/office/drawing/2014/main" xmlns="" id="{921633EB-7DCB-4DDC-80AF-C885A3EE1245}"/>
               </a:ext>
             </a:extLst>
           </p:cNvPr>
@@ -9787,7 +9787,7 @@
           <p:cNvPr id="2050" name="Picture 2">
             <a:extLst>
               <a:ext uri="{FF2B5EF4-FFF2-40B4-BE49-F238E27FC236}">
-                <a16:creationId xmlns:a16="http://schemas.microsoft.com/office/drawing/2014/main" id="{CBB3C702-702A-BE87-FE26-CC78B21E26BB}"/>
+                <a16:creationId xmlns:a16="http://schemas.microsoft.com/office/drawing/2014/main" xmlns="" id="{CBB3C702-702A-BE87-FE26-CC78B21E26BB}"/>
               </a:ext>
             </a:extLst>
           </p:cNvPr>
@@ -9834,7 +9834,7 @@
           <p:cNvPr id="2054" name="Picture 6">
             <a:extLst>
               <a:ext uri="{FF2B5EF4-FFF2-40B4-BE49-F238E27FC236}">
-                <a16:creationId xmlns:a16="http://schemas.microsoft.com/office/drawing/2014/main" id="{850466B1-9229-DA87-8B21-83105A81835E}"/>
+                <a16:creationId xmlns:a16="http://schemas.microsoft.com/office/drawing/2014/main" xmlns="" id="{850466B1-9229-DA87-8B21-83105A81835E}"/>
               </a:ext>
             </a:extLst>
           </p:cNvPr>
@@ -9881,7 +9881,7 @@
           <p:cNvPr id="2056" name="Picture 8" descr="JavaScript Logo, symbol, meaning, history, PNG, brand">
             <a:extLst>
               <a:ext uri="{FF2B5EF4-FFF2-40B4-BE49-F238E27FC236}">
-                <a16:creationId xmlns:a16="http://schemas.microsoft.com/office/drawing/2014/main" id="{0AEDAC79-0779-1470-3487-6AB787026770}"/>
+                <a16:creationId xmlns:a16="http://schemas.microsoft.com/office/drawing/2014/main" xmlns="" id="{0AEDAC79-0779-1470-3487-6AB787026770}"/>
               </a:ext>
             </a:extLst>
           </p:cNvPr>
@@ -9928,7 +9928,7 @@
           <p:cNvPr id="2060" name="Picture 12" descr="Three.js SVG Logo - Questions - three.js forum">
             <a:extLst>
               <a:ext uri="{FF2B5EF4-FFF2-40B4-BE49-F238E27FC236}">
-                <a16:creationId xmlns:a16="http://schemas.microsoft.com/office/drawing/2014/main" id="{8C88ED66-83D8-CD4C-48FA-D3456DC779E9}"/>
+                <a16:creationId xmlns:a16="http://schemas.microsoft.com/office/drawing/2014/main" xmlns="" id="{8C88ED66-83D8-CD4C-48FA-D3456DC779E9}"/>
               </a:ext>
             </a:extLst>
           </p:cNvPr>
@@ -9975,7 +9975,7 @@
           <p:cNvPr id="2062" name="Picture 14" descr="W3C llama a hacer uso de la API WebXR para dispositivos – W3C Hispano">
             <a:extLst>
               <a:ext uri="{FF2B5EF4-FFF2-40B4-BE49-F238E27FC236}">
-                <a16:creationId xmlns:a16="http://schemas.microsoft.com/office/drawing/2014/main" id="{3E095A71-DB8A-48CB-C3CE-1E12E5164AEB}"/>
+                <a16:creationId xmlns:a16="http://schemas.microsoft.com/office/drawing/2014/main" xmlns="" id="{3E095A71-DB8A-48CB-C3CE-1E12E5164AEB}"/>
               </a:ext>
             </a:extLst>
           </p:cNvPr>
@@ -10022,7 +10022,7 @@
           <p:cNvPr id="2064" name="Picture 16" descr="Webgl logo - Iconos Social Media y Logos">
             <a:extLst>
               <a:ext uri="{FF2B5EF4-FFF2-40B4-BE49-F238E27FC236}">
-                <a16:creationId xmlns:a16="http://schemas.microsoft.com/office/drawing/2014/main" id="{25ABF0AE-D2FB-B1FC-DA1B-7EE2FDDF6468}"/>
+                <a16:creationId xmlns:a16="http://schemas.microsoft.com/office/drawing/2014/main" xmlns="" id="{25ABF0AE-D2FB-B1FC-DA1B-7EE2FDDF6468}"/>
               </a:ext>
             </a:extLst>
           </p:cNvPr>
@@ -10069,7 +10069,7 @@
           <p:cNvPr id="2066" name="Picture 18">
             <a:extLst>
               <a:ext uri="{FF2B5EF4-FFF2-40B4-BE49-F238E27FC236}">
-                <a16:creationId xmlns:a16="http://schemas.microsoft.com/office/drawing/2014/main" id="{751243E1-CA56-D8C7-116A-DD3FD96201D3}"/>
+                <a16:creationId xmlns:a16="http://schemas.microsoft.com/office/drawing/2014/main" xmlns="" id="{751243E1-CA56-D8C7-116A-DD3FD96201D3}"/>
               </a:ext>
             </a:extLst>
           </p:cNvPr>
@@ -10116,7 +10116,7 @@
           <p:cNvPr id="2068" name="Picture 20" descr="GitHub Logo, symbol, meaning, history, PNG, brand">
             <a:extLst>
               <a:ext uri="{FF2B5EF4-FFF2-40B4-BE49-F238E27FC236}">
-                <a16:creationId xmlns:a16="http://schemas.microsoft.com/office/drawing/2014/main" id="{CA2B6558-C937-7907-FCBD-3AF06D8DC096}"/>
+                <a16:creationId xmlns:a16="http://schemas.microsoft.com/office/drawing/2014/main" xmlns="" id="{CA2B6558-C937-7907-FCBD-3AF06D8DC096}"/>
               </a:ext>
             </a:extLst>
           </p:cNvPr>
@@ -10163,7 +10163,7 @@
           <p:cNvPr id="2070" name="Picture 22" descr="Meta: Contact Details, Revenue, Funding, Employees and Company Profile">
             <a:extLst>
               <a:ext uri="{FF2B5EF4-FFF2-40B4-BE49-F238E27FC236}">
-                <a16:creationId xmlns:a16="http://schemas.microsoft.com/office/drawing/2014/main" id="{A4C480C9-DC31-D1C3-8994-74A97E8A70AE}"/>
+                <a16:creationId xmlns:a16="http://schemas.microsoft.com/office/drawing/2014/main" xmlns="" id="{A4C480C9-DC31-D1C3-8994-74A97E8A70AE}"/>
               </a:ext>
             </a:extLst>
           </p:cNvPr>
@@ -10210,7 +10210,7 @@
           <p:cNvPr id="2076" name="Picture 28">
             <a:extLst>
               <a:ext uri="{FF2B5EF4-FFF2-40B4-BE49-F238E27FC236}">
-                <a16:creationId xmlns:a16="http://schemas.microsoft.com/office/drawing/2014/main" id="{242C7161-15D1-6C48-A362-093D578E455A}"/>
+                <a16:creationId xmlns:a16="http://schemas.microsoft.com/office/drawing/2014/main" xmlns="" id="{242C7161-15D1-6C48-A362-093D578E455A}"/>
               </a:ext>
             </a:extLst>
           </p:cNvPr>
@@ -10287,7 +10287,7 @@
           <p:cNvPr id="2" name="Título 1">
             <a:extLst>
               <a:ext uri="{FF2B5EF4-FFF2-40B4-BE49-F238E27FC236}">
-                <a16:creationId xmlns:a16="http://schemas.microsoft.com/office/drawing/2014/main" id="{6EE0696A-EC59-AEEC-926E-52105E388E70}"/>
+                <a16:creationId xmlns:a16="http://schemas.microsoft.com/office/drawing/2014/main" xmlns="" id="{6EE0696A-EC59-AEEC-926E-52105E388E70}"/>
               </a:ext>
             </a:extLst>
           </p:cNvPr>
@@ -10322,7 +10322,7 @@
           <p:cNvPr id="5" name="Marcador de contenido 4" descr="Diagrama&#10;&#10;El contenido generado por IA puede ser incorrecto.">
             <a:extLst>
               <a:ext uri="{FF2B5EF4-FFF2-40B4-BE49-F238E27FC236}">
-                <a16:creationId xmlns:a16="http://schemas.microsoft.com/office/drawing/2014/main" id="{721A3A4B-E5FF-B1E1-B571-5150480FE290}"/>
+                <a16:creationId xmlns:a16="http://schemas.microsoft.com/office/drawing/2014/main" xmlns="" id="{721A3A4B-E5FF-B1E1-B571-5150480FE290}"/>
               </a:ext>
             </a:extLst>
           </p:cNvPr>
@@ -10352,7 +10352,7 @@
           <p:cNvPr id="10" name="Content Placeholder 2">
             <a:extLst>
               <a:ext uri="{FF2B5EF4-FFF2-40B4-BE49-F238E27FC236}">
-                <a16:creationId xmlns:a16="http://schemas.microsoft.com/office/drawing/2014/main" id="{F1254407-A1D7-ACDB-29EA-008B1B0421D3}"/>
+                <a16:creationId xmlns:a16="http://schemas.microsoft.com/office/drawing/2014/main" xmlns="" id="{F1254407-A1D7-ACDB-29EA-008B1B0421D3}"/>
               </a:ext>
             </a:extLst>
           </p:cNvPr>
@@ -10436,7 +10436,7 @@
           <p:cNvPr id="2" name="Título 1">
             <a:extLst>
               <a:ext uri="{FF2B5EF4-FFF2-40B4-BE49-F238E27FC236}">
-                <a16:creationId xmlns:a16="http://schemas.microsoft.com/office/drawing/2014/main" id="{6CE80B81-BF7A-61AD-1FEA-D23301C94B85}"/>
+                <a16:creationId xmlns:a16="http://schemas.microsoft.com/office/drawing/2014/main" xmlns="" id="{6CE80B81-BF7A-61AD-1FEA-D23301C94B85}"/>
               </a:ext>
             </a:extLst>
           </p:cNvPr>
@@ -10464,7 +10464,7 @@
           <p:cNvPr id="7" name="Marcador de contenido 6" descr="Imagen de la pantalla de un celular&#10;&#10;El contenido generado por IA puede ser incorrecto.">
             <a:extLst>
               <a:ext uri="{FF2B5EF4-FFF2-40B4-BE49-F238E27FC236}">
-                <a16:creationId xmlns:a16="http://schemas.microsoft.com/office/drawing/2014/main" id="{363A8432-8183-77A3-5F54-0182D6E74A66}"/>
+                <a16:creationId xmlns:a16="http://schemas.microsoft.com/office/drawing/2014/main" xmlns="" id="{363A8432-8183-77A3-5F54-0182D6E74A66}"/>
               </a:ext>
             </a:extLst>
           </p:cNvPr>
@@ -10493,7 +10493,7 @@
           <p:cNvPr id="5" name="Marcador de contenido 4" descr="Diagrama&#10;&#10;El contenido generado por IA puede ser incorrecto.">
             <a:extLst>
               <a:ext uri="{FF2B5EF4-FFF2-40B4-BE49-F238E27FC236}">
-                <a16:creationId xmlns:a16="http://schemas.microsoft.com/office/drawing/2014/main" id="{B74ADE4E-93BD-BBA7-BA74-0FC00156711B}"/>
+                <a16:creationId xmlns:a16="http://schemas.microsoft.com/office/drawing/2014/main" xmlns="" id="{B74ADE4E-93BD-BBA7-BA74-0FC00156711B}"/>
               </a:ext>
             </a:extLst>
           </p:cNvPr>
@@ -10541,7 +10541,7 @@
         <p:cNvPr id="1" name="">
           <a:extLst>
             <a:ext uri="{FF2B5EF4-FFF2-40B4-BE49-F238E27FC236}">
-              <a16:creationId xmlns:a16="http://schemas.microsoft.com/office/drawing/2014/main" id="{6AD13276-D651-31DB-39AC-D9CE767348AE}"/>
+              <a16:creationId xmlns:a16="http://schemas.microsoft.com/office/drawing/2014/main" xmlns="" id="{6AD13276-D651-31DB-39AC-D9CE767348AE}"/>
             </a:ext>
           </a:extLst>
         </p:cNvPr>
@@ -10561,7 +10561,7 @@
           <p:cNvPr id="2" name="Título 1">
             <a:extLst>
               <a:ext uri="{FF2B5EF4-FFF2-40B4-BE49-F238E27FC236}">
-                <a16:creationId xmlns:a16="http://schemas.microsoft.com/office/drawing/2014/main" id="{E4E63F76-7E1A-BB2C-1632-9EF50B6C979C}"/>
+                <a16:creationId xmlns:a16="http://schemas.microsoft.com/office/drawing/2014/main" xmlns="" id="{E4E63F76-7E1A-BB2C-1632-9EF50B6C979C}"/>
               </a:ext>
             </a:extLst>
           </p:cNvPr>
@@ -10589,7 +10589,7 @@
           <p:cNvPr id="10" name="Marcador de contenido 9" descr="Flecha&#10;&#10;El contenido generado por IA puede ser incorrecto.">
             <a:extLst>
               <a:ext uri="{FF2B5EF4-FFF2-40B4-BE49-F238E27FC236}">
-                <a16:creationId xmlns:a16="http://schemas.microsoft.com/office/drawing/2014/main" id="{2F188675-DD19-2E42-3D3C-49654877B9BE}"/>
+                <a16:creationId xmlns:a16="http://schemas.microsoft.com/office/drawing/2014/main" xmlns="" id="{2F188675-DD19-2E42-3D3C-49654877B9BE}"/>
               </a:ext>
             </a:extLst>
           </p:cNvPr>
@@ -10618,7 +10618,7 @@
           <p:cNvPr id="12" name="Marcador de contenido 11" descr="Imagen que contiene Gráfico&#10;&#10;El contenido generado por IA puede ser incorrecto.">
             <a:extLst>
               <a:ext uri="{FF2B5EF4-FFF2-40B4-BE49-F238E27FC236}">
-                <a16:creationId xmlns:a16="http://schemas.microsoft.com/office/drawing/2014/main" id="{B906A027-E11C-3167-21A3-147F33772B51}"/>
+                <a16:creationId xmlns:a16="http://schemas.microsoft.com/office/drawing/2014/main" xmlns="" id="{B906A027-E11C-3167-21A3-147F33772B51}"/>
               </a:ext>
             </a:extLst>
           </p:cNvPr>
@@ -10647,7 +10647,7 @@
           <p:cNvPr id="15" name="Imagen 14" descr="Imagen que contiene tabla, teléfono&#10;&#10;El contenido generado por IA puede ser incorrecto.">
             <a:extLst>
               <a:ext uri="{FF2B5EF4-FFF2-40B4-BE49-F238E27FC236}">
-                <a16:creationId xmlns:a16="http://schemas.microsoft.com/office/drawing/2014/main" id="{E8A0FCCF-ED4F-434B-41DC-4E557A95CB90}"/>
+                <a16:creationId xmlns:a16="http://schemas.microsoft.com/office/drawing/2014/main" xmlns="" id="{E8A0FCCF-ED4F-434B-41DC-4E557A95CB90}"/>
               </a:ext>
             </a:extLst>
           </p:cNvPr>
@@ -10677,7 +10677,7 @@
           <p:cNvPr id="17" name="Imagen 16" descr="Imagen que contiene computadora&#10;&#10;El contenido generado por IA puede ser incorrecto.">
             <a:extLst>
               <a:ext uri="{FF2B5EF4-FFF2-40B4-BE49-F238E27FC236}">
-                <a16:creationId xmlns:a16="http://schemas.microsoft.com/office/drawing/2014/main" id="{283209BE-81D2-5CF8-0A7C-39689412FEAC}"/>
+                <a16:creationId xmlns:a16="http://schemas.microsoft.com/office/drawing/2014/main" xmlns="" id="{283209BE-81D2-5CF8-0A7C-39689412FEAC}"/>
               </a:ext>
             </a:extLst>
           </p:cNvPr>
@@ -10737,7 +10737,7 @@
           <p:cNvPr id="2" name="Título 1">
             <a:extLst>
               <a:ext uri="{FF2B5EF4-FFF2-40B4-BE49-F238E27FC236}">
-                <a16:creationId xmlns:a16="http://schemas.microsoft.com/office/drawing/2014/main" id="{19E835AF-BF43-22A2-B6ED-4C2D80FF8DCD}"/>
+                <a16:creationId xmlns:a16="http://schemas.microsoft.com/office/drawing/2014/main" xmlns="" id="{19E835AF-BF43-22A2-B6ED-4C2D80FF8DCD}"/>
               </a:ext>
             </a:extLst>
           </p:cNvPr>
@@ -10765,7 +10765,7 @@
           <p:cNvPr id="6" name="Marcador de contenido 5">
             <a:extLst>
               <a:ext uri="{FF2B5EF4-FFF2-40B4-BE49-F238E27FC236}">
-                <a16:creationId xmlns:a16="http://schemas.microsoft.com/office/drawing/2014/main" id="{6D475090-73A0-F59A-CCE1-CCD9E831D5D0}"/>
+                <a16:creationId xmlns:a16="http://schemas.microsoft.com/office/drawing/2014/main" xmlns="" id="{6D475090-73A0-F59A-CCE1-CCD9E831D5D0}"/>
               </a:ext>
             </a:extLst>
           </p:cNvPr>
@@ -10776,14 +10776,14 @@
             <p:ph idx="1"/>
             <p:extLst>
               <p:ext uri="{D42A27DB-BD31-4B8C-83A1-F6EECF244321}">
-                <p14:modId xmlns:p14="http://schemas.microsoft.com/office/powerpoint/2010/main" val="3261886965"/>
+                <p14:modId xmlns:p14="http://schemas.microsoft.com/office/powerpoint/2010/main" val="2067452281"/>
               </p:ext>
             </p:extLst>
           </p:nvPr>
         </p:nvGraphicFramePr>
         <p:xfrm>
           <a:off x="581192" y="2469983"/>
-          <a:ext cx="11018000" cy="2966720"/>
+          <a:ext cx="11018000" cy="3235960"/>
         </p:xfrm>
         <a:graphic>
           <a:graphicData uri="http://schemas.openxmlformats.org/drawingml/2006/table">
@@ -10792,24 +10792,25 @@
                 <a:tableStyleId>{5C22544A-7EE6-4342-B048-85BDC9FD1C3A}</a:tableStyleId>
               </a:tblPr>
               <a:tblGrid>
-                <a:gridCol w="3664700">
+                <a:gridCol w="2012718">
                   <a:extLst>
                     <a:ext uri="{9D8B030D-6E8A-4147-A177-3AD203B41FA5}">
-                      <a16:colId xmlns:a16="http://schemas.microsoft.com/office/drawing/2014/main" val="1237714882"/>
+                      <a16:colId xmlns:a16="http://schemas.microsoft.com/office/drawing/2014/main" xmlns="" val="1237714882"/>
                     </a:ext>
                   </a:extLst>
                 </a:gridCol>
-                <a:gridCol w="3676650">
+                <a:gridCol w="3487314"/>
+                <a:gridCol w="2758984">
                   <a:extLst>
                     <a:ext uri="{9D8B030D-6E8A-4147-A177-3AD203B41FA5}">
-                      <a16:colId xmlns:a16="http://schemas.microsoft.com/office/drawing/2014/main" val="2152919591"/>
+                      <a16:colId xmlns:a16="http://schemas.microsoft.com/office/drawing/2014/main" xmlns="" val="2152919591"/>
                     </a:ext>
                   </a:extLst>
                 </a:gridCol>
-                <a:gridCol w="3676650">
+                <a:gridCol w="2758984">
                   <a:extLst>
                     <a:ext uri="{9D8B030D-6E8A-4147-A177-3AD203B41FA5}">
-                      <a16:colId xmlns:a16="http://schemas.microsoft.com/office/drawing/2014/main" val="3690353977"/>
+                      <a16:colId xmlns:a16="http://schemas.microsoft.com/office/drawing/2014/main" xmlns="" val="3690353977"/>
                     </a:ext>
                   </a:extLst>
                 </a:gridCol>
@@ -10824,6 +10825,21 @@
                       <a:r>
                         <a:rPr lang="es-ES" dirty="0" err="1"/>
                         <a:t>Sprints</a:t>
+                      </a:r>
+                      <a:endParaRPr lang="es-ES" dirty="0"/>
+                    </a:p>
+                  </a:txBody>
+                  <a:tcPr/>
+                </a:tc>
+                <a:tc>
+                  <a:txBody>
+                    <a:bodyPr/>
+                    <a:lstStyle/>
+                    <a:p>
+                      <a:pPr algn="ctr"/>
+                      <a:r>
+                        <a:rPr lang="es-ES" dirty="0" smtClean="0"/>
+                        <a:t>Titulo</a:t>
                       </a:r>
                       <a:endParaRPr lang="es-ES" dirty="0"/>
                     </a:p>
@@ -10860,7 +10876,7 @@
                 </a:tc>
                 <a:extLst>
                   <a:ext uri="{0D108BD9-81ED-4DB2-BD59-A6C34878D82A}">
-                    <a16:rowId xmlns:a16="http://schemas.microsoft.com/office/drawing/2014/main" val="1231240131"/>
+                    <a16:rowId xmlns:a16="http://schemas.microsoft.com/office/drawing/2014/main" xmlns="" val="1231240131"/>
                   </a:ext>
                 </a:extLst>
               </a:tr>
@@ -10874,6 +10890,24 @@
                         <a:rPr lang="es-ES" dirty="0"/>
                         <a:t>Sprint 0</a:t>
                       </a:r>
+                    </a:p>
+                  </a:txBody>
+                  <a:tcPr/>
+                </a:tc>
+                <a:tc>
+                  <a:txBody>
+                    <a:bodyPr/>
+                    <a:lstStyle/>
+                    <a:p>
+                      <a:r>
+                        <a:rPr lang="es-ES" dirty="0" smtClean="0"/>
+                        <a:t>Puesta en</a:t>
+                      </a:r>
+                      <a:r>
+                        <a:rPr lang="es-ES" baseline="0" dirty="0" smtClean="0"/>
+                        <a:t> marcha</a:t>
+                      </a:r>
+                      <a:endParaRPr lang="es-ES" dirty="0"/>
                     </a:p>
                   </a:txBody>
                   <a:tcPr/>
@@ -10906,7 +10940,7 @@
                 </a:tc>
                 <a:extLst>
                   <a:ext uri="{0D108BD9-81ED-4DB2-BD59-A6C34878D82A}">
-                    <a16:rowId xmlns:a16="http://schemas.microsoft.com/office/drawing/2014/main" val="1652713779"/>
+                    <a16:rowId xmlns:a16="http://schemas.microsoft.com/office/drawing/2014/main" xmlns="" val="1652713779"/>
                   </a:ext>
                 </a:extLst>
               </a:tr>
@@ -10920,6 +10954,20 @@
                         <a:rPr lang="es-ES" dirty="0"/>
                         <a:t>Sprint 1</a:t>
                       </a:r>
+                    </a:p>
+                  </a:txBody>
+                  <a:tcPr/>
+                </a:tc>
+                <a:tc>
+                  <a:txBody>
+                    <a:bodyPr/>
+                    <a:lstStyle/>
+                    <a:p>
+                      <a:r>
+                        <a:rPr lang="es-ES" dirty="0" smtClean="0"/>
+                        <a:t>Primeras manos</a:t>
+                      </a:r>
+                      <a:endParaRPr lang="es-ES" dirty="0"/>
                     </a:p>
                   </a:txBody>
                   <a:tcPr/>
@@ -10952,7 +11000,7 @@
                 </a:tc>
                 <a:extLst>
                   <a:ext uri="{0D108BD9-81ED-4DB2-BD59-A6C34878D82A}">
-                    <a16:rowId xmlns:a16="http://schemas.microsoft.com/office/drawing/2014/main" val="3925492534"/>
+                    <a16:rowId xmlns:a16="http://schemas.microsoft.com/office/drawing/2014/main" xmlns="" val="3925492534"/>
                   </a:ext>
                 </a:extLst>
               </a:tr>
@@ -10966,6 +11014,24 @@
                         <a:rPr lang="es-ES" dirty="0"/>
                         <a:t>Sprint 2</a:t>
                       </a:r>
+                    </a:p>
+                  </a:txBody>
+                  <a:tcPr/>
+                </a:tc>
+                <a:tc>
+                  <a:txBody>
+                    <a:bodyPr/>
+                    <a:lstStyle/>
+                    <a:p>
+                      <a:r>
+                        <a:rPr lang="es-ES" dirty="0" smtClean="0"/>
+                        <a:t>Introducción</a:t>
+                      </a:r>
+                      <a:r>
+                        <a:rPr lang="es-ES" baseline="0" dirty="0" smtClean="0"/>
+                        <a:t> de eventos y gestos</a:t>
+                      </a:r>
+                      <a:endParaRPr lang="es-ES" dirty="0"/>
                     </a:p>
                   </a:txBody>
                   <a:tcPr/>
@@ -10998,7 +11064,7 @@
                 </a:tc>
                 <a:extLst>
                   <a:ext uri="{0D108BD9-81ED-4DB2-BD59-A6C34878D82A}">
-                    <a16:rowId xmlns:a16="http://schemas.microsoft.com/office/drawing/2014/main" val="2242572653"/>
+                    <a16:rowId xmlns:a16="http://schemas.microsoft.com/office/drawing/2014/main" xmlns="" val="2242572653"/>
                   </a:ext>
                 </a:extLst>
               </a:tr>
@@ -11038,6 +11104,37 @@
                     <a:bodyPr/>
                     <a:lstStyle/>
                     <a:p>
+                      <a:pPr marL="0" marR="0" lvl="0" indent="0" algn="l" defTabSz="457200" rtl="0" eaLnBrk="1" fontAlgn="auto" latinLnBrk="0" hangingPunct="1">
+                        <a:lnSpc>
+                          <a:spcPct val="100000"/>
+                        </a:lnSpc>
+                        <a:spcBef>
+                          <a:spcPts val="0"/>
+                        </a:spcBef>
+                        <a:spcAft>
+                          <a:spcPts val="0"/>
+                        </a:spcAft>
+                        <a:buClrTx/>
+                        <a:buSzTx/>
+                        <a:buFontTx/>
+                        <a:buNone/>
+                        <a:tabLst/>
+                        <a:defRPr/>
+                      </a:pPr>
+                      <a:r>
+                        <a:rPr lang="es-ES" dirty="0" smtClean="0"/>
+                        <a:t>Nuevos gestos a la escena</a:t>
+                      </a:r>
+                      <a:endParaRPr lang="es-ES" dirty="0"/>
+                    </a:p>
+                  </a:txBody>
+                  <a:tcPr/>
+                </a:tc>
+                <a:tc>
+                  <a:txBody>
+                    <a:bodyPr/>
+                    <a:lstStyle/>
+                    <a:p>
                       <a:r>
                         <a:rPr lang="es-ES" dirty="0"/>
                         <a:t>2 semanas</a:t>
@@ -11061,7 +11158,7 @@
                 </a:tc>
                 <a:extLst>
                   <a:ext uri="{0D108BD9-81ED-4DB2-BD59-A6C34878D82A}">
-                    <a16:rowId xmlns:a16="http://schemas.microsoft.com/office/drawing/2014/main" val="1998520040"/>
+                    <a16:rowId xmlns:a16="http://schemas.microsoft.com/office/drawing/2014/main" xmlns="" val="1998520040"/>
                   </a:ext>
                 </a:extLst>
               </a:tr>
@@ -11101,6 +11198,37 @@
                     <a:bodyPr/>
                     <a:lstStyle/>
                     <a:p>
+                      <a:pPr marL="0" marR="0" lvl="0" indent="0" algn="l" defTabSz="457200" rtl="0" eaLnBrk="1" fontAlgn="auto" latinLnBrk="0" hangingPunct="1">
+                        <a:lnSpc>
+                          <a:spcPct val="100000"/>
+                        </a:lnSpc>
+                        <a:spcBef>
+                          <a:spcPts val="0"/>
+                        </a:spcBef>
+                        <a:spcAft>
+                          <a:spcPts val="0"/>
+                        </a:spcAft>
+                        <a:buClrTx/>
+                        <a:buSzTx/>
+                        <a:buFontTx/>
+                        <a:buNone/>
+                        <a:tabLst/>
+                        <a:defRPr/>
+                      </a:pPr>
+                      <a:r>
+                        <a:rPr lang="es-ES" dirty="0" smtClean="0"/>
+                        <a:t>Detección de colisiones</a:t>
+                      </a:r>
+                      <a:endParaRPr lang="es-ES" dirty="0"/>
+                    </a:p>
+                  </a:txBody>
+                  <a:tcPr/>
+                </a:tc>
+                <a:tc>
+                  <a:txBody>
+                    <a:bodyPr/>
+                    <a:lstStyle/>
+                    <a:p>
                       <a:r>
                         <a:rPr lang="es-ES" dirty="0"/>
                         <a:t>1 semana</a:t>
@@ -11124,7 +11252,7 @@
                 </a:tc>
                 <a:extLst>
                   <a:ext uri="{0D108BD9-81ED-4DB2-BD59-A6C34878D82A}">
-                    <a16:rowId xmlns:a16="http://schemas.microsoft.com/office/drawing/2014/main" val="4195270764"/>
+                    <a16:rowId xmlns:a16="http://schemas.microsoft.com/office/drawing/2014/main" xmlns="" val="4195270764"/>
                   </a:ext>
                 </a:extLst>
               </a:tr>
@@ -11164,6 +11292,41 @@
                     <a:bodyPr/>
                     <a:lstStyle/>
                     <a:p>
+                      <a:pPr marL="0" marR="0" lvl="0" indent="0" algn="l" defTabSz="457200" rtl="0" eaLnBrk="1" fontAlgn="auto" latinLnBrk="0" hangingPunct="1">
+                        <a:lnSpc>
+                          <a:spcPct val="100000"/>
+                        </a:lnSpc>
+                        <a:spcBef>
+                          <a:spcPts val="0"/>
+                        </a:spcBef>
+                        <a:spcAft>
+                          <a:spcPts val="0"/>
+                        </a:spcAft>
+                        <a:buClrTx/>
+                        <a:buSzTx/>
+                        <a:buFontTx/>
+                        <a:buNone/>
+                        <a:tabLst/>
+                        <a:defRPr/>
+                      </a:pPr>
+                      <a:r>
+                        <a:rPr lang="es-ES" dirty="0" smtClean="0"/>
+                        <a:t>Incorporación de la función</a:t>
+                      </a:r>
+                      <a:r>
+                        <a:rPr lang="es-ES" baseline="0" dirty="0" smtClean="0"/>
+                        <a:t> Grabable</a:t>
+                      </a:r>
+                      <a:endParaRPr lang="es-ES" dirty="0"/>
+                    </a:p>
+                  </a:txBody>
+                  <a:tcPr/>
+                </a:tc>
+                <a:tc>
+                  <a:txBody>
+                    <a:bodyPr/>
+                    <a:lstStyle/>
+                    <a:p>
                       <a:r>
                         <a:rPr lang="es-ES" dirty="0"/>
                         <a:t>2 semanas</a:t>
@@ -11187,7 +11350,7 @@
                 </a:tc>
                 <a:extLst>
                   <a:ext uri="{0D108BD9-81ED-4DB2-BD59-A6C34878D82A}">
-                    <a16:rowId xmlns:a16="http://schemas.microsoft.com/office/drawing/2014/main" val="4179743263"/>
+                    <a16:rowId xmlns:a16="http://schemas.microsoft.com/office/drawing/2014/main" xmlns="" val="4179743263"/>
                   </a:ext>
                 </a:extLst>
               </a:tr>
@@ -11227,6 +11390,37 @@
                     <a:bodyPr/>
                     <a:lstStyle/>
                     <a:p>
+                      <a:pPr marL="0" marR="0" lvl="0" indent="0" algn="l" defTabSz="457200" rtl="0" eaLnBrk="1" fontAlgn="auto" latinLnBrk="0" hangingPunct="1">
+                        <a:lnSpc>
+                          <a:spcPct val="100000"/>
+                        </a:lnSpc>
+                        <a:spcBef>
+                          <a:spcPts val="0"/>
+                        </a:spcBef>
+                        <a:spcAft>
+                          <a:spcPts val="0"/>
+                        </a:spcAft>
+                        <a:buClrTx/>
+                        <a:buSzTx/>
+                        <a:buFontTx/>
+                        <a:buNone/>
+                        <a:tabLst/>
+                        <a:defRPr/>
+                      </a:pPr>
+                      <a:r>
+                        <a:rPr lang="es-ES" smtClean="0"/>
+                        <a:t>Manos finales</a:t>
+                      </a:r>
+                      <a:endParaRPr lang="es-ES" dirty="0"/>
+                    </a:p>
+                  </a:txBody>
+                  <a:tcPr/>
+                </a:tc>
+                <a:tc>
+                  <a:txBody>
+                    <a:bodyPr/>
+                    <a:lstStyle/>
+                    <a:p>
                       <a:r>
                         <a:rPr lang="es-ES" dirty="0"/>
                         <a:t>1 mes</a:t>
@@ -11250,7 +11444,7 @@
                 </a:tc>
                 <a:extLst>
                   <a:ext uri="{0D108BD9-81ED-4DB2-BD59-A6C34878D82A}">
-                    <a16:rowId xmlns:a16="http://schemas.microsoft.com/office/drawing/2014/main" val="1001260874"/>
+                    <a16:rowId xmlns:a16="http://schemas.microsoft.com/office/drawing/2014/main" xmlns="" val="1001260874"/>
                   </a:ext>
                 </a:extLst>
               </a:tr>
@@ -11293,7 +11487,7 @@
           <p:cNvPr id="2" name="Título 1">
             <a:extLst>
               <a:ext uri="{FF2B5EF4-FFF2-40B4-BE49-F238E27FC236}">
-                <a16:creationId xmlns:a16="http://schemas.microsoft.com/office/drawing/2014/main" id="{CFB5BFCC-2107-0DFB-A068-2BBD102A902A}"/>
+                <a16:creationId xmlns:a16="http://schemas.microsoft.com/office/drawing/2014/main" xmlns="" id="{CFB5BFCC-2107-0DFB-A068-2BBD102A902A}"/>
               </a:ext>
             </a:extLst>
           </p:cNvPr>
@@ -11328,7 +11522,7 @@
           <p:cNvPr id="15" name="Text Placeholder 2">
             <a:extLst>
               <a:ext uri="{FF2B5EF4-FFF2-40B4-BE49-F238E27FC236}">
-                <a16:creationId xmlns:a16="http://schemas.microsoft.com/office/drawing/2014/main" id="{6B8E4937-A71A-F6D8-48A1-84038C893128}"/>
+                <a16:creationId xmlns:a16="http://schemas.microsoft.com/office/drawing/2014/main" xmlns="" id="{6B8E4937-A71A-F6D8-48A1-84038C893128}"/>
               </a:ext>
             </a:extLst>
           </p:cNvPr>
@@ -11362,7 +11556,7 @@
           <p:cNvPr id="17" name="Content Placeholder 3">
             <a:extLst>
               <a:ext uri="{FF2B5EF4-FFF2-40B4-BE49-F238E27FC236}">
-                <a16:creationId xmlns:a16="http://schemas.microsoft.com/office/drawing/2014/main" id="{D0846E20-7171-924A-3312-27610FC73870}"/>
+                <a16:creationId xmlns:a16="http://schemas.microsoft.com/office/drawing/2014/main" xmlns="" id="{D0846E20-7171-924A-3312-27610FC73870}"/>
               </a:ext>
             </a:extLst>
           </p:cNvPr>
@@ -11459,7 +11653,7 @@
           <p:cNvPr id="19" name="Text Placeholder 4">
             <a:extLst>
               <a:ext uri="{FF2B5EF4-FFF2-40B4-BE49-F238E27FC236}">
-                <a16:creationId xmlns:a16="http://schemas.microsoft.com/office/drawing/2014/main" id="{4316A3DF-C36E-8EA9-2D3B-6723E8F0840F}"/>
+                <a16:creationId xmlns:a16="http://schemas.microsoft.com/office/drawing/2014/main" xmlns="" id="{4316A3DF-C36E-8EA9-2D3B-6723E8F0840F}"/>
               </a:ext>
             </a:extLst>
           </p:cNvPr>
@@ -11492,7 +11686,7 @@
           <p:cNvPr id="21" name="Content Placeholder 5">
             <a:extLst>
               <a:ext uri="{FF2B5EF4-FFF2-40B4-BE49-F238E27FC236}">
-                <a16:creationId xmlns:a16="http://schemas.microsoft.com/office/drawing/2014/main" id="{EF6F9626-C8AD-34B6-CAAE-F187DF00F1A3}"/>
+                <a16:creationId xmlns:a16="http://schemas.microsoft.com/office/drawing/2014/main" xmlns="" id="{EF6F9626-C8AD-34B6-CAAE-F187DF00F1A3}"/>
               </a:ext>
             </a:extLst>
           </p:cNvPr>

--- a/presentacion/presentacion.pptx
+++ b/presentacion/presentacion.pptx
@@ -10776,14 +10776,14 @@
             <p:ph idx="1"/>
             <p:extLst>
               <p:ext uri="{D42A27DB-BD31-4B8C-83A1-F6EECF244321}">
-                <p14:modId xmlns:p14="http://schemas.microsoft.com/office/powerpoint/2010/main" val="2067452281"/>
+                <p14:modId xmlns:p14="http://schemas.microsoft.com/office/powerpoint/2010/main" val="1996852434"/>
               </p:ext>
             </p:extLst>
           </p:nvPr>
         </p:nvGraphicFramePr>
         <p:xfrm>
           <a:off x="581192" y="2469983"/>
-          <a:ext cx="11018000" cy="3235960"/>
+          <a:ext cx="11018000" cy="2966720"/>
         </p:xfrm>
         <a:graphic>
           <a:graphicData uri="http://schemas.openxmlformats.org/drawingml/2006/table">
@@ -10799,8 +10799,8 @@
                     </a:ext>
                   </a:extLst>
                 </a:gridCol>
-                <a:gridCol w="3487314"/>
-                <a:gridCol w="2758984">
+                <a:gridCol w="3797559"/>
+                <a:gridCol w="2448739">
                   <a:extLst>
                     <a:ext uri="{9D8B030D-6E8A-4147-A177-3AD203B41FA5}">
                       <a16:colId xmlns:a16="http://schemas.microsoft.com/office/drawing/2014/main" xmlns="" val="2152919591"/>
@@ -11408,7 +11408,7 @@
                         <a:defRPr/>
                       </a:pPr>
                       <a:r>
-                        <a:rPr lang="es-ES" smtClean="0"/>
+                        <a:rPr lang="es-ES" dirty="0" smtClean="0"/>
                         <a:t>Manos finales</a:t>
                       </a:r>
                       <a:endParaRPr lang="es-ES" dirty="0"/>

--- a/presentacion/presentacion.pptx
+++ b/presentacion/presentacion.pptx
@@ -158,7 +158,7 @@
           <p:cNvPr id="2" name="Marcador de encabezado 1">
             <a:extLst>
               <a:ext uri="{FF2B5EF4-FFF2-40B4-BE49-F238E27FC236}">
-                <a16:creationId xmlns:a16="http://schemas.microsoft.com/office/drawing/2014/main" xmlns="" id="{FF81CEA5-62FD-4C83-BDE3-91DFB9827D8F}"/>
+                <a16:creationId xmlns="" xmlns:a16="http://schemas.microsoft.com/office/drawing/2014/main" id="{FF81CEA5-62FD-4C83-BDE3-91DFB9827D8F}"/>
               </a:ext>
             </a:extLst>
           </p:cNvPr>
@@ -187,7 +187,7 @@
           </a:lstStyle>
           <a:p>
             <a:pPr rtl="0"/>
-            <a:endParaRPr lang="es-ES"/>
+            <a:endParaRPr lang="es-ES" dirty="0"/>
           </a:p>
         </p:txBody>
       </p:sp>
@@ -196,7 +196,7 @@
           <p:cNvPr id="3" name="Marcador de fecha 2">
             <a:extLst>
               <a:ext uri="{FF2B5EF4-FFF2-40B4-BE49-F238E27FC236}">
-                <a16:creationId xmlns:a16="http://schemas.microsoft.com/office/drawing/2014/main" xmlns="" id="{3FA1CBFD-6AD0-48C4-B91B-58830F6F4C3E}"/>
+                <a16:creationId xmlns="" xmlns:a16="http://schemas.microsoft.com/office/drawing/2014/main" id="{3FA1CBFD-6AD0-48C4-B91B-58830F6F4C3E}"/>
               </a:ext>
             </a:extLst>
           </p:cNvPr>
@@ -229,7 +229,7 @@
               <a:rPr lang="es-ES" smtClean="0"/>
               <a:t>11/06/2025</a:t>
             </a:fld>
-            <a:endParaRPr lang="es-ES"/>
+            <a:endParaRPr lang="es-ES" dirty="0"/>
           </a:p>
         </p:txBody>
       </p:sp>
@@ -238,7 +238,7 @@
           <p:cNvPr id="4" name="Marcador de pie de página 3">
             <a:extLst>
               <a:ext uri="{FF2B5EF4-FFF2-40B4-BE49-F238E27FC236}">
-                <a16:creationId xmlns:a16="http://schemas.microsoft.com/office/drawing/2014/main" xmlns="" id="{A9E55D22-46A3-4B8C-AD40-252FE7896C36}"/>
+                <a16:creationId xmlns="" xmlns:a16="http://schemas.microsoft.com/office/drawing/2014/main" id="{A9E55D22-46A3-4B8C-AD40-252FE7896C36}"/>
               </a:ext>
             </a:extLst>
           </p:cNvPr>
@@ -267,7 +267,7 @@
           </a:lstStyle>
           <a:p>
             <a:pPr rtl="0"/>
-            <a:endParaRPr lang="es-ES"/>
+            <a:endParaRPr lang="es-ES" dirty="0"/>
           </a:p>
         </p:txBody>
       </p:sp>
@@ -276,7 +276,7 @@
           <p:cNvPr id="5" name="Marcador de número de diapositiva 4">
             <a:extLst>
               <a:ext uri="{FF2B5EF4-FFF2-40B4-BE49-F238E27FC236}">
-                <a16:creationId xmlns:a16="http://schemas.microsoft.com/office/drawing/2014/main" xmlns="" id="{8E70DCEF-9071-4B17-801B-37B4465C8E15}"/>
+                <a16:creationId xmlns="" xmlns:a16="http://schemas.microsoft.com/office/drawing/2014/main" id="{8E70DCEF-9071-4B17-801B-37B4465C8E15}"/>
               </a:ext>
             </a:extLst>
           </p:cNvPr>
@@ -309,7 +309,7 @@
               <a:rPr lang="es-ES" smtClean="0"/>
               <a:t>‹Nº›</a:t>
             </a:fld>
-            <a:endParaRPr lang="es-ES"/>
+            <a:endParaRPr lang="es-ES" dirty="0"/>
           </a:p>
         </p:txBody>
       </p:sp>
@@ -375,7 +375,7 @@
           </a:lstStyle>
           <a:p>
             <a:pPr rtl="0"/>
-            <a:endParaRPr lang="es-ES" noProof="0"/>
+            <a:endParaRPr lang="es-ES" noProof="0" dirty="0"/>
           </a:p>
         </p:txBody>
       </p:sp>
@@ -411,7 +411,7 @@
               <a:rPr lang="es-ES" noProof="0" smtClean="0"/>
               <a:t>11/06/2025</a:t>
             </a:fld>
-            <a:endParaRPr lang="es-ES" noProof="0"/>
+            <a:endParaRPr lang="es-ES" noProof="0" dirty="0"/>
           </a:p>
         </p:txBody>
       </p:sp>
@@ -445,7 +445,7 @@
           <a:lstStyle/>
           <a:p>
             <a:pPr rtl="0"/>
-            <a:endParaRPr lang="es-ES" noProof="0"/>
+            <a:endParaRPr lang="es-ES" noProof="0" dirty="0"/>
           </a:p>
         </p:txBody>
       </p:sp>
@@ -536,7 +536,7 @@
           </a:lstStyle>
           <a:p>
             <a:pPr rtl="0"/>
-            <a:endParaRPr lang="es-ES" noProof="0"/>
+            <a:endParaRPr lang="es-ES" noProof="0" dirty="0"/>
           </a:p>
         </p:txBody>
       </p:sp>
@@ -572,7 +572,7 @@
               <a:rPr lang="es-ES" noProof="0" smtClean="0"/>
               <a:t>‹Nº›</a:t>
             </a:fld>
-            <a:endParaRPr lang="es-ES" noProof="0"/>
+            <a:endParaRPr lang="es-ES" noProof="0" dirty="0"/>
           </a:p>
         </p:txBody>
       </p:sp>
@@ -725,7 +725,7 @@
           <a:lstStyle/>
           <a:p>
             <a:pPr rtl="0"/>
-            <a:endParaRPr lang="es-ES"/>
+            <a:endParaRPr lang="es-ES" dirty="0"/>
           </a:p>
         </p:txBody>
       </p:sp>
@@ -749,7 +749,7 @@
               <a:rPr lang="es-ES" smtClean="0"/>
               <a:t>1</a:t>
             </a:fld>
-            <a:endParaRPr lang="es-ES"/>
+            <a:endParaRPr lang="es-ES" dirty="0"/>
           </a:p>
         </p:txBody>
       </p:sp>
@@ -810,7 +810,7 @@
           <a:bodyPr/>
           <a:lstStyle/>
           <a:p>
-            <a:endParaRPr lang="es-ES"/>
+            <a:endParaRPr lang="es-ES" dirty="0"/>
           </a:p>
         </p:txBody>
       </p:sp>
@@ -834,7 +834,7 @@
               <a:rPr lang="es-ES" smtClean="0"/>
               <a:t>4</a:t>
             </a:fld>
-            <a:endParaRPr lang="es-ES"/>
+            <a:endParaRPr lang="es-ES" dirty="0"/>
           </a:p>
         </p:txBody>
       </p:sp>
@@ -896,7 +896,7 @@
           <a:lstStyle/>
           <a:p>
             <a:pPr rtl="0"/>
-            <a:endParaRPr lang="es-ES"/>
+            <a:endParaRPr lang="es-ES" dirty="0"/>
           </a:p>
         </p:txBody>
       </p:sp>
@@ -920,7 +920,7 @@
               <a:rPr lang="es-ES" smtClean="0"/>
               <a:t>11</a:t>
             </a:fld>
-            <a:endParaRPr lang="es-ES"/>
+            <a:endParaRPr lang="es-ES" dirty="0"/>
           </a:p>
         </p:txBody>
       </p:sp>
@@ -1185,7 +1185,7 @@
               <a:rPr lang="es-ES" noProof="0" smtClean="0"/>
               <a:t>11/06/2025</a:t>
             </a:fld>
-            <a:endParaRPr lang="es-ES" noProof="0"/>
+            <a:endParaRPr lang="es-ES" noProof="0" dirty="0"/>
           </a:p>
         </p:txBody>
       </p:sp>
@@ -1221,7 +1221,7 @@
           </a:lstStyle>
           <a:p>
             <a:pPr rtl="0"/>
-            <a:endParaRPr lang="es-ES" noProof="0"/>
+            <a:endParaRPr lang="es-ES" noProof="0" dirty="0"/>
           </a:p>
         </p:txBody>
       </p:sp>
@@ -1262,7 +1262,7 @@
               <a:pPr rtl="0"/>
               <a:t>‹Nº›</a:t>
             </a:fld>
-            <a:endParaRPr lang="es-ES" noProof="0"/>
+            <a:endParaRPr lang="es-ES" noProof="0" dirty="0"/>
           </a:p>
         </p:txBody>
       </p:sp>
@@ -1450,7 +1450,7 @@
               <a:rPr lang="es-ES" noProof="0" smtClean="0"/>
               <a:t>11/06/2025</a:t>
             </a:fld>
-            <a:endParaRPr lang="es-ES" noProof="0"/>
+            <a:endParaRPr lang="es-ES" noProof="0" dirty="0"/>
           </a:p>
         </p:txBody>
       </p:sp>
@@ -1470,7 +1470,7 @@
           <a:lstStyle/>
           <a:p>
             <a:pPr rtl="0"/>
-            <a:endParaRPr lang="es-ES" noProof="0"/>
+            <a:endParaRPr lang="es-ES" noProof="0" dirty="0"/>
           </a:p>
         </p:txBody>
       </p:sp>
@@ -1495,7 +1495,7 @@
               <a:pPr rtl="0"/>
               <a:t>‹Nº›</a:t>
             </a:fld>
-            <a:endParaRPr lang="es-ES" noProof="0"/>
+            <a:endParaRPr lang="es-ES" noProof="0" dirty="0"/>
           </a:p>
         </p:txBody>
       </p:sp>
@@ -1688,7 +1688,7 @@
               <a:rPr lang="es-ES" noProof="0" smtClean="0"/>
               <a:t>11/06/2025</a:t>
             </a:fld>
-            <a:endParaRPr lang="es-ES" noProof="0"/>
+            <a:endParaRPr lang="es-ES" noProof="0" dirty="0"/>
           </a:p>
         </p:txBody>
       </p:sp>
@@ -1713,7 +1713,7 @@
           <a:lstStyle/>
           <a:p>
             <a:pPr rtl="0"/>
-            <a:endParaRPr lang="es-ES" noProof="0"/>
+            <a:endParaRPr lang="es-ES" noProof="0" dirty="0"/>
           </a:p>
         </p:txBody>
       </p:sp>
@@ -1754,7 +1754,7 @@
               <a:pPr rtl="0"/>
               <a:t>‹Nº›</a:t>
             </a:fld>
-            <a:endParaRPr lang="es-ES" noProof="0"/>
+            <a:endParaRPr lang="es-ES" noProof="0" dirty="0"/>
           </a:p>
         </p:txBody>
       </p:sp>
@@ -1931,7 +1931,7 @@
               <a:rPr lang="es-ES" noProof="0" smtClean="0"/>
               <a:t>11/06/2025</a:t>
             </a:fld>
-            <a:endParaRPr lang="es-ES" noProof="0"/>
+            <a:endParaRPr lang="es-ES" noProof="0" dirty="0"/>
           </a:p>
         </p:txBody>
       </p:sp>
@@ -1951,7 +1951,7 @@
           <a:lstStyle/>
           <a:p>
             <a:pPr rtl="0"/>
-            <a:endParaRPr lang="es-ES" noProof="0"/>
+            <a:endParaRPr lang="es-ES" noProof="0" dirty="0"/>
           </a:p>
         </p:txBody>
       </p:sp>
@@ -1981,7 +1981,7 @@
               <a:pPr rtl="0"/>
               <a:t>‹Nº›</a:t>
             </a:fld>
-            <a:endParaRPr lang="es-ES" noProof="0"/>
+            <a:endParaRPr lang="es-ES" noProof="0" dirty="0"/>
           </a:p>
         </p:txBody>
       </p:sp>
@@ -2242,7 +2242,7 @@
               <a:rPr lang="es-ES" noProof="0" smtClean="0"/>
               <a:t>11/06/2025</a:t>
             </a:fld>
-            <a:endParaRPr lang="es-ES" noProof="0"/>
+            <a:endParaRPr lang="es-ES" noProof="0" dirty="0"/>
           </a:p>
         </p:txBody>
       </p:sp>
@@ -2273,7 +2273,7 @@
           </a:lstStyle>
           <a:p>
             <a:pPr rtl="0"/>
-            <a:endParaRPr lang="es-ES" noProof="0"/>
+            <a:endParaRPr lang="es-ES" noProof="0" dirty="0"/>
           </a:p>
         </p:txBody>
       </p:sp>
@@ -2309,7 +2309,7 @@
               <a:pPr rtl="0"/>
               <a:t>‹Nº›</a:t>
             </a:fld>
-            <a:endParaRPr lang="es-ES" noProof="0"/>
+            <a:endParaRPr lang="es-ES" noProof="0" dirty="0"/>
           </a:p>
         </p:txBody>
       </p:sp>
@@ -2546,7 +2546,7 @@
               <a:rPr lang="es-ES" noProof="0" smtClean="0"/>
               <a:t>11/06/2025</a:t>
             </a:fld>
-            <a:endParaRPr lang="es-ES" noProof="0"/>
+            <a:endParaRPr lang="es-ES" noProof="0" dirty="0"/>
           </a:p>
         </p:txBody>
       </p:sp>
@@ -2566,7 +2566,7 @@
           <a:lstStyle/>
           <a:p>
             <a:pPr rtl="0"/>
-            <a:endParaRPr lang="es-ES" noProof="0"/>
+            <a:endParaRPr lang="es-ES" noProof="0" dirty="0"/>
           </a:p>
         </p:txBody>
       </p:sp>
@@ -2591,7 +2591,7 @@
               <a:pPr rtl="0"/>
               <a:t>‹Nº›</a:t>
             </a:fld>
-            <a:endParaRPr lang="es-ES" noProof="0"/>
+            <a:endParaRPr lang="es-ES" noProof="0" dirty="0"/>
           </a:p>
         </p:txBody>
       </p:sp>
@@ -2970,7 +2970,7 @@
               <a:rPr lang="es-ES" noProof="0" smtClean="0"/>
               <a:t>11/06/2025</a:t>
             </a:fld>
-            <a:endParaRPr lang="es-ES" noProof="0"/>
+            <a:endParaRPr lang="es-ES" noProof="0" dirty="0"/>
           </a:p>
         </p:txBody>
       </p:sp>
@@ -2990,7 +2990,7 @@
           <a:lstStyle/>
           <a:p>
             <a:pPr rtl="0"/>
-            <a:endParaRPr lang="es-ES" noProof="0"/>
+            <a:endParaRPr lang="es-ES" noProof="0" dirty="0"/>
           </a:p>
         </p:txBody>
       </p:sp>
@@ -3015,7 +3015,7 @@
               <a:pPr rtl="0"/>
               <a:t>‹Nº›</a:t>
             </a:fld>
-            <a:endParaRPr lang="es-ES" noProof="0"/>
+            <a:endParaRPr lang="es-ES" noProof="0" dirty="0"/>
           </a:p>
         </p:txBody>
       </p:sp>
@@ -3069,7 +3069,7 @@
               <a:rPr lang="es-ES" noProof="0" smtClean="0"/>
               <a:t>11/06/2025</a:t>
             </a:fld>
-            <a:endParaRPr lang="es-ES" noProof="0"/>
+            <a:endParaRPr lang="es-ES" noProof="0" dirty="0"/>
           </a:p>
         </p:txBody>
       </p:sp>
@@ -3089,7 +3089,7 @@
           <a:lstStyle/>
           <a:p>
             <a:pPr rtl="0"/>
-            <a:endParaRPr lang="es-ES" noProof="0"/>
+            <a:endParaRPr lang="es-ES" noProof="0" dirty="0"/>
           </a:p>
         </p:txBody>
       </p:sp>
@@ -3114,7 +3114,7 @@
               <a:pPr rtl="0"/>
               <a:t>‹Nº›</a:t>
             </a:fld>
-            <a:endParaRPr lang="es-ES" noProof="0"/>
+            <a:endParaRPr lang="es-ES" noProof="0" dirty="0"/>
           </a:p>
         </p:txBody>
       </p:sp>
@@ -3235,7 +3235,7 @@
               <a:rPr lang="es-ES" noProof="0" smtClean="0"/>
               <a:t>11/06/2025</a:t>
             </a:fld>
-            <a:endParaRPr lang="es-ES" noProof="0"/>
+            <a:endParaRPr lang="es-ES" noProof="0" dirty="0"/>
           </a:p>
         </p:txBody>
       </p:sp>
@@ -3255,7 +3255,7 @@
           <a:lstStyle/>
           <a:p>
             <a:pPr rtl="0"/>
-            <a:endParaRPr lang="es-ES" noProof="0"/>
+            <a:endParaRPr lang="es-ES" noProof="0" dirty="0"/>
           </a:p>
         </p:txBody>
       </p:sp>
@@ -3280,7 +3280,7 @@
               <a:pPr rtl="0"/>
               <a:t>‹Nº›</a:t>
             </a:fld>
-            <a:endParaRPr lang="es-ES" noProof="0"/>
+            <a:endParaRPr lang="es-ES" noProof="0" dirty="0"/>
           </a:p>
         </p:txBody>
       </p:sp>
@@ -3616,7 +3616,7 @@
               <a:rPr lang="es-ES" noProof="0" smtClean="0"/>
               <a:t>11/06/2025</a:t>
             </a:fld>
-            <a:endParaRPr lang="es-ES" noProof="0"/>
+            <a:endParaRPr lang="es-ES" noProof="0" dirty="0"/>
           </a:p>
         </p:txBody>
       </p:sp>
@@ -3647,7 +3647,7 @@
           </a:lstStyle>
           <a:p>
             <a:pPr rtl="0"/>
-            <a:endParaRPr lang="es-ES" noProof="0"/>
+            <a:endParaRPr lang="es-ES" noProof="0" dirty="0"/>
           </a:p>
         </p:txBody>
       </p:sp>
@@ -3683,7 +3683,7 @@
               <a:pPr rtl="0"/>
               <a:t>‹Nº›</a:t>
             </a:fld>
-            <a:endParaRPr lang="es-ES" noProof="0"/>
+            <a:endParaRPr lang="es-ES" noProof="0" dirty="0"/>
           </a:p>
         </p:txBody>
       </p:sp>
@@ -3816,7 +3816,7 @@
           <a:p>
             <a:pPr rtl="0"/>
             <a:r>
-              <a:rPr lang="es-ES" noProof="0"/>
+              <a:rPr lang="es-ES" noProof="0" dirty="0"/>
               <a:t>Haga clic en el icono para agregar una imagen</a:t>
             </a:r>
           </a:p>
@@ -3909,7 +3909,7 @@
               <a:rPr lang="es-ES" noProof="0" smtClean="0"/>
               <a:t>11/06/2025</a:t>
             </a:fld>
-            <a:endParaRPr lang="es-ES" noProof="0"/>
+            <a:endParaRPr lang="es-ES" noProof="0" dirty="0"/>
           </a:p>
         </p:txBody>
       </p:sp>
@@ -3929,7 +3929,7 @@
           <a:lstStyle/>
           <a:p>
             <a:pPr rtl="0"/>
-            <a:endParaRPr lang="es-ES" noProof="0"/>
+            <a:endParaRPr lang="es-ES" noProof="0" dirty="0"/>
           </a:p>
         </p:txBody>
       </p:sp>
@@ -3954,7 +3954,7 @@
               <a:pPr rtl="0"/>
               <a:t>‹Nº›</a:t>
             </a:fld>
-            <a:endParaRPr lang="es-ES" noProof="0"/>
+            <a:endParaRPr lang="es-ES" noProof="0" dirty="0"/>
           </a:p>
         </p:txBody>
       </p:sp>
@@ -4123,7 +4123,7 @@
               <a:rPr lang="es-ES" noProof="0" smtClean="0"/>
               <a:t>11/06/2025</a:t>
             </a:fld>
-            <a:endParaRPr lang="es-ES" noProof="0"/>
+            <a:endParaRPr lang="es-ES" noProof="0" dirty="0"/>
           </a:p>
         </p:txBody>
       </p:sp>
@@ -4159,7 +4159,7 @@
           </a:lstStyle>
           <a:p>
             <a:pPr rtl="0"/>
-            <a:endParaRPr lang="es-ES" noProof="0"/>
+            <a:endParaRPr lang="es-ES" noProof="0" dirty="0"/>
           </a:p>
         </p:txBody>
       </p:sp>
@@ -4200,7 +4200,7 @@
               <a:pPr rtl="0"/>
               <a:t>‹Nº›</a:t>
             </a:fld>
-            <a:endParaRPr lang="es-ES" noProof="0"/>
+            <a:endParaRPr lang="es-ES" noProof="0" dirty="0"/>
           </a:p>
         </p:txBody>
       </p:sp>
@@ -4739,10 +4739,10 @@
           <p:cNvPr id="15" name="Rectángulo 14">
             <a:extLst>
               <a:ext uri="{FF2B5EF4-FFF2-40B4-BE49-F238E27FC236}">
-                <a16:creationId xmlns:a16="http://schemas.microsoft.com/office/drawing/2014/main" xmlns="" id="{493D4EDA-58E0-40CC-B3CA-14CDEB349D24}"/>
+                <a16:creationId xmlns="" xmlns:a16="http://schemas.microsoft.com/office/drawing/2014/main" id="{493D4EDA-58E0-40CC-B3CA-14CDEB349D24}"/>
               </a:ext>
               <a:ext uri="{C183D7F6-B498-43B3-948B-1728B52AA6E4}">
-                <adec:decorative xmlns:adec="http://schemas.microsoft.com/office/drawing/2017/decorative" xmlns="" val="1"/>
+                <adec:decorative xmlns="" xmlns:adec="http://schemas.microsoft.com/office/drawing/2017/decorative" val="1"/>
               </a:ext>
             </a:extLst>
           </p:cNvPr>
@@ -4752,7 +4752,7 @@
           <p:nvPr>
             <p:extLst>
               <p:ext uri="{386F3935-93C4-4BCD-93E2-E3B085C9AB24}">
-                <p16:designElem xmlns:p16="http://schemas.microsoft.com/office/powerpoint/2015/main" xmlns="" val="1"/>
+                <p16:designElem xmlns="" xmlns:p16="http://schemas.microsoft.com/office/powerpoint/2015/main" val="1"/>
               </p:ext>
             </p:extLst>
           </p:nvPr>
@@ -4799,7 +4799,7 @@
           <p:cNvPr id="7" name="Imagen 6" descr="Conexiones digitales">
             <a:extLst>
               <a:ext uri="{FF2B5EF4-FFF2-40B4-BE49-F238E27FC236}">
-                <a16:creationId xmlns:a16="http://schemas.microsoft.com/office/drawing/2014/main" xmlns="" id="{3840F91C-EDD0-4D4E-A4AB-E6C77856C88C}"/>
+                <a16:creationId xmlns="" xmlns:a16="http://schemas.microsoft.com/office/drawing/2014/main" id="{3840F91C-EDD0-4D4E-A4AB-E6C77856C88C}"/>
               </a:ext>
             </a:extLst>
           </p:cNvPr>
@@ -4834,10 +4834,10 @@
           <p:cNvPr id="17" name="Grupo 16">
             <a:extLst>
               <a:ext uri="{FF2B5EF4-FFF2-40B4-BE49-F238E27FC236}">
-                <a16:creationId xmlns:a16="http://schemas.microsoft.com/office/drawing/2014/main" xmlns="" id="{AA9EB0BC-A85E-4C26-B355-5DFCEF6CCB49}"/>
+                <a16:creationId xmlns="" xmlns:a16="http://schemas.microsoft.com/office/drawing/2014/main" id="{AA9EB0BC-A85E-4C26-B355-5DFCEF6CCB49}"/>
               </a:ext>
               <a:ext uri="{C183D7F6-B498-43B3-948B-1728B52AA6E4}">
-                <adec:decorative xmlns:adec="http://schemas.microsoft.com/office/drawing/2017/decorative" xmlns="" val="1"/>
+                <adec:decorative xmlns="" xmlns:adec="http://schemas.microsoft.com/office/drawing/2017/decorative" val="1"/>
               </a:ext>
             </a:extLst>
           </p:cNvPr>
@@ -4847,7 +4847,7 @@
           <p:nvPr>
             <p:extLst>
               <p:ext uri="{386F3935-93C4-4BCD-93E2-E3B085C9AB24}">
-                <p16:designElem xmlns:p16="http://schemas.microsoft.com/office/powerpoint/2015/main" xmlns="" val="1"/>
+                <p16:designElem xmlns="" xmlns:p16="http://schemas.microsoft.com/office/powerpoint/2015/main" val="1"/>
               </p:ext>
             </p:extLst>
           </p:nvPr>
@@ -4865,10 +4865,10 @@
             <p:cNvPr id="18" name="Rectángulo 17">
               <a:extLst>
                 <a:ext uri="{FF2B5EF4-FFF2-40B4-BE49-F238E27FC236}">
-                  <a16:creationId xmlns:a16="http://schemas.microsoft.com/office/drawing/2014/main" xmlns="" id="{3643E56B-BD42-413D-B17D-7958270F5DE4}"/>
+                  <a16:creationId xmlns="" xmlns:a16="http://schemas.microsoft.com/office/drawing/2014/main" id="{3643E56B-BD42-413D-B17D-7958270F5DE4}"/>
                 </a:ext>
                 <a:ext uri="{C183D7F6-B498-43B3-948B-1728B52AA6E4}">
-                  <adec:decorative xmlns:adec="http://schemas.microsoft.com/office/drawing/2017/decorative" xmlns="" val="1"/>
+                  <adec:decorative xmlns="" xmlns:adec="http://schemas.microsoft.com/office/drawing/2017/decorative" val="1"/>
                 </a:ext>
               </a:extLst>
             </p:cNvPr>
@@ -4876,7 +4876,7 @@
             <p:nvPr>
               <p:extLst>
                 <p:ext uri="{386F3935-93C4-4BCD-93E2-E3B085C9AB24}">
-                  <p16:designElem xmlns:p16="http://schemas.microsoft.com/office/powerpoint/2015/main" xmlns="" val="1"/>
+                  <p16:designElem xmlns="" xmlns:p16="http://schemas.microsoft.com/office/powerpoint/2015/main" val="1"/>
                 </p:ext>
               </p:extLst>
             </p:nvPr>
@@ -4924,10 +4924,10 @@
             <p:cNvPr id="19" name="Rectángulo 18">
               <a:extLst>
                 <a:ext uri="{FF2B5EF4-FFF2-40B4-BE49-F238E27FC236}">
-                  <a16:creationId xmlns:a16="http://schemas.microsoft.com/office/drawing/2014/main" xmlns="" id="{96C04F74-9467-4FA5-95DC-8D481A29740E}"/>
+                  <a16:creationId xmlns="" xmlns:a16="http://schemas.microsoft.com/office/drawing/2014/main" id="{96C04F74-9467-4FA5-95DC-8D481A29740E}"/>
                 </a:ext>
                 <a:ext uri="{C183D7F6-B498-43B3-948B-1728B52AA6E4}">
-                  <adec:decorative xmlns:adec="http://schemas.microsoft.com/office/drawing/2017/decorative" xmlns="" val="1"/>
+                  <adec:decorative xmlns="" xmlns:adec="http://schemas.microsoft.com/office/drawing/2017/decorative" val="1"/>
                 </a:ext>
               </a:extLst>
             </p:cNvPr>
@@ -4935,7 +4935,7 @@
             <p:nvPr>
               <p:extLst>
                 <p:ext uri="{386F3935-93C4-4BCD-93E2-E3B085C9AB24}">
-                  <p16:designElem xmlns:p16="http://schemas.microsoft.com/office/powerpoint/2015/main" xmlns="" val="1"/>
+                  <p16:designElem xmlns="" xmlns:p16="http://schemas.microsoft.com/office/powerpoint/2015/main" val="1"/>
                 </p:ext>
               </p:extLst>
             </p:nvPr>
@@ -4983,10 +4983,10 @@
             <p:cNvPr id="20" name="Rectángulo 19">
               <a:extLst>
                 <a:ext uri="{FF2B5EF4-FFF2-40B4-BE49-F238E27FC236}">
-                  <a16:creationId xmlns:a16="http://schemas.microsoft.com/office/drawing/2014/main" xmlns="" id="{D73DE1C3-5C37-42E9-A3F0-256F1938327C}"/>
+                  <a16:creationId xmlns="" xmlns:a16="http://schemas.microsoft.com/office/drawing/2014/main" id="{D73DE1C3-5C37-42E9-A3F0-256F1938327C}"/>
                 </a:ext>
                 <a:ext uri="{C183D7F6-B498-43B3-948B-1728B52AA6E4}">
-                  <adec:decorative xmlns:adec="http://schemas.microsoft.com/office/drawing/2017/decorative" xmlns="" val="1"/>
+                  <adec:decorative xmlns="" xmlns:adec="http://schemas.microsoft.com/office/drawing/2017/decorative" val="1"/>
                 </a:ext>
               </a:extLst>
             </p:cNvPr>
@@ -4994,7 +4994,7 @@
             <p:nvPr>
               <p:extLst>
                 <p:ext uri="{386F3935-93C4-4BCD-93E2-E3B085C9AB24}">
-                  <p16:designElem xmlns:p16="http://schemas.microsoft.com/office/powerpoint/2015/main" xmlns="" val="1"/>
+                  <p16:designElem xmlns="" xmlns:p16="http://schemas.microsoft.com/office/powerpoint/2015/main" val="1"/>
                 </p:ext>
               </p:extLst>
             </p:nvPr>
@@ -5043,10 +5043,10 @@
           <p:cNvPr id="22" name="Rectángulo 21">
             <a:extLst>
               <a:ext uri="{FF2B5EF4-FFF2-40B4-BE49-F238E27FC236}">
-                <a16:creationId xmlns:a16="http://schemas.microsoft.com/office/drawing/2014/main" xmlns="" id="{4A2E7EC3-E07C-46CE-9B25-41865A50681C}"/>
+                <a16:creationId xmlns="" xmlns:a16="http://schemas.microsoft.com/office/drawing/2014/main" id="{4A2E7EC3-E07C-46CE-9B25-41865A50681C}"/>
               </a:ext>
               <a:ext uri="{C183D7F6-B498-43B3-948B-1728B52AA6E4}">
-                <adec:decorative xmlns:adec="http://schemas.microsoft.com/office/drawing/2017/decorative" xmlns="" val="1"/>
+                <adec:decorative xmlns="" xmlns:adec="http://schemas.microsoft.com/office/drawing/2017/decorative" val="1"/>
               </a:ext>
             </a:extLst>
           </p:cNvPr>
@@ -5056,7 +5056,7 @@
           <p:nvPr>
             <p:extLst>
               <p:ext uri="{386F3935-93C4-4BCD-93E2-E3B085C9AB24}">
-                <p16:designElem xmlns:p16="http://schemas.microsoft.com/office/powerpoint/2015/main" xmlns="" val="1"/>
+                <p16:designElem xmlns="" xmlns:p16="http://schemas.microsoft.com/office/powerpoint/2015/main" val="1"/>
               </p:ext>
             </p:extLst>
           </p:nvPr>
@@ -5106,7 +5106,7 @@
           <p:cNvPr id="2" name="Título 1">
             <a:extLst>
               <a:ext uri="{FF2B5EF4-FFF2-40B4-BE49-F238E27FC236}">
-                <a16:creationId xmlns:a16="http://schemas.microsoft.com/office/drawing/2014/main" xmlns="" id="{C02C5318-1A1E-49D0-B2E2-A4B0FA9E8A40}"/>
+                <a16:creationId xmlns="" xmlns:a16="http://schemas.microsoft.com/office/drawing/2014/main" id="{C02C5318-1A1E-49D0-B2E2-A4B0FA9E8A40}"/>
               </a:ext>
             </a:extLst>
           </p:cNvPr>
@@ -5146,7 +5146,7 @@
           <p:cNvPr id="3" name="Subtítulo 2">
             <a:extLst>
               <a:ext uri="{FF2B5EF4-FFF2-40B4-BE49-F238E27FC236}">
-                <a16:creationId xmlns:a16="http://schemas.microsoft.com/office/drawing/2014/main" xmlns="" id="{48B6CF59-4E5B-494D-A2F7-97ADD01E6497}"/>
+                <a16:creationId xmlns="" xmlns:a16="http://schemas.microsoft.com/office/drawing/2014/main" id="{48B6CF59-4E5B-494D-A2F7-97ADD01E6497}"/>
               </a:ext>
             </a:extLst>
           </p:cNvPr>
@@ -5189,7 +5189,7 @@
               <a:t>TUTOR: DR. </a:t>
             </a:r>
             <a:r>
-              <a:rPr lang="es-ES" dirty="0" err="1">
+              <a:rPr lang="es-ES" dirty="0">
                 <a:solidFill>
                   <a:srgbClr val="7CEBFF"/>
                 </a:solidFill>
@@ -5205,7 +5205,7 @@
               <a:t> </a:t>
             </a:r>
             <a:r>
-              <a:rPr lang="es-ES" dirty="0" err="1">
+              <a:rPr lang="es-ES" dirty="0">
                 <a:solidFill>
                   <a:srgbClr val="7CEBFF"/>
                 </a:solidFill>
@@ -5221,7 +5221,7 @@
               <a:t> </a:t>
             </a:r>
             <a:r>
-              <a:rPr lang="es-ES" dirty="0" err="1">
+              <a:rPr lang="es-ES" dirty="0">
                 <a:solidFill>
                   <a:srgbClr val="7CEBFF"/>
                 </a:solidFill>
@@ -5274,7 +5274,7 @@
           <p:cNvPr id="2" name="Título 1">
             <a:extLst>
               <a:ext uri="{FF2B5EF4-FFF2-40B4-BE49-F238E27FC236}">
-                <a16:creationId xmlns:a16="http://schemas.microsoft.com/office/drawing/2014/main" xmlns="" id="{B5D6FAB0-E7FF-242F-4239-E6A95ABC0E02}"/>
+                <a16:creationId xmlns="" xmlns:a16="http://schemas.microsoft.com/office/drawing/2014/main" id="{B5D6FAB0-E7FF-242F-4239-E6A95ABC0E02}"/>
               </a:ext>
             </a:extLst>
           </p:cNvPr>
@@ -5302,7 +5302,7 @@
           <p:cNvPr id="3" name="Marcador de contenido 2">
             <a:extLst>
               <a:ext uri="{FF2B5EF4-FFF2-40B4-BE49-F238E27FC236}">
-                <a16:creationId xmlns:a16="http://schemas.microsoft.com/office/drawing/2014/main" xmlns="" id="{8B6E21AF-079D-5EB6-90C2-45CFB644EC8E}"/>
+                <a16:creationId xmlns="" xmlns:a16="http://schemas.microsoft.com/office/drawing/2014/main" id="{8B6E21AF-079D-5EB6-90C2-45CFB644EC8E}"/>
               </a:ext>
             </a:extLst>
           </p:cNvPr>
@@ -5369,7 +5369,7 @@
           <p:cNvPr id="5" name="Imagen 4" descr="Interfaz de usuario gráfica&#10;&#10;El contenido generado por IA puede ser incorrecto.">
             <a:extLst>
               <a:ext uri="{FF2B5EF4-FFF2-40B4-BE49-F238E27FC236}">
-                <a16:creationId xmlns:a16="http://schemas.microsoft.com/office/drawing/2014/main" xmlns="" id="{B9882786-FBCE-7B81-BE0D-E13F95C69599}"/>
+                <a16:creationId xmlns="" xmlns:a16="http://schemas.microsoft.com/office/drawing/2014/main" id="{B9882786-FBCE-7B81-BE0D-E13F95C69599}"/>
               </a:ext>
             </a:extLst>
           </p:cNvPr>
@@ -5399,7 +5399,7 @@
           <p:cNvPr id="7" name="Imagen 6" descr="Imagen que contiene Forma&#10;&#10;El contenido generado por IA puede ser incorrecto.">
             <a:extLst>
               <a:ext uri="{FF2B5EF4-FFF2-40B4-BE49-F238E27FC236}">
-                <a16:creationId xmlns:a16="http://schemas.microsoft.com/office/drawing/2014/main" xmlns="" id="{81C01DDF-7911-6C65-5206-361204504157}"/>
+                <a16:creationId xmlns="" xmlns:a16="http://schemas.microsoft.com/office/drawing/2014/main" id="{81C01DDF-7911-6C65-5206-361204504157}"/>
               </a:ext>
             </a:extLst>
           </p:cNvPr>
@@ -5429,7 +5429,7 @@
           <p:cNvPr id="9" name="Imagen 8" descr="Imagen que contiene pastel, tabla, interior, taza&#10;&#10;El contenido generado por IA puede ser incorrecto.">
             <a:extLst>
               <a:ext uri="{FF2B5EF4-FFF2-40B4-BE49-F238E27FC236}">
-                <a16:creationId xmlns:a16="http://schemas.microsoft.com/office/drawing/2014/main" xmlns="" id="{CF7DF985-80D0-763D-3327-24D56F2FD698}"/>
+                <a16:creationId xmlns="" xmlns:a16="http://schemas.microsoft.com/office/drawing/2014/main" id="{CF7DF985-80D0-763D-3327-24D56F2FD698}"/>
               </a:ext>
             </a:extLst>
           </p:cNvPr>
@@ -5497,10 +5497,10 @@
           <p:cNvPr id="10" name="Rectángulo 9">
             <a:extLst>
               <a:ext uri="{FF2B5EF4-FFF2-40B4-BE49-F238E27FC236}">
-                <a16:creationId xmlns:a16="http://schemas.microsoft.com/office/drawing/2014/main" xmlns="" id="{379F11E2-8BA5-4C5C-AE7C-361E5EA011FF}"/>
+                <a16:creationId xmlns="" xmlns:a16="http://schemas.microsoft.com/office/drawing/2014/main" id="{379F11E2-8BA5-4C5C-AE7C-361E5EA011FF}"/>
               </a:ext>
               <a:ext uri="{C183D7F6-B498-43B3-948B-1728B52AA6E4}">
-                <adec:decorative xmlns:adec="http://schemas.microsoft.com/office/drawing/2017/decorative" xmlns="" val="1"/>
+                <adec:decorative xmlns="" xmlns:adec="http://schemas.microsoft.com/office/drawing/2017/decorative" val="1"/>
               </a:ext>
             </a:extLst>
           </p:cNvPr>
@@ -5510,7 +5510,7 @@
           <p:nvPr>
             <p:extLst>
               <p:ext uri="{386F3935-93C4-4BCD-93E2-E3B085C9AB24}">
-                <p16:designElem xmlns:p16="http://schemas.microsoft.com/office/powerpoint/2015/main" xmlns="" val="1"/>
+                <p16:designElem xmlns="" xmlns:p16="http://schemas.microsoft.com/office/powerpoint/2015/main" val="1"/>
               </p:ext>
             </p:extLst>
           </p:nvPr>
@@ -5557,10 +5557,10 @@
           <p:cNvPr id="12" name="Rectángulo 11">
             <a:extLst>
               <a:ext uri="{FF2B5EF4-FFF2-40B4-BE49-F238E27FC236}">
-                <a16:creationId xmlns:a16="http://schemas.microsoft.com/office/drawing/2014/main" xmlns="" id="{7C00E1DA-EC7C-40FC-95E3-11FDCD2E4291}"/>
+                <a16:creationId xmlns="" xmlns:a16="http://schemas.microsoft.com/office/drawing/2014/main" id="{7C00E1DA-EC7C-40FC-95E3-11FDCD2E4291}"/>
               </a:ext>
               <a:ext uri="{C183D7F6-B498-43B3-948B-1728B52AA6E4}">
-                <adec:decorative xmlns:adec="http://schemas.microsoft.com/office/drawing/2017/decorative" xmlns="" val="1"/>
+                <adec:decorative xmlns="" xmlns:adec="http://schemas.microsoft.com/office/drawing/2017/decorative" val="1"/>
               </a:ext>
             </a:extLst>
           </p:cNvPr>
@@ -5570,7 +5570,7 @@
           <p:nvPr>
             <p:extLst>
               <p:ext uri="{386F3935-93C4-4BCD-93E2-E3B085C9AB24}">
-                <p16:designElem xmlns:p16="http://schemas.microsoft.com/office/powerpoint/2015/main" xmlns="" val="1"/>
+                <p16:designElem xmlns="" xmlns:p16="http://schemas.microsoft.com/office/powerpoint/2015/main" val="1"/>
               </p:ext>
             </p:extLst>
           </p:nvPr>
@@ -5609,7 +5609,7 @@
           <a:bodyPr/>
           <a:lstStyle/>
           <a:p>
-            <a:endParaRPr lang="es-ES"/>
+            <a:endParaRPr lang="es-ES" dirty="0"/>
           </a:p>
         </p:txBody>
       </p:sp>
@@ -5618,10 +5618,10 @@
           <p:cNvPr id="14" name="Grupo 13">
             <a:extLst>
               <a:ext uri="{FF2B5EF4-FFF2-40B4-BE49-F238E27FC236}">
-                <a16:creationId xmlns:a16="http://schemas.microsoft.com/office/drawing/2014/main" xmlns="" id="{9A421166-2996-41A7-B094-AE5316F347DD}"/>
+                <a16:creationId xmlns="" xmlns:a16="http://schemas.microsoft.com/office/drawing/2014/main" id="{9A421166-2996-41A7-B094-AE5316F347DD}"/>
               </a:ext>
               <a:ext uri="{C183D7F6-B498-43B3-948B-1728B52AA6E4}">
-                <adec:decorative xmlns:adec="http://schemas.microsoft.com/office/drawing/2017/decorative" xmlns="" val="1"/>
+                <adec:decorative xmlns="" xmlns:adec="http://schemas.microsoft.com/office/drawing/2017/decorative" val="1"/>
               </a:ext>
             </a:extLst>
           </p:cNvPr>
@@ -5631,7 +5631,7 @@
           <p:nvPr>
             <p:extLst>
               <p:ext uri="{386F3935-93C4-4BCD-93E2-E3B085C9AB24}">
-                <p16:designElem xmlns:p16="http://schemas.microsoft.com/office/powerpoint/2015/main" xmlns="" val="1"/>
+                <p16:designElem xmlns="" xmlns:p16="http://schemas.microsoft.com/office/powerpoint/2015/main" val="1"/>
               </p:ext>
             </p:extLst>
           </p:nvPr>
@@ -5649,10 +5649,10 @@
             <p:cNvPr id="15" name="Rectángulo 14">
               <a:extLst>
                 <a:ext uri="{FF2B5EF4-FFF2-40B4-BE49-F238E27FC236}">
-                  <a16:creationId xmlns:a16="http://schemas.microsoft.com/office/drawing/2014/main" xmlns="" id="{FDBB1B92-A3EB-43E4-8FAB-D20E8ED14CEF}"/>
+                  <a16:creationId xmlns="" xmlns:a16="http://schemas.microsoft.com/office/drawing/2014/main" id="{FDBB1B92-A3EB-43E4-8FAB-D20E8ED14CEF}"/>
                 </a:ext>
                 <a:ext uri="{C183D7F6-B498-43B3-948B-1728B52AA6E4}">
-                  <adec:decorative xmlns:adec="http://schemas.microsoft.com/office/drawing/2017/decorative" xmlns="" val="1"/>
+                  <adec:decorative xmlns="" xmlns:adec="http://schemas.microsoft.com/office/drawing/2017/decorative" val="1"/>
                 </a:ext>
               </a:extLst>
             </p:cNvPr>
@@ -5660,7 +5660,7 @@
             <p:nvPr>
               <p:extLst>
                 <p:ext uri="{386F3935-93C4-4BCD-93E2-E3B085C9AB24}">
-                  <p16:designElem xmlns:p16="http://schemas.microsoft.com/office/powerpoint/2015/main" xmlns="" val="1"/>
+                  <p16:designElem xmlns="" xmlns:p16="http://schemas.microsoft.com/office/powerpoint/2015/main" val="1"/>
                 </p:ext>
               </p:extLst>
             </p:nvPr>
@@ -5699,7 +5699,7 @@
             <a:bodyPr/>
             <a:lstStyle/>
             <a:p>
-              <a:endParaRPr lang="es-ES"/>
+              <a:endParaRPr lang="es-ES" dirty="0"/>
             </a:p>
           </p:txBody>
         </p:sp>
@@ -5708,10 +5708,10 @@
             <p:cNvPr id="16" name="Rectángulo 15">
               <a:extLst>
                 <a:ext uri="{FF2B5EF4-FFF2-40B4-BE49-F238E27FC236}">
-                  <a16:creationId xmlns:a16="http://schemas.microsoft.com/office/drawing/2014/main" xmlns="" id="{3F3972F4-FE7E-48EA-AAD8-9BE5750A6672}"/>
+                  <a16:creationId xmlns="" xmlns:a16="http://schemas.microsoft.com/office/drawing/2014/main" id="{3F3972F4-FE7E-48EA-AAD8-9BE5750A6672}"/>
                 </a:ext>
                 <a:ext uri="{C183D7F6-B498-43B3-948B-1728B52AA6E4}">
-                  <adec:decorative xmlns:adec="http://schemas.microsoft.com/office/drawing/2017/decorative" xmlns="" val="1"/>
+                  <adec:decorative xmlns="" xmlns:adec="http://schemas.microsoft.com/office/drawing/2017/decorative" val="1"/>
                 </a:ext>
               </a:extLst>
             </p:cNvPr>
@@ -5719,7 +5719,7 @@
             <p:nvPr>
               <p:extLst>
                 <p:ext uri="{386F3935-93C4-4BCD-93E2-E3B085C9AB24}">
-                  <p16:designElem xmlns:p16="http://schemas.microsoft.com/office/powerpoint/2015/main" xmlns="" val="1"/>
+                  <p16:designElem xmlns="" xmlns:p16="http://schemas.microsoft.com/office/powerpoint/2015/main" val="1"/>
                 </p:ext>
               </p:extLst>
             </p:nvPr>
@@ -5758,7 +5758,7 @@
             <a:bodyPr/>
             <a:lstStyle/>
             <a:p>
-              <a:endParaRPr lang="es-ES"/>
+              <a:endParaRPr lang="es-ES" dirty="0"/>
             </a:p>
           </p:txBody>
         </p:sp>
@@ -5767,10 +5767,10 @@
             <p:cNvPr id="17" name="Rectángulo 16">
               <a:extLst>
                 <a:ext uri="{FF2B5EF4-FFF2-40B4-BE49-F238E27FC236}">
-                  <a16:creationId xmlns:a16="http://schemas.microsoft.com/office/drawing/2014/main" xmlns="" id="{221614E5-870B-4D5E-A43B-8FF7E5323484}"/>
+                  <a16:creationId xmlns="" xmlns:a16="http://schemas.microsoft.com/office/drawing/2014/main" id="{221614E5-870B-4D5E-A43B-8FF7E5323484}"/>
                 </a:ext>
                 <a:ext uri="{C183D7F6-B498-43B3-948B-1728B52AA6E4}">
-                  <adec:decorative xmlns:adec="http://schemas.microsoft.com/office/drawing/2017/decorative" xmlns="" val="1"/>
+                  <adec:decorative xmlns="" xmlns:adec="http://schemas.microsoft.com/office/drawing/2017/decorative" val="1"/>
                 </a:ext>
               </a:extLst>
             </p:cNvPr>
@@ -5778,7 +5778,7 @@
             <p:nvPr>
               <p:extLst>
                 <p:ext uri="{386F3935-93C4-4BCD-93E2-E3B085C9AB24}">
-                  <p16:designElem xmlns:p16="http://schemas.microsoft.com/office/powerpoint/2015/main" xmlns="" val="1"/>
+                  <p16:designElem xmlns="" xmlns:p16="http://schemas.microsoft.com/office/powerpoint/2015/main" val="1"/>
                 </p:ext>
               </p:extLst>
             </p:nvPr>
@@ -5817,7 +5817,7 @@
             <a:bodyPr/>
             <a:lstStyle/>
             <a:p>
-              <a:endParaRPr lang="es-ES"/>
+              <a:endParaRPr lang="es-ES" dirty="0"/>
             </a:p>
           </p:txBody>
         </p:sp>
@@ -5827,7 +5827,7 @@
           <p:cNvPr id="2" name="Título 1">
             <a:extLst>
               <a:ext uri="{FF2B5EF4-FFF2-40B4-BE49-F238E27FC236}">
-                <a16:creationId xmlns:a16="http://schemas.microsoft.com/office/drawing/2014/main" xmlns="" id="{0F87E73C-2B1A-4602-BFBE-CFE1E55D9B38}"/>
+                <a16:creationId xmlns="" xmlns:a16="http://schemas.microsoft.com/office/drawing/2014/main" id="{0F87E73C-2B1A-4602-BFBE-CFE1E55D9B38}"/>
               </a:ext>
             </a:extLst>
           </p:cNvPr>
@@ -5867,7 +5867,7 @@
           <p:cNvPr id="3" name="Subtítulo 2">
             <a:extLst>
               <a:ext uri="{FF2B5EF4-FFF2-40B4-BE49-F238E27FC236}">
-                <a16:creationId xmlns:a16="http://schemas.microsoft.com/office/drawing/2014/main" xmlns="" id="{A9CB511D-EA45-4336-847C-1252667143B5}"/>
+                <a16:creationId xmlns="" xmlns:a16="http://schemas.microsoft.com/office/drawing/2014/main" id="{A9CB511D-EA45-4336-847C-1252667143B5}"/>
               </a:ext>
             </a:extLst>
           </p:cNvPr>
@@ -5920,7 +5920,7 @@
           <p:cNvPr id="1026" name="Picture 2" descr="Hombre de estilo plano con gafas de realidad virtual haciendo dibujos  animados de análisis de datos | Vector Premium">
             <a:extLst>
               <a:ext uri="{FF2B5EF4-FFF2-40B4-BE49-F238E27FC236}">
-                <a16:creationId xmlns:a16="http://schemas.microsoft.com/office/drawing/2014/main" xmlns="" id="{378142A7-608D-90C7-3BB4-662ED696A4CA}"/>
+                <a16:creationId xmlns="" xmlns:a16="http://schemas.microsoft.com/office/drawing/2014/main" id="{378142A7-608D-90C7-3BB4-662ED696A4CA}"/>
               </a:ext>
             </a:extLst>
           </p:cNvPr>
@@ -5997,7 +5997,7 @@
           <p:cNvPr id="2" name="Título 1">
             <a:extLst>
               <a:ext uri="{FF2B5EF4-FFF2-40B4-BE49-F238E27FC236}">
-                <a16:creationId xmlns:a16="http://schemas.microsoft.com/office/drawing/2014/main" xmlns="" id="{42D89D72-4F74-9D22-4A01-D1E4CF07C7B5}"/>
+                <a16:creationId xmlns="" xmlns:a16="http://schemas.microsoft.com/office/drawing/2014/main" id="{42D89D72-4F74-9D22-4A01-D1E4CF07C7B5}"/>
               </a:ext>
             </a:extLst>
           </p:cNvPr>
@@ -6032,7 +6032,7 @@
           <p:cNvPr id="3" name="Rectángulo: esquinas redondeadas 2">
             <a:extLst>
               <a:ext uri="{FF2B5EF4-FFF2-40B4-BE49-F238E27FC236}">
-                <a16:creationId xmlns:a16="http://schemas.microsoft.com/office/drawing/2014/main" xmlns="" id="{323F560B-04DB-FED5-05E4-29BBA6275766}"/>
+                <a16:creationId xmlns="" xmlns:a16="http://schemas.microsoft.com/office/drawing/2014/main" id="{323F560B-04DB-FED5-05E4-29BBA6275766}"/>
               </a:ext>
             </a:extLst>
           </p:cNvPr>
@@ -6072,7 +6072,7 @@
           <a:lstStyle/>
           <a:p>
             <a:pPr algn="ctr"/>
-            <a:endParaRPr lang="es-ES"/>
+            <a:endParaRPr lang="es-ES" dirty="0"/>
           </a:p>
         </p:txBody>
       </p:sp>
@@ -6081,7 +6081,7 @@
           <p:cNvPr id="4" name="Marcador de contenido 5">
             <a:extLst>
               <a:ext uri="{FF2B5EF4-FFF2-40B4-BE49-F238E27FC236}">
-                <a16:creationId xmlns:a16="http://schemas.microsoft.com/office/drawing/2014/main" xmlns="" id="{8054B03E-1430-DEC7-83CD-0AA08D0DA437}"/>
+                <a16:creationId xmlns="" xmlns:a16="http://schemas.microsoft.com/office/drawing/2014/main" id="{8054B03E-1430-DEC7-83CD-0AA08D0DA437}"/>
               </a:ext>
             </a:extLst>
           </p:cNvPr>
@@ -6325,7 +6325,7 @@
           <p:cNvPr id="5" name="Diagrama de flujo: conector 4">
             <a:extLst>
               <a:ext uri="{FF2B5EF4-FFF2-40B4-BE49-F238E27FC236}">
-                <a16:creationId xmlns:a16="http://schemas.microsoft.com/office/drawing/2014/main" xmlns="" id="{22DB4D67-D4AB-83DC-029C-43023C3BCAE3}"/>
+                <a16:creationId xmlns="" xmlns:a16="http://schemas.microsoft.com/office/drawing/2014/main" id="{22DB4D67-D4AB-83DC-029C-43023C3BCAE3}"/>
               </a:ext>
             </a:extLst>
           </p:cNvPr>
@@ -6375,7 +6375,7 @@
           <a:lstStyle/>
           <a:p>
             <a:pPr algn="ctr"/>
-            <a:endParaRPr lang="es-ES"/>
+            <a:endParaRPr lang="es-ES" dirty="0"/>
           </a:p>
         </p:txBody>
       </p:sp>
@@ -6384,7 +6384,7 @@
           <p:cNvPr id="7" name="Marcador de contenido 5">
             <a:extLst>
               <a:ext uri="{FF2B5EF4-FFF2-40B4-BE49-F238E27FC236}">
-                <a16:creationId xmlns:a16="http://schemas.microsoft.com/office/drawing/2014/main" xmlns="" id="{33F41D62-8E1A-A598-C8CC-3899B9081430}"/>
+                <a16:creationId xmlns="" xmlns:a16="http://schemas.microsoft.com/office/drawing/2014/main" id="{33F41D62-8E1A-A598-C8CC-3899B9081430}"/>
               </a:ext>
             </a:extLst>
           </p:cNvPr>
@@ -6622,7 +6622,7 @@
           <p:cNvPr id="8" name="Rectángulo: esquinas redondeadas 7">
             <a:extLst>
               <a:ext uri="{FF2B5EF4-FFF2-40B4-BE49-F238E27FC236}">
-                <a16:creationId xmlns:a16="http://schemas.microsoft.com/office/drawing/2014/main" xmlns="" id="{4C02DAA6-DCBA-FC49-B253-BBB491ED89AE}"/>
+                <a16:creationId xmlns="" xmlns:a16="http://schemas.microsoft.com/office/drawing/2014/main" id="{4C02DAA6-DCBA-FC49-B253-BBB491ED89AE}"/>
               </a:ext>
             </a:extLst>
           </p:cNvPr>
@@ -6662,7 +6662,7 @@
           <a:lstStyle/>
           <a:p>
             <a:pPr algn="ctr"/>
-            <a:endParaRPr lang="es-ES"/>
+            <a:endParaRPr lang="es-ES" dirty="0"/>
           </a:p>
         </p:txBody>
       </p:sp>
@@ -6671,7 +6671,7 @@
           <p:cNvPr id="9" name="Marcador de contenido 5">
             <a:extLst>
               <a:ext uri="{FF2B5EF4-FFF2-40B4-BE49-F238E27FC236}">
-                <a16:creationId xmlns:a16="http://schemas.microsoft.com/office/drawing/2014/main" xmlns="" id="{B5D7D714-FD2B-3E04-4137-22F228514CA6}"/>
+                <a16:creationId xmlns="" xmlns:a16="http://schemas.microsoft.com/office/drawing/2014/main" id="{B5D7D714-FD2B-3E04-4137-22F228514CA6}"/>
               </a:ext>
             </a:extLst>
           </p:cNvPr>
@@ -6924,7 +6924,7 @@
           <p:cNvPr id="10" name="Diagrama de flujo: conector 9">
             <a:extLst>
               <a:ext uri="{FF2B5EF4-FFF2-40B4-BE49-F238E27FC236}">
-                <a16:creationId xmlns:a16="http://schemas.microsoft.com/office/drawing/2014/main" xmlns="" id="{46C0425F-2C4B-BB67-D538-97B389FD96C4}"/>
+                <a16:creationId xmlns="" xmlns:a16="http://schemas.microsoft.com/office/drawing/2014/main" id="{46C0425F-2C4B-BB67-D538-97B389FD96C4}"/>
               </a:ext>
             </a:extLst>
           </p:cNvPr>
@@ -6974,7 +6974,7 @@
           <a:lstStyle/>
           <a:p>
             <a:pPr algn="ctr"/>
-            <a:endParaRPr lang="es-ES"/>
+            <a:endParaRPr lang="es-ES" dirty="0"/>
           </a:p>
         </p:txBody>
       </p:sp>
@@ -6983,7 +6983,7 @@
           <p:cNvPr id="11" name="Marcador de contenido 5">
             <a:extLst>
               <a:ext uri="{FF2B5EF4-FFF2-40B4-BE49-F238E27FC236}">
-                <a16:creationId xmlns:a16="http://schemas.microsoft.com/office/drawing/2014/main" xmlns="" id="{64F1CCBC-D238-7CFA-B2DD-649082ABB022}"/>
+                <a16:creationId xmlns="" xmlns:a16="http://schemas.microsoft.com/office/drawing/2014/main" id="{64F1CCBC-D238-7CFA-B2DD-649082ABB022}"/>
               </a:ext>
             </a:extLst>
           </p:cNvPr>
@@ -7221,7 +7221,7 @@
           <p:cNvPr id="12" name="Rectángulo: esquinas redondeadas 11">
             <a:extLst>
               <a:ext uri="{FF2B5EF4-FFF2-40B4-BE49-F238E27FC236}">
-                <a16:creationId xmlns:a16="http://schemas.microsoft.com/office/drawing/2014/main" xmlns="" id="{C1D031D5-E12F-CAAD-681F-D1D1F9D01200}"/>
+                <a16:creationId xmlns="" xmlns:a16="http://schemas.microsoft.com/office/drawing/2014/main" id="{C1D031D5-E12F-CAAD-681F-D1D1F9D01200}"/>
               </a:ext>
             </a:extLst>
           </p:cNvPr>
@@ -7261,7 +7261,7 @@
           <a:lstStyle/>
           <a:p>
             <a:pPr algn="ctr"/>
-            <a:endParaRPr lang="es-ES"/>
+            <a:endParaRPr lang="es-ES" dirty="0"/>
           </a:p>
         </p:txBody>
       </p:sp>
@@ -7270,7 +7270,7 @@
           <p:cNvPr id="13" name="Marcador de contenido 5">
             <a:extLst>
               <a:ext uri="{FF2B5EF4-FFF2-40B4-BE49-F238E27FC236}">
-                <a16:creationId xmlns:a16="http://schemas.microsoft.com/office/drawing/2014/main" xmlns="" id="{513633CA-1C25-E2D3-B110-62F4E6BF6429}"/>
+                <a16:creationId xmlns="" xmlns:a16="http://schemas.microsoft.com/office/drawing/2014/main" id="{513633CA-1C25-E2D3-B110-62F4E6BF6429}"/>
               </a:ext>
             </a:extLst>
           </p:cNvPr>
@@ -7514,7 +7514,7 @@
           <p:cNvPr id="14" name="Diagrama de flujo: conector 13">
             <a:extLst>
               <a:ext uri="{FF2B5EF4-FFF2-40B4-BE49-F238E27FC236}">
-                <a16:creationId xmlns:a16="http://schemas.microsoft.com/office/drawing/2014/main" xmlns="" id="{6DEED7F4-8C8E-9A72-779D-9067416D3373}"/>
+                <a16:creationId xmlns="" xmlns:a16="http://schemas.microsoft.com/office/drawing/2014/main" id="{6DEED7F4-8C8E-9A72-779D-9067416D3373}"/>
               </a:ext>
             </a:extLst>
           </p:cNvPr>
@@ -7564,7 +7564,7 @@
           <a:lstStyle/>
           <a:p>
             <a:pPr algn="ctr"/>
-            <a:endParaRPr lang="es-ES"/>
+            <a:endParaRPr lang="es-ES" dirty="0"/>
           </a:p>
         </p:txBody>
       </p:sp>
@@ -7573,7 +7573,7 @@
           <p:cNvPr id="15" name="Marcador de contenido 5">
             <a:extLst>
               <a:ext uri="{FF2B5EF4-FFF2-40B4-BE49-F238E27FC236}">
-                <a16:creationId xmlns:a16="http://schemas.microsoft.com/office/drawing/2014/main" xmlns="" id="{902C97CD-F7EE-658E-A4E9-F1D88511AFCA}"/>
+                <a16:creationId xmlns="" xmlns:a16="http://schemas.microsoft.com/office/drawing/2014/main" id="{902C97CD-F7EE-658E-A4E9-F1D88511AFCA}"/>
               </a:ext>
             </a:extLst>
           </p:cNvPr>
@@ -7811,7 +7811,7 @@
           <p:cNvPr id="16" name="Rectángulo: esquinas redondeadas 15">
             <a:extLst>
               <a:ext uri="{FF2B5EF4-FFF2-40B4-BE49-F238E27FC236}">
-                <a16:creationId xmlns:a16="http://schemas.microsoft.com/office/drawing/2014/main" xmlns="" id="{6B3CCCC1-2C37-8F4F-27B6-3989F9675790}"/>
+                <a16:creationId xmlns="" xmlns:a16="http://schemas.microsoft.com/office/drawing/2014/main" id="{6B3CCCC1-2C37-8F4F-27B6-3989F9675790}"/>
               </a:ext>
             </a:extLst>
           </p:cNvPr>
@@ -7851,7 +7851,7 @@
           <a:lstStyle/>
           <a:p>
             <a:pPr algn="ctr"/>
-            <a:endParaRPr lang="es-ES"/>
+            <a:endParaRPr lang="es-ES" dirty="0"/>
           </a:p>
         </p:txBody>
       </p:sp>
@@ -7860,7 +7860,7 @@
           <p:cNvPr id="17" name="Marcador de contenido 5">
             <a:extLst>
               <a:ext uri="{FF2B5EF4-FFF2-40B4-BE49-F238E27FC236}">
-                <a16:creationId xmlns:a16="http://schemas.microsoft.com/office/drawing/2014/main" xmlns="" id="{52E69070-60BA-A7B6-43A1-1A97B299C10D}"/>
+                <a16:creationId xmlns="" xmlns:a16="http://schemas.microsoft.com/office/drawing/2014/main" id="{52E69070-60BA-A7B6-43A1-1A97B299C10D}"/>
               </a:ext>
             </a:extLst>
           </p:cNvPr>
@@ -8104,7 +8104,7 @@
           <p:cNvPr id="18" name="Diagrama de flujo: conector 17">
             <a:extLst>
               <a:ext uri="{FF2B5EF4-FFF2-40B4-BE49-F238E27FC236}">
-                <a16:creationId xmlns:a16="http://schemas.microsoft.com/office/drawing/2014/main" xmlns="" id="{0D1BDC5D-1854-8D87-DEAB-72BC52E218B6}"/>
+                <a16:creationId xmlns="" xmlns:a16="http://schemas.microsoft.com/office/drawing/2014/main" id="{0D1BDC5D-1854-8D87-DEAB-72BC52E218B6}"/>
               </a:ext>
             </a:extLst>
           </p:cNvPr>
@@ -8154,7 +8154,7 @@
           <a:lstStyle/>
           <a:p>
             <a:pPr algn="ctr"/>
-            <a:endParaRPr lang="es-ES"/>
+            <a:endParaRPr lang="es-ES" dirty="0"/>
           </a:p>
         </p:txBody>
       </p:sp>
@@ -8163,7 +8163,7 @@
           <p:cNvPr id="19" name="Marcador de contenido 5">
             <a:extLst>
               <a:ext uri="{FF2B5EF4-FFF2-40B4-BE49-F238E27FC236}">
-                <a16:creationId xmlns:a16="http://schemas.microsoft.com/office/drawing/2014/main" xmlns="" id="{62C43ACD-C1BD-8544-C4E3-120BD35A29B8}"/>
+                <a16:creationId xmlns="" xmlns:a16="http://schemas.microsoft.com/office/drawing/2014/main" id="{62C43ACD-C1BD-8544-C4E3-120BD35A29B8}"/>
               </a:ext>
             </a:extLst>
           </p:cNvPr>
@@ -8401,7 +8401,7 @@
           <p:cNvPr id="23" name="Rectángulo: esquinas redondeadas 22">
             <a:extLst>
               <a:ext uri="{FF2B5EF4-FFF2-40B4-BE49-F238E27FC236}">
-                <a16:creationId xmlns:a16="http://schemas.microsoft.com/office/drawing/2014/main" xmlns="" id="{4E34D35E-9FF3-F9FB-47DA-30E455AD0470}"/>
+                <a16:creationId xmlns="" xmlns:a16="http://schemas.microsoft.com/office/drawing/2014/main" id="{4E34D35E-9FF3-F9FB-47DA-30E455AD0470}"/>
               </a:ext>
             </a:extLst>
           </p:cNvPr>
@@ -8441,7 +8441,7 @@
           <a:lstStyle/>
           <a:p>
             <a:pPr algn="ctr"/>
-            <a:endParaRPr lang="es-ES"/>
+            <a:endParaRPr lang="es-ES" dirty="0"/>
           </a:p>
         </p:txBody>
       </p:sp>
@@ -8450,7 +8450,7 @@
           <p:cNvPr id="24" name="Marcador de contenido 5">
             <a:extLst>
               <a:ext uri="{FF2B5EF4-FFF2-40B4-BE49-F238E27FC236}">
-                <a16:creationId xmlns:a16="http://schemas.microsoft.com/office/drawing/2014/main" xmlns="" id="{EB68F8B7-C529-E260-AAFF-9013DDC3F566}"/>
+                <a16:creationId xmlns="" xmlns:a16="http://schemas.microsoft.com/office/drawing/2014/main" id="{EB68F8B7-C529-E260-AAFF-9013DDC3F566}"/>
               </a:ext>
             </a:extLst>
           </p:cNvPr>
@@ -8694,7 +8694,7 @@
           <p:cNvPr id="25" name="Diagrama de flujo: conector 24">
             <a:extLst>
               <a:ext uri="{FF2B5EF4-FFF2-40B4-BE49-F238E27FC236}">
-                <a16:creationId xmlns:a16="http://schemas.microsoft.com/office/drawing/2014/main" xmlns="" id="{B23CAD62-A55A-AFCA-F451-DE42EE53B081}"/>
+                <a16:creationId xmlns="" xmlns:a16="http://schemas.microsoft.com/office/drawing/2014/main" id="{B23CAD62-A55A-AFCA-F451-DE42EE53B081}"/>
               </a:ext>
             </a:extLst>
           </p:cNvPr>
@@ -8744,7 +8744,7 @@
           <a:lstStyle/>
           <a:p>
             <a:pPr algn="ctr"/>
-            <a:endParaRPr lang="es-ES"/>
+            <a:endParaRPr lang="es-ES" dirty="0"/>
           </a:p>
         </p:txBody>
       </p:sp>
@@ -8753,7 +8753,7 @@
           <p:cNvPr id="26" name="Marcador de contenido 5">
             <a:extLst>
               <a:ext uri="{FF2B5EF4-FFF2-40B4-BE49-F238E27FC236}">
-                <a16:creationId xmlns:a16="http://schemas.microsoft.com/office/drawing/2014/main" xmlns="" id="{E7353DA2-1D33-06C3-FECB-BA0A9E9AB8E6}"/>
+                <a16:creationId xmlns="" xmlns:a16="http://schemas.microsoft.com/office/drawing/2014/main" id="{E7353DA2-1D33-06C3-FECB-BA0A9E9AB8E6}"/>
               </a:ext>
             </a:extLst>
           </p:cNvPr>
@@ -8991,7 +8991,7 @@
           <p:cNvPr id="27" name="Rectángulo: esquinas redondeadas 26">
             <a:extLst>
               <a:ext uri="{FF2B5EF4-FFF2-40B4-BE49-F238E27FC236}">
-                <a16:creationId xmlns:a16="http://schemas.microsoft.com/office/drawing/2014/main" xmlns="" id="{0F6D126D-B5B3-A077-BBFA-B4B2F4A6F7EC}"/>
+                <a16:creationId xmlns="" xmlns:a16="http://schemas.microsoft.com/office/drawing/2014/main" id="{0F6D126D-B5B3-A077-BBFA-B4B2F4A6F7EC}"/>
               </a:ext>
             </a:extLst>
           </p:cNvPr>
@@ -9031,7 +9031,7 @@
           <a:lstStyle/>
           <a:p>
             <a:pPr algn="ctr"/>
-            <a:endParaRPr lang="es-ES"/>
+            <a:endParaRPr lang="es-ES" dirty="0"/>
           </a:p>
         </p:txBody>
       </p:sp>
@@ -9040,7 +9040,7 @@
           <p:cNvPr id="28" name="Marcador de contenido 5">
             <a:extLst>
               <a:ext uri="{FF2B5EF4-FFF2-40B4-BE49-F238E27FC236}">
-                <a16:creationId xmlns:a16="http://schemas.microsoft.com/office/drawing/2014/main" xmlns="" id="{287ABC08-BCAD-03AE-8541-FC7EE10A70AF}"/>
+                <a16:creationId xmlns="" xmlns:a16="http://schemas.microsoft.com/office/drawing/2014/main" id="{287ABC08-BCAD-03AE-8541-FC7EE10A70AF}"/>
               </a:ext>
             </a:extLst>
           </p:cNvPr>
@@ -9284,7 +9284,7 @@
           <p:cNvPr id="29" name="Diagrama de flujo: conector 28">
             <a:extLst>
               <a:ext uri="{FF2B5EF4-FFF2-40B4-BE49-F238E27FC236}">
-                <a16:creationId xmlns:a16="http://schemas.microsoft.com/office/drawing/2014/main" xmlns="" id="{A28C6BC5-6627-13B7-48F4-F2CB4309C28E}"/>
+                <a16:creationId xmlns="" xmlns:a16="http://schemas.microsoft.com/office/drawing/2014/main" id="{A28C6BC5-6627-13B7-48F4-F2CB4309C28E}"/>
               </a:ext>
             </a:extLst>
           </p:cNvPr>
@@ -9334,7 +9334,7 @@
           <a:lstStyle/>
           <a:p>
             <a:pPr algn="ctr"/>
-            <a:endParaRPr lang="es-ES"/>
+            <a:endParaRPr lang="es-ES" dirty="0"/>
           </a:p>
         </p:txBody>
       </p:sp>
@@ -9343,7 +9343,7 @@
           <p:cNvPr id="30" name="Marcador de contenido 5">
             <a:extLst>
               <a:ext uri="{FF2B5EF4-FFF2-40B4-BE49-F238E27FC236}">
-                <a16:creationId xmlns:a16="http://schemas.microsoft.com/office/drawing/2014/main" xmlns="" id="{2B94EA60-6236-D661-586F-C87ABC442DF8}"/>
+                <a16:creationId xmlns="" xmlns:a16="http://schemas.microsoft.com/office/drawing/2014/main" id="{2B94EA60-6236-D661-586F-C87ABC442DF8}"/>
               </a:ext>
             </a:extLst>
           </p:cNvPr>
@@ -9629,7 +9629,7 @@
           <a:lstStyle/>
           <a:p>
             <a:r>
-              <a:rPr lang="es-ES"/>
+              <a:rPr lang="es-ES" dirty="0"/>
               <a:t>Introducción</a:t>
             </a:r>
           </a:p>
@@ -9681,7 +9681,7 @@
           <p:cNvPr id="5" name="Picture 2" descr="joven con gafas vr con panel virtual táctil holográfico en el fondo de  trabajo digital. ilustración vectorial de dibujos animados de estilo plano  5611315 Vector en Vecteezy">
             <a:extLst>
               <a:ext uri="{FF2B5EF4-FFF2-40B4-BE49-F238E27FC236}">
-                <a16:creationId xmlns:a16="http://schemas.microsoft.com/office/drawing/2014/main" xmlns="" id="{585826FF-5F1D-116A-7EDB-ECF2F6EA4329}"/>
+                <a16:creationId xmlns="" xmlns:a16="http://schemas.microsoft.com/office/drawing/2014/main" id="{585826FF-5F1D-116A-7EDB-ECF2F6EA4329}"/>
               </a:ext>
             </a:extLst>
           </p:cNvPr>
@@ -9751,7 +9751,7 @@
           <p:cNvPr id="2" name="Título 1">
             <a:extLst>
               <a:ext uri="{FF2B5EF4-FFF2-40B4-BE49-F238E27FC236}">
-                <a16:creationId xmlns:a16="http://schemas.microsoft.com/office/drawing/2014/main" xmlns="" id="{921633EB-7DCB-4DDC-80AF-C885A3EE1245}"/>
+                <a16:creationId xmlns="" xmlns:a16="http://schemas.microsoft.com/office/drawing/2014/main" id="{921633EB-7DCB-4DDC-80AF-C885A3EE1245}"/>
               </a:ext>
             </a:extLst>
           </p:cNvPr>
@@ -9787,7 +9787,7 @@
           <p:cNvPr id="2050" name="Picture 2">
             <a:extLst>
               <a:ext uri="{FF2B5EF4-FFF2-40B4-BE49-F238E27FC236}">
-                <a16:creationId xmlns:a16="http://schemas.microsoft.com/office/drawing/2014/main" xmlns="" id="{CBB3C702-702A-BE87-FE26-CC78B21E26BB}"/>
+                <a16:creationId xmlns="" xmlns:a16="http://schemas.microsoft.com/office/drawing/2014/main" id="{CBB3C702-702A-BE87-FE26-CC78B21E26BB}"/>
               </a:ext>
             </a:extLst>
           </p:cNvPr>
@@ -9834,7 +9834,7 @@
           <p:cNvPr id="2054" name="Picture 6">
             <a:extLst>
               <a:ext uri="{FF2B5EF4-FFF2-40B4-BE49-F238E27FC236}">
-                <a16:creationId xmlns:a16="http://schemas.microsoft.com/office/drawing/2014/main" xmlns="" id="{850466B1-9229-DA87-8B21-83105A81835E}"/>
+                <a16:creationId xmlns="" xmlns:a16="http://schemas.microsoft.com/office/drawing/2014/main" id="{850466B1-9229-DA87-8B21-83105A81835E}"/>
               </a:ext>
             </a:extLst>
           </p:cNvPr>
@@ -9881,7 +9881,7 @@
           <p:cNvPr id="2056" name="Picture 8" descr="JavaScript Logo, symbol, meaning, history, PNG, brand">
             <a:extLst>
               <a:ext uri="{FF2B5EF4-FFF2-40B4-BE49-F238E27FC236}">
-                <a16:creationId xmlns:a16="http://schemas.microsoft.com/office/drawing/2014/main" xmlns="" id="{0AEDAC79-0779-1470-3487-6AB787026770}"/>
+                <a16:creationId xmlns="" xmlns:a16="http://schemas.microsoft.com/office/drawing/2014/main" id="{0AEDAC79-0779-1470-3487-6AB787026770}"/>
               </a:ext>
             </a:extLst>
           </p:cNvPr>
@@ -9928,7 +9928,7 @@
           <p:cNvPr id="2060" name="Picture 12" descr="Three.js SVG Logo - Questions - three.js forum">
             <a:extLst>
               <a:ext uri="{FF2B5EF4-FFF2-40B4-BE49-F238E27FC236}">
-                <a16:creationId xmlns:a16="http://schemas.microsoft.com/office/drawing/2014/main" xmlns="" id="{8C88ED66-83D8-CD4C-48FA-D3456DC779E9}"/>
+                <a16:creationId xmlns="" xmlns:a16="http://schemas.microsoft.com/office/drawing/2014/main" id="{8C88ED66-83D8-CD4C-48FA-D3456DC779E9}"/>
               </a:ext>
             </a:extLst>
           </p:cNvPr>
@@ -9975,7 +9975,7 @@
           <p:cNvPr id="2062" name="Picture 14" descr="W3C llama a hacer uso de la API WebXR para dispositivos – W3C Hispano">
             <a:extLst>
               <a:ext uri="{FF2B5EF4-FFF2-40B4-BE49-F238E27FC236}">
-                <a16:creationId xmlns:a16="http://schemas.microsoft.com/office/drawing/2014/main" xmlns="" id="{3E095A71-DB8A-48CB-C3CE-1E12E5164AEB}"/>
+                <a16:creationId xmlns="" xmlns:a16="http://schemas.microsoft.com/office/drawing/2014/main" id="{3E095A71-DB8A-48CB-C3CE-1E12E5164AEB}"/>
               </a:ext>
             </a:extLst>
           </p:cNvPr>
@@ -10022,7 +10022,7 @@
           <p:cNvPr id="2064" name="Picture 16" descr="Webgl logo - Iconos Social Media y Logos">
             <a:extLst>
               <a:ext uri="{FF2B5EF4-FFF2-40B4-BE49-F238E27FC236}">
-                <a16:creationId xmlns:a16="http://schemas.microsoft.com/office/drawing/2014/main" xmlns="" id="{25ABF0AE-D2FB-B1FC-DA1B-7EE2FDDF6468}"/>
+                <a16:creationId xmlns="" xmlns:a16="http://schemas.microsoft.com/office/drawing/2014/main" id="{25ABF0AE-D2FB-B1FC-DA1B-7EE2FDDF6468}"/>
               </a:ext>
             </a:extLst>
           </p:cNvPr>
@@ -10069,7 +10069,7 @@
           <p:cNvPr id="2066" name="Picture 18">
             <a:extLst>
               <a:ext uri="{FF2B5EF4-FFF2-40B4-BE49-F238E27FC236}">
-                <a16:creationId xmlns:a16="http://schemas.microsoft.com/office/drawing/2014/main" xmlns="" id="{751243E1-CA56-D8C7-116A-DD3FD96201D3}"/>
+                <a16:creationId xmlns="" xmlns:a16="http://schemas.microsoft.com/office/drawing/2014/main" id="{751243E1-CA56-D8C7-116A-DD3FD96201D3}"/>
               </a:ext>
             </a:extLst>
           </p:cNvPr>
@@ -10116,7 +10116,7 @@
           <p:cNvPr id="2068" name="Picture 20" descr="GitHub Logo, symbol, meaning, history, PNG, brand">
             <a:extLst>
               <a:ext uri="{FF2B5EF4-FFF2-40B4-BE49-F238E27FC236}">
-                <a16:creationId xmlns:a16="http://schemas.microsoft.com/office/drawing/2014/main" xmlns="" id="{CA2B6558-C937-7907-FCBD-3AF06D8DC096}"/>
+                <a16:creationId xmlns="" xmlns:a16="http://schemas.microsoft.com/office/drawing/2014/main" id="{CA2B6558-C937-7907-FCBD-3AF06D8DC096}"/>
               </a:ext>
             </a:extLst>
           </p:cNvPr>
@@ -10163,7 +10163,7 @@
           <p:cNvPr id="2070" name="Picture 22" descr="Meta: Contact Details, Revenue, Funding, Employees and Company Profile">
             <a:extLst>
               <a:ext uri="{FF2B5EF4-FFF2-40B4-BE49-F238E27FC236}">
-                <a16:creationId xmlns:a16="http://schemas.microsoft.com/office/drawing/2014/main" xmlns="" id="{A4C480C9-DC31-D1C3-8994-74A97E8A70AE}"/>
+                <a16:creationId xmlns="" xmlns:a16="http://schemas.microsoft.com/office/drawing/2014/main" id="{A4C480C9-DC31-D1C3-8994-74A97E8A70AE}"/>
               </a:ext>
             </a:extLst>
           </p:cNvPr>
@@ -10210,7 +10210,7 @@
           <p:cNvPr id="2076" name="Picture 28">
             <a:extLst>
               <a:ext uri="{FF2B5EF4-FFF2-40B4-BE49-F238E27FC236}">
-                <a16:creationId xmlns:a16="http://schemas.microsoft.com/office/drawing/2014/main" xmlns="" id="{242C7161-15D1-6C48-A362-093D578E455A}"/>
+                <a16:creationId xmlns="" xmlns:a16="http://schemas.microsoft.com/office/drawing/2014/main" id="{242C7161-15D1-6C48-A362-093D578E455A}"/>
               </a:ext>
             </a:extLst>
           </p:cNvPr>
@@ -10287,7 +10287,7 @@
           <p:cNvPr id="2" name="Título 1">
             <a:extLst>
               <a:ext uri="{FF2B5EF4-FFF2-40B4-BE49-F238E27FC236}">
-                <a16:creationId xmlns:a16="http://schemas.microsoft.com/office/drawing/2014/main" xmlns="" id="{6EE0696A-EC59-AEEC-926E-52105E388E70}"/>
+                <a16:creationId xmlns="" xmlns:a16="http://schemas.microsoft.com/office/drawing/2014/main" id="{6EE0696A-EC59-AEEC-926E-52105E388E70}"/>
               </a:ext>
             </a:extLst>
           </p:cNvPr>
@@ -10322,7 +10322,7 @@
           <p:cNvPr id="5" name="Marcador de contenido 4" descr="Diagrama&#10;&#10;El contenido generado por IA puede ser incorrecto.">
             <a:extLst>
               <a:ext uri="{FF2B5EF4-FFF2-40B4-BE49-F238E27FC236}">
-                <a16:creationId xmlns:a16="http://schemas.microsoft.com/office/drawing/2014/main" xmlns="" id="{721A3A4B-E5FF-B1E1-B571-5150480FE290}"/>
+                <a16:creationId xmlns="" xmlns:a16="http://schemas.microsoft.com/office/drawing/2014/main" id="{721A3A4B-E5FF-B1E1-B571-5150480FE290}"/>
               </a:ext>
             </a:extLst>
           </p:cNvPr>
@@ -10352,7 +10352,7 @@
           <p:cNvPr id="10" name="Content Placeholder 2">
             <a:extLst>
               <a:ext uri="{FF2B5EF4-FFF2-40B4-BE49-F238E27FC236}">
-                <a16:creationId xmlns:a16="http://schemas.microsoft.com/office/drawing/2014/main" xmlns="" id="{F1254407-A1D7-ACDB-29EA-008B1B0421D3}"/>
+                <a16:creationId xmlns="" xmlns:a16="http://schemas.microsoft.com/office/drawing/2014/main" id="{F1254407-A1D7-ACDB-29EA-008B1B0421D3}"/>
               </a:ext>
             </a:extLst>
           </p:cNvPr>
@@ -10376,7 +10376,7 @@
           <a:lstStyle/>
           <a:p>
             <a:r>
-              <a:rPr lang="es-ES" noProof="0" dirty="0" err="1"/>
+              <a:rPr lang="es-ES" noProof="0" dirty="0"/>
               <a:t>WebXR</a:t>
             </a:r>
             <a:endParaRPr lang="es-ES" noProof="0" dirty="0"/>
@@ -10436,7 +10436,7 @@
           <p:cNvPr id="2" name="Título 1">
             <a:extLst>
               <a:ext uri="{FF2B5EF4-FFF2-40B4-BE49-F238E27FC236}">
-                <a16:creationId xmlns:a16="http://schemas.microsoft.com/office/drawing/2014/main" xmlns="" id="{6CE80B81-BF7A-61AD-1FEA-D23301C94B85}"/>
+                <a16:creationId xmlns="" xmlns:a16="http://schemas.microsoft.com/office/drawing/2014/main" id="{6CE80B81-BF7A-61AD-1FEA-D23301C94B85}"/>
               </a:ext>
             </a:extLst>
           </p:cNvPr>
@@ -10464,7 +10464,7 @@
           <p:cNvPr id="7" name="Marcador de contenido 6" descr="Imagen de la pantalla de un celular&#10;&#10;El contenido generado por IA puede ser incorrecto.">
             <a:extLst>
               <a:ext uri="{FF2B5EF4-FFF2-40B4-BE49-F238E27FC236}">
-                <a16:creationId xmlns:a16="http://schemas.microsoft.com/office/drawing/2014/main" xmlns="" id="{363A8432-8183-77A3-5F54-0182D6E74A66}"/>
+                <a16:creationId xmlns="" xmlns:a16="http://schemas.microsoft.com/office/drawing/2014/main" id="{363A8432-8183-77A3-5F54-0182D6E74A66}"/>
               </a:ext>
             </a:extLst>
           </p:cNvPr>
@@ -10493,7 +10493,7 @@
           <p:cNvPr id="5" name="Marcador de contenido 4" descr="Diagrama&#10;&#10;El contenido generado por IA puede ser incorrecto.">
             <a:extLst>
               <a:ext uri="{FF2B5EF4-FFF2-40B4-BE49-F238E27FC236}">
-                <a16:creationId xmlns:a16="http://schemas.microsoft.com/office/drawing/2014/main" xmlns="" id="{B74ADE4E-93BD-BBA7-BA74-0FC00156711B}"/>
+                <a16:creationId xmlns="" xmlns:a16="http://schemas.microsoft.com/office/drawing/2014/main" id="{B74ADE4E-93BD-BBA7-BA74-0FC00156711B}"/>
               </a:ext>
             </a:extLst>
           </p:cNvPr>
@@ -10541,7 +10541,7 @@
         <p:cNvPr id="1" name="">
           <a:extLst>
             <a:ext uri="{FF2B5EF4-FFF2-40B4-BE49-F238E27FC236}">
-              <a16:creationId xmlns:a16="http://schemas.microsoft.com/office/drawing/2014/main" xmlns="" id="{6AD13276-D651-31DB-39AC-D9CE767348AE}"/>
+              <a16:creationId xmlns="" xmlns:a16="http://schemas.microsoft.com/office/drawing/2014/main" id="{6AD13276-D651-31DB-39AC-D9CE767348AE}"/>
             </a:ext>
           </a:extLst>
         </p:cNvPr>
@@ -10561,7 +10561,7 @@
           <p:cNvPr id="2" name="Título 1">
             <a:extLst>
               <a:ext uri="{FF2B5EF4-FFF2-40B4-BE49-F238E27FC236}">
-                <a16:creationId xmlns:a16="http://schemas.microsoft.com/office/drawing/2014/main" xmlns="" id="{E4E63F76-7E1A-BB2C-1632-9EF50B6C979C}"/>
+                <a16:creationId xmlns="" xmlns:a16="http://schemas.microsoft.com/office/drawing/2014/main" id="{E4E63F76-7E1A-BB2C-1632-9EF50B6C979C}"/>
               </a:ext>
             </a:extLst>
           </p:cNvPr>
@@ -10589,7 +10589,7 @@
           <p:cNvPr id="10" name="Marcador de contenido 9" descr="Flecha&#10;&#10;El contenido generado por IA puede ser incorrecto.">
             <a:extLst>
               <a:ext uri="{FF2B5EF4-FFF2-40B4-BE49-F238E27FC236}">
-                <a16:creationId xmlns:a16="http://schemas.microsoft.com/office/drawing/2014/main" xmlns="" id="{2F188675-DD19-2E42-3D3C-49654877B9BE}"/>
+                <a16:creationId xmlns="" xmlns:a16="http://schemas.microsoft.com/office/drawing/2014/main" id="{2F188675-DD19-2E42-3D3C-49654877B9BE}"/>
               </a:ext>
             </a:extLst>
           </p:cNvPr>
@@ -10618,7 +10618,7 @@
           <p:cNvPr id="12" name="Marcador de contenido 11" descr="Imagen que contiene Gráfico&#10;&#10;El contenido generado por IA puede ser incorrecto.">
             <a:extLst>
               <a:ext uri="{FF2B5EF4-FFF2-40B4-BE49-F238E27FC236}">
-                <a16:creationId xmlns:a16="http://schemas.microsoft.com/office/drawing/2014/main" xmlns="" id="{B906A027-E11C-3167-21A3-147F33772B51}"/>
+                <a16:creationId xmlns="" xmlns:a16="http://schemas.microsoft.com/office/drawing/2014/main" id="{B906A027-E11C-3167-21A3-147F33772B51}"/>
               </a:ext>
             </a:extLst>
           </p:cNvPr>
@@ -10647,7 +10647,7 @@
           <p:cNvPr id="15" name="Imagen 14" descr="Imagen que contiene tabla, teléfono&#10;&#10;El contenido generado por IA puede ser incorrecto.">
             <a:extLst>
               <a:ext uri="{FF2B5EF4-FFF2-40B4-BE49-F238E27FC236}">
-                <a16:creationId xmlns:a16="http://schemas.microsoft.com/office/drawing/2014/main" xmlns="" id="{E8A0FCCF-ED4F-434B-41DC-4E557A95CB90}"/>
+                <a16:creationId xmlns="" xmlns:a16="http://schemas.microsoft.com/office/drawing/2014/main" id="{E8A0FCCF-ED4F-434B-41DC-4E557A95CB90}"/>
               </a:ext>
             </a:extLst>
           </p:cNvPr>
@@ -10677,7 +10677,7 @@
           <p:cNvPr id="17" name="Imagen 16" descr="Imagen que contiene computadora&#10;&#10;El contenido generado por IA puede ser incorrecto.">
             <a:extLst>
               <a:ext uri="{FF2B5EF4-FFF2-40B4-BE49-F238E27FC236}">
-                <a16:creationId xmlns:a16="http://schemas.microsoft.com/office/drawing/2014/main" xmlns="" id="{283209BE-81D2-5CF8-0A7C-39689412FEAC}"/>
+                <a16:creationId xmlns="" xmlns:a16="http://schemas.microsoft.com/office/drawing/2014/main" id="{283209BE-81D2-5CF8-0A7C-39689412FEAC}"/>
               </a:ext>
             </a:extLst>
           </p:cNvPr>
@@ -10737,7 +10737,7 @@
           <p:cNvPr id="2" name="Título 1">
             <a:extLst>
               <a:ext uri="{FF2B5EF4-FFF2-40B4-BE49-F238E27FC236}">
-                <a16:creationId xmlns:a16="http://schemas.microsoft.com/office/drawing/2014/main" xmlns="" id="{19E835AF-BF43-22A2-B6ED-4C2D80FF8DCD}"/>
+                <a16:creationId xmlns="" xmlns:a16="http://schemas.microsoft.com/office/drawing/2014/main" id="{19E835AF-BF43-22A2-B6ED-4C2D80FF8DCD}"/>
               </a:ext>
             </a:extLst>
           </p:cNvPr>
@@ -10765,7 +10765,7 @@
           <p:cNvPr id="6" name="Marcador de contenido 5">
             <a:extLst>
               <a:ext uri="{FF2B5EF4-FFF2-40B4-BE49-F238E27FC236}">
-                <a16:creationId xmlns:a16="http://schemas.microsoft.com/office/drawing/2014/main" xmlns="" id="{6D475090-73A0-F59A-CCE1-CCD9E831D5D0}"/>
+                <a16:creationId xmlns="" xmlns:a16="http://schemas.microsoft.com/office/drawing/2014/main" id="{6D475090-73A0-F59A-CCE1-CCD9E831D5D0}"/>
               </a:ext>
             </a:extLst>
           </p:cNvPr>
@@ -10776,7 +10776,7 @@
             <p:ph idx="1"/>
             <p:extLst>
               <p:ext uri="{D42A27DB-BD31-4B8C-83A1-F6EECF244321}">
-                <p14:modId xmlns:p14="http://schemas.microsoft.com/office/powerpoint/2010/main" val="1996852434"/>
+                <p14:modId xmlns:p14="http://schemas.microsoft.com/office/powerpoint/2010/main" val="1542745631"/>
               </p:ext>
             </p:extLst>
           </p:nvPr>
@@ -10795,7 +10795,7 @@
                 <a:gridCol w="2012718">
                   <a:extLst>
                     <a:ext uri="{9D8B030D-6E8A-4147-A177-3AD203B41FA5}">
-                      <a16:colId xmlns:a16="http://schemas.microsoft.com/office/drawing/2014/main" xmlns="" val="1237714882"/>
+                      <a16:colId xmlns="" xmlns:a16="http://schemas.microsoft.com/office/drawing/2014/main" val="1237714882"/>
                     </a:ext>
                   </a:extLst>
                 </a:gridCol>
@@ -10803,14 +10803,14 @@
                 <a:gridCol w="2448739">
                   <a:extLst>
                     <a:ext uri="{9D8B030D-6E8A-4147-A177-3AD203B41FA5}">
-                      <a16:colId xmlns:a16="http://schemas.microsoft.com/office/drawing/2014/main" xmlns="" val="2152919591"/>
+                      <a16:colId xmlns="" xmlns:a16="http://schemas.microsoft.com/office/drawing/2014/main" val="2152919591"/>
                     </a:ext>
                   </a:extLst>
                 </a:gridCol>
                 <a:gridCol w="2758984">
                   <a:extLst>
                     <a:ext uri="{9D8B030D-6E8A-4147-A177-3AD203B41FA5}">
-                      <a16:colId xmlns:a16="http://schemas.microsoft.com/office/drawing/2014/main" xmlns="" val="3690353977"/>
+                      <a16:colId xmlns="" xmlns:a16="http://schemas.microsoft.com/office/drawing/2014/main" val="3690353977"/>
                     </a:ext>
                   </a:extLst>
                 </a:gridCol>
@@ -10823,10 +10823,9 @@
                     <a:p>
                       <a:pPr algn="ctr"/>
                       <a:r>
-                        <a:rPr lang="es-ES" dirty="0" err="1"/>
+                        <a:rPr lang="es-ES" dirty="0"/>
                         <a:t>Sprints</a:t>
                       </a:r>
-                      <a:endParaRPr lang="es-ES" dirty="0"/>
                     </a:p>
                   </a:txBody>
                   <a:tcPr/>
@@ -10876,7 +10875,7 @@
                 </a:tc>
                 <a:extLst>
                   <a:ext uri="{0D108BD9-81ED-4DB2-BD59-A6C34878D82A}">
-                    <a16:rowId xmlns:a16="http://schemas.microsoft.com/office/drawing/2014/main" xmlns="" val="1231240131"/>
+                    <a16:rowId xmlns="" xmlns:a16="http://schemas.microsoft.com/office/drawing/2014/main" val="1231240131"/>
                   </a:ext>
                 </a:extLst>
               </a:tr>
@@ -10940,7 +10939,7 @@
                 </a:tc>
                 <a:extLst>
                   <a:ext uri="{0D108BD9-81ED-4DB2-BD59-A6C34878D82A}">
-                    <a16:rowId xmlns:a16="http://schemas.microsoft.com/office/drawing/2014/main" xmlns="" val="1652713779"/>
+                    <a16:rowId xmlns="" xmlns:a16="http://schemas.microsoft.com/office/drawing/2014/main" val="1652713779"/>
                   </a:ext>
                 </a:extLst>
               </a:tr>
@@ -11000,7 +10999,7 @@
                 </a:tc>
                 <a:extLst>
                   <a:ext uri="{0D108BD9-81ED-4DB2-BD59-A6C34878D82A}">
-                    <a16:rowId xmlns:a16="http://schemas.microsoft.com/office/drawing/2014/main" xmlns="" val="3925492534"/>
+                    <a16:rowId xmlns="" xmlns:a16="http://schemas.microsoft.com/office/drawing/2014/main" val="3925492534"/>
                   </a:ext>
                 </a:extLst>
               </a:tr>
@@ -11064,7 +11063,7 @@
                 </a:tc>
                 <a:extLst>
                   <a:ext uri="{0D108BD9-81ED-4DB2-BD59-A6C34878D82A}">
-                    <a16:rowId xmlns:a16="http://schemas.microsoft.com/office/drawing/2014/main" xmlns="" val="2242572653"/>
+                    <a16:rowId xmlns="" xmlns:a16="http://schemas.microsoft.com/office/drawing/2014/main" val="2242572653"/>
                   </a:ext>
                 </a:extLst>
               </a:tr>
@@ -11158,7 +11157,7 @@
                 </a:tc>
                 <a:extLst>
                   <a:ext uri="{0D108BD9-81ED-4DB2-BD59-A6C34878D82A}">
-                    <a16:rowId xmlns:a16="http://schemas.microsoft.com/office/drawing/2014/main" xmlns="" val="1998520040"/>
+                    <a16:rowId xmlns="" xmlns:a16="http://schemas.microsoft.com/office/drawing/2014/main" val="1998520040"/>
                   </a:ext>
                 </a:extLst>
               </a:tr>
@@ -11252,7 +11251,7 @@
                 </a:tc>
                 <a:extLst>
                   <a:ext uri="{0D108BD9-81ED-4DB2-BD59-A6C34878D82A}">
-                    <a16:rowId xmlns:a16="http://schemas.microsoft.com/office/drawing/2014/main" xmlns="" val="4195270764"/>
+                    <a16:rowId xmlns="" xmlns:a16="http://schemas.microsoft.com/office/drawing/2014/main" val="4195270764"/>
                   </a:ext>
                 </a:extLst>
               </a:tr>
@@ -11350,7 +11349,7 @@
                 </a:tc>
                 <a:extLst>
                   <a:ext uri="{0D108BD9-81ED-4DB2-BD59-A6C34878D82A}">
-                    <a16:rowId xmlns:a16="http://schemas.microsoft.com/office/drawing/2014/main" xmlns="" val="4179743263"/>
+                    <a16:rowId xmlns="" xmlns:a16="http://schemas.microsoft.com/office/drawing/2014/main" val="4179743263"/>
                   </a:ext>
                 </a:extLst>
               </a:tr>
@@ -11444,7 +11443,7 @@
                 </a:tc>
                 <a:extLst>
                   <a:ext uri="{0D108BD9-81ED-4DB2-BD59-A6C34878D82A}">
-                    <a16:rowId xmlns:a16="http://schemas.microsoft.com/office/drawing/2014/main" xmlns="" val="1001260874"/>
+                    <a16:rowId xmlns="" xmlns:a16="http://schemas.microsoft.com/office/drawing/2014/main" val="1001260874"/>
                   </a:ext>
                 </a:extLst>
               </a:tr>
@@ -11487,7 +11486,7 @@
           <p:cNvPr id="2" name="Título 1">
             <a:extLst>
               <a:ext uri="{FF2B5EF4-FFF2-40B4-BE49-F238E27FC236}">
-                <a16:creationId xmlns:a16="http://schemas.microsoft.com/office/drawing/2014/main" xmlns="" id="{CFB5BFCC-2107-0DFB-A068-2BBD102A902A}"/>
+                <a16:creationId xmlns="" xmlns:a16="http://schemas.microsoft.com/office/drawing/2014/main" id="{CFB5BFCC-2107-0DFB-A068-2BBD102A902A}"/>
               </a:ext>
             </a:extLst>
           </p:cNvPr>
@@ -11522,7 +11521,7 @@
           <p:cNvPr id="15" name="Text Placeholder 2">
             <a:extLst>
               <a:ext uri="{FF2B5EF4-FFF2-40B4-BE49-F238E27FC236}">
-                <a16:creationId xmlns:a16="http://schemas.microsoft.com/office/drawing/2014/main" xmlns="" id="{6B8E4937-A71A-F6D8-48A1-84038C893128}"/>
+                <a16:creationId xmlns="" xmlns:a16="http://schemas.microsoft.com/office/drawing/2014/main" id="{6B8E4937-A71A-F6D8-48A1-84038C893128}"/>
               </a:ext>
             </a:extLst>
           </p:cNvPr>
@@ -11544,10 +11543,10 @@
           <a:lstStyle/>
           <a:p>
             <a:r>
-              <a:rPr lang="en-US" dirty="0" err="1"/>
+              <a:rPr lang="es-ES" dirty="0" smtClean="0"/>
               <a:t>Condiciones</a:t>
             </a:r>
-            <a:endParaRPr lang="en-US" dirty="0"/>
+            <a:endParaRPr lang="es-ES" dirty="0"/>
           </a:p>
         </p:txBody>
       </p:sp>
@@ -11556,7 +11555,7 @@
           <p:cNvPr id="17" name="Content Placeholder 3">
             <a:extLst>
               <a:ext uri="{FF2B5EF4-FFF2-40B4-BE49-F238E27FC236}">
-                <a16:creationId xmlns:a16="http://schemas.microsoft.com/office/drawing/2014/main" xmlns="" id="{D0846E20-7171-924A-3312-27610FC73870}"/>
+                <a16:creationId xmlns="" xmlns:a16="http://schemas.microsoft.com/office/drawing/2014/main" id="{D0846E20-7171-924A-3312-27610FC73870}"/>
               </a:ext>
             </a:extLst>
           </p:cNvPr>
@@ -11588,27 +11587,27 @@
               <a:t>Espacio </a:t>
             </a:r>
             <a:r>
-              <a:rPr lang="en-US" dirty="0" err="1"/>
+              <a:rPr lang="en-US" dirty="0"/>
               <a:t>amplio</a:t>
             </a:r>
             <a:endParaRPr lang="en-US" dirty="0"/>
           </a:p>
           <a:p>
             <a:r>
-              <a:rPr lang="en-US" dirty="0" err="1"/>
-              <a:t>Introducidos</a:t>
+              <a:rPr lang="en-US" dirty="0" err="1" smtClean="0"/>
+              <a:t>Introducción</a:t>
+            </a:r>
+            <a:r>
+              <a:rPr lang="en-US" smtClean="0"/>
+              <a:t> directa</a:t>
+            </a:r>
+            <a:r>
+              <a:rPr lang="en-US" dirty="0" smtClean="0"/>
+              <a:t> </a:t>
             </a:r>
             <a:r>
               <a:rPr lang="en-US" dirty="0"/>
-              <a:t> </a:t>
-            </a:r>
-            <a:r>
-              <a:rPr lang="en-US" dirty="0" err="1"/>
-              <a:t>directa</a:t>
-            </a:r>
-            <a:r>
-              <a:rPr lang="en-US" dirty="0"/>
-              <a:t> a la </a:t>
+              <a:t>a la </a:t>
             </a:r>
             <a:r>
               <a:rPr lang="en-US" dirty="0" err="1"/>
@@ -11633,7 +11632,7 @@
           <a:p>
             <a:pPr lvl="1"/>
             <a:r>
-              <a:rPr lang="en-US" dirty="0" err="1"/>
+              <a:rPr lang="en-US" dirty="0"/>
               <a:t>Gestos</a:t>
             </a:r>
             <a:endParaRPr lang="en-US" dirty="0"/>
@@ -11641,7 +11640,7 @@
           <a:p>
             <a:pPr lvl="1"/>
             <a:r>
-              <a:rPr lang="en-US" dirty="0" err="1"/>
+              <a:rPr lang="en-US" dirty="0"/>
               <a:t>Alrededores</a:t>
             </a:r>
             <a:endParaRPr lang="en-US" dirty="0"/>
@@ -11653,7 +11652,7 @@
           <p:cNvPr id="19" name="Text Placeholder 4">
             <a:extLst>
               <a:ext uri="{FF2B5EF4-FFF2-40B4-BE49-F238E27FC236}">
-                <a16:creationId xmlns:a16="http://schemas.microsoft.com/office/drawing/2014/main" xmlns="" id="{4316A3DF-C36E-8EA9-2D3B-6723E8F0840F}"/>
+                <a16:creationId xmlns="" xmlns:a16="http://schemas.microsoft.com/office/drawing/2014/main" id="{4316A3DF-C36E-8EA9-2D3B-6723E8F0840F}"/>
               </a:ext>
             </a:extLst>
           </p:cNvPr>
@@ -11686,7 +11685,7 @@
           <p:cNvPr id="21" name="Content Placeholder 5">
             <a:extLst>
               <a:ext uri="{FF2B5EF4-FFF2-40B4-BE49-F238E27FC236}">
-                <a16:creationId xmlns:a16="http://schemas.microsoft.com/office/drawing/2014/main" xmlns="" id="{EF6F9626-C8AD-34B6-CAAE-F187DF00F1A3}"/>
+                <a16:creationId xmlns="" xmlns:a16="http://schemas.microsoft.com/office/drawing/2014/main" id="{EF6F9626-C8AD-34B6-CAAE-F187DF00F1A3}"/>
               </a:ext>
             </a:extLst>
           </p:cNvPr>
@@ -11714,14 +11713,14 @@
           </a:p>
           <a:p>
             <a:r>
-              <a:rPr lang="en-US" dirty="0" err="1"/>
+              <a:rPr lang="en-US" dirty="0"/>
               <a:t>Gestos</a:t>
             </a:r>
             <a:endParaRPr lang="en-US" dirty="0"/>
           </a:p>
           <a:p>
             <a:r>
-              <a:rPr lang="en-US" dirty="0" err="1"/>
+              <a:rPr lang="en-US" dirty="0"/>
               <a:t>Interacciones</a:t>
             </a:r>
             <a:endParaRPr lang="en-US" dirty="0"/>

--- a/presentacion/presentacion.pptx
+++ b/presentacion/presentacion.pptx
@@ -227,7 +227,7 @@
             <a:pPr rtl="0"/>
             <a:fld id="{C62B80FE-187A-4085-BD71-F0873FF7BD68}" type="datetime1">
               <a:rPr lang="es-ES" smtClean="0"/>
-              <a:t>11/06/2025</a:t>
+              <a:t>16/06/2025</a:t>
             </a:fld>
             <a:endParaRPr lang="es-ES" dirty="0"/>
           </a:p>
@@ -409,7 +409,7 @@
             <a:pPr rtl="0"/>
             <a:fld id="{6D59A2BD-4571-4110-BB3E-5D004DE434FA}" type="datetime1">
               <a:rPr lang="es-ES" noProof="0" smtClean="0"/>
-              <a:t>11/06/2025</a:t>
+              <a:t>16/06/2025</a:t>
             </a:fld>
             <a:endParaRPr lang="es-ES" noProof="0" dirty="0"/>
           </a:p>
@@ -1183,7 +1183,7 @@
             <a:pPr rtl="0"/>
             <a:fld id="{F409C0D2-15DE-4FAC-845B-C48979FFAEB9}" type="datetime1">
               <a:rPr lang="es-ES" noProof="0" smtClean="0"/>
-              <a:t>11/06/2025</a:t>
+              <a:t>16/06/2025</a:t>
             </a:fld>
             <a:endParaRPr lang="es-ES" noProof="0" dirty="0"/>
           </a:p>
@@ -1448,7 +1448,7 @@
             <a:pPr rtl="0"/>
             <a:fld id="{8CF9F163-DD03-4353-882E-CE0F9A80F1C3}" type="datetime1">
               <a:rPr lang="es-ES" noProof="0" smtClean="0"/>
-              <a:t>11/06/2025</a:t>
+              <a:t>16/06/2025</a:t>
             </a:fld>
             <a:endParaRPr lang="es-ES" noProof="0" dirty="0"/>
           </a:p>
@@ -1686,7 +1686,7 @@
             <a:pPr rtl="0"/>
             <a:fld id="{8D2FF54C-EA2F-453C-857C-5C9ADB86CB43}" type="datetime1">
               <a:rPr lang="es-ES" noProof="0" smtClean="0"/>
-              <a:t>11/06/2025</a:t>
+              <a:t>16/06/2025</a:t>
             </a:fld>
             <a:endParaRPr lang="es-ES" noProof="0" dirty="0"/>
           </a:p>
@@ -1929,7 +1929,7 @@
             <a:pPr rtl="0"/>
             <a:fld id="{57670FF6-52DC-429F-9C56-6A1BF295232E}" type="datetime1">
               <a:rPr lang="es-ES" noProof="0" smtClean="0"/>
-              <a:t>11/06/2025</a:t>
+              <a:t>16/06/2025</a:t>
             </a:fld>
             <a:endParaRPr lang="es-ES" noProof="0" dirty="0"/>
           </a:p>
@@ -2240,7 +2240,7 @@
             <a:pPr rtl="0"/>
             <a:fld id="{85E27922-51B6-4B96-9C28-2CD2060AE75A}" type="datetime1">
               <a:rPr lang="es-ES" noProof="0" smtClean="0"/>
-              <a:t>11/06/2025</a:t>
+              <a:t>16/06/2025</a:t>
             </a:fld>
             <a:endParaRPr lang="es-ES" noProof="0" dirty="0"/>
           </a:p>
@@ -2544,7 +2544,7 @@
             <a:pPr rtl="0"/>
             <a:fld id="{F3ECF5D1-1C98-40FD-9D65-EED7644802B9}" type="datetime1">
               <a:rPr lang="es-ES" noProof="0" smtClean="0"/>
-              <a:t>11/06/2025</a:t>
+              <a:t>16/06/2025</a:t>
             </a:fld>
             <a:endParaRPr lang="es-ES" noProof="0" dirty="0"/>
           </a:p>
@@ -2968,7 +2968,7 @@
             <a:pPr rtl="0"/>
             <a:fld id="{8556C746-EB55-4634-AD93-A9FF2473885C}" type="datetime1">
               <a:rPr lang="es-ES" noProof="0" smtClean="0"/>
-              <a:t>11/06/2025</a:t>
+              <a:t>16/06/2025</a:t>
             </a:fld>
             <a:endParaRPr lang="es-ES" noProof="0" dirty="0"/>
           </a:p>
@@ -3067,7 +3067,7 @@
             <a:pPr rtl="0"/>
             <a:fld id="{C9051F13-F75A-440F-BED7-E2004746A95F}" type="datetime1">
               <a:rPr lang="es-ES" noProof="0" smtClean="0"/>
-              <a:t>11/06/2025</a:t>
+              <a:t>16/06/2025</a:t>
             </a:fld>
             <a:endParaRPr lang="es-ES" noProof="0" dirty="0"/>
           </a:p>
@@ -3233,7 +3233,7 @@
             <a:pPr rtl="0"/>
             <a:fld id="{3D7A2E7D-666A-420B-9042-959E1D47E21D}" type="datetime1">
               <a:rPr lang="es-ES" noProof="0" smtClean="0"/>
-              <a:t>11/06/2025</a:t>
+              <a:t>16/06/2025</a:t>
             </a:fld>
             <a:endParaRPr lang="es-ES" noProof="0" dirty="0"/>
           </a:p>
@@ -3614,7 +3614,7 @@
             <a:pPr rtl="0"/>
             <a:fld id="{0403F12F-0E67-4CAB-8DFD-26DCD4A99D59}" type="datetime1">
               <a:rPr lang="es-ES" noProof="0" smtClean="0"/>
-              <a:t>11/06/2025</a:t>
+              <a:t>16/06/2025</a:t>
             </a:fld>
             <a:endParaRPr lang="es-ES" noProof="0" dirty="0"/>
           </a:p>
@@ -3907,7 +3907,7 @@
             <a:pPr rtl="0"/>
             <a:fld id="{9709DA8C-1A59-4B91-B9EA-509377CD0E23}" type="datetime1">
               <a:rPr lang="es-ES" noProof="0" smtClean="0"/>
-              <a:t>11/06/2025</a:t>
+              <a:t>16/06/2025</a:t>
             </a:fld>
             <a:endParaRPr lang="es-ES" noProof="0" dirty="0"/>
           </a:p>
@@ -4121,7 +4121,7 @@
             <a:pPr rtl="0"/>
             <a:fld id="{A3DF7BF2-42BB-439B-88AA-F60334FF1291}" type="datetime1">
               <a:rPr lang="es-ES" noProof="0" smtClean="0"/>
-              <a:t>11/06/2025</a:t>
+              <a:t>16/06/2025</a:t>
             </a:fld>
             <a:endParaRPr lang="es-ES" noProof="0" dirty="0"/>
           </a:p>
@@ -5186,55 +5186,7 @@
                   <a:srgbClr val="7CEBFF"/>
                 </a:solidFill>
               </a:rPr>
-              <a:t>TUTOR: DR. </a:t>
-            </a:r>
-            <a:r>
-              <a:rPr lang="es-ES" dirty="0">
-                <a:solidFill>
-                  <a:srgbClr val="7CEBFF"/>
-                </a:solidFill>
-              </a:rPr>
-              <a:t>JesÚs</a:t>
-            </a:r>
-            <a:r>
-              <a:rPr lang="es-ES" dirty="0">
-                <a:solidFill>
-                  <a:srgbClr val="7CEBFF"/>
-                </a:solidFill>
-              </a:rPr>
-              <a:t> </a:t>
-            </a:r>
-            <a:r>
-              <a:rPr lang="es-ES" dirty="0">
-                <a:solidFill>
-                  <a:srgbClr val="7CEBFF"/>
-                </a:solidFill>
-              </a:rPr>
-              <a:t>MarÍa</a:t>
-            </a:r>
-            <a:r>
-              <a:rPr lang="es-ES" dirty="0">
-                <a:solidFill>
-                  <a:srgbClr val="7CEBFF"/>
-                </a:solidFill>
-              </a:rPr>
-              <a:t> </a:t>
-            </a:r>
-            <a:r>
-              <a:rPr lang="es-ES" dirty="0">
-                <a:solidFill>
-                  <a:srgbClr val="7CEBFF"/>
-                </a:solidFill>
-              </a:rPr>
-              <a:t>GonzÁlez</a:t>
-            </a:r>
-            <a:r>
-              <a:rPr lang="es-ES" dirty="0">
-                <a:solidFill>
-                  <a:srgbClr val="7CEBFF"/>
-                </a:solidFill>
-              </a:rPr>
-              <a:t> Barahona</a:t>
+              <a:t>TUTOR: DR. JesÚs MarÍa GonzÁlez Barahona</a:t>
             </a:r>
           </a:p>
         </p:txBody>
@@ -5318,10 +5270,14 @@
           <a:bodyPr/>
           <a:lstStyle/>
           <a:p>
+            <a:endParaRPr lang="es-ES" dirty="0" smtClean="0"/>
+          </a:p>
+          <a:p>
             <a:r>
-              <a:rPr lang="es-ES" dirty="0"/>
+              <a:rPr lang="es-ES" dirty="0" smtClean="0"/>
               <a:t>Objetivos </a:t>
             </a:r>
+            <a:endParaRPr lang="es-ES" dirty="0"/>
           </a:p>
           <a:p>
             <a:r>
@@ -5337,15 +5293,22 @@
           </a:p>
           <a:p>
             <a:r>
-              <a:rPr lang="es-ES" dirty="0"/>
+              <a:rPr lang="es-ES" dirty="0" smtClean="0"/>
               <a:t>Demos</a:t>
             </a:r>
+          </a:p>
+          <a:p>
+            <a:r>
+              <a:rPr lang="es-ES" dirty="0" smtClean="0"/>
+              <a:t>Trabajos a futuro</a:t>
+            </a:r>
+            <a:endParaRPr lang="es-ES" dirty="0"/>
           </a:p>
           <a:p>
             <a:pPr marL="0" indent="0">
               <a:buNone/>
             </a:pPr>
-            <a:endParaRPr lang="es-ES" dirty="0"/>
+            <a:endParaRPr lang="es-ES" dirty="0" smtClean="0"/>
           </a:p>
           <a:p>
             <a:pPr marL="0" indent="0">
@@ -5366,10 +5329,10 @@
       </p:sp>
       <p:pic>
         <p:nvPicPr>
-          <p:cNvPr id="5" name="Imagen 4" descr="Interfaz de usuario gráfica&#10;&#10;El contenido generado por IA puede ser incorrecto.">
+          <p:cNvPr id="7" name="Imagen 6" descr="Imagen que contiene Forma&#10;&#10;El contenido generado por IA puede ser incorrecto.">
             <a:extLst>
               <a:ext uri="{FF2B5EF4-FFF2-40B4-BE49-F238E27FC236}">
-                <a16:creationId xmlns="" xmlns:a16="http://schemas.microsoft.com/office/drawing/2014/main" id="{B9882786-FBCE-7B81-BE0D-E13F95C69599}"/>
+                <a16:creationId xmlns="" xmlns:a16="http://schemas.microsoft.com/office/drawing/2014/main" id="{81C01DDF-7911-6C65-5206-361204504157}"/>
               </a:ext>
             </a:extLst>
           </p:cNvPr>
@@ -5386,38 +5349,8 @@
         </p:blipFill>
         <p:spPr>
           <a:xfrm>
-            <a:off x="6196261" y="2180495"/>
-            <a:ext cx="4096479" cy="1705411"/>
-          </a:xfrm>
-          <a:prstGeom prst="rect">
-            <a:avLst/>
-          </a:prstGeom>
-        </p:spPr>
-      </p:pic>
-      <p:pic>
-        <p:nvPicPr>
-          <p:cNvPr id="7" name="Imagen 6" descr="Imagen que contiene Forma&#10;&#10;El contenido generado por IA puede ser incorrecto.">
-            <a:extLst>
-              <a:ext uri="{FF2B5EF4-FFF2-40B4-BE49-F238E27FC236}">
-                <a16:creationId xmlns="" xmlns:a16="http://schemas.microsoft.com/office/drawing/2014/main" id="{81C01DDF-7911-6C65-5206-361204504157}"/>
-              </a:ext>
-            </a:extLst>
-          </p:cNvPr>
-          <p:cNvPicPr>
-            <a:picLocks noChangeAspect="1"/>
-          </p:cNvPicPr>
-          <p:nvPr/>
-        </p:nvPicPr>
-        <p:blipFill>
-          <a:blip r:embed="rId3"/>
-          <a:stretch>
-            <a:fillRect/>
-          </a:stretch>
-        </p:blipFill>
-        <p:spPr>
-          <a:xfrm>
-            <a:off x="4499809" y="4269584"/>
-            <a:ext cx="3392907" cy="1705411"/>
+            <a:off x="3458188" y="2408979"/>
+            <a:ext cx="4192587" cy="2107362"/>
           </a:xfrm>
           <a:prstGeom prst="rect">
             <a:avLst/>
@@ -5439,15 +5372,15 @@
           <p:nvPr/>
         </p:nvPicPr>
         <p:blipFill>
-          <a:blip r:embed="rId4"/>
+          <a:blip r:embed="rId3"/>
           <a:stretch>
             <a:fillRect/>
           </a:stretch>
         </p:blipFill>
         <p:spPr>
           <a:xfrm>
-            <a:off x="8620626" y="4238495"/>
-            <a:ext cx="3326732" cy="1852574"/>
+            <a:off x="7967425" y="2408979"/>
+            <a:ext cx="3784264" cy="2107362"/>
           </a:xfrm>
           <a:prstGeom prst="rect">
             <a:avLst/>
@@ -10379,7 +10312,6 @@
               <a:rPr lang="es-ES" noProof="0" dirty="0"/>
               <a:t>WebXR</a:t>
             </a:r>
-            <a:endParaRPr lang="es-ES" noProof="0" dirty="0"/>
           </a:p>
           <a:p>
             <a:r>
@@ -11584,13 +11516,8 @@
           <a:p>
             <a:r>
               <a:rPr lang="en-US" dirty="0"/>
-              <a:t>Espacio </a:t>
+              <a:t>Espacio amplio</a:t>
             </a:r>
-            <a:r>
-              <a:rPr lang="en-US" dirty="0"/>
-              <a:t>amplio</a:t>
-            </a:r>
-            <a:endParaRPr lang="en-US" dirty="0"/>
           </a:p>
           <a:p>
             <a:r>
@@ -11635,7 +11562,6 @@
               <a:rPr lang="en-US" dirty="0"/>
               <a:t>Gestos</a:t>
             </a:r>
-            <a:endParaRPr lang="en-US" dirty="0"/>
           </a:p>
           <a:p>
             <a:pPr lvl="1"/>
@@ -11643,7 +11569,6 @@
               <a:rPr lang="en-US" dirty="0"/>
               <a:t>Alrededores</a:t>
             </a:r>
-            <a:endParaRPr lang="en-US" dirty="0"/>
           </a:p>
         </p:txBody>
       </p:sp>
@@ -11716,20 +11641,48 @@
               <a:rPr lang="en-US" dirty="0"/>
               <a:t>Gestos</a:t>
             </a:r>
-            <a:endParaRPr lang="en-US" dirty="0"/>
           </a:p>
           <a:p>
             <a:r>
               <a:rPr lang="en-US" dirty="0"/>
               <a:t>Interacciones</a:t>
             </a:r>
+          </a:p>
+          <a:p>
             <a:endParaRPr lang="en-US" dirty="0"/>
           </a:p>
-          <a:p>
-            <a:endParaRPr lang="en-US" dirty="0"/>
-          </a:p>
-        </p:txBody>
-      </p:sp>
+        </p:txBody>
+      </p:sp>
+      <p:pic>
+        <p:nvPicPr>
+          <p:cNvPr id="7" name="Imagen 6" descr="Interfaz de usuario gráfica&#10;&#10;El contenido generado por IA puede ser incorrecto.">
+            <a:extLst>
+              <a:ext uri="{FF2B5EF4-FFF2-40B4-BE49-F238E27FC236}">
+                <a16:creationId xmlns="" xmlns:a16="http://schemas.microsoft.com/office/drawing/2014/main" id="{B9882786-FBCE-7B81-BE0D-E13F95C69599}"/>
+              </a:ext>
+            </a:extLst>
+          </p:cNvPr>
+          <p:cNvPicPr>
+            <a:picLocks noChangeAspect="1"/>
+          </p:cNvPicPr>
+          <p:nvPr/>
+        </p:nvPicPr>
+        <p:blipFill>
+          <a:blip r:embed="rId2"/>
+          <a:stretch>
+            <a:fillRect/>
+          </a:stretch>
+        </p:blipFill>
+        <p:spPr>
+          <a:xfrm>
+            <a:off x="5234153" y="4393551"/>
+            <a:ext cx="4096479" cy="1705411"/>
+          </a:xfrm>
+          <a:prstGeom prst="rect">
+            <a:avLst/>
+          </a:prstGeom>
+        </p:spPr>
+      </p:pic>
     </p:spTree>
     <p:extLst>
       <p:ext uri="{BB962C8B-B14F-4D97-AF65-F5344CB8AC3E}">

--- a/presentacion/presentacion.pptx
+++ b/presentacion/presentacion.pptx
@@ -158,7 +158,7 @@
           <p:cNvPr id="2" name="Marcador de encabezado 1">
             <a:extLst>
               <a:ext uri="{FF2B5EF4-FFF2-40B4-BE49-F238E27FC236}">
-                <a16:creationId xmlns="" xmlns:a16="http://schemas.microsoft.com/office/drawing/2014/main" id="{FF81CEA5-62FD-4C83-BDE3-91DFB9827D8F}"/>
+                <a16:creationId xmlns:a16="http://schemas.microsoft.com/office/drawing/2014/main" id="{FF81CEA5-62FD-4C83-BDE3-91DFB9827D8F}"/>
               </a:ext>
             </a:extLst>
           </p:cNvPr>
@@ -196,7 +196,7 @@
           <p:cNvPr id="3" name="Marcador de fecha 2">
             <a:extLst>
               <a:ext uri="{FF2B5EF4-FFF2-40B4-BE49-F238E27FC236}">
-                <a16:creationId xmlns="" xmlns:a16="http://schemas.microsoft.com/office/drawing/2014/main" id="{3FA1CBFD-6AD0-48C4-B91B-58830F6F4C3E}"/>
+                <a16:creationId xmlns:a16="http://schemas.microsoft.com/office/drawing/2014/main" id="{3FA1CBFD-6AD0-48C4-B91B-58830F6F4C3E}"/>
               </a:ext>
             </a:extLst>
           </p:cNvPr>
@@ -238,7 +238,7 @@
           <p:cNvPr id="4" name="Marcador de pie de página 3">
             <a:extLst>
               <a:ext uri="{FF2B5EF4-FFF2-40B4-BE49-F238E27FC236}">
-                <a16:creationId xmlns="" xmlns:a16="http://schemas.microsoft.com/office/drawing/2014/main" id="{A9E55D22-46A3-4B8C-AD40-252FE7896C36}"/>
+                <a16:creationId xmlns:a16="http://schemas.microsoft.com/office/drawing/2014/main" id="{A9E55D22-46A3-4B8C-AD40-252FE7896C36}"/>
               </a:ext>
             </a:extLst>
           </p:cNvPr>
@@ -276,7 +276,7 @@
           <p:cNvPr id="5" name="Marcador de número de diapositiva 4">
             <a:extLst>
               <a:ext uri="{FF2B5EF4-FFF2-40B4-BE49-F238E27FC236}">
-                <a16:creationId xmlns="" xmlns:a16="http://schemas.microsoft.com/office/drawing/2014/main" id="{8E70DCEF-9071-4B17-801B-37B4465C8E15}"/>
+                <a16:creationId xmlns:a16="http://schemas.microsoft.com/office/drawing/2014/main" id="{8E70DCEF-9071-4B17-801B-37B4465C8E15}"/>
               </a:ext>
             </a:extLst>
           </p:cNvPr>
@@ -4739,10 +4739,10 @@
           <p:cNvPr id="15" name="Rectángulo 14">
             <a:extLst>
               <a:ext uri="{FF2B5EF4-FFF2-40B4-BE49-F238E27FC236}">
-                <a16:creationId xmlns="" xmlns:a16="http://schemas.microsoft.com/office/drawing/2014/main" id="{493D4EDA-58E0-40CC-B3CA-14CDEB349D24}"/>
+                <a16:creationId xmlns:a16="http://schemas.microsoft.com/office/drawing/2014/main" id="{493D4EDA-58E0-40CC-B3CA-14CDEB349D24}"/>
               </a:ext>
               <a:ext uri="{C183D7F6-B498-43B3-948B-1728B52AA6E4}">
-                <adec:decorative xmlns="" xmlns:adec="http://schemas.microsoft.com/office/drawing/2017/decorative" val="1"/>
+                <adec:decorative xmlns:adec="http://schemas.microsoft.com/office/drawing/2017/decorative" val="1"/>
               </a:ext>
             </a:extLst>
           </p:cNvPr>
@@ -4752,7 +4752,7 @@
           <p:nvPr>
             <p:extLst>
               <p:ext uri="{386F3935-93C4-4BCD-93E2-E3B085C9AB24}">
-                <p16:designElem xmlns="" xmlns:p16="http://schemas.microsoft.com/office/powerpoint/2015/main" val="1"/>
+                <p16:designElem xmlns:p16="http://schemas.microsoft.com/office/powerpoint/2015/main" val="1"/>
               </p:ext>
             </p:extLst>
           </p:nvPr>
@@ -4799,7 +4799,7 @@
           <p:cNvPr id="7" name="Imagen 6" descr="Conexiones digitales">
             <a:extLst>
               <a:ext uri="{FF2B5EF4-FFF2-40B4-BE49-F238E27FC236}">
-                <a16:creationId xmlns="" xmlns:a16="http://schemas.microsoft.com/office/drawing/2014/main" id="{3840F91C-EDD0-4D4E-A4AB-E6C77856C88C}"/>
+                <a16:creationId xmlns:a16="http://schemas.microsoft.com/office/drawing/2014/main" id="{3840F91C-EDD0-4D4E-A4AB-E6C77856C88C}"/>
               </a:ext>
             </a:extLst>
           </p:cNvPr>
@@ -4834,10 +4834,10 @@
           <p:cNvPr id="17" name="Grupo 16">
             <a:extLst>
               <a:ext uri="{FF2B5EF4-FFF2-40B4-BE49-F238E27FC236}">
-                <a16:creationId xmlns="" xmlns:a16="http://schemas.microsoft.com/office/drawing/2014/main" id="{AA9EB0BC-A85E-4C26-B355-5DFCEF6CCB49}"/>
+                <a16:creationId xmlns:a16="http://schemas.microsoft.com/office/drawing/2014/main" id="{AA9EB0BC-A85E-4C26-B355-5DFCEF6CCB49}"/>
               </a:ext>
               <a:ext uri="{C183D7F6-B498-43B3-948B-1728B52AA6E4}">
-                <adec:decorative xmlns="" xmlns:adec="http://schemas.microsoft.com/office/drawing/2017/decorative" val="1"/>
+                <adec:decorative xmlns:adec="http://schemas.microsoft.com/office/drawing/2017/decorative" val="1"/>
               </a:ext>
             </a:extLst>
           </p:cNvPr>
@@ -4847,7 +4847,7 @@
           <p:nvPr>
             <p:extLst>
               <p:ext uri="{386F3935-93C4-4BCD-93E2-E3B085C9AB24}">
-                <p16:designElem xmlns="" xmlns:p16="http://schemas.microsoft.com/office/powerpoint/2015/main" val="1"/>
+                <p16:designElem xmlns:p16="http://schemas.microsoft.com/office/powerpoint/2015/main" val="1"/>
               </p:ext>
             </p:extLst>
           </p:nvPr>
@@ -4865,10 +4865,10 @@
             <p:cNvPr id="18" name="Rectángulo 17">
               <a:extLst>
                 <a:ext uri="{FF2B5EF4-FFF2-40B4-BE49-F238E27FC236}">
-                  <a16:creationId xmlns="" xmlns:a16="http://schemas.microsoft.com/office/drawing/2014/main" id="{3643E56B-BD42-413D-B17D-7958270F5DE4}"/>
+                  <a16:creationId xmlns:a16="http://schemas.microsoft.com/office/drawing/2014/main" id="{3643E56B-BD42-413D-B17D-7958270F5DE4}"/>
                 </a:ext>
                 <a:ext uri="{C183D7F6-B498-43B3-948B-1728B52AA6E4}">
-                  <adec:decorative xmlns="" xmlns:adec="http://schemas.microsoft.com/office/drawing/2017/decorative" val="1"/>
+                  <adec:decorative xmlns:adec="http://schemas.microsoft.com/office/drawing/2017/decorative" val="1"/>
                 </a:ext>
               </a:extLst>
             </p:cNvPr>
@@ -4876,7 +4876,7 @@
             <p:nvPr>
               <p:extLst>
                 <p:ext uri="{386F3935-93C4-4BCD-93E2-E3B085C9AB24}">
-                  <p16:designElem xmlns="" xmlns:p16="http://schemas.microsoft.com/office/powerpoint/2015/main" val="1"/>
+                  <p16:designElem xmlns:p16="http://schemas.microsoft.com/office/powerpoint/2015/main" val="1"/>
                 </p:ext>
               </p:extLst>
             </p:nvPr>
@@ -4924,10 +4924,10 @@
             <p:cNvPr id="19" name="Rectángulo 18">
               <a:extLst>
                 <a:ext uri="{FF2B5EF4-FFF2-40B4-BE49-F238E27FC236}">
-                  <a16:creationId xmlns="" xmlns:a16="http://schemas.microsoft.com/office/drawing/2014/main" id="{96C04F74-9467-4FA5-95DC-8D481A29740E}"/>
+                  <a16:creationId xmlns:a16="http://schemas.microsoft.com/office/drawing/2014/main" id="{96C04F74-9467-4FA5-95DC-8D481A29740E}"/>
                 </a:ext>
                 <a:ext uri="{C183D7F6-B498-43B3-948B-1728B52AA6E4}">
-                  <adec:decorative xmlns="" xmlns:adec="http://schemas.microsoft.com/office/drawing/2017/decorative" val="1"/>
+                  <adec:decorative xmlns:adec="http://schemas.microsoft.com/office/drawing/2017/decorative" val="1"/>
                 </a:ext>
               </a:extLst>
             </p:cNvPr>
@@ -4935,7 +4935,7 @@
             <p:nvPr>
               <p:extLst>
                 <p:ext uri="{386F3935-93C4-4BCD-93E2-E3B085C9AB24}">
-                  <p16:designElem xmlns="" xmlns:p16="http://schemas.microsoft.com/office/powerpoint/2015/main" val="1"/>
+                  <p16:designElem xmlns:p16="http://schemas.microsoft.com/office/powerpoint/2015/main" val="1"/>
                 </p:ext>
               </p:extLst>
             </p:nvPr>
@@ -4983,10 +4983,10 @@
             <p:cNvPr id="20" name="Rectángulo 19">
               <a:extLst>
                 <a:ext uri="{FF2B5EF4-FFF2-40B4-BE49-F238E27FC236}">
-                  <a16:creationId xmlns="" xmlns:a16="http://schemas.microsoft.com/office/drawing/2014/main" id="{D73DE1C3-5C37-42E9-A3F0-256F1938327C}"/>
+                  <a16:creationId xmlns:a16="http://schemas.microsoft.com/office/drawing/2014/main" id="{D73DE1C3-5C37-42E9-A3F0-256F1938327C}"/>
                 </a:ext>
                 <a:ext uri="{C183D7F6-B498-43B3-948B-1728B52AA6E4}">
-                  <adec:decorative xmlns="" xmlns:adec="http://schemas.microsoft.com/office/drawing/2017/decorative" val="1"/>
+                  <adec:decorative xmlns:adec="http://schemas.microsoft.com/office/drawing/2017/decorative" val="1"/>
                 </a:ext>
               </a:extLst>
             </p:cNvPr>
@@ -4994,7 +4994,7 @@
             <p:nvPr>
               <p:extLst>
                 <p:ext uri="{386F3935-93C4-4BCD-93E2-E3B085C9AB24}">
-                  <p16:designElem xmlns="" xmlns:p16="http://schemas.microsoft.com/office/powerpoint/2015/main" val="1"/>
+                  <p16:designElem xmlns:p16="http://schemas.microsoft.com/office/powerpoint/2015/main" val="1"/>
                 </p:ext>
               </p:extLst>
             </p:nvPr>
@@ -5043,10 +5043,10 @@
           <p:cNvPr id="22" name="Rectángulo 21">
             <a:extLst>
               <a:ext uri="{FF2B5EF4-FFF2-40B4-BE49-F238E27FC236}">
-                <a16:creationId xmlns="" xmlns:a16="http://schemas.microsoft.com/office/drawing/2014/main" id="{4A2E7EC3-E07C-46CE-9B25-41865A50681C}"/>
+                <a16:creationId xmlns:a16="http://schemas.microsoft.com/office/drawing/2014/main" id="{4A2E7EC3-E07C-46CE-9B25-41865A50681C}"/>
               </a:ext>
               <a:ext uri="{C183D7F6-B498-43B3-948B-1728B52AA6E4}">
-                <adec:decorative xmlns="" xmlns:adec="http://schemas.microsoft.com/office/drawing/2017/decorative" val="1"/>
+                <adec:decorative xmlns:adec="http://schemas.microsoft.com/office/drawing/2017/decorative" val="1"/>
               </a:ext>
             </a:extLst>
           </p:cNvPr>
@@ -5056,7 +5056,7 @@
           <p:nvPr>
             <p:extLst>
               <p:ext uri="{386F3935-93C4-4BCD-93E2-E3B085C9AB24}">
-                <p16:designElem xmlns="" xmlns:p16="http://schemas.microsoft.com/office/powerpoint/2015/main" val="1"/>
+                <p16:designElem xmlns:p16="http://schemas.microsoft.com/office/powerpoint/2015/main" val="1"/>
               </p:ext>
             </p:extLst>
           </p:nvPr>
@@ -5106,7 +5106,7 @@
           <p:cNvPr id="2" name="Título 1">
             <a:extLst>
               <a:ext uri="{FF2B5EF4-FFF2-40B4-BE49-F238E27FC236}">
-                <a16:creationId xmlns="" xmlns:a16="http://schemas.microsoft.com/office/drawing/2014/main" id="{C02C5318-1A1E-49D0-B2E2-A4B0FA9E8A40}"/>
+                <a16:creationId xmlns:a16="http://schemas.microsoft.com/office/drawing/2014/main" id="{C02C5318-1A1E-49D0-B2E2-A4B0FA9E8A40}"/>
               </a:ext>
             </a:extLst>
           </p:cNvPr>
@@ -5146,7 +5146,7 @@
           <p:cNvPr id="3" name="Subtítulo 2">
             <a:extLst>
               <a:ext uri="{FF2B5EF4-FFF2-40B4-BE49-F238E27FC236}">
-                <a16:creationId xmlns="" xmlns:a16="http://schemas.microsoft.com/office/drawing/2014/main" id="{48B6CF59-4E5B-494D-A2F7-97ADD01E6497}"/>
+                <a16:creationId xmlns:a16="http://schemas.microsoft.com/office/drawing/2014/main" id="{48B6CF59-4E5B-494D-A2F7-97ADD01E6497}"/>
               </a:ext>
             </a:extLst>
           </p:cNvPr>
@@ -5226,7 +5226,7 @@
           <p:cNvPr id="2" name="Título 1">
             <a:extLst>
               <a:ext uri="{FF2B5EF4-FFF2-40B4-BE49-F238E27FC236}">
-                <a16:creationId xmlns="" xmlns:a16="http://schemas.microsoft.com/office/drawing/2014/main" id="{B5D6FAB0-E7FF-242F-4239-E6A95ABC0E02}"/>
+                <a16:creationId xmlns:a16="http://schemas.microsoft.com/office/drawing/2014/main" id="{B5D6FAB0-E7FF-242F-4239-E6A95ABC0E02}"/>
               </a:ext>
             </a:extLst>
           </p:cNvPr>
@@ -5254,7 +5254,7 @@
           <p:cNvPr id="3" name="Marcador de contenido 2">
             <a:extLst>
               <a:ext uri="{FF2B5EF4-FFF2-40B4-BE49-F238E27FC236}">
-                <a16:creationId xmlns="" xmlns:a16="http://schemas.microsoft.com/office/drawing/2014/main" id="{8B6E21AF-079D-5EB6-90C2-45CFB644EC8E}"/>
+                <a16:creationId xmlns:a16="http://schemas.microsoft.com/office/drawing/2014/main" id="{8B6E21AF-079D-5EB6-90C2-45CFB644EC8E}"/>
               </a:ext>
             </a:extLst>
           </p:cNvPr>
@@ -5270,14 +5270,13 @@
           <a:bodyPr/>
           <a:lstStyle/>
           <a:p>
-            <a:endParaRPr lang="es-ES" dirty="0" smtClean="0"/>
-          </a:p>
-          <a:p>
-            <a:r>
-              <a:rPr lang="es-ES" dirty="0" smtClean="0"/>
+            <a:endParaRPr lang="es-ES" dirty="0"/>
+          </a:p>
+          <a:p>
+            <a:r>
+              <a:rPr lang="es-ES" dirty="0"/>
               <a:t>Objetivos </a:t>
             </a:r>
-            <a:endParaRPr lang="es-ES" dirty="0"/>
           </a:p>
           <a:p>
             <a:r>
@@ -5293,22 +5292,21 @@
           </a:p>
           <a:p>
             <a:r>
-              <a:rPr lang="es-ES" dirty="0" smtClean="0"/>
+              <a:rPr lang="es-ES" dirty="0"/>
               <a:t>Demos</a:t>
             </a:r>
           </a:p>
           <a:p>
             <a:r>
-              <a:rPr lang="es-ES" dirty="0" smtClean="0"/>
+              <a:rPr lang="es-ES" dirty="0"/>
               <a:t>Trabajos a futuro</a:t>
             </a:r>
-            <a:endParaRPr lang="es-ES" dirty="0"/>
           </a:p>
           <a:p>
             <a:pPr marL="0" indent="0">
               <a:buNone/>
             </a:pPr>
-            <a:endParaRPr lang="es-ES" dirty="0" smtClean="0"/>
+            <a:endParaRPr lang="es-ES" dirty="0"/>
           </a:p>
           <a:p>
             <a:pPr marL="0" indent="0">
@@ -5332,7 +5330,7 @@
           <p:cNvPr id="7" name="Imagen 6" descr="Imagen que contiene Forma&#10;&#10;El contenido generado por IA puede ser incorrecto.">
             <a:extLst>
               <a:ext uri="{FF2B5EF4-FFF2-40B4-BE49-F238E27FC236}">
-                <a16:creationId xmlns="" xmlns:a16="http://schemas.microsoft.com/office/drawing/2014/main" id="{81C01DDF-7911-6C65-5206-361204504157}"/>
+                <a16:creationId xmlns:a16="http://schemas.microsoft.com/office/drawing/2014/main" id="{81C01DDF-7911-6C65-5206-361204504157}"/>
               </a:ext>
             </a:extLst>
           </p:cNvPr>
@@ -5362,7 +5360,7 @@
           <p:cNvPr id="9" name="Imagen 8" descr="Imagen que contiene pastel, tabla, interior, taza&#10;&#10;El contenido generado por IA puede ser incorrecto.">
             <a:extLst>
               <a:ext uri="{FF2B5EF4-FFF2-40B4-BE49-F238E27FC236}">
-                <a16:creationId xmlns="" xmlns:a16="http://schemas.microsoft.com/office/drawing/2014/main" id="{CF7DF985-80D0-763D-3327-24D56F2FD698}"/>
+                <a16:creationId xmlns:a16="http://schemas.microsoft.com/office/drawing/2014/main" id="{CF7DF985-80D0-763D-3327-24D56F2FD698}"/>
               </a:ext>
             </a:extLst>
           </p:cNvPr>
@@ -5430,10 +5428,10 @@
           <p:cNvPr id="10" name="Rectángulo 9">
             <a:extLst>
               <a:ext uri="{FF2B5EF4-FFF2-40B4-BE49-F238E27FC236}">
-                <a16:creationId xmlns="" xmlns:a16="http://schemas.microsoft.com/office/drawing/2014/main" id="{379F11E2-8BA5-4C5C-AE7C-361E5EA011FF}"/>
+                <a16:creationId xmlns:a16="http://schemas.microsoft.com/office/drawing/2014/main" id="{379F11E2-8BA5-4C5C-AE7C-361E5EA011FF}"/>
               </a:ext>
               <a:ext uri="{C183D7F6-B498-43B3-948B-1728B52AA6E4}">
-                <adec:decorative xmlns="" xmlns:adec="http://schemas.microsoft.com/office/drawing/2017/decorative" val="1"/>
+                <adec:decorative xmlns:adec="http://schemas.microsoft.com/office/drawing/2017/decorative" val="1"/>
               </a:ext>
             </a:extLst>
           </p:cNvPr>
@@ -5443,7 +5441,7 @@
           <p:nvPr>
             <p:extLst>
               <p:ext uri="{386F3935-93C4-4BCD-93E2-E3B085C9AB24}">
-                <p16:designElem xmlns="" xmlns:p16="http://schemas.microsoft.com/office/powerpoint/2015/main" val="1"/>
+                <p16:designElem xmlns:p16="http://schemas.microsoft.com/office/powerpoint/2015/main" val="1"/>
               </p:ext>
             </p:extLst>
           </p:nvPr>
@@ -5490,10 +5488,10 @@
           <p:cNvPr id="12" name="Rectángulo 11">
             <a:extLst>
               <a:ext uri="{FF2B5EF4-FFF2-40B4-BE49-F238E27FC236}">
-                <a16:creationId xmlns="" xmlns:a16="http://schemas.microsoft.com/office/drawing/2014/main" id="{7C00E1DA-EC7C-40FC-95E3-11FDCD2E4291}"/>
+                <a16:creationId xmlns:a16="http://schemas.microsoft.com/office/drawing/2014/main" id="{7C00E1DA-EC7C-40FC-95E3-11FDCD2E4291}"/>
               </a:ext>
               <a:ext uri="{C183D7F6-B498-43B3-948B-1728B52AA6E4}">
-                <adec:decorative xmlns="" xmlns:adec="http://schemas.microsoft.com/office/drawing/2017/decorative" val="1"/>
+                <adec:decorative xmlns:adec="http://schemas.microsoft.com/office/drawing/2017/decorative" val="1"/>
               </a:ext>
             </a:extLst>
           </p:cNvPr>
@@ -5503,7 +5501,7 @@
           <p:nvPr>
             <p:extLst>
               <p:ext uri="{386F3935-93C4-4BCD-93E2-E3B085C9AB24}">
-                <p16:designElem xmlns="" xmlns:p16="http://schemas.microsoft.com/office/powerpoint/2015/main" val="1"/>
+                <p16:designElem xmlns:p16="http://schemas.microsoft.com/office/powerpoint/2015/main" val="1"/>
               </p:ext>
             </p:extLst>
           </p:nvPr>
@@ -5551,10 +5549,10 @@
           <p:cNvPr id="14" name="Grupo 13">
             <a:extLst>
               <a:ext uri="{FF2B5EF4-FFF2-40B4-BE49-F238E27FC236}">
-                <a16:creationId xmlns="" xmlns:a16="http://schemas.microsoft.com/office/drawing/2014/main" id="{9A421166-2996-41A7-B094-AE5316F347DD}"/>
+                <a16:creationId xmlns:a16="http://schemas.microsoft.com/office/drawing/2014/main" id="{9A421166-2996-41A7-B094-AE5316F347DD}"/>
               </a:ext>
               <a:ext uri="{C183D7F6-B498-43B3-948B-1728B52AA6E4}">
-                <adec:decorative xmlns="" xmlns:adec="http://schemas.microsoft.com/office/drawing/2017/decorative" val="1"/>
+                <adec:decorative xmlns:adec="http://schemas.microsoft.com/office/drawing/2017/decorative" val="1"/>
               </a:ext>
             </a:extLst>
           </p:cNvPr>
@@ -5564,7 +5562,7 @@
           <p:nvPr>
             <p:extLst>
               <p:ext uri="{386F3935-93C4-4BCD-93E2-E3B085C9AB24}">
-                <p16:designElem xmlns="" xmlns:p16="http://schemas.microsoft.com/office/powerpoint/2015/main" val="1"/>
+                <p16:designElem xmlns:p16="http://schemas.microsoft.com/office/powerpoint/2015/main" val="1"/>
               </p:ext>
             </p:extLst>
           </p:nvPr>
@@ -5582,10 +5580,10 @@
             <p:cNvPr id="15" name="Rectángulo 14">
               <a:extLst>
                 <a:ext uri="{FF2B5EF4-FFF2-40B4-BE49-F238E27FC236}">
-                  <a16:creationId xmlns="" xmlns:a16="http://schemas.microsoft.com/office/drawing/2014/main" id="{FDBB1B92-A3EB-43E4-8FAB-D20E8ED14CEF}"/>
+                  <a16:creationId xmlns:a16="http://schemas.microsoft.com/office/drawing/2014/main" id="{FDBB1B92-A3EB-43E4-8FAB-D20E8ED14CEF}"/>
                 </a:ext>
                 <a:ext uri="{C183D7F6-B498-43B3-948B-1728B52AA6E4}">
-                  <adec:decorative xmlns="" xmlns:adec="http://schemas.microsoft.com/office/drawing/2017/decorative" val="1"/>
+                  <adec:decorative xmlns:adec="http://schemas.microsoft.com/office/drawing/2017/decorative" val="1"/>
                 </a:ext>
               </a:extLst>
             </p:cNvPr>
@@ -5593,7 +5591,7 @@
             <p:nvPr>
               <p:extLst>
                 <p:ext uri="{386F3935-93C4-4BCD-93E2-E3B085C9AB24}">
-                  <p16:designElem xmlns="" xmlns:p16="http://schemas.microsoft.com/office/powerpoint/2015/main" val="1"/>
+                  <p16:designElem xmlns:p16="http://schemas.microsoft.com/office/powerpoint/2015/main" val="1"/>
                 </p:ext>
               </p:extLst>
             </p:nvPr>
@@ -5641,10 +5639,10 @@
             <p:cNvPr id="16" name="Rectángulo 15">
               <a:extLst>
                 <a:ext uri="{FF2B5EF4-FFF2-40B4-BE49-F238E27FC236}">
-                  <a16:creationId xmlns="" xmlns:a16="http://schemas.microsoft.com/office/drawing/2014/main" id="{3F3972F4-FE7E-48EA-AAD8-9BE5750A6672}"/>
+                  <a16:creationId xmlns:a16="http://schemas.microsoft.com/office/drawing/2014/main" id="{3F3972F4-FE7E-48EA-AAD8-9BE5750A6672}"/>
                 </a:ext>
                 <a:ext uri="{C183D7F6-B498-43B3-948B-1728B52AA6E4}">
-                  <adec:decorative xmlns="" xmlns:adec="http://schemas.microsoft.com/office/drawing/2017/decorative" val="1"/>
+                  <adec:decorative xmlns:adec="http://schemas.microsoft.com/office/drawing/2017/decorative" val="1"/>
                 </a:ext>
               </a:extLst>
             </p:cNvPr>
@@ -5652,7 +5650,7 @@
             <p:nvPr>
               <p:extLst>
                 <p:ext uri="{386F3935-93C4-4BCD-93E2-E3B085C9AB24}">
-                  <p16:designElem xmlns="" xmlns:p16="http://schemas.microsoft.com/office/powerpoint/2015/main" val="1"/>
+                  <p16:designElem xmlns:p16="http://schemas.microsoft.com/office/powerpoint/2015/main" val="1"/>
                 </p:ext>
               </p:extLst>
             </p:nvPr>
@@ -5700,10 +5698,10 @@
             <p:cNvPr id="17" name="Rectángulo 16">
               <a:extLst>
                 <a:ext uri="{FF2B5EF4-FFF2-40B4-BE49-F238E27FC236}">
-                  <a16:creationId xmlns="" xmlns:a16="http://schemas.microsoft.com/office/drawing/2014/main" id="{221614E5-870B-4D5E-A43B-8FF7E5323484}"/>
+                  <a16:creationId xmlns:a16="http://schemas.microsoft.com/office/drawing/2014/main" id="{221614E5-870B-4D5E-A43B-8FF7E5323484}"/>
                 </a:ext>
                 <a:ext uri="{C183D7F6-B498-43B3-948B-1728B52AA6E4}">
-                  <adec:decorative xmlns="" xmlns:adec="http://schemas.microsoft.com/office/drawing/2017/decorative" val="1"/>
+                  <adec:decorative xmlns:adec="http://schemas.microsoft.com/office/drawing/2017/decorative" val="1"/>
                 </a:ext>
               </a:extLst>
             </p:cNvPr>
@@ -5711,7 +5709,7 @@
             <p:nvPr>
               <p:extLst>
                 <p:ext uri="{386F3935-93C4-4BCD-93E2-E3B085C9AB24}">
-                  <p16:designElem xmlns="" xmlns:p16="http://schemas.microsoft.com/office/powerpoint/2015/main" val="1"/>
+                  <p16:designElem xmlns:p16="http://schemas.microsoft.com/office/powerpoint/2015/main" val="1"/>
                 </p:ext>
               </p:extLst>
             </p:nvPr>
@@ -5760,7 +5758,7 @@
           <p:cNvPr id="2" name="Título 1">
             <a:extLst>
               <a:ext uri="{FF2B5EF4-FFF2-40B4-BE49-F238E27FC236}">
-                <a16:creationId xmlns="" xmlns:a16="http://schemas.microsoft.com/office/drawing/2014/main" id="{0F87E73C-2B1A-4602-BFBE-CFE1E55D9B38}"/>
+                <a16:creationId xmlns:a16="http://schemas.microsoft.com/office/drawing/2014/main" id="{0F87E73C-2B1A-4602-BFBE-CFE1E55D9B38}"/>
               </a:ext>
             </a:extLst>
           </p:cNvPr>
@@ -5800,7 +5798,7 @@
           <p:cNvPr id="3" name="Subtítulo 2">
             <a:extLst>
               <a:ext uri="{FF2B5EF4-FFF2-40B4-BE49-F238E27FC236}">
-                <a16:creationId xmlns="" xmlns:a16="http://schemas.microsoft.com/office/drawing/2014/main" id="{A9CB511D-EA45-4336-847C-1252667143B5}"/>
+                <a16:creationId xmlns:a16="http://schemas.microsoft.com/office/drawing/2014/main" id="{A9CB511D-EA45-4336-847C-1252667143B5}"/>
               </a:ext>
             </a:extLst>
           </p:cNvPr>
@@ -5853,7 +5851,7 @@
           <p:cNvPr id="1026" name="Picture 2" descr="Hombre de estilo plano con gafas de realidad virtual haciendo dibujos  animados de análisis de datos | Vector Premium">
             <a:extLst>
               <a:ext uri="{FF2B5EF4-FFF2-40B4-BE49-F238E27FC236}">
-                <a16:creationId xmlns="" xmlns:a16="http://schemas.microsoft.com/office/drawing/2014/main" id="{378142A7-608D-90C7-3BB4-662ED696A4CA}"/>
+                <a16:creationId xmlns:a16="http://schemas.microsoft.com/office/drawing/2014/main" id="{378142A7-608D-90C7-3BB4-662ED696A4CA}"/>
               </a:ext>
             </a:extLst>
           </p:cNvPr>
@@ -5930,7 +5928,7 @@
           <p:cNvPr id="2" name="Título 1">
             <a:extLst>
               <a:ext uri="{FF2B5EF4-FFF2-40B4-BE49-F238E27FC236}">
-                <a16:creationId xmlns="" xmlns:a16="http://schemas.microsoft.com/office/drawing/2014/main" id="{42D89D72-4F74-9D22-4A01-D1E4CF07C7B5}"/>
+                <a16:creationId xmlns:a16="http://schemas.microsoft.com/office/drawing/2014/main" id="{42D89D72-4F74-9D22-4A01-D1E4CF07C7B5}"/>
               </a:ext>
             </a:extLst>
           </p:cNvPr>
@@ -5965,7 +5963,7 @@
           <p:cNvPr id="3" name="Rectángulo: esquinas redondeadas 2">
             <a:extLst>
               <a:ext uri="{FF2B5EF4-FFF2-40B4-BE49-F238E27FC236}">
-                <a16:creationId xmlns="" xmlns:a16="http://schemas.microsoft.com/office/drawing/2014/main" id="{323F560B-04DB-FED5-05E4-29BBA6275766}"/>
+                <a16:creationId xmlns:a16="http://schemas.microsoft.com/office/drawing/2014/main" id="{323F560B-04DB-FED5-05E4-29BBA6275766}"/>
               </a:ext>
             </a:extLst>
           </p:cNvPr>
@@ -6014,7 +6012,7 @@
           <p:cNvPr id="4" name="Marcador de contenido 5">
             <a:extLst>
               <a:ext uri="{FF2B5EF4-FFF2-40B4-BE49-F238E27FC236}">
-                <a16:creationId xmlns="" xmlns:a16="http://schemas.microsoft.com/office/drawing/2014/main" id="{8054B03E-1430-DEC7-83CD-0AA08D0DA437}"/>
+                <a16:creationId xmlns:a16="http://schemas.microsoft.com/office/drawing/2014/main" id="{8054B03E-1430-DEC7-83CD-0AA08D0DA437}"/>
               </a:ext>
             </a:extLst>
           </p:cNvPr>
@@ -6258,7 +6256,7 @@
           <p:cNvPr id="5" name="Diagrama de flujo: conector 4">
             <a:extLst>
               <a:ext uri="{FF2B5EF4-FFF2-40B4-BE49-F238E27FC236}">
-                <a16:creationId xmlns="" xmlns:a16="http://schemas.microsoft.com/office/drawing/2014/main" id="{22DB4D67-D4AB-83DC-029C-43023C3BCAE3}"/>
+                <a16:creationId xmlns:a16="http://schemas.microsoft.com/office/drawing/2014/main" id="{22DB4D67-D4AB-83DC-029C-43023C3BCAE3}"/>
               </a:ext>
             </a:extLst>
           </p:cNvPr>
@@ -6317,7 +6315,7 @@
           <p:cNvPr id="7" name="Marcador de contenido 5">
             <a:extLst>
               <a:ext uri="{FF2B5EF4-FFF2-40B4-BE49-F238E27FC236}">
-                <a16:creationId xmlns="" xmlns:a16="http://schemas.microsoft.com/office/drawing/2014/main" id="{33F41D62-8E1A-A598-C8CC-3899B9081430}"/>
+                <a16:creationId xmlns:a16="http://schemas.microsoft.com/office/drawing/2014/main" id="{33F41D62-8E1A-A598-C8CC-3899B9081430}"/>
               </a:ext>
             </a:extLst>
           </p:cNvPr>
@@ -6555,7 +6553,7 @@
           <p:cNvPr id="8" name="Rectángulo: esquinas redondeadas 7">
             <a:extLst>
               <a:ext uri="{FF2B5EF4-FFF2-40B4-BE49-F238E27FC236}">
-                <a16:creationId xmlns="" xmlns:a16="http://schemas.microsoft.com/office/drawing/2014/main" id="{4C02DAA6-DCBA-FC49-B253-BBB491ED89AE}"/>
+                <a16:creationId xmlns:a16="http://schemas.microsoft.com/office/drawing/2014/main" id="{4C02DAA6-DCBA-FC49-B253-BBB491ED89AE}"/>
               </a:ext>
             </a:extLst>
           </p:cNvPr>
@@ -6604,7 +6602,7 @@
           <p:cNvPr id="9" name="Marcador de contenido 5">
             <a:extLst>
               <a:ext uri="{FF2B5EF4-FFF2-40B4-BE49-F238E27FC236}">
-                <a16:creationId xmlns="" xmlns:a16="http://schemas.microsoft.com/office/drawing/2014/main" id="{B5D7D714-FD2B-3E04-4137-22F228514CA6}"/>
+                <a16:creationId xmlns:a16="http://schemas.microsoft.com/office/drawing/2014/main" id="{B5D7D714-FD2B-3E04-4137-22F228514CA6}"/>
               </a:ext>
             </a:extLst>
           </p:cNvPr>
@@ -6857,7 +6855,7 @@
           <p:cNvPr id="10" name="Diagrama de flujo: conector 9">
             <a:extLst>
               <a:ext uri="{FF2B5EF4-FFF2-40B4-BE49-F238E27FC236}">
-                <a16:creationId xmlns="" xmlns:a16="http://schemas.microsoft.com/office/drawing/2014/main" id="{46C0425F-2C4B-BB67-D538-97B389FD96C4}"/>
+                <a16:creationId xmlns:a16="http://schemas.microsoft.com/office/drawing/2014/main" id="{46C0425F-2C4B-BB67-D538-97B389FD96C4}"/>
               </a:ext>
             </a:extLst>
           </p:cNvPr>
@@ -6916,7 +6914,7 @@
           <p:cNvPr id="11" name="Marcador de contenido 5">
             <a:extLst>
               <a:ext uri="{FF2B5EF4-FFF2-40B4-BE49-F238E27FC236}">
-                <a16:creationId xmlns="" xmlns:a16="http://schemas.microsoft.com/office/drawing/2014/main" id="{64F1CCBC-D238-7CFA-B2DD-649082ABB022}"/>
+                <a16:creationId xmlns:a16="http://schemas.microsoft.com/office/drawing/2014/main" id="{64F1CCBC-D238-7CFA-B2DD-649082ABB022}"/>
               </a:ext>
             </a:extLst>
           </p:cNvPr>
@@ -7154,7 +7152,7 @@
           <p:cNvPr id="12" name="Rectángulo: esquinas redondeadas 11">
             <a:extLst>
               <a:ext uri="{FF2B5EF4-FFF2-40B4-BE49-F238E27FC236}">
-                <a16:creationId xmlns="" xmlns:a16="http://schemas.microsoft.com/office/drawing/2014/main" id="{C1D031D5-E12F-CAAD-681F-D1D1F9D01200}"/>
+                <a16:creationId xmlns:a16="http://schemas.microsoft.com/office/drawing/2014/main" id="{C1D031D5-E12F-CAAD-681F-D1D1F9D01200}"/>
               </a:ext>
             </a:extLst>
           </p:cNvPr>
@@ -7203,7 +7201,7 @@
           <p:cNvPr id="13" name="Marcador de contenido 5">
             <a:extLst>
               <a:ext uri="{FF2B5EF4-FFF2-40B4-BE49-F238E27FC236}">
-                <a16:creationId xmlns="" xmlns:a16="http://schemas.microsoft.com/office/drawing/2014/main" id="{513633CA-1C25-E2D3-B110-62F4E6BF6429}"/>
+                <a16:creationId xmlns:a16="http://schemas.microsoft.com/office/drawing/2014/main" id="{513633CA-1C25-E2D3-B110-62F4E6BF6429}"/>
               </a:ext>
             </a:extLst>
           </p:cNvPr>
@@ -7447,7 +7445,7 @@
           <p:cNvPr id="14" name="Diagrama de flujo: conector 13">
             <a:extLst>
               <a:ext uri="{FF2B5EF4-FFF2-40B4-BE49-F238E27FC236}">
-                <a16:creationId xmlns="" xmlns:a16="http://schemas.microsoft.com/office/drawing/2014/main" id="{6DEED7F4-8C8E-9A72-779D-9067416D3373}"/>
+                <a16:creationId xmlns:a16="http://schemas.microsoft.com/office/drawing/2014/main" id="{6DEED7F4-8C8E-9A72-779D-9067416D3373}"/>
               </a:ext>
             </a:extLst>
           </p:cNvPr>
@@ -7506,7 +7504,7 @@
           <p:cNvPr id="15" name="Marcador de contenido 5">
             <a:extLst>
               <a:ext uri="{FF2B5EF4-FFF2-40B4-BE49-F238E27FC236}">
-                <a16:creationId xmlns="" xmlns:a16="http://schemas.microsoft.com/office/drawing/2014/main" id="{902C97CD-F7EE-658E-A4E9-F1D88511AFCA}"/>
+                <a16:creationId xmlns:a16="http://schemas.microsoft.com/office/drawing/2014/main" id="{902C97CD-F7EE-658E-A4E9-F1D88511AFCA}"/>
               </a:ext>
             </a:extLst>
           </p:cNvPr>
@@ -7744,7 +7742,7 @@
           <p:cNvPr id="16" name="Rectángulo: esquinas redondeadas 15">
             <a:extLst>
               <a:ext uri="{FF2B5EF4-FFF2-40B4-BE49-F238E27FC236}">
-                <a16:creationId xmlns="" xmlns:a16="http://schemas.microsoft.com/office/drawing/2014/main" id="{6B3CCCC1-2C37-8F4F-27B6-3989F9675790}"/>
+                <a16:creationId xmlns:a16="http://schemas.microsoft.com/office/drawing/2014/main" id="{6B3CCCC1-2C37-8F4F-27B6-3989F9675790}"/>
               </a:ext>
             </a:extLst>
           </p:cNvPr>
@@ -7793,7 +7791,7 @@
           <p:cNvPr id="17" name="Marcador de contenido 5">
             <a:extLst>
               <a:ext uri="{FF2B5EF4-FFF2-40B4-BE49-F238E27FC236}">
-                <a16:creationId xmlns="" xmlns:a16="http://schemas.microsoft.com/office/drawing/2014/main" id="{52E69070-60BA-A7B6-43A1-1A97B299C10D}"/>
+                <a16:creationId xmlns:a16="http://schemas.microsoft.com/office/drawing/2014/main" id="{52E69070-60BA-A7B6-43A1-1A97B299C10D}"/>
               </a:ext>
             </a:extLst>
           </p:cNvPr>
@@ -8037,7 +8035,7 @@
           <p:cNvPr id="18" name="Diagrama de flujo: conector 17">
             <a:extLst>
               <a:ext uri="{FF2B5EF4-FFF2-40B4-BE49-F238E27FC236}">
-                <a16:creationId xmlns="" xmlns:a16="http://schemas.microsoft.com/office/drawing/2014/main" id="{0D1BDC5D-1854-8D87-DEAB-72BC52E218B6}"/>
+                <a16:creationId xmlns:a16="http://schemas.microsoft.com/office/drawing/2014/main" id="{0D1BDC5D-1854-8D87-DEAB-72BC52E218B6}"/>
               </a:ext>
             </a:extLst>
           </p:cNvPr>
@@ -8096,7 +8094,7 @@
           <p:cNvPr id="19" name="Marcador de contenido 5">
             <a:extLst>
               <a:ext uri="{FF2B5EF4-FFF2-40B4-BE49-F238E27FC236}">
-                <a16:creationId xmlns="" xmlns:a16="http://schemas.microsoft.com/office/drawing/2014/main" id="{62C43ACD-C1BD-8544-C4E3-120BD35A29B8}"/>
+                <a16:creationId xmlns:a16="http://schemas.microsoft.com/office/drawing/2014/main" id="{62C43ACD-C1BD-8544-C4E3-120BD35A29B8}"/>
               </a:ext>
             </a:extLst>
           </p:cNvPr>
@@ -8334,7 +8332,7 @@
           <p:cNvPr id="23" name="Rectángulo: esquinas redondeadas 22">
             <a:extLst>
               <a:ext uri="{FF2B5EF4-FFF2-40B4-BE49-F238E27FC236}">
-                <a16:creationId xmlns="" xmlns:a16="http://schemas.microsoft.com/office/drawing/2014/main" id="{4E34D35E-9FF3-F9FB-47DA-30E455AD0470}"/>
+                <a16:creationId xmlns:a16="http://schemas.microsoft.com/office/drawing/2014/main" id="{4E34D35E-9FF3-F9FB-47DA-30E455AD0470}"/>
               </a:ext>
             </a:extLst>
           </p:cNvPr>
@@ -8383,7 +8381,7 @@
           <p:cNvPr id="24" name="Marcador de contenido 5">
             <a:extLst>
               <a:ext uri="{FF2B5EF4-FFF2-40B4-BE49-F238E27FC236}">
-                <a16:creationId xmlns="" xmlns:a16="http://schemas.microsoft.com/office/drawing/2014/main" id="{EB68F8B7-C529-E260-AAFF-9013DDC3F566}"/>
+                <a16:creationId xmlns:a16="http://schemas.microsoft.com/office/drawing/2014/main" id="{EB68F8B7-C529-E260-AAFF-9013DDC3F566}"/>
               </a:ext>
             </a:extLst>
           </p:cNvPr>
@@ -8627,7 +8625,7 @@
           <p:cNvPr id="25" name="Diagrama de flujo: conector 24">
             <a:extLst>
               <a:ext uri="{FF2B5EF4-FFF2-40B4-BE49-F238E27FC236}">
-                <a16:creationId xmlns="" xmlns:a16="http://schemas.microsoft.com/office/drawing/2014/main" id="{B23CAD62-A55A-AFCA-F451-DE42EE53B081}"/>
+                <a16:creationId xmlns:a16="http://schemas.microsoft.com/office/drawing/2014/main" id="{B23CAD62-A55A-AFCA-F451-DE42EE53B081}"/>
               </a:ext>
             </a:extLst>
           </p:cNvPr>
@@ -8686,7 +8684,7 @@
           <p:cNvPr id="26" name="Marcador de contenido 5">
             <a:extLst>
               <a:ext uri="{FF2B5EF4-FFF2-40B4-BE49-F238E27FC236}">
-                <a16:creationId xmlns="" xmlns:a16="http://schemas.microsoft.com/office/drawing/2014/main" id="{E7353DA2-1D33-06C3-FECB-BA0A9E9AB8E6}"/>
+                <a16:creationId xmlns:a16="http://schemas.microsoft.com/office/drawing/2014/main" id="{E7353DA2-1D33-06C3-FECB-BA0A9E9AB8E6}"/>
               </a:ext>
             </a:extLst>
           </p:cNvPr>
@@ -8924,7 +8922,7 @@
           <p:cNvPr id="27" name="Rectángulo: esquinas redondeadas 26">
             <a:extLst>
               <a:ext uri="{FF2B5EF4-FFF2-40B4-BE49-F238E27FC236}">
-                <a16:creationId xmlns="" xmlns:a16="http://schemas.microsoft.com/office/drawing/2014/main" id="{0F6D126D-B5B3-A077-BBFA-B4B2F4A6F7EC}"/>
+                <a16:creationId xmlns:a16="http://schemas.microsoft.com/office/drawing/2014/main" id="{0F6D126D-B5B3-A077-BBFA-B4B2F4A6F7EC}"/>
               </a:ext>
             </a:extLst>
           </p:cNvPr>
@@ -8973,7 +8971,7 @@
           <p:cNvPr id="28" name="Marcador de contenido 5">
             <a:extLst>
               <a:ext uri="{FF2B5EF4-FFF2-40B4-BE49-F238E27FC236}">
-                <a16:creationId xmlns="" xmlns:a16="http://schemas.microsoft.com/office/drawing/2014/main" id="{287ABC08-BCAD-03AE-8541-FC7EE10A70AF}"/>
+                <a16:creationId xmlns:a16="http://schemas.microsoft.com/office/drawing/2014/main" id="{287ABC08-BCAD-03AE-8541-FC7EE10A70AF}"/>
               </a:ext>
             </a:extLst>
           </p:cNvPr>
@@ -9217,7 +9215,7 @@
           <p:cNvPr id="29" name="Diagrama de flujo: conector 28">
             <a:extLst>
               <a:ext uri="{FF2B5EF4-FFF2-40B4-BE49-F238E27FC236}">
-                <a16:creationId xmlns="" xmlns:a16="http://schemas.microsoft.com/office/drawing/2014/main" id="{A28C6BC5-6627-13B7-48F4-F2CB4309C28E}"/>
+                <a16:creationId xmlns:a16="http://schemas.microsoft.com/office/drawing/2014/main" id="{A28C6BC5-6627-13B7-48F4-F2CB4309C28E}"/>
               </a:ext>
             </a:extLst>
           </p:cNvPr>
@@ -9276,7 +9274,7 @@
           <p:cNvPr id="30" name="Marcador de contenido 5">
             <a:extLst>
               <a:ext uri="{FF2B5EF4-FFF2-40B4-BE49-F238E27FC236}">
-                <a16:creationId xmlns="" xmlns:a16="http://schemas.microsoft.com/office/drawing/2014/main" id="{2B94EA60-6236-D661-586F-C87ABC442DF8}"/>
+                <a16:creationId xmlns:a16="http://schemas.microsoft.com/office/drawing/2014/main" id="{2B94EA60-6236-D661-586F-C87ABC442DF8}"/>
               </a:ext>
             </a:extLst>
           </p:cNvPr>
@@ -9598,13 +9596,27 @@
           <a:p>
             <a:r>
               <a:rPr lang="es-ES" sz="2000" dirty="0"/>
+              <a:t>Inmersión en la escena</a:t>
+            </a:r>
+          </a:p>
+          <a:p>
+            <a:pPr lvl="1"/>
+            <a:r>
+              <a:rPr lang="es-ES" sz="1800" dirty="0"/>
+              <a:t>Controladores</a:t>
+            </a:r>
+          </a:p>
+          <a:p>
+            <a:pPr lvl="1"/>
+            <a:r>
+              <a:rPr lang="es-ES" sz="1800" dirty="0"/>
               <a:t>Seguimiento de manos</a:t>
             </a:r>
           </a:p>
           <a:p>
             <a:r>
               <a:rPr lang="es-ES" sz="2000" dirty="0"/>
-              <a:t>Objetivos</a:t>
+              <a:t>Objetivo</a:t>
             </a:r>
           </a:p>
         </p:txBody>
@@ -9614,7 +9626,7 @@
           <p:cNvPr id="5" name="Picture 2" descr="joven con gafas vr con panel virtual táctil holográfico en el fondo de  trabajo digital. ilustración vectorial de dibujos animados de estilo plano  5611315 Vector en Vecteezy">
             <a:extLst>
               <a:ext uri="{FF2B5EF4-FFF2-40B4-BE49-F238E27FC236}">
-                <a16:creationId xmlns="" xmlns:a16="http://schemas.microsoft.com/office/drawing/2014/main" id="{585826FF-5F1D-116A-7EDB-ECF2F6EA4329}"/>
+                <a16:creationId xmlns:a16="http://schemas.microsoft.com/office/drawing/2014/main" id="{585826FF-5F1D-116A-7EDB-ECF2F6EA4329}"/>
               </a:ext>
             </a:extLst>
           </p:cNvPr>
@@ -9640,13 +9652,107 @@
         </p:blipFill>
         <p:spPr bwMode="auto">
           <a:xfrm>
-            <a:off x="4882342" y="2017222"/>
-            <a:ext cx="6872554" cy="4328159"/>
+            <a:off x="5731934" y="1913924"/>
+            <a:ext cx="3123721" cy="1967239"/>
           </a:xfrm>
           <a:prstGeom prst="rect">
             <a:avLst/>
           </a:prstGeom>
           <a:noFill/>
+        </p:spPr>
+      </p:pic>
+      <p:pic>
+        <p:nvPicPr>
+          <p:cNvPr id="1026" name="Picture 2" descr="Manus lanza su nueva generación de guantes Prime X">
+            <a:extLst>
+              <a:ext uri="{FF2B5EF4-FFF2-40B4-BE49-F238E27FC236}">
+                <a16:creationId xmlns:a16="http://schemas.microsoft.com/office/drawing/2014/main" id="{6662C4A1-44C3-BF92-B1E9-6BDD65EB39E5}"/>
+              </a:ext>
+            </a:extLst>
+          </p:cNvPr>
+          <p:cNvPicPr>
+            <a:picLocks noChangeAspect="1" noChangeArrowheads="1"/>
+          </p:cNvPicPr>
+          <p:nvPr/>
+        </p:nvPicPr>
+        <p:blipFill>
+          <a:blip r:embed="rId3">
+            <a:extLst>
+              <a:ext uri="{28A0092B-C50C-407E-A947-70E740481C1C}">
+                <a14:useLocalDpi xmlns:a14="http://schemas.microsoft.com/office/drawing/2010/main" val="0"/>
+              </a:ext>
+            </a:extLst>
+          </a:blip>
+          <a:srcRect/>
+          <a:stretch>
+            <a:fillRect/>
+          </a:stretch>
+        </p:blipFill>
+        <p:spPr bwMode="auto">
+          <a:xfrm>
+            <a:off x="8155337" y="4077100"/>
+            <a:ext cx="3123721" cy="2425319"/>
+          </a:xfrm>
+          <a:prstGeom prst="rect">
+            <a:avLst/>
+          </a:prstGeom>
+          <a:noFill/>
+          <a:extLst>
+            <a:ext uri="{909E8E84-426E-40DD-AFC4-6F175D3DCCD1}">
+              <a14:hiddenFill xmlns:a14="http://schemas.microsoft.com/office/drawing/2010/main">
+                <a:solidFill>
+                  <a:srgbClr val="FFFFFF"/>
+                </a:solidFill>
+              </a14:hiddenFill>
+            </a:ext>
+          </a:extLst>
+        </p:spPr>
+      </p:pic>
+      <p:pic>
+        <p:nvPicPr>
+          <p:cNvPr id="1032" name="Picture 8" descr="Cómo funciona el seguimiento del controlador Meta Quest 3 – VRWeb.info">
+            <a:extLst>
+              <a:ext uri="{FF2B5EF4-FFF2-40B4-BE49-F238E27FC236}">
+                <a16:creationId xmlns:a16="http://schemas.microsoft.com/office/drawing/2014/main" id="{E411E456-9617-BC48-7061-5F2D7B10E223}"/>
+              </a:ext>
+            </a:extLst>
+          </p:cNvPr>
+          <p:cNvPicPr>
+            <a:picLocks noChangeAspect="1" noChangeArrowheads="1"/>
+          </p:cNvPicPr>
+          <p:nvPr/>
+        </p:nvPicPr>
+        <p:blipFill>
+          <a:blip r:embed="rId4">
+            <a:extLst>
+              <a:ext uri="{28A0092B-C50C-407E-A947-70E740481C1C}">
+                <a14:useLocalDpi xmlns:a14="http://schemas.microsoft.com/office/drawing/2010/main" val="0"/>
+              </a:ext>
+            </a:extLst>
+          </a:blip>
+          <a:srcRect/>
+          <a:stretch>
+            <a:fillRect/>
+          </a:stretch>
+        </p:blipFill>
+        <p:spPr bwMode="auto">
+          <a:xfrm>
+            <a:off x="3955739" y="4077097"/>
+            <a:ext cx="3123721" cy="2342791"/>
+          </a:xfrm>
+          <a:prstGeom prst="rect">
+            <a:avLst/>
+          </a:prstGeom>
+          <a:noFill/>
+          <a:extLst>
+            <a:ext uri="{909E8E84-426E-40DD-AFC4-6F175D3DCCD1}">
+              <a14:hiddenFill xmlns:a14="http://schemas.microsoft.com/office/drawing/2010/main">
+                <a:solidFill>
+                  <a:srgbClr val="FFFFFF"/>
+                </a:solidFill>
+              </a14:hiddenFill>
+            </a:ext>
+          </a:extLst>
         </p:spPr>
       </p:pic>
     </p:spTree>
@@ -9684,7 +9790,7 @@
           <p:cNvPr id="2" name="Título 1">
             <a:extLst>
               <a:ext uri="{FF2B5EF4-FFF2-40B4-BE49-F238E27FC236}">
-                <a16:creationId xmlns="" xmlns:a16="http://schemas.microsoft.com/office/drawing/2014/main" id="{921633EB-7DCB-4DDC-80AF-C885A3EE1245}"/>
+                <a16:creationId xmlns:a16="http://schemas.microsoft.com/office/drawing/2014/main" id="{921633EB-7DCB-4DDC-80AF-C885A3EE1245}"/>
               </a:ext>
             </a:extLst>
           </p:cNvPr>
@@ -9720,7 +9826,7 @@
           <p:cNvPr id="2050" name="Picture 2">
             <a:extLst>
               <a:ext uri="{FF2B5EF4-FFF2-40B4-BE49-F238E27FC236}">
-                <a16:creationId xmlns="" xmlns:a16="http://schemas.microsoft.com/office/drawing/2014/main" id="{CBB3C702-702A-BE87-FE26-CC78B21E26BB}"/>
+                <a16:creationId xmlns:a16="http://schemas.microsoft.com/office/drawing/2014/main" id="{CBB3C702-702A-BE87-FE26-CC78B21E26BB}"/>
               </a:ext>
             </a:extLst>
           </p:cNvPr>
@@ -9767,7 +9873,7 @@
           <p:cNvPr id="2054" name="Picture 6">
             <a:extLst>
               <a:ext uri="{FF2B5EF4-FFF2-40B4-BE49-F238E27FC236}">
-                <a16:creationId xmlns="" xmlns:a16="http://schemas.microsoft.com/office/drawing/2014/main" id="{850466B1-9229-DA87-8B21-83105A81835E}"/>
+                <a16:creationId xmlns:a16="http://schemas.microsoft.com/office/drawing/2014/main" id="{850466B1-9229-DA87-8B21-83105A81835E}"/>
               </a:ext>
             </a:extLst>
           </p:cNvPr>
@@ -9814,7 +9920,7 @@
           <p:cNvPr id="2056" name="Picture 8" descr="JavaScript Logo, symbol, meaning, history, PNG, brand">
             <a:extLst>
               <a:ext uri="{FF2B5EF4-FFF2-40B4-BE49-F238E27FC236}">
-                <a16:creationId xmlns="" xmlns:a16="http://schemas.microsoft.com/office/drawing/2014/main" id="{0AEDAC79-0779-1470-3487-6AB787026770}"/>
+                <a16:creationId xmlns:a16="http://schemas.microsoft.com/office/drawing/2014/main" id="{0AEDAC79-0779-1470-3487-6AB787026770}"/>
               </a:ext>
             </a:extLst>
           </p:cNvPr>
@@ -9861,7 +9967,7 @@
           <p:cNvPr id="2060" name="Picture 12" descr="Three.js SVG Logo - Questions - three.js forum">
             <a:extLst>
               <a:ext uri="{FF2B5EF4-FFF2-40B4-BE49-F238E27FC236}">
-                <a16:creationId xmlns="" xmlns:a16="http://schemas.microsoft.com/office/drawing/2014/main" id="{8C88ED66-83D8-CD4C-48FA-D3456DC779E9}"/>
+                <a16:creationId xmlns:a16="http://schemas.microsoft.com/office/drawing/2014/main" id="{8C88ED66-83D8-CD4C-48FA-D3456DC779E9}"/>
               </a:ext>
             </a:extLst>
           </p:cNvPr>
@@ -9908,7 +10014,7 @@
           <p:cNvPr id="2062" name="Picture 14" descr="W3C llama a hacer uso de la API WebXR para dispositivos – W3C Hispano">
             <a:extLst>
               <a:ext uri="{FF2B5EF4-FFF2-40B4-BE49-F238E27FC236}">
-                <a16:creationId xmlns="" xmlns:a16="http://schemas.microsoft.com/office/drawing/2014/main" id="{3E095A71-DB8A-48CB-C3CE-1E12E5164AEB}"/>
+                <a16:creationId xmlns:a16="http://schemas.microsoft.com/office/drawing/2014/main" id="{3E095A71-DB8A-48CB-C3CE-1E12E5164AEB}"/>
               </a:ext>
             </a:extLst>
           </p:cNvPr>
@@ -9955,7 +10061,7 @@
           <p:cNvPr id="2064" name="Picture 16" descr="Webgl logo - Iconos Social Media y Logos">
             <a:extLst>
               <a:ext uri="{FF2B5EF4-FFF2-40B4-BE49-F238E27FC236}">
-                <a16:creationId xmlns="" xmlns:a16="http://schemas.microsoft.com/office/drawing/2014/main" id="{25ABF0AE-D2FB-B1FC-DA1B-7EE2FDDF6468}"/>
+                <a16:creationId xmlns:a16="http://schemas.microsoft.com/office/drawing/2014/main" id="{25ABF0AE-D2FB-B1FC-DA1B-7EE2FDDF6468}"/>
               </a:ext>
             </a:extLst>
           </p:cNvPr>
@@ -10002,7 +10108,7 @@
           <p:cNvPr id="2066" name="Picture 18">
             <a:extLst>
               <a:ext uri="{FF2B5EF4-FFF2-40B4-BE49-F238E27FC236}">
-                <a16:creationId xmlns="" xmlns:a16="http://schemas.microsoft.com/office/drawing/2014/main" id="{751243E1-CA56-D8C7-116A-DD3FD96201D3}"/>
+                <a16:creationId xmlns:a16="http://schemas.microsoft.com/office/drawing/2014/main" id="{751243E1-CA56-D8C7-116A-DD3FD96201D3}"/>
               </a:ext>
             </a:extLst>
           </p:cNvPr>
@@ -10049,7 +10155,7 @@
           <p:cNvPr id="2068" name="Picture 20" descr="GitHub Logo, symbol, meaning, history, PNG, brand">
             <a:extLst>
               <a:ext uri="{FF2B5EF4-FFF2-40B4-BE49-F238E27FC236}">
-                <a16:creationId xmlns="" xmlns:a16="http://schemas.microsoft.com/office/drawing/2014/main" id="{CA2B6558-C937-7907-FCBD-3AF06D8DC096}"/>
+                <a16:creationId xmlns:a16="http://schemas.microsoft.com/office/drawing/2014/main" id="{CA2B6558-C937-7907-FCBD-3AF06D8DC096}"/>
               </a:ext>
             </a:extLst>
           </p:cNvPr>
@@ -10096,7 +10202,7 @@
           <p:cNvPr id="2070" name="Picture 22" descr="Meta: Contact Details, Revenue, Funding, Employees and Company Profile">
             <a:extLst>
               <a:ext uri="{FF2B5EF4-FFF2-40B4-BE49-F238E27FC236}">
-                <a16:creationId xmlns="" xmlns:a16="http://schemas.microsoft.com/office/drawing/2014/main" id="{A4C480C9-DC31-D1C3-8994-74A97E8A70AE}"/>
+                <a16:creationId xmlns:a16="http://schemas.microsoft.com/office/drawing/2014/main" id="{A4C480C9-DC31-D1C3-8994-74A97E8A70AE}"/>
               </a:ext>
             </a:extLst>
           </p:cNvPr>
@@ -10143,7 +10249,7 @@
           <p:cNvPr id="2076" name="Picture 28">
             <a:extLst>
               <a:ext uri="{FF2B5EF4-FFF2-40B4-BE49-F238E27FC236}">
-                <a16:creationId xmlns="" xmlns:a16="http://schemas.microsoft.com/office/drawing/2014/main" id="{242C7161-15D1-6C48-A362-093D578E455A}"/>
+                <a16:creationId xmlns:a16="http://schemas.microsoft.com/office/drawing/2014/main" id="{242C7161-15D1-6C48-A362-093D578E455A}"/>
               </a:ext>
             </a:extLst>
           </p:cNvPr>
@@ -10220,7 +10326,7 @@
           <p:cNvPr id="2" name="Título 1">
             <a:extLst>
               <a:ext uri="{FF2B5EF4-FFF2-40B4-BE49-F238E27FC236}">
-                <a16:creationId xmlns="" xmlns:a16="http://schemas.microsoft.com/office/drawing/2014/main" id="{6EE0696A-EC59-AEEC-926E-52105E388E70}"/>
+                <a16:creationId xmlns:a16="http://schemas.microsoft.com/office/drawing/2014/main" id="{6EE0696A-EC59-AEEC-926E-52105E388E70}"/>
               </a:ext>
             </a:extLst>
           </p:cNvPr>
@@ -10255,7 +10361,7 @@
           <p:cNvPr id="5" name="Marcador de contenido 4" descr="Diagrama&#10;&#10;El contenido generado por IA puede ser incorrecto.">
             <a:extLst>
               <a:ext uri="{FF2B5EF4-FFF2-40B4-BE49-F238E27FC236}">
-                <a16:creationId xmlns="" xmlns:a16="http://schemas.microsoft.com/office/drawing/2014/main" id="{721A3A4B-E5FF-B1E1-B571-5150480FE290}"/>
+                <a16:creationId xmlns:a16="http://schemas.microsoft.com/office/drawing/2014/main" id="{721A3A4B-E5FF-B1E1-B571-5150480FE290}"/>
               </a:ext>
             </a:extLst>
           </p:cNvPr>
@@ -10285,7 +10391,7 @@
           <p:cNvPr id="10" name="Content Placeholder 2">
             <a:extLst>
               <a:ext uri="{FF2B5EF4-FFF2-40B4-BE49-F238E27FC236}">
-                <a16:creationId xmlns="" xmlns:a16="http://schemas.microsoft.com/office/drawing/2014/main" id="{F1254407-A1D7-ACDB-29EA-008B1B0421D3}"/>
+                <a16:creationId xmlns:a16="http://schemas.microsoft.com/office/drawing/2014/main" id="{F1254407-A1D7-ACDB-29EA-008B1B0421D3}"/>
               </a:ext>
             </a:extLst>
           </p:cNvPr>
@@ -10329,6 +10435,21 @@
             <a:r>
               <a:rPr lang="es-ES" noProof="0" dirty="0"/>
               <a:t>Detección de gestos</a:t>
+            </a:r>
+          </a:p>
+          <a:p>
+            <a:pPr lvl="1"/>
+            <a:r>
+              <a:rPr lang="es-ES" dirty="0" err="1"/>
+              <a:t>Pinch</a:t>
+            </a:r>
+            <a:endParaRPr lang="es-ES" dirty="0"/>
+          </a:p>
+          <a:p>
+            <a:pPr lvl="1"/>
+            <a:r>
+              <a:rPr lang="es-ES" noProof="0" dirty="0"/>
+              <a:t>Point</a:t>
             </a:r>
           </a:p>
         </p:txBody>
@@ -10368,7 +10489,7 @@
           <p:cNvPr id="2" name="Título 1">
             <a:extLst>
               <a:ext uri="{FF2B5EF4-FFF2-40B4-BE49-F238E27FC236}">
-                <a16:creationId xmlns="" xmlns:a16="http://schemas.microsoft.com/office/drawing/2014/main" id="{6CE80B81-BF7A-61AD-1FEA-D23301C94B85}"/>
+                <a16:creationId xmlns:a16="http://schemas.microsoft.com/office/drawing/2014/main" id="{6CE80B81-BF7A-61AD-1FEA-D23301C94B85}"/>
               </a:ext>
             </a:extLst>
           </p:cNvPr>
@@ -10396,7 +10517,7 @@
           <p:cNvPr id="7" name="Marcador de contenido 6" descr="Imagen de la pantalla de un celular&#10;&#10;El contenido generado por IA puede ser incorrecto.">
             <a:extLst>
               <a:ext uri="{FF2B5EF4-FFF2-40B4-BE49-F238E27FC236}">
-                <a16:creationId xmlns="" xmlns:a16="http://schemas.microsoft.com/office/drawing/2014/main" id="{363A8432-8183-77A3-5F54-0182D6E74A66}"/>
+                <a16:creationId xmlns:a16="http://schemas.microsoft.com/office/drawing/2014/main" id="{363A8432-8183-77A3-5F54-0182D6E74A66}"/>
               </a:ext>
             </a:extLst>
           </p:cNvPr>
@@ -10425,7 +10546,7 @@
           <p:cNvPr id="5" name="Marcador de contenido 4" descr="Diagrama&#10;&#10;El contenido generado por IA puede ser incorrecto.">
             <a:extLst>
               <a:ext uri="{FF2B5EF4-FFF2-40B4-BE49-F238E27FC236}">
-                <a16:creationId xmlns="" xmlns:a16="http://schemas.microsoft.com/office/drawing/2014/main" id="{B74ADE4E-93BD-BBA7-BA74-0FC00156711B}"/>
+                <a16:creationId xmlns:a16="http://schemas.microsoft.com/office/drawing/2014/main" id="{B74ADE4E-93BD-BBA7-BA74-0FC00156711B}"/>
               </a:ext>
             </a:extLst>
           </p:cNvPr>
@@ -10473,7 +10594,7 @@
         <p:cNvPr id="1" name="">
           <a:extLst>
             <a:ext uri="{FF2B5EF4-FFF2-40B4-BE49-F238E27FC236}">
-              <a16:creationId xmlns="" xmlns:a16="http://schemas.microsoft.com/office/drawing/2014/main" id="{6AD13276-D651-31DB-39AC-D9CE767348AE}"/>
+              <a16:creationId xmlns:a16="http://schemas.microsoft.com/office/drawing/2014/main" id="{6AD13276-D651-31DB-39AC-D9CE767348AE}"/>
             </a:ext>
           </a:extLst>
         </p:cNvPr>
@@ -10493,7 +10614,7 @@
           <p:cNvPr id="2" name="Título 1">
             <a:extLst>
               <a:ext uri="{FF2B5EF4-FFF2-40B4-BE49-F238E27FC236}">
-                <a16:creationId xmlns="" xmlns:a16="http://schemas.microsoft.com/office/drawing/2014/main" id="{E4E63F76-7E1A-BB2C-1632-9EF50B6C979C}"/>
+                <a16:creationId xmlns:a16="http://schemas.microsoft.com/office/drawing/2014/main" id="{E4E63F76-7E1A-BB2C-1632-9EF50B6C979C}"/>
               </a:ext>
             </a:extLst>
           </p:cNvPr>
@@ -10521,7 +10642,7 @@
           <p:cNvPr id="10" name="Marcador de contenido 9" descr="Flecha&#10;&#10;El contenido generado por IA puede ser incorrecto.">
             <a:extLst>
               <a:ext uri="{FF2B5EF4-FFF2-40B4-BE49-F238E27FC236}">
-                <a16:creationId xmlns="" xmlns:a16="http://schemas.microsoft.com/office/drawing/2014/main" id="{2F188675-DD19-2E42-3D3C-49654877B9BE}"/>
+                <a16:creationId xmlns:a16="http://schemas.microsoft.com/office/drawing/2014/main" id="{2F188675-DD19-2E42-3D3C-49654877B9BE}"/>
               </a:ext>
             </a:extLst>
           </p:cNvPr>
@@ -10540,8 +10661,8 @@
         </p:blipFill>
         <p:spPr>
           <a:xfrm>
-            <a:off x="1921683" y="2128878"/>
-            <a:ext cx="3545807" cy="1994516"/>
+            <a:off x="2353733" y="2371906"/>
+            <a:ext cx="3113757" cy="1751488"/>
           </a:xfrm>
         </p:spPr>
       </p:pic>
@@ -10550,7 +10671,7 @@
           <p:cNvPr id="12" name="Marcador de contenido 11" descr="Imagen que contiene Gráfico&#10;&#10;El contenido generado por IA puede ser incorrecto.">
             <a:extLst>
               <a:ext uri="{FF2B5EF4-FFF2-40B4-BE49-F238E27FC236}">
-                <a16:creationId xmlns="" xmlns:a16="http://schemas.microsoft.com/office/drawing/2014/main" id="{B906A027-E11C-3167-21A3-147F33772B51}"/>
+                <a16:creationId xmlns:a16="http://schemas.microsoft.com/office/drawing/2014/main" id="{B906A027-E11C-3167-21A3-147F33772B51}"/>
               </a:ext>
             </a:extLst>
           </p:cNvPr>
@@ -10569,8 +10690,8 @@
         </p:blipFill>
         <p:spPr>
           <a:xfrm>
-            <a:off x="6724509" y="2128878"/>
-            <a:ext cx="3545808" cy="1994517"/>
+            <a:off x="7156559" y="2371907"/>
+            <a:ext cx="3113757" cy="1751488"/>
           </a:xfrm>
         </p:spPr>
       </p:pic>
@@ -10579,7 +10700,7 @@
           <p:cNvPr id="15" name="Imagen 14" descr="Imagen que contiene tabla, teléfono&#10;&#10;El contenido generado por IA puede ser incorrecto.">
             <a:extLst>
               <a:ext uri="{FF2B5EF4-FFF2-40B4-BE49-F238E27FC236}">
-                <a16:creationId xmlns="" xmlns:a16="http://schemas.microsoft.com/office/drawing/2014/main" id="{E8A0FCCF-ED4F-434B-41DC-4E557A95CB90}"/>
+                <a16:creationId xmlns:a16="http://schemas.microsoft.com/office/drawing/2014/main" id="{E8A0FCCF-ED4F-434B-41DC-4E557A95CB90}"/>
               </a:ext>
             </a:extLst>
           </p:cNvPr>
@@ -10596,8 +10717,8 @@
         </p:blipFill>
         <p:spPr>
           <a:xfrm>
-            <a:off x="1921683" y="4534282"/>
-            <a:ext cx="3545805" cy="1994516"/>
+            <a:off x="2353731" y="4777308"/>
+            <a:ext cx="3113757" cy="1751489"/>
           </a:xfrm>
           <a:prstGeom prst="rect">
             <a:avLst/>
@@ -10609,7 +10730,7 @@
           <p:cNvPr id="17" name="Imagen 16" descr="Imagen que contiene computadora&#10;&#10;El contenido generado por IA puede ser incorrecto.">
             <a:extLst>
               <a:ext uri="{FF2B5EF4-FFF2-40B4-BE49-F238E27FC236}">
-                <a16:creationId xmlns="" xmlns:a16="http://schemas.microsoft.com/office/drawing/2014/main" id="{283209BE-81D2-5CF8-0A7C-39689412FEAC}"/>
+                <a16:creationId xmlns:a16="http://schemas.microsoft.com/office/drawing/2014/main" id="{283209BE-81D2-5CF8-0A7C-39689412FEAC}"/>
               </a:ext>
             </a:extLst>
           </p:cNvPr>
@@ -10626,14 +10747,230 @@
         </p:blipFill>
         <p:spPr>
           <a:xfrm>
-            <a:off x="6724510" y="4534281"/>
-            <a:ext cx="3545807" cy="1994517"/>
+            <a:off x="7156559" y="4777309"/>
+            <a:ext cx="3113758" cy="1751489"/>
           </a:xfrm>
           <a:prstGeom prst="rect">
             <a:avLst/>
           </a:prstGeom>
         </p:spPr>
       </p:pic>
+      <p:sp>
+        <p:nvSpPr>
+          <p:cNvPr id="3" name="CuadroTexto 2">
+            <a:extLst>
+              <a:ext uri="{FF2B5EF4-FFF2-40B4-BE49-F238E27FC236}">
+                <a16:creationId xmlns:a16="http://schemas.microsoft.com/office/drawing/2014/main" id="{DD5FCCF5-E750-839B-FC4A-FD18618FCEC5}"/>
+              </a:ext>
+            </a:extLst>
+          </p:cNvPr>
+          <p:cNvSpPr txBox="1"/>
+          <p:nvPr/>
+        </p:nvSpPr>
+        <p:spPr>
+          <a:xfrm>
+            <a:off x="3097950" y="1860281"/>
+            <a:ext cx="1949188" cy="430887"/>
+          </a:xfrm>
+          <a:prstGeom prst="rect">
+            <a:avLst/>
+          </a:prstGeom>
+          <a:noFill/>
+        </p:spPr>
+        <p:txBody>
+          <a:bodyPr wrap="none" rtlCol="0">
+            <a:spAutoFit/>
+          </a:bodyPr>
+          <a:lstStyle/>
+          <a:p>
+            <a:r>
+              <a:rPr lang="es-ES" sz="2200" dirty="0">
+                <a:solidFill>
+                  <a:schemeClr val="accent2"/>
+                </a:solidFill>
+              </a:rPr>
+              <a:t>Drag + </a:t>
+            </a:r>
+            <a:r>
+              <a:rPr lang="es-ES" sz="2200" dirty="0" err="1">
+                <a:solidFill>
+                  <a:schemeClr val="accent2"/>
+                </a:solidFill>
+              </a:rPr>
+              <a:t>Hoover</a:t>
+            </a:r>
+            <a:endParaRPr lang="es-ES" sz="2200" dirty="0">
+              <a:solidFill>
+                <a:schemeClr val="accent2"/>
+              </a:solidFill>
+            </a:endParaRPr>
+          </a:p>
+        </p:txBody>
+      </p:sp>
+      <p:sp>
+        <p:nvSpPr>
+          <p:cNvPr id="4" name="CuadroTexto 3">
+            <a:extLst>
+              <a:ext uri="{FF2B5EF4-FFF2-40B4-BE49-F238E27FC236}">
+                <a16:creationId xmlns:a16="http://schemas.microsoft.com/office/drawing/2014/main" id="{43E9E175-1368-A1A0-F801-CD143A9EB64C}"/>
+              </a:ext>
+            </a:extLst>
+          </p:cNvPr>
+          <p:cNvSpPr txBox="1"/>
+          <p:nvPr/>
+        </p:nvSpPr>
+        <p:spPr>
+          <a:xfrm>
+            <a:off x="7738843" y="1860281"/>
+            <a:ext cx="1918730" cy="430887"/>
+          </a:xfrm>
+          <a:prstGeom prst="rect">
+            <a:avLst/>
+          </a:prstGeom>
+          <a:noFill/>
+        </p:spPr>
+        <p:txBody>
+          <a:bodyPr wrap="none" rtlCol="0">
+            <a:spAutoFit/>
+          </a:bodyPr>
+          <a:lstStyle/>
+          <a:p>
+            <a:r>
+              <a:rPr lang="es-ES" sz="2200" dirty="0" err="1">
+                <a:solidFill>
+                  <a:schemeClr val="accent2"/>
+                </a:solidFill>
+              </a:rPr>
+              <a:t>Slide</a:t>
+            </a:r>
+            <a:r>
+              <a:rPr lang="es-ES" sz="2200" dirty="0">
+                <a:solidFill>
+                  <a:schemeClr val="accent2"/>
+                </a:solidFill>
+              </a:rPr>
+              <a:t> + </a:t>
+            </a:r>
+            <a:r>
+              <a:rPr lang="es-ES" sz="2200" dirty="0" err="1">
+                <a:solidFill>
+                  <a:schemeClr val="accent2"/>
+                </a:solidFill>
+              </a:rPr>
+              <a:t>Hoover</a:t>
+            </a:r>
+            <a:endParaRPr lang="es-ES" sz="2200" dirty="0">
+              <a:solidFill>
+                <a:schemeClr val="accent2"/>
+              </a:solidFill>
+            </a:endParaRPr>
+          </a:p>
+        </p:txBody>
+      </p:sp>
+      <p:sp>
+        <p:nvSpPr>
+          <p:cNvPr id="5" name="CuadroTexto 4">
+            <a:extLst>
+              <a:ext uri="{FF2B5EF4-FFF2-40B4-BE49-F238E27FC236}">
+                <a16:creationId xmlns:a16="http://schemas.microsoft.com/office/drawing/2014/main" id="{35D76FB3-EE89-87FE-701D-9B70CBA3AC05}"/>
+              </a:ext>
+            </a:extLst>
+          </p:cNvPr>
+          <p:cNvSpPr txBox="1"/>
+          <p:nvPr/>
+        </p:nvSpPr>
+        <p:spPr>
+          <a:xfrm>
+            <a:off x="2936015" y="4234907"/>
+            <a:ext cx="2209644" cy="430887"/>
+          </a:xfrm>
+          <a:prstGeom prst="rect">
+            <a:avLst/>
+          </a:prstGeom>
+          <a:noFill/>
+        </p:spPr>
+        <p:txBody>
+          <a:bodyPr wrap="none" rtlCol="0">
+            <a:spAutoFit/>
+          </a:bodyPr>
+          <a:lstStyle/>
+          <a:p>
+            <a:r>
+              <a:rPr lang="es-ES" sz="2200" dirty="0" err="1">
+                <a:solidFill>
+                  <a:schemeClr val="accent2"/>
+                </a:solidFill>
+              </a:rPr>
+              <a:t>Stretch</a:t>
+            </a:r>
+            <a:r>
+              <a:rPr lang="es-ES" sz="2200" dirty="0">
+                <a:solidFill>
+                  <a:schemeClr val="accent2"/>
+                </a:solidFill>
+              </a:rPr>
+              <a:t> + </a:t>
+            </a:r>
+            <a:r>
+              <a:rPr lang="es-ES" sz="2200" dirty="0" err="1">
+                <a:solidFill>
+                  <a:schemeClr val="accent2"/>
+                </a:solidFill>
+              </a:rPr>
+              <a:t>Hoover</a:t>
+            </a:r>
+            <a:endParaRPr lang="es-ES" sz="2200" dirty="0">
+              <a:solidFill>
+                <a:schemeClr val="accent2"/>
+              </a:solidFill>
+            </a:endParaRPr>
+          </a:p>
+        </p:txBody>
+      </p:sp>
+      <p:sp>
+        <p:nvSpPr>
+          <p:cNvPr id="6" name="CuadroTexto 5">
+            <a:extLst>
+              <a:ext uri="{FF2B5EF4-FFF2-40B4-BE49-F238E27FC236}">
+                <a16:creationId xmlns:a16="http://schemas.microsoft.com/office/drawing/2014/main" id="{00B979FC-7724-2CD0-0C90-21D41C6540F7}"/>
+              </a:ext>
+            </a:extLst>
+          </p:cNvPr>
+          <p:cNvSpPr txBox="1"/>
+          <p:nvPr/>
+        </p:nvSpPr>
+        <p:spPr>
+          <a:xfrm>
+            <a:off x="8329357" y="4204134"/>
+            <a:ext cx="768159" cy="430887"/>
+          </a:xfrm>
+          <a:prstGeom prst="rect">
+            <a:avLst/>
+          </a:prstGeom>
+          <a:noFill/>
+        </p:spPr>
+        <p:txBody>
+          <a:bodyPr wrap="none" rtlCol="0">
+            <a:spAutoFit/>
+          </a:bodyPr>
+          <a:lstStyle/>
+          <a:p>
+            <a:r>
+              <a:rPr lang="es-ES" sz="2200" dirty="0" err="1">
+                <a:solidFill>
+                  <a:schemeClr val="accent2"/>
+                </a:solidFill>
+              </a:rPr>
+              <a:t>Click</a:t>
+            </a:r>
+            <a:endParaRPr lang="es-ES" sz="2200" dirty="0">
+              <a:solidFill>
+                <a:schemeClr val="accent2"/>
+              </a:solidFill>
+            </a:endParaRPr>
+          </a:p>
+        </p:txBody>
+      </p:sp>
     </p:spTree>
     <p:extLst>
       <p:ext uri="{BB962C8B-B14F-4D97-AF65-F5344CB8AC3E}">
@@ -10669,7 +11006,7 @@
           <p:cNvPr id="2" name="Título 1">
             <a:extLst>
               <a:ext uri="{FF2B5EF4-FFF2-40B4-BE49-F238E27FC236}">
-                <a16:creationId xmlns="" xmlns:a16="http://schemas.microsoft.com/office/drawing/2014/main" id="{19E835AF-BF43-22A2-B6ED-4C2D80FF8DCD}"/>
+                <a16:creationId xmlns:a16="http://schemas.microsoft.com/office/drawing/2014/main" id="{19E835AF-BF43-22A2-B6ED-4C2D80FF8DCD}"/>
               </a:ext>
             </a:extLst>
           </p:cNvPr>
@@ -10697,7 +11034,7 @@
           <p:cNvPr id="6" name="Marcador de contenido 5">
             <a:extLst>
               <a:ext uri="{FF2B5EF4-FFF2-40B4-BE49-F238E27FC236}">
-                <a16:creationId xmlns="" xmlns:a16="http://schemas.microsoft.com/office/drawing/2014/main" id="{6D475090-73A0-F59A-CCE1-CCD9E831D5D0}"/>
+                <a16:creationId xmlns:a16="http://schemas.microsoft.com/office/drawing/2014/main" id="{6D475090-73A0-F59A-CCE1-CCD9E831D5D0}"/>
               </a:ext>
             </a:extLst>
           </p:cNvPr>
@@ -10727,22 +11064,28 @@
                 <a:gridCol w="2012718">
                   <a:extLst>
                     <a:ext uri="{9D8B030D-6E8A-4147-A177-3AD203B41FA5}">
-                      <a16:colId xmlns="" xmlns:a16="http://schemas.microsoft.com/office/drawing/2014/main" val="1237714882"/>
+                      <a16:colId xmlns:a16="http://schemas.microsoft.com/office/drawing/2014/main" val="1237714882"/>
                     </a:ext>
                   </a:extLst>
                 </a:gridCol>
-                <a:gridCol w="3797559"/>
+                <a:gridCol w="3797559">
+                  <a:extLst>
+                    <a:ext uri="{9D8B030D-6E8A-4147-A177-3AD203B41FA5}">
+                      <a16:colId xmlns:a16="http://schemas.microsoft.com/office/drawing/2014/main" val="20001"/>
+                    </a:ext>
+                  </a:extLst>
+                </a:gridCol>
                 <a:gridCol w="2448739">
                   <a:extLst>
                     <a:ext uri="{9D8B030D-6E8A-4147-A177-3AD203B41FA5}">
-                      <a16:colId xmlns="" xmlns:a16="http://schemas.microsoft.com/office/drawing/2014/main" val="2152919591"/>
+                      <a16:colId xmlns:a16="http://schemas.microsoft.com/office/drawing/2014/main" val="2152919591"/>
                     </a:ext>
                   </a:extLst>
                 </a:gridCol>
                 <a:gridCol w="2758984">
                   <a:extLst>
                     <a:ext uri="{9D8B030D-6E8A-4147-A177-3AD203B41FA5}">
-                      <a16:colId xmlns="" xmlns:a16="http://schemas.microsoft.com/office/drawing/2014/main" val="3690353977"/>
+                      <a16:colId xmlns:a16="http://schemas.microsoft.com/office/drawing/2014/main" val="3690353977"/>
                     </a:ext>
                   </a:extLst>
                 </a:gridCol>
@@ -10769,10 +11112,9 @@
                     <a:p>
                       <a:pPr algn="ctr"/>
                       <a:r>
-                        <a:rPr lang="es-ES" dirty="0" smtClean="0"/>
+                        <a:rPr lang="es-ES" dirty="0"/>
                         <a:t>Titulo</a:t>
                       </a:r>
-                      <a:endParaRPr lang="es-ES" dirty="0"/>
                     </a:p>
                   </a:txBody>
                   <a:tcPr/>
@@ -10807,7 +11149,7 @@
                 </a:tc>
                 <a:extLst>
                   <a:ext uri="{0D108BD9-81ED-4DB2-BD59-A6C34878D82A}">
-                    <a16:rowId xmlns="" xmlns:a16="http://schemas.microsoft.com/office/drawing/2014/main" val="1231240131"/>
+                    <a16:rowId xmlns:a16="http://schemas.microsoft.com/office/drawing/2014/main" val="1231240131"/>
                   </a:ext>
                 </a:extLst>
               </a:tr>
@@ -10831,11 +11173,11 @@
                     <a:lstStyle/>
                     <a:p>
                       <a:r>
-                        <a:rPr lang="es-ES" dirty="0" smtClean="0"/>
+                        <a:rPr lang="es-ES" dirty="0"/>
                         <a:t>Puesta en</a:t>
                       </a:r>
                       <a:r>
-                        <a:rPr lang="es-ES" baseline="0" dirty="0" smtClean="0"/>
+                        <a:rPr lang="es-ES" baseline="0" dirty="0"/>
                         <a:t> marcha</a:t>
                       </a:r>
                       <a:endParaRPr lang="es-ES" dirty="0"/>
@@ -10871,7 +11213,7 @@
                 </a:tc>
                 <a:extLst>
                   <a:ext uri="{0D108BD9-81ED-4DB2-BD59-A6C34878D82A}">
-                    <a16:rowId xmlns="" xmlns:a16="http://schemas.microsoft.com/office/drawing/2014/main" val="1652713779"/>
+                    <a16:rowId xmlns:a16="http://schemas.microsoft.com/office/drawing/2014/main" val="1652713779"/>
                   </a:ext>
                 </a:extLst>
               </a:tr>
@@ -10895,10 +11237,9 @@
                     <a:lstStyle/>
                     <a:p>
                       <a:r>
-                        <a:rPr lang="es-ES" dirty="0" smtClean="0"/>
+                        <a:rPr lang="es-ES" dirty="0"/>
                         <a:t>Primeras manos</a:t>
                       </a:r>
-                      <a:endParaRPr lang="es-ES" dirty="0"/>
                     </a:p>
                   </a:txBody>
                   <a:tcPr/>
@@ -10931,7 +11272,7 @@
                 </a:tc>
                 <a:extLst>
                   <a:ext uri="{0D108BD9-81ED-4DB2-BD59-A6C34878D82A}">
-                    <a16:rowId xmlns="" xmlns:a16="http://schemas.microsoft.com/office/drawing/2014/main" val="3925492534"/>
+                    <a16:rowId xmlns:a16="http://schemas.microsoft.com/office/drawing/2014/main" val="3925492534"/>
                   </a:ext>
                 </a:extLst>
               </a:tr>
@@ -10955,11 +11296,11 @@
                     <a:lstStyle/>
                     <a:p>
                       <a:r>
-                        <a:rPr lang="es-ES" dirty="0" smtClean="0"/>
+                        <a:rPr lang="es-ES" dirty="0"/>
                         <a:t>Introducción</a:t>
                       </a:r>
                       <a:r>
-                        <a:rPr lang="es-ES" baseline="0" dirty="0" smtClean="0"/>
+                        <a:rPr lang="es-ES" baseline="0" dirty="0"/>
                         <a:t> de eventos y gestos</a:t>
                       </a:r>
                       <a:endParaRPr lang="es-ES" dirty="0"/>
@@ -10995,7 +11336,7 @@
                 </a:tc>
                 <a:extLst>
                   <a:ext uri="{0D108BD9-81ED-4DB2-BD59-A6C34878D82A}">
-                    <a16:rowId xmlns="" xmlns:a16="http://schemas.microsoft.com/office/drawing/2014/main" val="2242572653"/>
+                    <a16:rowId xmlns:a16="http://schemas.microsoft.com/office/drawing/2014/main" val="2242572653"/>
                   </a:ext>
                 </a:extLst>
               </a:tr>
@@ -11053,10 +11394,9 @@
                         <a:defRPr/>
                       </a:pPr>
                       <a:r>
-                        <a:rPr lang="es-ES" dirty="0" smtClean="0"/>
+                        <a:rPr lang="es-ES" dirty="0"/>
                         <a:t>Nuevos gestos a la escena</a:t>
                       </a:r>
-                      <a:endParaRPr lang="es-ES" dirty="0"/>
                     </a:p>
                   </a:txBody>
                   <a:tcPr/>
@@ -11089,7 +11429,7 @@
                 </a:tc>
                 <a:extLst>
                   <a:ext uri="{0D108BD9-81ED-4DB2-BD59-A6C34878D82A}">
-                    <a16:rowId xmlns="" xmlns:a16="http://schemas.microsoft.com/office/drawing/2014/main" val="1998520040"/>
+                    <a16:rowId xmlns:a16="http://schemas.microsoft.com/office/drawing/2014/main" val="1998520040"/>
                   </a:ext>
                 </a:extLst>
               </a:tr>
@@ -11147,10 +11487,9 @@
                         <a:defRPr/>
                       </a:pPr>
                       <a:r>
-                        <a:rPr lang="es-ES" dirty="0" smtClean="0"/>
+                        <a:rPr lang="es-ES" dirty="0"/>
                         <a:t>Detección de colisiones</a:t>
                       </a:r>
-                      <a:endParaRPr lang="es-ES" dirty="0"/>
                     </a:p>
                   </a:txBody>
                   <a:tcPr/>
@@ -11183,7 +11522,7 @@
                 </a:tc>
                 <a:extLst>
                   <a:ext uri="{0D108BD9-81ED-4DB2-BD59-A6C34878D82A}">
-                    <a16:rowId xmlns="" xmlns:a16="http://schemas.microsoft.com/office/drawing/2014/main" val="4195270764"/>
+                    <a16:rowId xmlns:a16="http://schemas.microsoft.com/office/drawing/2014/main" val="4195270764"/>
                   </a:ext>
                 </a:extLst>
               </a:tr>
@@ -11241,11 +11580,11 @@
                         <a:defRPr/>
                       </a:pPr>
                       <a:r>
-                        <a:rPr lang="es-ES" dirty="0" smtClean="0"/>
+                        <a:rPr lang="es-ES" dirty="0"/>
                         <a:t>Incorporación de la función</a:t>
                       </a:r>
                       <a:r>
-                        <a:rPr lang="es-ES" baseline="0" dirty="0" smtClean="0"/>
+                        <a:rPr lang="es-ES" baseline="0" dirty="0"/>
                         <a:t> Grabable</a:t>
                       </a:r>
                       <a:endParaRPr lang="es-ES" dirty="0"/>
@@ -11281,7 +11620,7 @@
                 </a:tc>
                 <a:extLst>
                   <a:ext uri="{0D108BD9-81ED-4DB2-BD59-A6C34878D82A}">
-                    <a16:rowId xmlns="" xmlns:a16="http://schemas.microsoft.com/office/drawing/2014/main" val="4179743263"/>
+                    <a16:rowId xmlns:a16="http://schemas.microsoft.com/office/drawing/2014/main" val="4179743263"/>
                   </a:ext>
                 </a:extLst>
               </a:tr>
@@ -11339,10 +11678,9 @@
                         <a:defRPr/>
                       </a:pPr>
                       <a:r>
-                        <a:rPr lang="es-ES" dirty="0" smtClean="0"/>
+                        <a:rPr lang="es-ES" dirty="0"/>
                         <a:t>Manos finales</a:t>
                       </a:r>
-                      <a:endParaRPr lang="es-ES" dirty="0"/>
                     </a:p>
                   </a:txBody>
                   <a:tcPr/>
@@ -11375,7 +11713,7 @@
                 </a:tc>
                 <a:extLst>
                   <a:ext uri="{0D108BD9-81ED-4DB2-BD59-A6C34878D82A}">
-                    <a16:rowId xmlns="" xmlns:a16="http://schemas.microsoft.com/office/drawing/2014/main" val="1001260874"/>
+                    <a16:rowId xmlns:a16="http://schemas.microsoft.com/office/drawing/2014/main" val="1001260874"/>
                   </a:ext>
                 </a:extLst>
               </a:tr>
@@ -11418,7 +11756,7 @@
           <p:cNvPr id="2" name="Título 1">
             <a:extLst>
               <a:ext uri="{FF2B5EF4-FFF2-40B4-BE49-F238E27FC236}">
-                <a16:creationId xmlns="" xmlns:a16="http://schemas.microsoft.com/office/drawing/2014/main" id="{CFB5BFCC-2107-0DFB-A068-2BBD102A902A}"/>
+                <a16:creationId xmlns:a16="http://schemas.microsoft.com/office/drawing/2014/main" id="{CFB5BFCC-2107-0DFB-A068-2BBD102A902A}"/>
               </a:ext>
             </a:extLst>
           </p:cNvPr>
@@ -11453,7 +11791,7 @@
           <p:cNvPr id="15" name="Text Placeholder 2">
             <a:extLst>
               <a:ext uri="{FF2B5EF4-FFF2-40B4-BE49-F238E27FC236}">
-                <a16:creationId xmlns="" xmlns:a16="http://schemas.microsoft.com/office/drawing/2014/main" id="{6B8E4937-A71A-F6D8-48A1-84038C893128}"/>
+                <a16:creationId xmlns:a16="http://schemas.microsoft.com/office/drawing/2014/main" id="{6B8E4937-A71A-F6D8-48A1-84038C893128}"/>
               </a:ext>
             </a:extLst>
           </p:cNvPr>
@@ -11475,10 +11813,9 @@
           <a:lstStyle/>
           <a:p>
             <a:r>
-              <a:rPr lang="es-ES" dirty="0" smtClean="0"/>
+              <a:rPr lang="es-ES" dirty="0"/>
               <a:t>Condiciones</a:t>
             </a:r>
-            <a:endParaRPr lang="es-ES" dirty="0"/>
           </a:p>
         </p:txBody>
       </p:sp>
@@ -11487,7 +11824,7 @@
           <p:cNvPr id="17" name="Content Placeholder 3">
             <a:extLst>
               <a:ext uri="{FF2B5EF4-FFF2-40B4-BE49-F238E27FC236}">
-                <a16:creationId xmlns="" xmlns:a16="http://schemas.microsoft.com/office/drawing/2014/main" id="{D0846E20-7171-924A-3312-27610FC73870}"/>
+                <a16:creationId xmlns:a16="http://schemas.microsoft.com/office/drawing/2014/main" id="{D0846E20-7171-924A-3312-27610FC73870}"/>
               </a:ext>
             </a:extLst>
           </p:cNvPr>
@@ -11521,20 +11858,16 @@
           </a:p>
           <a:p>
             <a:r>
-              <a:rPr lang="en-US" dirty="0" err="1" smtClean="0"/>
+              <a:rPr lang="en-US" dirty="0" err="1"/>
               <a:t>Introducción</a:t>
             </a:r>
             <a:r>
-              <a:rPr lang="en-US" smtClean="0"/>
+              <a:rPr lang="en-US"/>
               <a:t> directa</a:t>
             </a:r>
             <a:r>
-              <a:rPr lang="en-US" dirty="0" smtClean="0"/>
-              <a:t> </a:t>
-            </a:r>
-            <a:r>
               <a:rPr lang="en-US" dirty="0"/>
-              <a:t>a la </a:t>
+              <a:t> a la </a:t>
             </a:r>
             <a:r>
               <a:rPr lang="en-US" dirty="0" err="1"/>
@@ -11577,7 +11910,7 @@
           <p:cNvPr id="19" name="Text Placeholder 4">
             <a:extLst>
               <a:ext uri="{FF2B5EF4-FFF2-40B4-BE49-F238E27FC236}">
-                <a16:creationId xmlns="" xmlns:a16="http://schemas.microsoft.com/office/drawing/2014/main" id="{4316A3DF-C36E-8EA9-2D3B-6723E8F0840F}"/>
+                <a16:creationId xmlns:a16="http://schemas.microsoft.com/office/drawing/2014/main" id="{4316A3DF-C36E-8EA9-2D3B-6723E8F0840F}"/>
               </a:ext>
             </a:extLst>
           </p:cNvPr>
@@ -11610,7 +11943,7 @@
           <p:cNvPr id="21" name="Content Placeholder 5">
             <a:extLst>
               <a:ext uri="{FF2B5EF4-FFF2-40B4-BE49-F238E27FC236}">
-                <a16:creationId xmlns="" xmlns:a16="http://schemas.microsoft.com/office/drawing/2014/main" id="{EF6F9626-C8AD-34B6-CAAE-F187DF00F1A3}"/>
+                <a16:creationId xmlns:a16="http://schemas.microsoft.com/office/drawing/2014/main" id="{EF6F9626-C8AD-34B6-CAAE-F187DF00F1A3}"/>
               </a:ext>
             </a:extLst>
           </p:cNvPr>
@@ -11658,7 +11991,7 @@
           <p:cNvPr id="7" name="Imagen 6" descr="Interfaz de usuario gráfica&#10;&#10;El contenido generado por IA puede ser incorrecto.">
             <a:extLst>
               <a:ext uri="{FF2B5EF4-FFF2-40B4-BE49-F238E27FC236}">
-                <a16:creationId xmlns="" xmlns:a16="http://schemas.microsoft.com/office/drawing/2014/main" id="{B9882786-FBCE-7B81-BE0D-E13F95C69599}"/>
+                <a16:creationId xmlns:a16="http://schemas.microsoft.com/office/drawing/2014/main" id="{B9882786-FBCE-7B81-BE0D-E13F95C69599}"/>
               </a:ext>
             </a:extLst>
           </p:cNvPr>
@@ -11675,8 +12008,8 @@
         </p:blipFill>
         <p:spPr>
           <a:xfrm>
-            <a:off x="5234153" y="4393551"/>
-            <a:ext cx="4096479" cy="1705411"/>
+            <a:off x="4534958" y="4266551"/>
+            <a:ext cx="5383481" cy="2091915"/>
           </a:xfrm>
           <a:prstGeom prst="rect">
             <a:avLst/>

--- a/presentacion/presentacion.pptx
+++ b/presentacion/presentacion.pptx
@@ -158,7 +158,7 @@
           <p:cNvPr id="2" name="Marcador de encabezado 1">
             <a:extLst>
               <a:ext uri="{FF2B5EF4-FFF2-40B4-BE49-F238E27FC236}">
-                <a16:creationId xmlns:a16="http://schemas.microsoft.com/office/drawing/2014/main" id="{FF81CEA5-62FD-4C83-BDE3-91DFB9827D8F}"/>
+                <a16:creationId xmlns:a16="http://schemas.microsoft.com/office/drawing/2014/main" xmlns="" id="{FF81CEA5-62FD-4C83-BDE3-91DFB9827D8F}"/>
               </a:ext>
             </a:extLst>
           </p:cNvPr>
@@ -196,7 +196,7 @@
           <p:cNvPr id="3" name="Marcador de fecha 2">
             <a:extLst>
               <a:ext uri="{FF2B5EF4-FFF2-40B4-BE49-F238E27FC236}">
-                <a16:creationId xmlns:a16="http://schemas.microsoft.com/office/drawing/2014/main" id="{3FA1CBFD-6AD0-48C4-B91B-58830F6F4C3E}"/>
+                <a16:creationId xmlns:a16="http://schemas.microsoft.com/office/drawing/2014/main" xmlns="" id="{3FA1CBFD-6AD0-48C4-B91B-58830F6F4C3E}"/>
               </a:ext>
             </a:extLst>
           </p:cNvPr>
@@ -238,7 +238,7 @@
           <p:cNvPr id="4" name="Marcador de pie de página 3">
             <a:extLst>
               <a:ext uri="{FF2B5EF4-FFF2-40B4-BE49-F238E27FC236}">
-                <a16:creationId xmlns:a16="http://schemas.microsoft.com/office/drawing/2014/main" id="{A9E55D22-46A3-4B8C-AD40-252FE7896C36}"/>
+                <a16:creationId xmlns:a16="http://schemas.microsoft.com/office/drawing/2014/main" xmlns="" id="{A9E55D22-46A3-4B8C-AD40-252FE7896C36}"/>
               </a:ext>
             </a:extLst>
           </p:cNvPr>
@@ -276,7 +276,7 @@
           <p:cNvPr id="5" name="Marcador de número de diapositiva 4">
             <a:extLst>
               <a:ext uri="{FF2B5EF4-FFF2-40B4-BE49-F238E27FC236}">
-                <a16:creationId xmlns:a16="http://schemas.microsoft.com/office/drawing/2014/main" id="{8E70DCEF-9071-4B17-801B-37B4465C8E15}"/>
+                <a16:creationId xmlns:a16="http://schemas.microsoft.com/office/drawing/2014/main" xmlns="" id="{8E70DCEF-9071-4B17-801B-37B4465C8E15}"/>
               </a:ext>
             </a:extLst>
           </p:cNvPr>
@@ -4739,10 +4739,10 @@
           <p:cNvPr id="15" name="Rectángulo 14">
             <a:extLst>
               <a:ext uri="{FF2B5EF4-FFF2-40B4-BE49-F238E27FC236}">
-                <a16:creationId xmlns:a16="http://schemas.microsoft.com/office/drawing/2014/main" id="{493D4EDA-58E0-40CC-B3CA-14CDEB349D24}"/>
+                <a16:creationId xmlns:a16="http://schemas.microsoft.com/office/drawing/2014/main" xmlns="" id="{493D4EDA-58E0-40CC-B3CA-14CDEB349D24}"/>
               </a:ext>
               <a:ext uri="{C183D7F6-B498-43B3-948B-1728B52AA6E4}">
-                <adec:decorative xmlns:adec="http://schemas.microsoft.com/office/drawing/2017/decorative" val="1"/>
+                <adec:decorative xmlns:adec="http://schemas.microsoft.com/office/drawing/2017/decorative" xmlns="" val="1"/>
               </a:ext>
             </a:extLst>
           </p:cNvPr>
@@ -4752,7 +4752,7 @@
           <p:nvPr>
             <p:extLst>
               <p:ext uri="{386F3935-93C4-4BCD-93E2-E3B085C9AB24}">
-                <p16:designElem xmlns:p16="http://schemas.microsoft.com/office/powerpoint/2015/main" val="1"/>
+                <p16:designElem xmlns:p16="http://schemas.microsoft.com/office/powerpoint/2015/main" xmlns="" val="1"/>
               </p:ext>
             </p:extLst>
           </p:nvPr>
@@ -4799,7 +4799,7 @@
           <p:cNvPr id="7" name="Imagen 6" descr="Conexiones digitales">
             <a:extLst>
               <a:ext uri="{FF2B5EF4-FFF2-40B4-BE49-F238E27FC236}">
-                <a16:creationId xmlns:a16="http://schemas.microsoft.com/office/drawing/2014/main" id="{3840F91C-EDD0-4D4E-A4AB-E6C77856C88C}"/>
+                <a16:creationId xmlns:a16="http://schemas.microsoft.com/office/drawing/2014/main" xmlns="" id="{3840F91C-EDD0-4D4E-A4AB-E6C77856C88C}"/>
               </a:ext>
             </a:extLst>
           </p:cNvPr>
@@ -4834,10 +4834,10 @@
           <p:cNvPr id="17" name="Grupo 16">
             <a:extLst>
               <a:ext uri="{FF2B5EF4-FFF2-40B4-BE49-F238E27FC236}">
-                <a16:creationId xmlns:a16="http://schemas.microsoft.com/office/drawing/2014/main" id="{AA9EB0BC-A85E-4C26-B355-5DFCEF6CCB49}"/>
+                <a16:creationId xmlns:a16="http://schemas.microsoft.com/office/drawing/2014/main" xmlns="" id="{AA9EB0BC-A85E-4C26-B355-5DFCEF6CCB49}"/>
               </a:ext>
               <a:ext uri="{C183D7F6-B498-43B3-948B-1728B52AA6E4}">
-                <adec:decorative xmlns:adec="http://schemas.microsoft.com/office/drawing/2017/decorative" val="1"/>
+                <adec:decorative xmlns:adec="http://schemas.microsoft.com/office/drawing/2017/decorative" xmlns="" val="1"/>
               </a:ext>
             </a:extLst>
           </p:cNvPr>
@@ -4847,7 +4847,7 @@
           <p:nvPr>
             <p:extLst>
               <p:ext uri="{386F3935-93C4-4BCD-93E2-E3B085C9AB24}">
-                <p16:designElem xmlns:p16="http://schemas.microsoft.com/office/powerpoint/2015/main" val="1"/>
+                <p16:designElem xmlns:p16="http://schemas.microsoft.com/office/powerpoint/2015/main" xmlns="" val="1"/>
               </p:ext>
             </p:extLst>
           </p:nvPr>
@@ -4865,10 +4865,10 @@
             <p:cNvPr id="18" name="Rectángulo 17">
               <a:extLst>
                 <a:ext uri="{FF2B5EF4-FFF2-40B4-BE49-F238E27FC236}">
-                  <a16:creationId xmlns:a16="http://schemas.microsoft.com/office/drawing/2014/main" id="{3643E56B-BD42-413D-B17D-7958270F5DE4}"/>
+                  <a16:creationId xmlns:a16="http://schemas.microsoft.com/office/drawing/2014/main" xmlns="" id="{3643E56B-BD42-413D-B17D-7958270F5DE4}"/>
                 </a:ext>
                 <a:ext uri="{C183D7F6-B498-43B3-948B-1728B52AA6E4}">
-                  <adec:decorative xmlns:adec="http://schemas.microsoft.com/office/drawing/2017/decorative" val="1"/>
+                  <adec:decorative xmlns:adec="http://schemas.microsoft.com/office/drawing/2017/decorative" xmlns="" val="1"/>
                 </a:ext>
               </a:extLst>
             </p:cNvPr>
@@ -4876,7 +4876,7 @@
             <p:nvPr>
               <p:extLst>
                 <p:ext uri="{386F3935-93C4-4BCD-93E2-E3B085C9AB24}">
-                  <p16:designElem xmlns:p16="http://schemas.microsoft.com/office/powerpoint/2015/main" val="1"/>
+                  <p16:designElem xmlns:p16="http://schemas.microsoft.com/office/powerpoint/2015/main" xmlns="" val="1"/>
                 </p:ext>
               </p:extLst>
             </p:nvPr>
@@ -4924,10 +4924,10 @@
             <p:cNvPr id="19" name="Rectángulo 18">
               <a:extLst>
                 <a:ext uri="{FF2B5EF4-FFF2-40B4-BE49-F238E27FC236}">
-                  <a16:creationId xmlns:a16="http://schemas.microsoft.com/office/drawing/2014/main" id="{96C04F74-9467-4FA5-95DC-8D481A29740E}"/>
+                  <a16:creationId xmlns:a16="http://schemas.microsoft.com/office/drawing/2014/main" xmlns="" id="{96C04F74-9467-4FA5-95DC-8D481A29740E}"/>
                 </a:ext>
                 <a:ext uri="{C183D7F6-B498-43B3-948B-1728B52AA6E4}">
-                  <adec:decorative xmlns:adec="http://schemas.microsoft.com/office/drawing/2017/decorative" val="1"/>
+                  <adec:decorative xmlns:adec="http://schemas.microsoft.com/office/drawing/2017/decorative" xmlns="" val="1"/>
                 </a:ext>
               </a:extLst>
             </p:cNvPr>
@@ -4935,7 +4935,7 @@
             <p:nvPr>
               <p:extLst>
                 <p:ext uri="{386F3935-93C4-4BCD-93E2-E3B085C9AB24}">
-                  <p16:designElem xmlns:p16="http://schemas.microsoft.com/office/powerpoint/2015/main" val="1"/>
+                  <p16:designElem xmlns:p16="http://schemas.microsoft.com/office/powerpoint/2015/main" xmlns="" val="1"/>
                 </p:ext>
               </p:extLst>
             </p:nvPr>
@@ -4983,10 +4983,10 @@
             <p:cNvPr id="20" name="Rectángulo 19">
               <a:extLst>
                 <a:ext uri="{FF2B5EF4-FFF2-40B4-BE49-F238E27FC236}">
-                  <a16:creationId xmlns:a16="http://schemas.microsoft.com/office/drawing/2014/main" id="{D73DE1C3-5C37-42E9-A3F0-256F1938327C}"/>
+                  <a16:creationId xmlns:a16="http://schemas.microsoft.com/office/drawing/2014/main" xmlns="" id="{D73DE1C3-5C37-42E9-A3F0-256F1938327C}"/>
                 </a:ext>
                 <a:ext uri="{C183D7F6-B498-43B3-948B-1728B52AA6E4}">
-                  <adec:decorative xmlns:adec="http://schemas.microsoft.com/office/drawing/2017/decorative" val="1"/>
+                  <adec:decorative xmlns:adec="http://schemas.microsoft.com/office/drawing/2017/decorative" xmlns="" val="1"/>
                 </a:ext>
               </a:extLst>
             </p:cNvPr>
@@ -4994,7 +4994,7 @@
             <p:nvPr>
               <p:extLst>
                 <p:ext uri="{386F3935-93C4-4BCD-93E2-E3B085C9AB24}">
-                  <p16:designElem xmlns:p16="http://schemas.microsoft.com/office/powerpoint/2015/main" val="1"/>
+                  <p16:designElem xmlns:p16="http://schemas.microsoft.com/office/powerpoint/2015/main" xmlns="" val="1"/>
                 </p:ext>
               </p:extLst>
             </p:nvPr>
@@ -5043,10 +5043,10 @@
           <p:cNvPr id="22" name="Rectángulo 21">
             <a:extLst>
               <a:ext uri="{FF2B5EF4-FFF2-40B4-BE49-F238E27FC236}">
-                <a16:creationId xmlns:a16="http://schemas.microsoft.com/office/drawing/2014/main" id="{4A2E7EC3-E07C-46CE-9B25-41865A50681C}"/>
+                <a16:creationId xmlns:a16="http://schemas.microsoft.com/office/drawing/2014/main" xmlns="" id="{4A2E7EC3-E07C-46CE-9B25-41865A50681C}"/>
               </a:ext>
               <a:ext uri="{C183D7F6-B498-43B3-948B-1728B52AA6E4}">
-                <adec:decorative xmlns:adec="http://schemas.microsoft.com/office/drawing/2017/decorative" val="1"/>
+                <adec:decorative xmlns:adec="http://schemas.microsoft.com/office/drawing/2017/decorative" xmlns="" val="1"/>
               </a:ext>
             </a:extLst>
           </p:cNvPr>
@@ -5056,7 +5056,7 @@
           <p:nvPr>
             <p:extLst>
               <p:ext uri="{386F3935-93C4-4BCD-93E2-E3B085C9AB24}">
-                <p16:designElem xmlns:p16="http://schemas.microsoft.com/office/powerpoint/2015/main" val="1"/>
+                <p16:designElem xmlns:p16="http://schemas.microsoft.com/office/powerpoint/2015/main" xmlns="" val="1"/>
               </p:ext>
             </p:extLst>
           </p:nvPr>
@@ -5106,7 +5106,7 @@
           <p:cNvPr id="2" name="Título 1">
             <a:extLst>
               <a:ext uri="{FF2B5EF4-FFF2-40B4-BE49-F238E27FC236}">
-                <a16:creationId xmlns:a16="http://schemas.microsoft.com/office/drawing/2014/main" id="{C02C5318-1A1E-49D0-B2E2-A4B0FA9E8A40}"/>
+                <a16:creationId xmlns:a16="http://schemas.microsoft.com/office/drawing/2014/main" xmlns="" id="{C02C5318-1A1E-49D0-B2E2-A4B0FA9E8A40}"/>
               </a:ext>
             </a:extLst>
           </p:cNvPr>
@@ -5146,7 +5146,7 @@
           <p:cNvPr id="3" name="Subtítulo 2">
             <a:extLst>
               <a:ext uri="{FF2B5EF4-FFF2-40B4-BE49-F238E27FC236}">
-                <a16:creationId xmlns:a16="http://schemas.microsoft.com/office/drawing/2014/main" id="{48B6CF59-4E5B-494D-A2F7-97ADD01E6497}"/>
+                <a16:creationId xmlns:a16="http://schemas.microsoft.com/office/drawing/2014/main" xmlns="" id="{48B6CF59-4E5B-494D-A2F7-97ADD01E6497}"/>
               </a:ext>
             </a:extLst>
           </p:cNvPr>
@@ -5201,6 +5201,13 @@
   <p:clrMapOvr>
     <a:masterClrMapping/>
   </p:clrMapOvr>
+  <p:timing>
+    <p:tnLst>
+      <p:par>
+        <p:cTn id="1" dur="indefinite" restart="never" nodeType="tmRoot"/>
+      </p:par>
+    </p:tnLst>
+  </p:timing>
 </p:sld>
 </file>
 
@@ -5226,7 +5233,7 @@
           <p:cNvPr id="2" name="Título 1">
             <a:extLst>
               <a:ext uri="{FF2B5EF4-FFF2-40B4-BE49-F238E27FC236}">
-                <a16:creationId xmlns:a16="http://schemas.microsoft.com/office/drawing/2014/main" id="{B5D6FAB0-E7FF-242F-4239-E6A95ABC0E02}"/>
+                <a16:creationId xmlns:a16="http://schemas.microsoft.com/office/drawing/2014/main" xmlns="" id="{B5D6FAB0-E7FF-242F-4239-E6A95ABC0E02}"/>
               </a:ext>
             </a:extLst>
           </p:cNvPr>
@@ -5254,7 +5261,7 @@
           <p:cNvPr id="3" name="Marcador de contenido 2">
             <a:extLst>
               <a:ext uri="{FF2B5EF4-FFF2-40B4-BE49-F238E27FC236}">
-                <a16:creationId xmlns:a16="http://schemas.microsoft.com/office/drawing/2014/main" id="{8B6E21AF-079D-5EB6-90C2-45CFB644EC8E}"/>
+                <a16:creationId xmlns:a16="http://schemas.microsoft.com/office/drawing/2014/main" xmlns="" id="{8B6E21AF-079D-5EB6-90C2-45CFB644EC8E}"/>
               </a:ext>
             </a:extLst>
           </p:cNvPr>
@@ -5330,7 +5337,7 @@
           <p:cNvPr id="7" name="Imagen 6" descr="Imagen que contiene Forma&#10;&#10;El contenido generado por IA puede ser incorrecto.">
             <a:extLst>
               <a:ext uri="{FF2B5EF4-FFF2-40B4-BE49-F238E27FC236}">
-                <a16:creationId xmlns:a16="http://schemas.microsoft.com/office/drawing/2014/main" id="{81C01DDF-7911-6C65-5206-361204504157}"/>
+                <a16:creationId xmlns:a16="http://schemas.microsoft.com/office/drawing/2014/main" xmlns="" id="{81C01DDF-7911-6C65-5206-361204504157}"/>
               </a:ext>
             </a:extLst>
           </p:cNvPr>
@@ -5360,7 +5367,7 @@
           <p:cNvPr id="9" name="Imagen 8" descr="Imagen que contiene pastel, tabla, interior, taza&#10;&#10;El contenido generado por IA puede ser incorrecto.">
             <a:extLst>
               <a:ext uri="{FF2B5EF4-FFF2-40B4-BE49-F238E27FC236}">
-                <a16:creationId xmlns:a16="http://schemas.microsoft.com/office/drawing/2014/main" id="{CF7DF985-80D0-763D-3327-24D56F2FD698}"/>
+                <a16:creationId xmlns:a16="http://schemas.microsoft.com/office/drawing/2014/main" xmlns="" id="{CF7DF985-80D0-763D-3327-24D56F2FD698}"/>
               </a:ext>
             </a:extLst>
           </p:cNvPr>
@@ -5395,6 +5402,13 @@
   <p:clrMapOvr>
     <a:masterClrMapping/>
   </p:clrMapOvr>
+  <p:timing>
+    <p:tnLst>
+      <p:par>
+        <p:cTn id="1" dur="indefinite" restart="never" nodeType="tmRoot"/>
+      </p:par>
+    </p:tnLst>
+  </p:timing>
 </p:sld>
 </file>
 
@@ -5428,10 +5442,10 @@
           <p:cNvPr id="10" name="Rectángulo 9">
             <a:extLst>
               <a:ext uri="{FF2B5EF4-FFF2-40B4-BE49-F238E27FC236}">
-                <a16:creationId xmlns:a16="http://schemas.microsoft.com/office/drawing/2014/main" id="{379F11E2-8BA5-4C5C-AE7C-361E5EA011FF}"/>
+                <a16:creationId xmlns:a16="http://schemas.microsoft.com/office/drawing/2014/main" xmlns="" id="{379F11E2-8BA5-4C5C-AE7C-361E5EA011FF}"/>
               </a:ext>
               <a:ext uri="{C183D7F6-B498-43B3-948B-1728B52AA6E4}">
-                <adec:decorative xmlns:adec="http://schemas.microsoft.com/office/drawing/2017/decorative" val="1"/>
+                <adec:decorative xmlns:adec="http://schemas.microsoft.com/office/drawing/2017/decorative" xmlns="" val="1"/>
               </a:ext>
             </a:extLst>
           </p:cNvPr>
@@ -5441,7 +5455,7 @@
           <p:nvPr>
             <p:extLst>
               <p:ext uri="{386F3935-93C4-4BCD-93E2-E3B085C9AB24}">
-                <p16:designElem xmlns:p16="http://schemas.microsoft.com/office/powerpoint/2015/main" val="1"/>
+                <p16:designElem xmlns:p16="http://schemas.microsoft.com/office/powerpoint/2015/main" xmlns="" val="1"/>
               </p:ext>
             </p:extLst>
           </p:nvPr>
@@ -5488,10 +5502,10 @@
           <p:cNvPr id="12" name="Rectángulo 11">
             <a:extLst>
               <a:ext uri="{FF2B5EF4-FFF2-40B4-BE49-F238E27FC236}">
-                <a16:creationId xmlns:a16="http://schemas.microsoft.com/office/drawing/2014/main" id="{7C00E1DA-EC7C-40FC-95E3-11FDCD2E4291}"/>
+                <a16:creationId xmlns:a16="http://schemas.microsoft.com/office/drawing/2014/main" xmlns="" id="{7C00E1DA-EC7C-40FC-95E3-11FDCD2E4291}"/>
               </a:ext>
               <a:ext uri="{C183D7F6-B498-43B3-948B-1728B52AA6E4}">
-                <adec:decorative xmlns:adec="http://schemas.microsoft.com/office/drawing/2017/decorative" val="1"/>
+                <adec:decorative xmlns:adec="http://schemas.microsoft.com/office/drawing/2017/decorative" xmlns="" val="1"/>
               </a:ext>
             </a:extLst>
           </p:cNvPr>
@@ -5501,7 +5515,7 @@
           <p:nvPr>
             <p:extLst>
               <p:ext uri="{386F3935-93C4-4BCD-93E2-E3B085C9AB24}">
-                <p16:designElem xmlns:p16="http://schemas.microsoft.com/office/powerpoint/2015/main" val="1"/>
+                <p16:designElem xmlns:p16="http://schemas.microsoft.com/office/powerpoint/2015/main" xmlns="" val="1"/>
               </p:ext>
             </p:extLst>
           </p:nvPr>
@@ -5549,10 +5563,10 @@
           <p:cNvPr id="14" name="Grupo 13">
             <a:extLst>
               <a:ext uri="{FF2B5EF4-FFF2-40B4-BE49-F238E27FC236}">
-                <a16:creationId xmlns:a16="http://schemas.microsoft.com/office/drawing/2014/main" id="{9A421166-2996-41A7-B094-AE5316F347DD}"/>
+                <a16:creationId xmlns:a16="http://schemas.microsoft.com/office/drawing/2014/main" xmlns="" id="{9A421166-2996-41A7-B094-AE5316F347DD}"/>
               </a:ext>
               <a:ext uri="{C183D7F6-B498-43B3-948B-1728B52AA6E4}">
-                <adec:decorative xmlns:adec="http://schemas.microsoft.com/office/drawing/2017/decorative" val="1"/>
+                <adec:decorative xmlns:adec="http://schemas.microsoft.com/office/drawing/2017/decorative" xmlns="" val="1"/>
               </a:ext>
             </a:extLst>
           </p:cNvPr>
@@ -5562,7 +5576,7 @@
           <p:nvPr>
             <p:extLst>
               <p:ext uri="{386F3935-93C4-4BCD-93E2-E3B085C9AB24}">
-                <p16:designElem xmlns:p16="http://schemas.microsoft.com/office/powerpoint/2015/main" val="1"/>
+                <p16:designElem xmlns:p16="http://schemas.microsoft.com/office/powerpoint/2015/main" xmlns="" val="1"/>
               </p:ext>
             </p:extLst>
           </p:nvPr>
@@ -5580,10 +5594,10 @@
             <p:cNvPr id="15" name="Rectángulo 14">
               <a:extLst>
                 <a:ext uri="{FF2B5EF4-FFF2-40B4-BE49-F238E27FC236}">
-                  <a16:creationId xmlns:a16="http://schemas.microsoft.com/office/drawing/2014/main" id="{FDBB1B92-A3EB-43E4-8FAB-D20E8ED14CEF}"/>
+                  <a16:creationId xmlns:a16="http://schemas.microsoft.com/office/drawing/2014/main" xmlns="" id="{FDBB1B92-A3EB-43E4-8FAB-D20E8ED14CEF}"/>
                 </a:ext>
                 <a:ext uri="{C183D7F6-B498-43B3-948B-1728B52AA6E4}">
-                  <adec:decorative xmlns:adec="http://schemas.microsoft.com/office/drawing/2017/decorative" val="1"/>
+                  <adec:decorative xmlns:adec="http://schemas.microsoft.com/office/drawing/2017/decorative" xmlns="" val="1"/>
                 </a:ext>
               </a:extLst>
             </p:cNvPr>
@@ -5591,7 +5605,7 @@
             <p:nvPr>
               <p:extLst>
                 <p:ext uri="{386F3935-93C4-4BCD-93E2-E3B085C9AB24}">
-                  <p16:designElem xmlns:p16="http://schemas.microsoft.com/office/powerpoint/2015/main" val="1"/>
+                  <p16:designElem xmlns:p16="http://schemas.microsoft.com/office/powerpoint/2015/main" xmlns="" val="1"/>
                 </p:ext>
               </p:extLst>
             </p:nvPr>
@@ -5639,10 +5653,10 @@
             <p:cNvPr id="16" name="Rectángulo 15">
               <a:extLst>
                 <a:ext uri="{FF2B5EF4-FFF2-40B4-BE49-F238E27FC236}">
-                  <a16:creationId xmlns:a16="http://schemas.microsoft.com/office/drawing/2014/main" id="{3F3972F4-FE7E-48EA-AAD8-9BE5750A6672}"/>
+                  <a16:creationId xmlns:a16="http://schemas.microsoft.com/office/drawing/2014/main" xmlns="" id="{3F3972F4-FE7E-48EA-AAD8-9BE5750A6672}"/>
                 </a:ext>
                 <a:ext uri="{C183D7F6-B498-43B3-948B-1728B52AA6E4}">
-                  <adec:decorative xmlns:adec="http://schemas.microsoft.com/office/drawing/2017/decorative" val="1"/>
+                  <adec:decorative xmlns:adec="http://schemas.microsoft.com/office/drawing/2017/decorative" xmlns="" val="1"/>
                 </a:ext>
               </a:extLst>
             </p:cNvPr>
@@ -5650,7 +5664,7 @@
             <p:nvPr>
               <p:extLst>
                 <p:ext uri="{386F3935-93C4-4BCD-93E2-E3B085C9AB24}">
-                  <p16:designElem xmlns:p16="http://schemas.microsoft.com/office/powerpoint/2015/main" val="1"/>
+                  <p16:designElem xmlns:p16="http://schemas.microsoft.com/office/powerpoint/2015/main" xmlns="" val="1"/>
                 </p:ext>
               </p:extLst>
             </p:nvPr>
@@ -5698,10 +5712,10 @@
             <p:cNvPr id="17" name="Rectángulo 16">
               <a:extLst>
                 <a:ext uri="{FF2B5EF4-FFF2-40B4-BE49-F238E27FC236}">
-                  <a16:creationId xmlns:a16="http://schemas.microsoft.com/office/drawing/2014/main" id="{221614E5-870B-4D5E-A43B-8FF7E5323484}"/>
+                  <a16:creationId xmlns:a16="http://schemas.microsoft.com/office/drawing/2014/main" xmlns="" id="{221614E5-870B-4D5E-A43B-8FF7E5323484}"/>
                 </a:ext>
                 <a:ext uri="{C183D7F6-B498-43B3-948B-1728B52AA6E4}">
-                  <adec:decorative xmlns:adec="http://schemas.microsoft.com/office/drawing/2017/decorative" val="1"/>
+                  <adec:decorative xmlns:adec="http://schemas.microsoft.com/office/drawing/2017/decorative" xmlns="" val="1"/>
                 </a:ext>
               </a:extLst>
             </p:cNvPr>
@@ -5709,7 +5723,7 @@
             <p:nvPr>
               <p:extLst>
                 <p:ext uri="{386F3935-93C4-4BCD-93E2-E3B085C9AB24}">
-                  <p16:designElem xmlns:p16="http://schemas.microsoft.com/office/powerpoint/2015/main" val="1"/>
+                  <p16:designElem xmlns:p16="http://schemas.microsoft.com/office/powerpoint/2015/main" xmlns="" val="1"/>
                 </p:ext>
               </p:extLst>
             </p:nvPr>
@@ -5758,7 +5772,7 @@
           <p:cNvPr id="2" name="Título 1">
             <a:extLst>
               <a:ext uri="{FF2B5EF4-FFF2-40B4-BE49-F238E27FC236}">
-                <a16:creationId xmlns:a16="http://schemas.microsoft.com/office/drawing/2014/main" id="{0F87E73C-2B1A-4602-BFBE-CFE1E55D9B38}"/>
+                <a16:creationId xmlns:a16="http://schemas.microsoft.com/office/drawing/2014/main" xmlns="" id="{0F87E73C-2B1A-4602-BFBE-CFE1E55D9B38}"/>
               </a:ext>
             </a:extLst>
           </p:cNvPr>
@@ -5798,7 +5812,7 @@
           <p:cNvPr id="3" name="Subtítulo 2">
             <a:extLst>
               <a:ext uri="{FF2B5EF4-FFF2-40B4-BE49-F238E27FC236}">
-                <a16:creationId xmlns:a16="http://schemas.microsoft.com/office/drawing/2014/main" id="{A9CB511D-EA45-4336-847C-1252667143B5}"/>
+                <a16:creationId xmlns:a16="http://schemas.microsoft.com/office/drawing/2014/main" xmlns="" id="{A9CB511D-EA45-4336-847C-1252667143B5}"/>
               </a:ext>
             </a:extLst>
           </p:cNvPr>
@@ -5851,7 +5865,7 @@
           <p:cNvPr id="1026" name="Picture 2" descr="Hombre de estilo plano con gafas de realidad virtual haciendo dibujos  animados de análisis de datos | Vector Premium">
             <a:extLst>
               <a:ext uri="{FF2B5EF4-FFF2-40B4-BE49-F238E27FC236}">
-                <a16:creationId xmlns:a16="http://schemas.microsoft.com/office/drawing/2014/main" id="{378142A7-608D-90C7-3BB4-662ED696A4CA}"/>
+                <a16:creationId xmlns:a16="http://schemas.microsoft.com/office/drawing/2014/main" xmlns="" id="{378142A7-608D-90C7-3BB4-662ED696A4CA}"/>
               </a:ext>
             </a:extLst>
           </p:cNvPr>
@@ -5903,6 +5917,13 @@
   <p:clrMapOvr>
     <a:masterClrMapping/>
   </p:clrMapOvr>
+  <p:timing>
+    <p:tnLst>
+      <p:par>
+        <p:cTn id="1" dur="indefinite" restart="never" nodeType="tmRoot"/>
+      </p:par>
+    </p:tnLst>
+  </p:timing>
 </p:sld>
 </file>
 
@@ -5928,7 +5949,7 @@
           <p:cNvPr id="2" name="Título 1">
             <a:extLst>
               <a:ext uri="{FF2B5EF4-FFF2-40B4-BE49-F238E27FC236}">
-                <a16:creationId xmlns:a16="http://schemas.microsoft.com/office/drawing/2014/main" id="{42D89D72-4F74-9D22-4A01-D1E4CF07C7B5}"/>
+                <a16:creationId xmlns:a16="http://schemas.microsoft.com/office/drawing/2014/main" xmlns="" id="{42D89D72-4F74-9D22-4A01-D1E4CF07C7B5}"/>
               </a:ext>
             </a:extLst>
           </p:cNvPr>
@@ -5963,7 +5984,7 @@
           <p:cNvPr id="3" name="Rectángulo: esquinas redondeadas 2">
             <a:extLst>
               <a:ext uri="{FF2B5EF4-FFF2-40B4-BE49-F238E27FC236}">
-                <a16:creationId xmlns:a16="http://schemas.microsoft.com/office/drawing/2014/main" id="{323F560B-04DB-FED5-05E4-29BBA6275766}"/>
+                <a16:creationId xmlns:a16="http://schemas.microsoft.com/office/drawing/2014/main" xmlns="" id="{323F560B-04DB-FED5-05E4-29BBA6275766}"/>
               </a:ext>
             </a:extLst>
           </p:cNvPr>
@@ -6012,7 +6033,7 @@
           <p:cNvPr id="4" name="Marcador de contenido 5">
             <a:extLst>
               <a:ext uri="{FF2B5EF4-FFF2-40B4-BE49-F238E27FC236}">
-                <a16:creationId xmlns:a16="http://schemas.microsoft.com/office/drawing/2014/main" id="{8054B03E-1430-DEC7-83CD-0AA08D0DA437}"/>
+                <a16:creationId xmlns:a16="http://schemas.microsoft.com/office/drawing/2014/main" xmlns="" id="{8054B03E-1430-DEC7-83CD-0AA08D0DA437}"/>
               </a:ext>
             </a:extLst>
           </p:cNvPr>
@@ -6256,7 +6277,7 @@
           <p:cNvPr id="5" name="Diagrama de flujo: conector 4">
             <a:extLst>
               <a:ext uri="{FF2B5EF4-FFF2-40B4-BE49-F238E27FC236}">
-                <a16:creationId xmlns:a16="http://schemas.microsoft.com/office/drawing/2014/main" id="{22DB4D67-D4AB-83DC-029C-43023C3BCAE3}"/>
+                <a16:creationId xmlns:a16="http://schemas.microsoft.com/office/drawing/2014/main" xmlns="" id="{22DB4D67-D4AB-83DC-029C-43023C3BCAE3}"/>
               </a:ext>
             </a:extLst>
           </p:cNvPr>
@@ -6315,7 +6336,7 @@
           <p:cNvPr id="7" name="Marcador de contenido 5">
             <a:extLst>
               <a:ext uri="{FF2B5EF4-FFF2-40B4-BE49-F238E27FC236}">
-                <a16:creationId xmlns:a16="http://schemas.microsoft.com/office/drawing/2014/main" id="{33F41D62-8E1A-A598-C8CC-3899B9081430}"/>
+                <a16:creationId xmlns:a16="http://schemas.microsoft.com/office/drawing/2014/main" xmlns="" id="{33F41D62-8E1A-A598-C8CC-3899B9081430}"/>
               </a:ext>
             </a:extLst>
           </p:cNvPr>
@@ -6553,7 +6574,7 @@
           <p:cNvPr id="8" name="Rectángulo: esquinas redondeadas 7">
             <a:extLst>
               <a:ext uri="{FF2B5EF4-FFF2-40B4-BE49-F238E27FC236}">
-                <a16:creationId xmlns:a16="http://schemas.microsoft.com/office/drawing/2014/main" id="{4C02DAA6-DCBA-FC49-B253-BBB491ED89AE}"/>
+                <a16:creationId xmlns:a16="http://schemas.microsoft.com/office/drawing/2014/main" xmlns="" id="{4C02DAA6-DCBA-FC49-B253-BBB491ED89AE}"/>
               </a:ext>
             </a:extLst>
           </p:cNvPr>
@@ -6602,7 +6623,7 @@
           <p:cNvPr id="9" name="Marcador de contenido 5">
             <a:extLst>
               <a:ext uri="{FF2B5EF4-FFF2-40B4-BE49-F238E27FC236}">
-                <a16:creationId xmlns:a16="http://schemas.microsoft.com/office/drawing/2014/main" id="{B5D7D714-FD2B-3E04-4137-22F228514CA6}"/>
+                <a16:creationId xmlns:a16="http://schemas.microsoft.com/office/drawing/2014/main" xmlns="" id="{B5D7D714-FD2B-3E04-4137-22F228514CA6}"/>
               </a:ext>
             </a:extLst>
           </p:cNvPr>
@@ -6855,7 +6876,7 @@
           <p:cNvPr id="10" name="Diagrama de flujo: conector 9">
             <a:extLst>
               <a:ext uri="{FF2B5EF4-FFF2-40B4-BE49-F238E27FC236}">
-                <a16:creationId xmlns:a16="http://schemas.microsoft.com/office/drawing/2014/main" id="{46C0425F-2C4B-BB67-D538-97B389FD96C4}"/>
+                <a16:creationId xmlns:a16="http://schemas.microsoft.com/office/drawing/2014/main" xmlns="" id="{46C0425F-2C4B-BB67-D538-97B389FD96C4}"/>
               </a:ext>
             </a:extLst>
           </p:cNvPr>
@@ -6914,7 +6935,7 @@
           <p:cNvPr id="11" name="Marcador de contenido 5">
             <a:extLst>
               <a:ext uri="{FF2B5EF4-FFF2-40B4-BE49-F238E27FC236}">
-                <a16:creationId xmlns:a16="http://schemas.microsoft.com/office/drawing/2014/main" id="{64F1CCBC-D238-7CFA-B2DD-649082ABB022}"/>
+                <a16:creationId xmlns:a16="http://schemas.microsoft.com/office/drawing/2014/main" xmlns="" id="{64F1CCBC-D238-7CFA-B2DD-649082ABB022}"/>
               </a:ext>
             </a:extLst>
           </p:cNvPr>
@@ -7152,7 +7173,7 @@
           <p:cNvPr id="12" name="Rectángulo: esquinas redondeadas 11">
             <a:extLst>
               <a:ext uri="{FF2B5EF4-FFF2-40B4-BE49-F238E27FC236}">
-                <a16:creationId xmlns:a16="http://schemas.microsoft.com/office/drawing/2014/main" id="{C1D031D5-E12F-CAAD-681F-D1D1F9D01200}"/>
+                <a16:creationId xmlns:a16="http://schemas.microsoft.com/office/drawing/2014/main" xmlns="" id="{C1D031D5-E12F-CAAD-681F-D1D1F9D01200}"/>
               </a:ext>
             </a:extLst>
           </p:cNvPr>
@@ -7201,7 +7222,7 @@
           <p:cNvPr id="13" name="Marcador de contenido 5">
             <a:extLst>
               <a:ext uri="{FF2B5EF4-FFF2-40B4-BE49-F238E27FC236}">
-                <a16:creationId xmlns:a16="http://schemas.microsoft.com/office/drawing/2014/main" id="{513633CA-1C25-E2D3-B110-62F4E6BF6429}"/>
+                <a16:creationId xmlns:a16="http://schemas.microsoft.com/office/drawing/2014/main" xmlns="" id="{513633CA-1C25-E2D3-B110-62F4E6BF6429}"/>
               </a:ext>
             </a:extLst>
           </p:cNvPr>
@@ -7445,7 +7466,7 @@
           <p:cNvPr id="14" name="Diagrama de flujo: conector 13">
             <a:extLst>
               <a:ext uri="{FF2B5EF4-FFF2-40B4-BE49-F238E27FC236}">
-                <a16:creationId xmlns:a16="http://schemas.microsoft.com/office/drawing/2014/main" id="{6DEED7F4-8C8E-9A72-779D-9067416D3373}"/>
+                <a16:creationId xmlns:a16="http://schemas.microsoft.com/office/drawing/2014/main" xmlns="" id="{6DEED7F4-8C8E-9A72-779D-9067416D3373}"/>
               </a:ext>
             </a:extLst>
           </p:cNvPr>
@@ -7504,7 +7525,7 @@
           <p:cNvPr id="15" name="Marcador de contenido 5">
             <a:extLst>
               <a:ext uri="{FF2B5EF4-FFF2-40B4-BE49-F238E27FC236}">
-                <a16:creationId xmlns:a16="http://schemas.microsoft.com/office/drawing/2014/main" id="{902C97CD-F7EE-658E-A4E9-F1D88511AFCA}"/>
+                <a16:creationId xmlns:a16="http://schemas.microsoft.com/office/drawing/2014/main" xmlns="" id="{902C97CD-F7EE-658E-A4E9-F1D88511AFCA}"/>
               </a:ext>
             </a:extLst>
           </p:cNvPr>
@@ -7742,7 +7763,7 @@
           <p:cNvPr id="16" name="Rectángulo: esquinas redondeadas 15">
             <a:extLst>
               <a:ext uri="{FF2B5EF4-FFF2-40B4-BE49-F238E27FC236}">
-                <a16:creationId xmlns:a16="http://schemas.microsoft.com/office/drawing/2014/main" id="{6B3CCCC1-2C37-8F4F-27B6-3989F9675790}"/>
+                <a16:creationId xmlns:a16="http://schemas.microsoft.com/office/drawing/2014/main" xmlns="" id="{6B3CCCC1-2C37-8F4F-27B6-3989F9675790}"/>
               </a:ext>
             </a:extLst>
           </p:cNvPr>
@@ -7791,7 +7812,7 @@
           <p:cNvPr id="17" name="Marcador de contenido 5">
             <a:extLst>
               <a:ext uri="{FF2B5EF4-FFF2-40B4-BE49-F238E27FC236}">
-                <a16:creationId xmlns:a16="http://schemas.microsoft.com/office/drawing/2014/main" id="{52E69070-60BA-A7B6-43A1-1A97B299C10D}"/>
+                <a16:creationId xmlns:a16="http://schemas.microsoft.com/office/drawing/2014/main" xmlns="" id="{52E69070-60BA-A7B6-43A1-1A97B299C10D}"/>
               </a:ext>
             </a:extLst>
           </p:cNvPr>
@@ -8035,7 +8056,7 @@
           <p:cNvPr id="18" name="Diagrama de flujo: conector 17">
             <a:extLst>
               <a:ext uri="{FF2B5EF4-FFF2-40B4-BE49-F238E27FC236}">
-                <a16:creationId xmlns:a16="http://schemas.microsoft.com/office/drawing/2014/main" id="{0D1BDC5D-1854-8D87-DEAB-72BC52E218B6}"/>
+                <a16:creationId xmlns:a16="http://schemas.microsoft.com/office/drawing/2014/main" xmlns="" id="{0D1BDC5D-1854-8D87-DEAB-72BC52E218B6}"/>
               </a:ext>
             </a:extLst>
           </p:cNvPr>
@@ -8094,7 +8115,7 @@
           <p:cNvPr id="19" name="Marcador de contenido 5">
             <a:extLst>
               <a:ext uri="{FF2B5EF4-FFF2-40B4-BE49-F238E27FC236}">
-                <a16:creationId xmlns:a16="http://schemas.microsoft.com/office/drawing/2014/main" id="{62C43ACD-C1BD-8544-C4E3-120BD35A29B8}"/>
+                <a16:creationId xmlns:a16="http://schemas.microsoft.com/office/drawing/2014/main" xmlns="" id="{62C43ACD-C1BD-8544-C4E3-120BD35A29B8}"/>
               </a:ext>
             </a:extLst>
           </p:cNvPr>
@@ -8332,7 +8353,7 @@
           <p:cNvPr id="23" name="Rectángulo: esquinas redondeadas 22">
             <a:extLst>
               <a:ext uri="{FF2B5EF4-FFF2-40B4-BE49-F238E27FC236}">
-                <a16:creationId xmlns:a16="http://schemas.microsoft.com/office/drawing/2014/main" id="{4E34D35E-9FF3-F9FB-47DA-30E455AD0470}"/>
+                <a16:creationId xmlns:a16="http://schemas.microsoft.com/office/drawing/2014/main" xmlns="" id="{4E34D35E-9FF3-F9FB-47DA-30E455AD0470}"/>
               </a:ext>
             </a:extLst>
           </p:cNvPr>
@@ -8381,7 +8402,7 @@
           <p:cNvPr id="24" name="Marcador de contenido 5">
             <a:extLst>
               <a:ext uri="{FF2B5EF4-FFF2-40B4-BE49-F238E27FC236}">
-                <a16:creationId xmlns:a16="http://schemas.microsoft.com/office/drawing/2014/main" id="{EB68F8B7-C529-E260-AAFF-9013DDC3F566}"/>
+                <a16:creationId xmlns:a16="http://schemas.microsoft.com/office/drawing/2014/main" xmlns="" id="{EB68F8B7-C529-E260-AAFF-9013DDC3F566}"/>
               </a:ext>
             </a:extLst>
           </p:cNvPr>
@@ -8625,7 +8646,7 @@
           <p:cNvPr id="25" name="Diagrama de flujo: conector 24">
             <a:extLst>
               <a:ext uri="{FF2B5EF4-FFF2-40B4-BE49-F238E27FC236}">
-                <a16:creationId xmlns:a16="http://schemas.microsoft.com/office/drawing/2014/main" id="{B23CAD62-A55A-AFCA-F451-DE42EE53B081}"/>
+                <a16:creationId xmlns:a16="http://schemas.microsoft.com/office/drawing/2014/main" xmlns="" id="{B23CAD62-A55A-AFCA-F451-DE42EE53B081}"/>
               </a:ext>
             </a:extLst>
           </p:cNvPr>
@@ -8684,7 +8705,7 @@
           <p:cNvPr id="26" name="Marcador de contenido 5">
             <a:extLst>
               <a:ext uri="{FF2B5EF4-FFF2-40B4-BE49-F238E27FC236}">
-                <a16:creationId xmlns:a16="http://schemas.microsoft.com/office/drawing/2014/main" id="{E7353DA2-1D33-06C3-FECB-BA0A9E9AB8E6}"/>
+                <a16:creationId xmlns:a16="http://schemas.microsoft.com/office/drawing/2014/main" xmlns="" id="{E7353DA2-1D33-06C3-FECB-BA0A9E9AB8E6}"/>
               </a:ext>
             </a:extLst>
           </p:cNvPr>
@@ -8922,7 +8943,7 @@
           <p:cNvPr id="27" name="Rectángulo: esquinas redondeadas 26">
             <a:extLst>
               <a:ext uri="{FF2B5EF4-FFF2-40B4-BE49-F238E27FC236}">
-                <a16:creationId xmlns:a16="http://schemas.microsoft.com/office/drawing/2014/main" id="{0F6D126D-B5B3-A077-BBFA-B4B2F4A6F7EC}"/>
+                <a16:creationId xmlns:a16="http://schemas.microsoft.com/office/drawing/2014/main" xmlns="" id="{0F6D126D-B5B3-A077-BBFA-B4B2F4A6F7EC}"/>
               </a:ext>
             </a:extLst>
           </p:cNvPr>
@@ -8971,7 +8992,7 @@
           <p:cNvPr id="28" name="Marcador de contenido 5">
             <a:extLst>
               <a:ext uri="{FF2B5EF4-FFF2-40B4-BE49-F238E27FC236}">
-                <a16:creationId xmlns:a16="http://schemas.microsoft.com/office/drawing/2014/main" id="{287ABC08-BCAD-03AE-8541-FC7EE10A70AF}"/>
+                <a16:creationId xmlns:a16="http://schemas.microsoft.com/office/drawing/2014/main" xmlns="" id="{287ABC08-BCAD-03AE-8541-FC7EE10A70AF}"/>
               </a:ext>
             </a:extLst>
           </p:cNvPr>
@@ -9215,7 +9236,7 @@
           <p:cNvPr id="29" name="Diagrama de flujo: conector 28">
             <a:extLst>
               <a:ext uri="{FF2B5EF4-FFF2-40B4-BE49-F238E27FC236}">
-                <a16:creationId xmlns:a16="http://schemas.microsoft.com/office/drawing/2014/main" id="{A28C6BC5-6627-13B7-48F4-F2CB4309C28E}"/>
+                <a16:creationId xmlns:a16="http://schemas.microsoft.com/office/drawing/2014/main" xmlns="" id="{A28C6BC5-6627-13B7-48F4-F2CB4309C28E}"/>
               </a:ext>
             </a:extLst>
           </p:cNvPr>
@@ -9274,7 +9295,7 @@
           <p:cNvPr id="30" name="Marcador de contenido 5">
             <a:extLst>
               <a:ext uri="{FF2B5EF4-FFF2-40B4-BE49-F238E27FC236}">
-                <a16:creationId xmlns:a16="http://schemas.microsoft.com/office/drawing/2014/main" id="{2B94EA60-6236-D661-586F-C87ABC442DF8}"/>
+                <a16:creationId xmlns:a16="http://schemas.microsoft.com/office/drawing/2014/main" xmlns="" id="{2B94EA60-6236-D661-586F-C87ABC442DF8}"/>
               </a:ext>
             </a:extLst>
           </p:cNvPr>
@@ -9517,6 +9538,13 @@
   <p:clrMapOvr>
     <a:masterClrMapping/>
   </p:clrMapOvr>
+  <p:timing>
+    <p:tnLst>
+      <p:par>
+        <p:cTn id="1" dur="indefinite" restart="never" nodeType="tmRoot"/>
+      </p:par>
+    </p:tnLst>
+  </p:timing>
 </p:sld>
 </file>
 
@@ -9626,7 +9654,7 @@
           <p:cNvPr id="5" name="Picture 2" descr="joven con gafas vr con panel virtual táctil holográfico en el fondo de  trabajo digital. ilustración vectorial de dibujos animados de estilo plano  5611315 Vector en Vecteezy">
             <a:extLst>
               <a:ext uri="{FF2B5EF4-FFF2-40B4-BE49-F238E27FC236}">
-                <a16:creationId xmlns:a16="http://schemas.microsoft.com/office/drawing/2014/main" id="{585826FF-5F1D-116A-7EDB-ECF2F6EA4329}"/>
+                <a16:creationId xmlns:a16="http://schemas.microsoft.com/office/drawing/2014/main" xmlns="" id="{585826FF-5F1D-116A-7EDB-ECF2F6EA4329}"/>
               </a:ext>
             </a:extLst>
           </p:cNvPr>
@@ -9666,7 +9694,7 @@
           <p:cNvPr id="1026" name="Picture 2" descr="Manus lanza su nueva generación de guantes Prime X">
             <a:extLst>
               <a:ext uri="{FF2B5EF4-FFF2-40B4-BE49-F238E27FC236}">
-                <a16:creationId xmlns:a16="http://schemas.microsoft.com/office/drawing/2014/main" id="{6662C4A1-44C3-BF92-B1E9-6BDD65EB39E5}"/>
+                <a16:creationId xmlns:a16="http://schemas.microsoft.com/office/drawing/2014/main" xmlns="" id="{6662C4A1-44C3-BF92-B1E9-6BDD65EB39E5}"/>
               </a:ext>
             </a:extLst>
           </p:cNvPr>
@@ -9713,7 +9741,7 @@
           <p:cNvPr id="1032" name="Picture 8" descr="Cómo funciona el seguimiento del controlador Meta Quest 3 – VRWeb.info">
             <a:extLst>
               <a:ext uri="{FF2B5EF4-FFF2-40B4-BE49-F238E27FC236}">
-                <a16:creationId xmlns:a16="http://schemas.microsoft.com/office/drawing/2014/main" id="{E411E456-9617-BC48-7061-5F2D7B10E223}"/>
+                <a16:creationId xmlns:a16="http://schemas.microsoft.com/office/drawing/2014/main" xmlns="" id="{E411E456-9617-BC48-7061-5F2D7B10E223}"/>
               </a:ext>
             </a:extLst>
           </p:cNvPr>
@@ -9765,6 +9793,13 @@
   <p:clrMapOvr>
     <a:masterClrMapping/>
   </p:clrMapOvr>
+  <p:timing>
+    <p:tnLst>
+      <p:par>
+        <p:cTn id="1" dur="indefinite" restart="never" nodeType="tmRoot"/>
+      </p:par>
+    </p:tnLst>
+  </p:timing>
 </p:sld>
 </file>
 
@@ -9790,7 +9825,7 @@
           <p:cNvPr id="2" name="Título 1">
             <a:extLst>
               <a:ext uri="{FF2B5EF4-FFF2-40B4-BE49-F238E27FC236}">
-                <a16:creationId xmlns:a16="http://schemas.microsoft.com/office/drawing/2014/main" id="{921633EB-7DCB-4DDC-80AF-C885A3EE1245}"/>
+                <a16:creationId xmlns:a16="http://schemas.microsoft.com/office/drawing/2014/main" xmlns="" id="{921633EB-7DCB-4DDC-80AF-C885A3EE1245}"/>
               </a:ext>
             </a:extLst>
           </p:cNvPr>
@@ -9826,7 +9861,7 @@
           <p:cNvPr id="2050" name="Picture 2">
             <a:extLst>
               <a:ext uri="{FF2B5EF4-FFF2-40B4-BE49-F238E27FC236}">
-                <a16:creationId xmlns:a16="http://schemas.microsoft.com/office/drawing/2014/main" id="{CBB3C702-702A-BE87-FE26-CC78B21E26BB}"/>
+                <a16:creationId xmlns:a16="http://schemas.microsoft.com/office/drawing/2014/main" xmlns="" id="{CBB3C702-702A-BE87-FE26-CC78B21E26BB}"/>
               </a:ext>
             </a:extLst>
           </p:cNvPr>
@@ -9873,7 +9908,7 @@
           <p:cNvPr id="2054" name="Picture 6">
             <a:extLst>
               <a:ext uri="{FF2B5EF4-FFF2-40B4-BE49-F238E27FC236}">
-                <a16:creationId xmlns:a16="http://schemas.microsoft.com/office/drawing/2014/main" id="{850466B1-9229-DA87-8B21-83105A81835E}"/>
+                <a16:creationId xmlns:a16="http://schemas.microsoft.com/office/drawing/2014/main" xmlns="" id="{850466B1-9229-DA87-8B21-83105A81835E}"/>
               </a:ext>
             </a:extLst>
           </p:cNvPr>
@@ -9920,7 +9955,7 @@
           <p:cNvPr id="2056" name="Picture 8" descr="JavaScript Logo, symbol, meaning, history, PNG, brand">
             <a:extLst>
               <a:ext uri="{FF2B5EF4-FFF2-40B4-BE49-F238E27FC236}">
-                <a16:creationId xmlns:a16="http://schemas.microsoft.com/office/drawing/2014/main" id="{0AEDAC79-0779-1470-3487-6AB787026770}"/>
+                <a16:creationId xmlns:a16="http://schemas.microsoft.com/office/drawing/2014/main" xmlns="" id="{0AEDAC79-0779-1470-3487-6AB787026770}"/>
               </a:ext>
             </a:extLst>
           </p:cNvPr>
@@ -9967,7 +10002,7 @@
           <p:cNvPr id="2060" name="Picture 12" descr="Three.js SVG Logo - Questions - three.js forum">
             <a:extLst>
               <a:ext uri="{FF2B5EF4-FFF2-40B4-BE49-F238E27FC236}">
-                <a16:creationId xmlns:a16="http://schemas.microsoft.com/office/drawing/2014/main" id="{8C88ED66-83D8-CD4C-48FA-D3456DC779E9}"/>
+                <a16:creationId xmlns:a16="http://schemas.microsoft.com/office/drawing/2014/main" xmlns="" id="{8C88ED66-83D8-CD4C-48FA-D3456DC779E9}"/>
               </a:ext>
             </a:extLst>
           </p:cNvPr>
@@ -10014,7 +10049,7 @@
           <p:cNvPr id="2062" name="Picture 14" descr="W3C llama a hacer uso de la API WebXR para dispositivos – W3C Hispano">
             <a:extLst>
               <a:ext uri="{FF2B5EF4-FFF2-40B4-BE49-F238E27FC236}">
-                <a16:creationId xmlns:a16="http://schemas.microsoft.com/office/drawing/2014/main" id="{3E095A71-DB8A-48CB-C3CE-1E12E5164AEB}"/>
+                <a16:creationId xmlns:a16="http://schemas.microsoft.com/office/drawing/2014/main" xmlns="" id="{3E095A71-DB8A-48CB-C3CE-1E12E5164AEB}"/>
               </a:ext>
             </a:extLst>
           </p:cNvPr>
@@ -10061,7 +10096,7 @@
           <p:cNvPr id="2064" name="Picture 16" descr="Webgl logo - Iconos Social Media y Logos">
             <a:extLst>
               <a:ext uri="{FF2B5EF4-FFF2-40B4-BE49-F238E27FC236}">
-                <a16:creationId xmlns:a16="http://schemas.microsoft.com/office/drawing/2014/main" id="{25ABF0AE-D2FB-B1FC-DA1B-7EE2FDDF6468}"/>
+                <a16:creationId xmlns:a16="http://schemas.microsoft.com/office/drawing/2014/main" xmlns="" id="{25ABF0AE-D2FB-B1FC-DA1B-7EE2FDDF6468}"/>
               </a:ext>
             </a:extLst>
           </p:cNvPr>
@@ -10108,7 +10143,7 @@
           <p:cNvPr id="2066" name="Picture 18">
             <a:extLst>
               <a:ext uri="{FF2B5EF4-FFF2-40B4-BE49-F238E27FC236}">
-                <a16:creationId xmlns:a16="http://schemas.microsoft.com/office/drawing/2014/main" id="{751243E1-CA56-D8C7-116A-DD3FD96201D3}"/>
+                <a16:creationId xmlns:a16="http://schemas.microsoft.com/office/drawing/2014/main" xmlns="" id="{751243E1-CA56-D8C7-116A-DD3FD96201D3}"/>
               </a:ext>
             </a:extLst>
           </p:cNvPr>
@@ -10155,7 +10190,7 @@
           <p:cNvPr id="2068" name="Picture 20" descr="GitHub Logo, symbol, meaning, history, PNG, brand">
             <a:extLst>
               <a:ext uri="{FF2B5EF4-FFF2-40B4-BE49-F238E27FC236}">
-                <a16:creationId xmlns:a16="http://schemas.microsoft.com/office/drawing/2014/main" id="{CA2B6558-C937-7907-FCBD-3AF06D8DC096}"/>
+                <a16:creationId xmlns:a16="http://schemas.microsoft.com/office/drawing/2014/main" xmlns="" id="{CA2B6558-C937-7907-FCBD-3AF06D8DC096}"/>
               </a:ext>
             </a:extLst>
           </p:cNvPr>
@@ -10202,7 +10237,7 @@
           <p:cNvPr id="2070" name="Picture 22" descr="Meta: Contact Details, Revenue, Funding, Employees and Company Profile">
             <a:extLst>
               <a:ext uri="{FF2B5EF4-FFF2-40B4-BE49-F238E27FC236}">
-                <a16:creationId xmlns:a16="http://schemas.microsoft.com/office/drawing/2014/main" id="{A4C480C9-DC31-D1C3-8994-74A97E8A70AE}"/>
+                <a16:creationId xmlns:a16="http://schemas.microsoft.com/office/drawing/2014/main" xmlns="" id="{A4C480C9-DC31-D1C3-8994-74A97E8A70AE}"/>
               </a:ext>
             </a:extLst>
           </p:cNvPr>
@@ -10249,7 +10284,7 @@
           <p:cNvPr id="2076" name="Picture 28">
             <a:extLst>
               <a:ext uri="{FF2B5EF4-FFF2-40B4-BE49-F238E27FC236}">
-                <a16:creationId xmlns:a16="http://schemas.microsoft.com/office/drawing/2014/main" id="{242C7161-15D1-6C48-A362-093D578E455A}"/>
+                <a16:creationId xmlns:a16="http://schemas.microsoft.com/office/drawing/2014/main" xmlns="" id="{242C7161-15D1-6C48-A362-093D578E455A}"/>
               </a:ext>
             </a:extLst>
           </p:cNvPr>
@@ -10301,6 +10336,13 @@
   <p:clrMapOvr>
     <a:masterClrMapping/>
   </p:clrMapOvr>
+  <p:timing>
+    <p:tnLst>
+      <p:par>
+        <p:cTn id="1" dur="indefinite" restart="never" nodeType="tmRoot"/>
+      </p:par>
+    </p:tnLst>
+  </p:timing>
 </p:sld>
 </file>
 
@@ -10326,7 +10368,7 @@
           <p:cNvPr id="2" name="Título 1">
             <a:extLst>
               <a:ext uri="{FF2B5EF4-FFF2-40B4-BE49-F238E27FC236}">
-                <a16:creationId xmlns:a16="http://schemas.microsoft.com/office/drawing/2014/main" id="{6EE0696A-EC59-AEEC-926E-52105E388E70}"/>
+                <a16:creationId xmlns:a16="http://schemas.microsoft.com/office/drawing/2014/main" xmlns="" id="{6EE0696A-EC59-AEEC-926E-52105E388E70}"/>
               </a:ext>
             </a:extLst>
           </p:cNvPr>
@@ -10361,7 +10403,7 @@
           <p:cNvPr id="5" name="Marcador de contenido 4" descr="Diagrama&#10;&#10;El contenido generado por IA puede ser incorrecto.">
             <a:extLst>
               <a:ext uri="{FF2B5EF4-FFF2-40B4-BE49-F238E27FC236}">
-                <a16:creationId xmlns:a16="http://schemas.microsoft.com/office/drawing/2014/main" id="{721A3A4B-E5FF-B1E1-B571-5150480FE290}"/>
+                <a16:creationId xmlns:a16="http://schemas.microsoft.com/office/drawing/2014/main" xmlns="" id="{721A3A4B-E5FF-B1E1-B571-5150480FE290}"/>
               </a:ext>
             </a:extLst>
           </p:cNvPr>
@@ -10391,7 +10433,7 @@
           <p:cNvPr id="10" name="Content Placeholder 2">
             <a:extLst>
               <a:ext uri="{FF2B5EF4-FFF2-40B4-BE49-F238E27FC236}">
-                <a16:creationId xmlns:a16="http://schemas.microsoft.com/office/drawing/2014/main" id="{F1254407-A1D7-ACDB-29EA-008B1B0421D3}"/>
+                <a16:creationId xmlns:a16="http://schemas.microsoft.com/office/drawing/2014/main" xmlns="" id="{F1254407-A1D7-ACDB-29EA-008B1B0421D3}"/>
               </a:ext>
             </a:extLst>
           </p:cNvPr>
@@ -10428,8 +10470,20 @@
           <a:p>
             <a:r>
               <a:rPr lang="es-ES" noProof="0" dirty="0"/>
-              <a:t>Dibujo en la escena</a:t>
-            </a:r>
+              <a:t>Dibujo en la </a:t>
+            </a:r>
+            <a:r>
+              <a:rPr lang="es-ES" noProof="0" dirty="0" smtClean="0"/>
+              <a:t>escena</a:t>
+            </a:r>
+          </a:p>
+          <a:p>
+            <a:pPr lvl="1"/>
+            <a:r>
+              <a:rPr lang="es-ES" dirty="0" smtClean="0"/>
+              <a:t>Componente Manos</a:t>
+            </a:r>
+            <a:endParaRPr lang="es-ES" noProof="0" dirty="0"/>
           </a:p>
           <a:p>
             <a:r>
@@ -10464,6 +10518,13 @@
   <p:clrMapOvr>
     <a:masterClrMapping/>
   </p:clrMapOvr>
+  <p:timing>
+    <p:tnLst>
+      <p:par>
+        <p:cTn id="1" dur="indefinite" restart="never" nodeType="tmRoot"/>
+      </p:par>
+    </p:tnLst>
+  </p:timing>
 </p:sld>
 </file>
 
@@ -10489,7 +10550,7 @@
           <p:cNvPr id="2" name="Título 1">
             <a:extLst>
               <a:ext uri="{FF2B5EF4-FFF2-40B4-BE49-F238E27FC236}">
-                <a16:creationId xmlns:a16="http://schemas.microsoft.com/office/drawing/2014/main" id="{6CE80B81-BF7A-61AD-1FEA-D23301C94B85}"/>
+                <a16:creationId xmlns:a16="http://schemas.microsoft.com/office/drawing/2014/main" xmlns="" id="{6CE80B81-BF7A-61AD-1FEA-D23301C94B85}"/>
               </a:ext>
             </a:extLst>
           </p:cNvPr>
@@ -10517,7 +10578,7 @@
           <p:cNvPr id="7" name="Marcador de contenido 6" descr="Imagen de la pantalla de un celular&#10;&#10;El contenido generado por IA puede ser incorrecto.">
             <a:extLst>
               <a:ext uri="{FF2B5EF4-FFF2-40B4-BE49-F238E27FC236}">
-                <a16:creationId xmlns:a16="http://schemas.microsoft.com/office/drawing/2014/main" id="{363A8432-8183-77A3-5F54-0182D6E74A66}"/>
+                <a16:creationId xmlns:a16="http://schemas.microsoft.com/office/drawing/2014/main" xmlns="" id="{363A8432-8183-77A3-5F54-0182D6E74A66}"/>
               </a:ext>
             </a:extLst>
           </p:cNvPr>
@@ -10546,7 +10607,7 @@
           <p:cNvPr id="5" name="Marcador de contenido 4" descr="Diagrama&#10;&#10;El contenido generado por IA puede ser incorrecto.">
             <a:extLst>
               <a:ext uri="{FF2B5EF4-FFF2-40B4-BE49-F238E27FC236}">
-                <a16:creationId xmlns:a16="http://schemas.microsoft.com/office/drawing/2014/main" id="{B74ADE4E-93BD-BBA7-BA74-0FC00156711B}"/>
+                <a16:creationId xmlns:a16="http://schemas.microsoft.com/office/drawing/2014/main" xmlns="" id="{B74ADE4E-93BD-BBA7-BA74-0FC00156711B}"/>
               </a:ext>
             </a:extLst>
           </p:cNvPr>
@@ -10583,6 +10644,13 @@
   <p:clrMapOvr>
     <a:masterClrMapping/>
   </p:clrMapOvr>
+  <p:timing>
+    <p:tnLst>
+      <p:par>
+        <p:cTn id="1" dur="indefinite" restart="never" nodeType="tmRoot"/>
+      </p:par>
+    </p:tnLst>
+  </p:timing>
 </p:sld>
 </file>
 
@@ -10594,7 +10662,7 @@
         <p:cNvPr id="1" name="">
           <a:extLst>
             <a:ext uri="{FF2B5EF4-FFF2-40B4-BE49-F238E27FC236}">
-              <a16:creationId xmlns:a16="http://schemas.microsoft.com/office/drawing/2014/main" id="{6AD13276-D651-31DB-39AC-D9CE767348AE}"/>
+              <a16:creationId xmlns:a16="http://schemas.microsoft.com/office/drawing/2014/main" xmlns="" id="{6AD13276-D651-31DB-39AC-D9CE767348AE}"/>
             </a:ext>
           </a:extLst>
         </p:cNvPr>
@@ -10614,7 +10682,7 @@
           <p:cNvPr id="2" name="Título 1">
             <a:extLst>
               <a:ext uri="{FF2B5EF4-FFF2-40B4-BE49-F238E27FC236}">
-                <a16:creationId xmlns:a16="http://schemas.microsoft.com/office/drawing/2014/main" id="{E4E63F76-7E1A-BB2C-1632-9EF50B6C979C}"/>
+                <a16:creationId xmlns:a16="http://schemas.microsoft.com/office/drawing/2014/main" xmlns="" id="{E4E63F76-7E1A-BB2C-1632-9EF50B6C979C}"/>
               </a:ext>
             </a:extLst>
           </p:cNvPr>
@@ -10642,7 +10710,7 @@
           <p:cNvPr id="10" name="Marcador de contenido 9" descr="Flecha&#10;&#10;El contenido generado por IA puede ser incorrecto.">
             <a:extLst>
               <a:ext uri="{FF2B5EF4-FFF2-40B4-BE49-F238E27FC236}">
-                <a16:creationId xmlns:a16="http://schemas.microsoft.com/office/drawing/2014/main" id="{2F188675-DD19-2E42-3D3C-49654877B9BE}"/>
+                <a16:creationId xmlns:a16="http://schemas.microsoft.com/office/drawing/2014/main" xmlns="" id="{2F188675-DD19-2E42-3D3C-49654877B9BE}"/>
               </a:ext>
             </a:extLst>
           </p:cNvPr>
@@ -10661,7 +10729,7 @@
         </p:blipFill>
         <p:spPr>
           <a:xfrm>
-            <a:off x="2353733" y="2371906"/>
+            <a:off x="1633787" y="2382276"/>
             <a:ext cx="3113757" cy="1751488"/>
           </a:xfrm>
         </p:spPr>
@@ -10671,7 +10739,7 @@
           <p:cNvPr id="12" name="Marcador de contenido 11" descr="Imagen que contiene Gráfico&#10;&#10;El contenido generado por IA puede ser incorrecto.">
             <a:extLst>
               <a:ext uri="{FF2B5EF4-FFF2-40B4-BE49-F238E27FC236}">
-                <a16:creationId xmlns:a16="http://schemas.microsoft.com/office/drawing/2014/main" id="{B906A027-E11C-3167-21A3-147F33772B51}"/>
+                <a16:creationId xmlns:a16="http://schemas.microsoft.com/office/drawing/2014/main" xmlns="" id="{B906A027-E11C-3167-21A3-147F33772B51}"/>
               </a:ext>
             </a:extLst>
           </p:cNvPr>
@@ -10700,7 +10768,7 @@
           <p:cNvPr id="15" name="Imagen 14" descr="Imagen que contiene tabla, teléfono&#10;&#10;El contenido generado por IA puede ser incorrecto.">
             <a:extLst>
               <a:ext uri="{FF2B5EF4-FFF2-40B4-BE49-F238E27FC236}">
-                <a16:creationId xmlns:a16="http://schemas.microsoft.com/office/drawing/2014/main" id="{E8A0FCCF-ED4F-434B-41DC-4E557A95CB90}"/>
+                <a16:creationId xmlns:a16="http://schemas.microsoft.com/office/drawing/2014/main" xmlns="" id="{E8A0FCCF-ED4F-434B-41DC-4E557A95CB90}"/>
               </a:ext>
             </a:extLst>
           </p:cNvPr>
@@ -10717,7 +10785,7 @@
         </p:blipFill>
         <p:spPr>
           <a:xfrm>
-            <a:off x="2353731" y="4777308"/>
+            <a:off x="1633786" y="4787679"/>
             <a:ext cx="3113757" cy="1751489"/>
           </a:xfrm>
           <a:prstGeom prst="rect">
@@ -10730,7 +10798,7 @@
           <p:cNvPr id="17" name="Imagen 16" descr="Imagen que contiene computadora&#10;&#10;El contenido generado por IA puede ser incorrecto.">
             <a:extLst>
               <a:ext uri="{FF2B5EF4-FFF2-40B4-BE49-F238E27FC236}">
-                <a16:creationId xmlns:a16="http://schemas.microsoft.com/office/drawing/2014/main" id="{283209BE-81D2-5CF8-0A7C-39689412FEAC}"/>
+                <a16:creationId xmlns:a16="http://schemas.microsoft.com/office/drawing/2014/main" xmlns="" id="{283209BE-81D2-5CF8-0A7C-39689412FEAC}"/>
               </a:ext>
             </a:extLst>
           </p:cNvPr>
@@ -10760,7 +10828,7 @@
           <p:cNvPr id="3" name="CuadroTexto 2">
             <a:extLst>
               <a:ext uri="{FF2B5EF4-FFF2-40B4-BE49-F238E27FC236}">
-                <a16:creationId xmlns:a16="http://schemas.microsoft.com/office/drawing/2014/main" id="{DD5FCCF5-E750-839B-FC4A-FD18618FCEC5}"/>
+                <a16:creationId xmlns:a16="http://schemas.microsoft.com/office/drawing/2014/main" xmlns="" id="{DD5FCCF5-E750-839B-FC4A-FD18618FCEC5}"/>
               </a:ext>
             </a:extLst>
           </p:cNvPr>
@@ -10769,7 +10837,7 @@
         </p:nvSpPr>
         <p:spPr>
           <a:xfrm>
-            <a:off x="3097950" y="1860281"/>
+            <a:off x="2216070" y="1895632"/>
             <a:ext cx="1949188" cy="430887"/>
           </a:xfrm>
           <a:prstGeom prst="rect">
@@ -10812,7 +10880,7 @@
           <p:cNvPr id="4" name="CuadroTexto 3">
             <a:extLst>
               <a:ext uri="{FF2B5EF4-FFF2-40B4-BE49-F238E27FC236}">
-                <a16:creationId xmlns:a16="http://schemas.microsoft.com/office/drawing/2014/main" id="{43E9E175-1368-A1A0-F801-CD143A9EB64C}"/>
+                <a16:creationId xmlns:a16="http://schemas.microsoft.com/office/drawing/2014/main" xmlns="" id="{43E9E175-1368-A1A0-F801-CD143A9EB64C}"/>
               </a:ext>
             </a:extLst>
           </p:cNvPr>
@@ -10821,7 +10889,7 @@
         </p:nvSpPr>
         <p:spPr>
           <a:xfrm>
-            <a:off x="7738843" y="1860281"/>
+            <a:off x="7738843" y="1885260"/>
             <a:ext cx="1918730" cy="430887"/>
           </a:xfrm>
           <a:prstGeom prst="rect">
@@ -10872,7 +10940,7 @@
           <p:cNvPr id="5" name="CuadroTexto 4">
             <a:extLst>
               <a:ext uri="{FF2B5EF4-FFF2-40B4-BE49-F238E27FC236}">
-                <a16:creationId xmlns:a16="http://schemas.microsoft.com/office/drawing/2014/main" id="{35D76FB3-EE89-87FE-701D-9B70CBA3AC05}"/>
+                <a16:creationId xmlns:a16="http://schemas.microsoft.com/office/drawing/2014/main" xmlns="" id="{35D76FB3-EE89-87FE-701D-9B70CBA3AC05}"/>
               </a:ext>
             </a:extLst>
           </p:cNvPr>
@@ -10881,7 +10949,7 @@
         </p:nvSpPr>
         <p:spPr>
           <a:xfrm>
-            <a:off x="2936015" y="4234907"/>
+            <a:off x="2085842" y="4245278"/>
             <a:ext cx="2209644" cy="430887"/>
           </a:xfrm>
           <a:prstGeom prst="rect">
@@ -10932,7 +11000,7 @@
           <p:cNvPr id="6" name="CuadroTexto 5">
             <a:extLst>
               <a:ext uri="{FF2B5EF4-FFF2-40B4-BE49-F238E27FC236}">
-                <a16:creationId xmlns:a16="http://schemas.microsoft.com/office/drawing/2014/main" id="{00B979FC-7724-2CD0-0C90-21D41C6540F7}"/>
+                <a16:creationId xmlns:a16="http://schemas.microsoft.com/office/drawing/2014/main" xmlns="" id="{00B979FC-7724-2CD0-0C90-21D41C6540F7}"/>
               </a:ext>
             </a:extLst>
           </p:cNvPr>
@@ -10941,8 +11009,8 @@
         </p:nvSpPr>
         <p:spPr>
           <a:xfrm>
-            <a:off x="8329357" y="4204134"/>
-            <a:ext cx="768159" cy="430887"/>
+            <a:off x="8100128" y="4231769"/>
+            <a:ext cx="1226618" cy="430887"/>
           </a:xfrm>
           <a:prstGeom prst="rect">
             <a:avLst/>
@@ -10956,14 +11024,52 @@
           <a:lstStyle/>
           <a:p>
             <a:r>
-              <a:rPr lang="es-ES" sz="2200" dirty="0" err="1">
+              <a:rPr lang="es-ES" sz="2200" dirty="0" err="1" smtClean="0">
                 <a:solidFill>
                   <a:schemeClr val="accent2"/>
                 </a:solidFill>
               </a:rPr>
-              <a:t>Click</a:t>
+              <a:t>Clickable</a:t>
             </a:r>
             <a:endParaRPr lang="es-ES" sz="2200" dirty="0">
+              <a:solidFill>
+                <a:schemeClr val="accent2"/>
+              </a:solidFill>
+            </a:endParaRPr>
+          </a:p>
+        </p:txBody>
+      </p:sp>
+      <p:sp>
+        <p:nvSpPr>
+          <p:cNvPr id="7" name="CuadroTexto 6"/>
+          <p:cNvSpPr txBox="1"/>
+          <p:nvPr/>
+        </p:nvSpPr>
+        <p:spPr>
+          <a:xfrm>
+            <a:off x="5454255" y="3862437"/>
+            <a:ext cx="1232452" cy="369332"/>
+          </a:xfrm>
+          <a:prstGeom prst="rect">
+            <a:avLst/>
+          </a:prstGeom>
+          <a:noFill/>
+        </p:spPr>
+        <p:txBody>
+          <a:bodyPr wrap="square" rtlCol="0">
+            <a:spAutoFit/>
+          </a:bodyPr>
+          <a:lstStyle/>
+          <a:p>
+            <a:r>
+              <a:rPr lang="es-ES" dirty="0" smtClean="0">
+                <a:solidFill>
+                  <a:schemeClr val="accent2"/>
+                </a:solidFill>
+              </a:rPr>
+              <a:t>Grabable</a:t>
+            </a:r>
+            <a:endParaRPr lang="es-ES" dirty="0">
               <a:solidFill>
                 <a:schemeClr val="accent2"/>
               </a:solidFill>
@@ -10981,6 +11087,13 @@
   <p:clrMapOvr>
     <a:masterClrMapping/>
   </p:clrMapOvr>
+  <p:timing>
+    <p:tnLst>
+      <p:par>
+        <p:cTn id="1" dur="indefinite" restart="never" nodeType="tmRoot"/>
+      </p:par>
+    </p:tnLst>
+  </p:timing>
 </p:sld>
 </file>
 
@@ -11006,7 +11119,7 @@
           <p:cNvPr id="2" name="Título 1">
             <a:extLst>
               <a:ext uri="{FF2B5EF4-FFF2-40B4-BE49-F238E27FC236}">
-                <a16:creationId xmlns:a16="http://schemas.microsoft.com/office/drawing/2014/main" id="{19E835AF-BF43-22A2-B6ED-4C2D80FF8DCD}"/>
+                <a16:creationId xmlns:a16="http://schemas.microsoft.com/office/drawing/2014/main" xmlns="" id="{19E835AF-BF43-22A2-B6ED-4C2D80FF8DCD}"/>
               </a:ext>
             </a:extLst>
           </p:cNvPr>
@@ -11034,7 +11147,7 @@
           <p:cNvPr id="6" name="Marcador de contenido 5">
             <a:extLst>
               <a:ext uri="{FF2B5EF4-FFF2-40B4-BE49-F238E27FC236}">
-                <a16:creationId xmlns:a16="http://schemas.microsoft.com/office/drawing/2014/main" id="{6D475090-73A0-F59A-CCE1-CCD9E831D5D0}"/>
+                <a16:creationId xmlns:a16="http://schemas.microsoft.com/office/drawing/2014/main" xmlns="" id="{6D475090-73A0-F59A-CCE1-CCD9E831D5D0}"/>
               </a:ext>
             </a:extLst>
           </p:cNvPr>
@@ -11064,28 +11177,28 @@
                 <a:gridCol w="2012718">
                   <a:extLst>
                     <a:ext uri="{9D8B030D-6E8A-4147-A177-3AD203B41FA5}">
-                      <a16:colId xmlns:a16="http://schemas.microsoft.com/office/drawing/2014/main" val="1237714882"/>
+                      <a16:colId xmlns:a16="http://schemas.microsoft.com/office/drawing/2014/main" xmlns="" val="1237714882"/>
                     </a:ext>
                   </a:extLst>
                 </a:gridCol>
                 <a:gridCol w="3797559">
                   <a:extLst>
                     <a:ext uri="{9D8B030D-6E8A-4147-A177-3AD203B41FA5}">
-                      <a16:colId xmlns:a16="http://schemas.microsoft.com/office/drawing/2014/main" val="20001"/>
+                      <a16:colId xmlns:a16="http://schemas.microsoft.com/office/drawing/2014/main" xmlns="" val="20001"/>
                     </a:ext>
                   </a:extLst>
                 </a:gridCol>
                 <a:gridCol w="2448739">
                   <a:extLst>
                     <a:ext uri="{9D8B030D-6E8A-4147-A177-3AD203B41FA5}">
-                      <a16:colId xmlns:a16="http://schemas.microsoft.com/office/drawing/2014/main" val="2152919591"/>
+                      <a16:colId xmlns:a16="http://schemas.microsoft.com/office/drawing/2014/main" xmlns="" val="2152919591"/>
                     </a:ext>
                   </a:extLst>
                 </a:gridCol>
                 <a:gridCol w="2758984">
                   <a:extLst>
                     <a:ext uri="{9D8B030D-6E8A-4147-A177-3AD203B41FA5}">
-                      <a16:colId xmlns:a16="http://schemas.microsoft.com/office/drawing/2014/main" val="3690353977"/>
+                      <a16:colId xmlns:a16="http://schemas.microsoft.com/office/drawing/2014/main" xmlns="" val="3690353977"/>
                     </a:ext>
                   </a:extLst>
                 </a:gridCol>
@@ -11149,7 +11262,7 @@
                 </a:tc>
                 <a:extLst>
                   <a:ext uri="{0D108BD9-81ED-4DB2-BD59-A6C34878D82A}">
-                    <a16:rowId xmlns:a16="http://schemas.microsoft.com/office/drawing/2014/main" val="1231240131"/>
+                    <a16:rowId xmlns:a16="http://schemas.microsoft.com/office/drawing/2014/main" xmlns="" val="1231240131"/>
                   </a:ext>
                 </a:extLst>
               </a:tr>
@@ -11213,7 +11326,7 @@
                 </a:tc>
                 <a:extLst>
                   <a:ext uri="{0D108BD9-81ED-4DB2-BD59-A6C34878D82A}">
-                    <a16:rowId xmlns:a16="http://schemas.microsoft.com/office/drawing/2014/main" val="1652713779"/>
+                    <a16:rowId xmlns:a16="http://schemas.microsoft.com/office/drawing/2014/main" xmlns="" val="1652713779"/>
                   </a:ext>
                 </a:extLst>
               </a:tr>
@@ -11272,7 +11385,7 @@
                 </a:tc>
                 <a:extLst>
                   <a:ext uri="{0D108BD9-81ED-4DB2-BD59-A6C34878D82A}">
-                    <a16:rowId xmlns:a16="http://schemas.microsoft.com/office/drawing/2014/main" val="3925492534"/>
+                    <a16:rowId xmlns:a16="http://schemas.microsoft.com/office/drawing/2014/main" xmlns="" val="3925492534"/>
                   </a:ext>
                 </a:extLst>
               </a:tr>
@@ -11336,7 +11449,7 @@
                 </a:tc>
                 <a:extLst>
                   <a:ext uri="{0D108BD9-81ED-4DB2-BD59-A6C34878D82A}">
-                    <a16:rowId xmlns:a16="http://schemas.microsoft.com/office/drawing/2014/main" val="2242572653"/>
+                    <a16:rowId xmlns:a16="http://schemas.microsoft.com/office/drawing/2014/main" xmlns="" val="2242572653"/>
                   </a:ext>
                 </a:extLst>
               </a:tr>
@@ -11429,7 +11542,7 @@
                 </a:tc>
                 <a:extLst>
                   <a:ext uri="{0D108BD9-81ED-4DB2-BD59-A6C34878D82A}">
-                    <a16:rowId xmlns:a16="http://schemas.microsoft.com/office/drawing/2014/main" val="1998520040"/>
+                    <a16:rowId xmlns:a16="http://schemas.microsoft.com/office/drawing/2014/main" xmlns="" val="1998520040"/>
                   </a:ext>
                 </a:extLst>
               </a:tr>
@@ -11522,7 +11635,7 @@
                 </a:tc>
                 <a:extLst>
                   <a:ext uri="{0D108BD9-81ED-4DB2-BD59-A6C34878D82A}">
-                    <a16:rowId xmlns:a16="http://schemas.microsoft.com/office/drawing/2014/main" val="4195270764"/>
+                    <a16:rowId xmlns:a16="http://schemas.microsoft.com/office/drawing/2014/main" xmlns="" val="4195270764"/>
                   </a:ext>
                 </a:extLst>
               </a:tr>
@@ -11620,7 +11733,7 @@
                 </a:tc>
                 <a:extLst>
                   <a:ext uri="{0D108BD9-81ED-4DB2-BD59-A6C34878D82A}">
-                    <a16:rowId xmlns:a16="http://schemas.microsoft.com/office/drawing/2014/main" val="4179743263"/>
+                    <a16:rowId xmlns:a16="http://schemas.microsoft.com/office/drawing/2014/main" xmlns="" val="4179743263"/>
                   </a:ext>
                 </a:extLst>
               </a:tr>
@@ -11713,7 +11826,7 @@
                 </a:tc>
                 <a:extLst>
                   <a:ext uri="{0D108BD9-81ED-4DB2-BD59-A6C34878D82A}">
-                    <a16:rowId xmlns:a16="http://schemas.microsoft.com/office/drawing/2014/main" val="1001260874"/>
+                    <a16:rowId xmlns:a16="http://schemas.microsoft.com/office/drawing/2014/main" xmlns="" val="1001260874"/>
                   </a:ext>
                 </a:extLst>
               </a:tr>
@@ -11731,6 +11844,13 @@
   <p:clrMapOvr>
     <a:masterClrMapping/>
   </p:clrMapOvr>
+  <p:timing>
+    <p:tnLst>
+      <p:par>
+        <p:cTn id="1" dur="indefinite" restart="never" nodeType="tmRoot"/>
+      </p:par>
+    </p:tnLst>
+  </p:timing>
 </p:sld>
 </file>
 
@@ -11756,7 +11876,7 @@
           <p:cNvPr id="2" name="Título 1">
             <a:extLst>
               <a:ext uri="{FF2B5EF4-FFF2-40B4-BE49-F238E27FC236}">
-                <a16:creationId xmlns:a16="http://schemas.microsoft.com/office/drawing/2014/main" id="{CFB5BFCC-2107-0DFB-A068-2BBD102A902A}"/>
+                <a16:creationId xmlns:a16="http://schemas.microsoft.com/office/drawing/2014/main" xmlns="" id="{CFB5BFCC-2107-0DFB-A068-2BBD102A902A}"/>
               </a:ext>
             </a:extLst>
           </p:cNvPr>
@@ -11791,7 +11911,7 @@
           <p:cNvPr id="15" name="Text Placeholder 2">
             <a:extLst>
               <a:ext uri="{FF2B5EF4-FFF2-40B4-BE49-F238E27FC236}">
-                <a16:creationId xmlns:a16="http://schemas.microsoft.com/office/drawing/2014/main" id="{6B8E4937-A71A-F6D8-48A1-84038C893128}"/>
+                <a16:creationId xmlns:a16="http://schemas.microsoft.com/office/drawing/2014/main" xmlns="" id="{6B8E4937-A71A-F6D8-48A1-84038C893128}"/>
               </a:ext>
             </a:extLst>
           </p:cNvPr>
@@ -11824,7 +11944,7 @@
           <p:cNvPr id="17" name="Content Placeholder 3">
             <a:extLst>
               <a:ext uri="{FF2B5EF4-FFF2-40B4-BE49-F238E27FC236}">
-                <a16:creationId xmlns:a16="http://schemas.microsoft.com/office/drawing/2014/main" id="{D0846E20-7171-924A-3312-27610FC73870}"/>
+                <a16:creationId xmlns:a16="http://schemas.microsoft.com/office/drawing/2014/main" xmlns="" id="{D0846E20-7171-924A-3312-27610FC73870}"/>
               </a:ext>
             </a:extLst>
           </p:cNvPr>
@@ -11910,7 +12030,7 @@
           <p:cNvPr id="19" name="Text Placeholder 4">
             <a:extLst>
               <a:ext uri="{FF2B5EF4-FFF2-40B4-BE49-F238E27FC236}">
-                <a16:creationId xmlns:a16="http://schemas.microsoft.com/office/drawing/2014/main" id="{4316A3DF-C36E-8EA9-2D3B-6723E8F0840F}"/>
+                <a16:creationId xmlns:a16="http://schemas.microsoft.com/office/drawing/2014/main" xmlns="" id="{4316A3DF-C36E-8EA9-2D3B-6723E8F0840F}"/>
               </a:ext>
             </a:extLst>
           </p:cNvPr>
@@ -11943,7 +12063,7 @@
           <p:cNvPr id="21" name="Content Placeholder 5">
             <a:extLst>
               <a:ext uri="{FF2B5EF4-FFF2-40B4-BE49-F238E27FC236}">
-                <a16:creationId xmlns:a16="http://schemas.microsoft.com/office/drawing/2014/main" id="{EF6F9626-C8AD-34B6-CAAE-F187DF00F1A3}"/>
+                <a16:creationId xmlns:a16="http://schemas.microsoft.com/office/drawing/2014/main" xmlns="" id="{EF6F9626-C8AD-34B6-CAAE-F187DF00F1A3}"/>
               </a:ext>
             </a:extLst>
           </p:cNvPr>
@@ -11991,7 +12111,7 @@
           <p:cNvPr id="7" name="Imagen 6" descr="Interfaz de usuario gráfica&#10;&#10;El contenido generado por IA puede ser incorrecto.">
             <a:extLst>
               <a:ext uri="{FF2B5EF4-FFF2-40B4-BE49-F238E27FC236}">
-                <a16:creationId xmlns:a16="http://schemas.microsoft.com/office/drawing/2014/main" id="{B9882786-FBCE-7B81-BE0D-E13F95C69599}"/>
+                <a16:creationId xmlns:a16="http://schemas.microsoft.com/office/drawing/2014/main" xmlns="" id="{B9882786-FBCE-7B81-BE0D-E13F95C69599}"/>
               </a:ext>
             </a:extLst>
           </p:cNvPr>
@@ -12026,6 +12146,13 @@
   <p:clrMapOvr>
     <a:masterClrMapping/>
   </p:clrMapOvr>
+  <p:timing>
+    <p:tnLst>
+      <p:par>
+        <p:cTn id="1" dur="indefinite" restart="never" nodeType="tmRoot"/>
+      </p:par>
+    </p:tnLst>
+  </p:timing>
 </p:sld>
 </file>
 

--- a/presentacion/presentacion.pptx
+++ b/presentacion/presentacion.pptx
@@ -11047,8 +11047,8 @@
         </p:nvSpPr>
         <p:spPr>
           <a:xfrm>
-            <a:off x="5454255" y="3862437"/>
-            <a:ext cx="1232452" cy="369332"/>
+            <a:off x="5430400" y="3918320"/>
+            <a:ext cx="1274101" cy="430887"/>
           </a:xfrm>
           <a:prstGeom prst="rect">
             <a:avLst/>
@@ -11062,14 +11062,14 @@
           <a:lstStyle/>
           <a:p>
             <a:r>
-              <a:rPr lang="es-ES" dirty="0" smtClean="0">
+              <a:rPr lang="es-ES" sz="2200" dirty="0" smtClean="0">
                 <a:solidFill>
                   <a:schemeClr val="accent2"/>
                 </a:solidFill>
               </a:rPr>
               <a:t>Grabable</a:t>
             </a:r>
-            <a:endParaRPr lang="es-ES" dirty="0">
+            <a:endParaRPr lang="es-ES" sz="2200" dirty="0">
               <a:solidFill>
                 <a:schemeClr val="accent2"/>
               </a:solidFill>
